--- a/ResourceFiles/Mystic Spice Premium Chai Market Analysis Presentation.pptx
+++ b/ResourceFiles/Mystic Spice Premium Chai Market Analysis Presentation.pptx
@@ -524,7 +524,7 @@
                 <a:ea typeface="MS UI Gothic"/>
                 <a:cs typeface="MS UI Gothic"/>
               </a:rPr>
-              <a:t>このプレゼンテーションは、このドキュメントで見つかったコンテンツに基づいて、PowerPoint Copilot によって自動的に生成されました:</a:t>
+              <a:t>このプレゼンテーションは、以下のドキュメントで見つかったコンテンツに基づいて、PowerPoint Copilot によって自動的に生成されました: </a:t>
             </a:r>
             <a:r>
               <a:rPr sz="1200"/>
@@ -568,7 +568,7 @@
                 <a:ea typeface="MS UI Gothic"/>
                 <a:cs typeface="MS UI Gothic"/>
               </a:rPr>
-              <a:t>AI で生成されたコンテンツが正しくない可能性があります。</a:t>
+              <a:t>AI で生成されたコンテンツは正しくない可能性があります。</a:t>
             </a:r>
           </a:p>
         </p:txBody>
@@ -685,7 +685,7 @@
                 <a:ea typeface="MS UI Gothic"/>
                 <a:cs typeface="MS UI Gothic"/>
               </a:rPr>
-              <a:t>ラテン アメリカの主要なディストリビューターには、ユニリーヴァー、ネスレ、コカ コーラ、ペプシコなどがあります。</a:t>
+              <a:t>ラテン アメリカにおける主要なディストリビューターには、Unilever、Nestle、Coca-Cola、PepsiCo. などがあります。</a:t>
             </a:r>
             <a:r>
               <a:rPr sz="1200"/>
@@ -712,7 +712,7 @@
                 <a:ea typeface="MS UI Gothic"/>
                 <a:cs typeface="MS UI Gothic"/>
               </a:rPr>
-              <a:t>オリジナルコンテンツ:</a:t>
+              <a:t>オリジナル コンテンツ: </a:t>
             </a:r>
             <a:r>
               <a:rPr sz="1200"/>
@@ -729,7 +729,7 @@
                 <a:ea typeface="MS UI Gothic"/>
                 <a:cs typeface="MS UI Gothic"/>
               </a:rPr>
-              <a:t>ディストリブターは、製造元または卸売業者に代わってチャイティー製品を表し、配布するビジネスです。</a:t>
+              <a:t>流通業者とは、製造元や卸売業者に代わってチャイ ティー製品を代理販売する企業です。</a:t>
             </a:r>
             <a:r>
               <a:rPr lang="ja-JP" sz="1200" b="0" i="0" strike="noStrike" cap="none" baseline="0">
@@ -766,6 +766,11 @@
                 <a:cs typeface="MS UI Gothic"/>
               </a:rPr>
               <a:t>ラテン アメリカにおけるチャイ ティー製品の主要な流通業者には、Unilever、Nestle、Coca-Cola、PepsiCo などがあります。</a:t>
+            </a:r>
+            <a:r>
+              <a:rPr sz="1200"/>
+              <a:t>
+</a:t>
             </a:r>
           </a:p>
         </p:txBody>
@@ -909,7 +914,7 @@
                 <a:ea typeface="MS UI Gothic"/>
                 <a:cs typeface="MS UI Gothic"/>
               </a:rPr>
-              <a:t>オリジナルコンテンツ:</a:t>
+              <a:t>オリジナル コンテンツ:</a:t>
             </a:r>
             <a:r>
               <a:rPr sz="1200"/>
@@ -926,7 +931,7 @@
                 <a:ea typeface="MS UI Gothic"/>
                 <a:cs typeface="MS UI Gothic"/>
               </a:rPr>
-              <a:t>プロモーションプランと戦略</a:t>
+              <a:t>販売推進計画と戦略</a:t>
             </a:r>
             <a:r>
               <a:rPr sz="1200"/>
@@ -943,7 +948,7 @@
                 <a:ea typeface="MS UI Gothic"/>
                 <a:cs typeface="MS UI Gothic"/>
               </a:rPr>
-              <a:t>ラテンアメリカのチャイティーのプロモーション計画と戦略は、次の目標を達成することを目指しています:</a:t>
+              <a:t>ラテン アメリカのチャイ ティーの販売推進計画と戦略は、次の目標を達成することを目指しています:</a:t>
             </a:r>
             <a:r>
               <a:rPr sz="1200"/>
@@ -960,7 +965,7 @@
                 <a:ea typeface="MS UI Gothic"/>
                 <a:cs typeface="MS UI Gothic"/>
               </a:rPr>
-              <a:t>·        ターゲット客の間でチャイティーへの意識と関心を高める</a:t>
+              <a:t>·        ターゲット客の間でチャイ ティーへの意識と関心を高める</a:t>
             </a:r>
             <a:r>
               <a:rPr sz="1200"/>
@@ -977,7 +982,7 @@
                 <a:ea typeface="MS UI Gothic"/>
                 <a:cs typeface="MS UI Gothic"/>
               </a:rPr>
-              <a:t>·        チャイティーは、ユニークで満足のいく体験を提供するプレミアムで自然で健康的な製品として位置付けます</a:t>
+              <a:t>·        チャイ ティーを、ユニークで満足のいく体験を提供するプレミアムで自然で健康的な製品として位置付ける</a:t>
             </a:r>
             <a:r>
               <a:rPr sz="1200"/>
@@ -994,7 +999,7 @@
                 <a:ea typeface="MS UI Gothic"/>
                 <a:cs typeface="MS UI Gothic"/>
               </a:rPr>
-              <a:t>·        様々なチャネルやインセンティブを通じてチャイティーの試用と購入を奨励</a:t>
+              <a:t>·        様々なチャネルやインセンティブを通じてチャイ ティーの試用と購入を奨励</a:t>
             </a:r>
             <a:r>
               <a:rPr sz="1200"/>
@@ -1011,7 +1016,7 @@
                 <a:ea typeface="MS UI Gothic"/>
                 <a:cs typeface="MS UI Gothic"/>
               </a:rPr>
-              <a:t>·        エンゲージメントとフィードバックを通じてチャイティーの消費者間のロイヤルティとリテンションを構築します</a:t>
+              <a:t>·        エンゲージメントとフィードバックを通じてチャイ ティーの消費者間のロイヤルティとリテンションを構築</a:t>
             </a:r>
             <a:r>
               <a:rPr sz="1200"/>
@@ -1028,7 +1033,7 @@
                 <a:ea typeface="MS UI Gothic"/>
                 <a:cs typeface="MS UI Gothic"/>
               </a:rPr>
-              <a:t>ラテンアメリカのチャイティーのプロモーション計画と戦略は、次のような戦術の組み合わせを使用します:</a:t>
+              <a:t>ラテン アメリカのチャイティーの販売推進計画と戦略は、次のような戦術の組み合わせを使用します:</a:t>
             </a:r>
             <a:r>
               <a:rPr sz="1200"/>
@@ -1045,7 +1050,7 @@
                 <a:ea typeface="MS UI Gothic"/>
                 <a:cs typeface="MS UI Gothic"/>
               </a:rPr>
-              <a:t>·        チャイティーのキャッチーで思い出深いブランド名とロゴを作成</a:t>
+              <a:t>·        チャイ ティーのキャッチーで思い出深いブランド名とロゴを作成</a:t>
             </a:r>
             <a:r>
               <a:rPr sz="1200"/>
@@ -1062,7 +1067,7 @@
                 <a:ea typeface="MS UI Gothic"/>
                 <a:cs typeface="MS UI Gothic"/>
               </a:rPr>
-              <a:t>·        その利点、特徴、ストーリーを紹介するチャイティーのウェブサイトとソーシャルメディアのプレゼンスを開発</a:t>
+              <a:t>·        チャイ ティーの利点、特徴、ストーリーを紹介する Web サイトとソーシャル メディアのプレゼンスを開発</a:t>
             </a:r>
             <a:r>
               <a:rPr sz="1200"/>
@@ -1079,7 +1084,7 @@
                 <a:ea typeface="MS UI Gothic"/>
                 <a:cs typeface="MS UI Gothic"/>
               </a:rPr>
-              <a:t>·        SEO、SEM、電子メールマーケティング、インフルエンサーマーケティングを使用して潜在的な顧客にリーチし、引き付けるデジタルマーケティングキャンペーンを開始します</a:t>
+              <a:t>·        SEO、SEM、電子メール マーケティング、インフルエンサー マーケティングを使用して潜在的な顧客にリーチし、引き付けるデジタル マーケティング キャンペーンを開始</a:t>
             </a:r>
             <a:r>
               <a:rPr sz="1200"/>
@@ -1096,7 +1101,7 @@
                 <a:ea typeface="MS UI Gothic"/>
                 <a:cs typeface="MS UI Gothic"/>
               </a:rPr>
-              <a:t>·        スーパーマーケット、カフェ、健康店などの戦略的な場所でチャイティーの無料サンプルとクーポンを配布しています</a:t>
+              <a:t>·        スーパーマーケット、カフェ、健康店などの戦略的な場所でチャイ ティーの無料サンプルとクーポンを配布</a:t>
             </a:r>
             <a:r>
               <a:rPr sz="1200"/>
@@ -1113,7 +1118,7 @@
                 <a:ea typeface="MS UI Gothic"/>
                 <a:cs typeface="MS UI Gothic"/>
               </a:rPr>
-              <a:t>·        イベントやコンテストを開催し、友人や家族とチャイティーを楽しみます</a:t>
+              <a:t>·        友人や家族とチャイ ティーを楽しむイベントやコンテストを開催</a:t>
             </a:r>
             <a:r>
               <a:rPr sz="1200"/>
@@ -1130,7 +1135,7 @@
                 <a:ea typeface="MS UI Gothic"/>
                 <a:cs typeface="MS UI Gothic"/>
               </a:rPr>
-              <a:t>·        チャイティーと同じ価値とビジョンを共有する地元の企業や組織と提携</a:t>
+              <a:t>·        チャイ ティーと同じ価値とビジョンを共有する地元の企業や組織と提携</a:t>
             </a:r>
             <a:r>
               <a:rPr sz="1200"/>
@@ -1147,7 +1152,7 @@
                 <a:ea typeface="MS UI Gothic"/>
                 <a:cs typeface="MS UI Gothic"/>
               </a:rPr>
-              <a:t>ラテンアメリカのチャイティーのプロモーション計画と戦略は、12ヶ月間にわたって実施され、予算は10万ドルになります。</a:t>
+              <a:t>ラテン アメリカのチャイ ティーの販売推進計画と戦略は、12 か月間にわたって実施され、予算は 10 万ドルになります。</a:t>
             </a:r>
             <a:r>
               <a:rPr lang="ja-JP" sz="1200" b="0" i="0" strike="noStrike" cap="none" baseline="0">
@@ -1160,6 +1165,11 @@
                 <a:cs typeface="MS UI Gothic"/>
               </a:rPr>
               <a:t>この計画は、Web サイトのトラフィック、ソーシャル メディアのエンゲージメント、電子メール開封率、コンバージョン率、販売量、顧客満足度、維持率などの主要業績評価指標を使用して監視および評価されます。</a:t>
+            </a:r>
+            <a:r>
+              <a:rPr sz="1200"/>
+              <a:t>
+</a:t>
             </a:r>
           </a:p>
         </p:txBody>
@@ -1252,7 +1262,7 @@
                 <a:ea typeface="MS UI Gothic"/>
                 <a:cs typeface="MS UI Gothic"/>
               </a:rPr>
-              <a:t>ラテンアメリカでのチャイティーのプロモーション計画と戦略は、認識と関心が20%増加し、市場シェアが10%増加し、販売量と収益が15%増加し、顧客満足度とリテンション率が25%増加することが期待されます。</a:t>
+              <a:t>ラテンアメリカでのチャイ ティーの販売推進計画と戦略によって、認識と関心が 20% 増加し、市場シェアが 10% 増加し、販売量と収益が 15% 増加し、顧客満足度とリテンション率が 25% 増加することが期待されます。</a:t>
             </a:r>
             <a:r>
               <a:rPr sz="1200"/>
@@ -1279,7 +1289,7 @@
                 <a:ea typeface="MS UI Gothic"/>
                 <a:cs typeface="MS UI Gothic"/>
               </a:rPr>
-              <a:t>オリジナルコンテンツ:</a:t>
+              <a:t>オリジナル コンテンツ:</a:t>
             </a:r>
             <a:r>
               <a:rPr sz="1200"/>
@@ -1296,7 +1306,7 @@
                 <a:ea typeface="MS UI Gothic"/>
                 <a:cs typeface="MS UI Gothic"/>
               </a:rPr>
-              <a:t>展開された成果と課題</a:t>
+              <a:t>期待される成果と課題</a:t>
             </a:r>
             <a:r>
               <a:rPr sz="1200"/>
@@ -1313,7 +1323,7 @@
                 <a:ea typeface="MS UI Gothic"/>
                 <a:cs typeface="MS UI Gothic"/>
               </a:rPr>
-              <a:t>ラテン アメリカのチャイティーのプロモーション計画と戦略の期待される成果は:</a:t>
+              <a:t>ラテン アメリカにおけるチャイ ティーの販売推進計画と戦略の期待される成果は:</a:t>
             </a:r>
             <a:r>
               <a:rPr sz="1200"/>
@@ -1330,7 +1340,7 @@
                 <a:ea typeface="MS UI Gothic"/>
                 <a:cs typeface="MS UI Gothic"/>
               </a:rPr>
-              <a:t>·        ターゲット客の中でチャイティーに対する意識と関心が20%増加した</a:t>
+              <a:t>·        ターゲット客の中でチャイ ティーに対する意識と関心が 20% 増加</a:t>
             </a:r>
             <a:r>
               <a:rPr sz="1200"/>
@@ -1347,7 +1357,7 @@
                 <a:ea typeface="MS UI Gothic"/>
                 <a:cs typeface="MS UI Gothic"/>
               </a:rPr>
-              <a:t>·        Chai茶の市場シェアが10%増加した</a:t>
+              <a:t>·        チャイ ティーの市場シェアが 10% 増加</a:t>
             </a:r>
             <a:r>
               <a:rPr sz="1200"/>
@@ -1364,7 +1374,7 @@
                 <a:ea typeface="MS UI Gothic"/>
                 <a:cs typeface="MS UI Gothic"/>
               </a:rPr>
-              <a:t>·        同地域でのチャイティーの販売量と収益が15%増加</a:t>
+              <a:t>·        同地域でのチャイ ティーの販売量と収益が 15% 増加</a:t>
             </a:r>
             <a:r>
               <a:rPr sz="1200"/>
@@ -1381,7 +1391,7 @@
                 <a:ea typeface="MS UI Gothic"/>
                 <a:cs typeface="MS UI Gothic"/>
               </a:rPr>
-              <a:t>·        地域でのチャイティーの顧客満足度とリテンション率が25%増加</a:t>
+              <a:t>·        同地域でのチャイ ティーの顧客満足度とリテンション率が 25% 増加</a:t>
             </a:r>
             <a:r>
               <a:rPr sz="1200"/>
@@ -1479,7 +1489,7 @@
                 <a:ea typeface="MS UI Gothic"/>
                 <a:cs typeface="MS UI Gothic"/>
               </a:rPr>
-              <a:t>ラテンアメリカのチャイティーのプロモーション計画と戦略は、高価格、意識の欠如、他のお茶製品からの競争、規制と文化的障壁、チャイ茶成分の供給と品質に影響を与える可能性のある環境と社会の問題など、いくつかの課題に直面しています。</a:t>
+              <a:t>ラテン アメリカのチャイ ティーの販売推進計画と戦略は、高価格、意識の欠如、他のお茶製品からの競争、規制と文化的障壁、チャイ ティー成分の供給と品質に影響を与える可能性のある環境と社会の問題など、いくつかの課題に直面しています。</a:t>
             </a:r>
             <a:r>
               <a:rPr sz="1200"/>
@@ -1523,7 +1533,7 @@
                 <a:ea typeface="MS UI Gothic"/>
                 <a:cs typeface="MS UI Gothic"/>
               </a:rPr>
-              <a:t>ラテンアメリカのチャイティーのプロモーション計画と戦略の潜在的な課題は:</a:t>
+              <a:t>ラテンアメリカのチャイ ティーの販売推進計画と戦略の潜在的な課題は:</a:t>
             </a:r>
             <a:r>
               <a:rPr sz="1200"/>
@@ -1540,7 +1550,7 @@
                 <a:ea typeface="MS UI Gothic"/>
                 <a:cs typeface="MS UI Gothic"/>
               </a:rPr>
-              <a:t>·        他の飲料と比較してチャイ茶製品の高い価格と低い手頃な価格</a:t>
+              <a:t>·        他の飲料と比較してチャイ ティー製品の高い価格と低い手頃な価格</a:t>
             </a:r>
             <a:r>
               <a:rPr sz="1200"/>
@@ -1557,7 +1567,7 @@
                 <a:ea typeface="MS UI Gothic"/>
                 <a:cs typeface="MS UI Gothic"/>
               </a:rPr>
-              <a:t>·        人口の一部のセグメントの間でチャイティーに対する認識と知識の欠如</a:t>
+              <a:t>·        人口の一部のセグメントの間でチャイ ティーに対する認識と知識の欠如</a:t>
             </a:r>
             <a:r>
               <a:rPr sz="1200"/>
@@ -1574,7 +1584,7 @@
                 <a:ea typeface="MS UI Gothic"/>
                 <a:cs typeface="MS UI Gothic"/>
               </a:rPr>
-              <a:t>·        ハーブ、グリーン、紅茶などの他のお茶製品との競争</a:t>
+              <a:t>·        ハーブ、グリーン、紅茶などの他のお茶製品との競争</a:t>
             </a:r>
             <a:r>
               <a:rPr sz="1200"/>
@@ -1591,7 +1601,7 @@
                 <a:ea typeface="MS UI Gothic"/>
                 <a:cs typeface="MS UI Gothic"/>
               </a:rPr>
-              <a:t>·        一部の国でのチャイ茶製品の参入と拡大を制限する可能性がある規制と文化の障壁</a:t>
+              <a:t>·        一部の国でのチャイ ティー製品の参入と拡大を制限する可能性がある規制と文化の障壁</a:t>
             </a:r>
             <a:r>
               <a:rPr sz="1200"/>
@@ -1608,7 +1618,7 @@
                 <a:ea typeface="MS UI Gothic"/>
                 <a:cs typeface="MS UI Gothic"/>
               </a:rPr>
-              <a:t>·        チャイ茶原料の供給と品質に影響を与える可能性のある環境・社会課題</a:t>
+              <a:t>·        チャイ ティー原料の供給と品質に影響を与える可能性のある環境・社会課題</a:t>
             </a:r>
             <a:r>
               <a:rPr sz="1200"/>
@@ -1757,7 +1767,7 @@
                 <a:ea typeface="MS UI Gothic"/>
                 <a:cs typeface="MS UI Gothic"/>
               </a:rPr>
-              <a:t>オリジナルコンテンツ:</a:t>
+              <a:t>オリジナル コンテンツ:</a:t>
             </a:r>
             <a:r>
               <a:rPr sz="1200"/>
@@ -1774,7 +1784,7 @@
                 <a:ea typeface="MS UI Gothic"/>
                 <a:cs typeface="MS UI Gothic"/>
               </a:rPr>
-              <a:t>市場分析、競争分析、流通チャネル、プロモーション計画と戦略に基づき</a:t>
+              <a:t>市場分析、競争分析、流通チャネル、販売推進計画と戦略に基づき</a:t>
             </a:r>
             <a:r>
               <a:rPr sz="1200"/>
@@ -1791,7 +1801,7 @@
                 <a:ea typeface="MS UI Gothic"/>
                 <a:cs typeface="MS UI Gothic"/>
               </a:rPr>
-              <a:t>ラテンアメリカのチャイティーの将来に向けて、以下の推奨事項と結論を導き出すことができます:</a:t>
+              <a:t>ラテン アメリカのチャイ ティーの将来に向けて、以下の推奨事項と結論を導き出すことができます:</a:t>
             </a:r>
             <a:r>
               <a:rPr sz="1200"/>
@@ -1808,7 +1818,7 @@
                 <a:ea typeface="MS UI Gothic"/>
                 <a:cs typeface="MS UI Gothic"/>
               </a:rPr>
-              <a:t>·        チャイティーは、他の飲料に代わる健康的で自然でエキゾチックな選択肢を提供するため、ラテンアメリカ市場で成長し、成功する可能性のある有望な製品です</a:t>
+              <a:t>·        チャイ ティーは、他の飲料に代わる健康的で自然でエキゾチックな選択肢を提供するため、ラテン アメリカ市場で成長し、成功する可能性のある有望な製品です</a:t>
             </a:r>
             <a:r>
               <a:rPr sz="1200"/>
@@ -1825,7 +1835,7 @@
                 <a:ea typeface="MS UI Gothic"/>
                 <a:cs typeface="MS UI Gothic"/>
               </a:rPr>
-              <a:t>·        チャイティーは、さまざまなセグメントや機会にアピールできるプレミアム、本物、汎用性の高い製品として位置付け、販売する必要があります</a:t>
+              <a:t>·        チャイ ティーは、さまざまなセグメントや機会にアピールできるプレミアム、本物、汎用性の高い製品として位置付け、販売する必要があります</a:t>
             </a:r>
             <a:r>
               <a:rPr sz="1200"/>
@@ -1842,7 +1852,7 @@
                 <a:ea typeface="MS UI Gothic"/>
                 <a:cs typeface="MS UI Gothic"/>
               </a:rPr>
-              <a:t>·        チャイティーは、その豊かな香り、風味、健康上の利点など、独自の特徴と利点を活用して、他の茶製品と区別する必要があります</a:t>
+              <a:t>·        チャイ ティーは、その豊かな香り、風味、健康上の利点など、独自の特徴と利点を活用して、他の茶製品と区別する必要があります</a:t>
             </a:r>
             <a:r>
               <a:rPr sz="1200"/>
@@ -1859,7 +1869,7 @@
                 <a:ea typeface="MS UI Gothic"/>
                 <a:cs typeface="MS UI Gothic"/>
               </a:rPr>
-              <a:t>·        チャイティーは、オンラインとオフラインの戦術を組み合わせてターゲットオーディエンスにリーチし、エンゲージメントを高め、忠実で満足した顧客基盤を作る必要があります</a:t>
+              <a:t>·        チャイ ティーは、オンラインとオフラインの戦術を組み合わせてターゲット オーディエンスにリーチし、エンゲージメントを高め、忠実で満足した顧客基盤を作る必要があります</a:t>
             </a:r>
             <a:r>
               <a:rPr sz="1200"/>
@@ -1876,7 +1886,7 @@
                 <a:ea typeface="MS UI Gothic"/>
                 <a:cs typeface="MS UI Gothic"/>
               </a:rPr>
-              <a:t>·        チャイティーは、価格、意識、競争、規制、持続可能性など、地域の成長と拡大を妨げる可能性のある課題や脅威を克服する必要があります</a:t>
+              <a:t>·        チャイ ティーは、価格、意識、競争、規制、持続可能性など、地域の成長と拡大を妨げる可能性のある課題や脅威を克服する必要があります</a:t>
             </a:r>
             <a:r>
               <a:rPr sz="1200"/>
@@ -1893,7 +1903,7 @@
                 <a:ea typeface="MS UI Gothic"/>
                 <a:cs typeface="MS UI Gothic"/>
               </a:rPr>
-              <a:t>チャイティーは、ラテンアメリカ市場で多くの可能性と機会を持つ製品ですが、いくつかの課題やリスクにも直面しています。</a:t>
+              <a:t>チャイ ティーは、ラテン アメリカ市場で多くの可能性と機会を持つ製品ですが、いくつかの課題やリスクにも直面しています。</a:t>
             </a:r>
             <a:r>
               <a:rPr lang="ja-JP" sz="1200" b="0" i="0" strike="noStrike" cap="none" baseline="0">
@@ -1917,7 +1927,12 @@
                 <a:ea typeface="MS UI Gothic"/>
                 <a:cs typeface="MS UI Gothic"/>
               </a:rPr>
-              <a:t>ただし、プロモーション計画と戦略は、市場の状況の変化や顧客からのフィードバックに応じて常に監視、評価、調整する必要があります。</a:t>
+              <a:t>ただし、販売推進計画と戦略は、市場の状況の変化や顧客からのフィードバックに応じて常に監視、評価、調整する必要があります。</a:t>
+            </a:r>
+            <a:r>
+              <a:rPr sz="1200"/>
+              <a:t>
+</a:t>
             </a:r>
           </a:p>
         </p:txBody>
@@ -2010,7 +2025,7 @@
                 <a:ea typeface="MS UI Gothic"/>
                 <a:cs typeface="MS UI Gothic"/>
               </a:rPr>
-              <a:t>議題</a:t>
+              <a:t>アジェンダ</a:t>
             </a:r>
             <a:r>
               <a:rPr sz="1200"/>
@@ -2032,7 +2047,7 @@
                 <a:ea typeface="MS UI Gothic"/>
                 <a:cs typeface="MS UI Gothic"/>
               </a:rPr>
-              <a:t>* 概要</a:t>
+              <a:t>* はじめに</a:t>
             </a:r>
             <a:r>
               <a:rPr sz="1200"/>
@@ -2168,7 +2183,7 @@
                 <a:ea typeface="MS UI Gothic"/>
                 <a:cs typeface="MS UI Gothic"/>
               </a:rPr>
-              <a:t> * David's お茶</a:t>
+              <a:t> * David's Tea</a:t>
             </a:r>
             <a:r>
               <a:rPr sz="1200"/>
@@ -2185,7 +2200,7 @@
                 <a:ea typeface="MS UI Gothic"/>
                 <a:cs typeface="MS UI Gothic"/>
               </a:rPr>
-              <a:t> * ローカルブランド</a:t>
+              <a:t> * ローカル ブランド</a:t>
             </a:r>
             <a:r>
               <a:rPr sz="1200"/>
@@ -2202,7 +2217,7 @@
                 <a:ea typeface="MS UI Gothic"/>
                 <a:cs typeface="MS UI Gothic"/>
               </a:rPr>
-              <a:t>* ラテンアメリカにおけるチャイティーの市場シェア</a:t>
+              <a:t>* ラテン アメリカにおけるチャイ ティーの市場シェア</a:t>
             </a:r>
             <a:r>
               <a:rPr sz="1200"/>
@@ -2287,7 +2302,7 @@
                 <a:ea typeface="MS UI Gothic"/>
                 <a:cs typeface="MS UI Gothic"/>
               </a:rPr>
-              <a:t>* プロモーション計画と戦略</a:t>
+              <a:t>* 販売促進計画と戦略</a:t>
             </a:r>
             <a:r>
               <a:rPr sz="1200"/>
@@ -2321,7 +2336,7 @@
                 <a:ea typeface="MS UI Gothic"/>
                 <a:cs typeface="MS UI Gothic"/>
               </a:rPr>
-              <a:t> * 期待される結果</a:t>
+              <a:t> * 期待される成果</a:t>
             </a:r>
             <a:r>
               <a:rPr sz="1200"/>
@@ -2465,7 +2480,7 @@
                 <a:ea typeface="MS UI Gothic"/>
                 <a:cs typeface="MS UI Gothic"/>
               </a:rPr>
-              <a:t>製品の説明、市場動向、競合分析、流通チャネル、プロモーション計画、予想される成果、将来の推奨事項について説明します。</a:t>
+              <a:t>製品の説明、市場動向、競合分析、流通チャネル、販売推進計画、予想される成果、将来の推奨事項について説明します。</a:t>
             </a:r>
             <a:r>
               <a:rPr sz="1200"/>
@@ -2492,7 +2507,7 @@
                 <a:ea typeface="MS UI Gothic"/>
                 <a:cs typeface="MS UI Gothic"/>
               </a:rPr>
-              <a:t>オリジナルコンテンツ:</a:t>
+              <a:t>オリジナル コンテンツ:</a:t>
             </a:r>
             <a:r>
               <a:rPr sz="1200"/>
@@ -2509,7 +2524,7 @@
                 <a:ea typeface="MS UI Gothic"/>
                 <a:cs typeface="MS UI Gothic"/>
               </a:rPr>
-              <a:t>イントロダクション</a:t>
+              <a:t>はじめに</a:t>
             </a:r>
             <a:r>
               <a:rPr sz="1200"/>
@@ -2577,30 +2592,6 @@
               <a:t>また、もてなし、友情、リラクゼーションと関連付けられることが多いため、文化的、歴史的にも豊かな重要性があります。</a:t>
             </a:r>
             <a:r>
-              <a:rPr lang="ja-JP" sz="1200" b="0" i="0" strike="noStrike" cap="none" baseline="0">
-                <a:solidFill>
-                  <a:srgbClr val="000000"/>
-                </a:solidFill>
-                <a:effectLst/>
-                <a:latin typeface="MS UI Gothic"/>
-                <a:ea typeface="MS UI Gothic"/>
-                <a:cs typeface="MS UI Gothic"/>
-              </a:rPr>
-              <a:t>このレポートの目的は、ラテン アメリカ地域に焦点を当てた、Mystic Spice Premium Chai Tea の市場分析を提供することです。</a:t>
-            </a:r>
-            <a:r>
-              <a:rPr lang="ja-JP" sz="1200" b="0" i="0" strike="noStrike" cap="none" baseline="0">
-                <a:solidFill>
-                  <a:srgbClr val="000000"/>
-                </a:solidFill>
-                <a:effectLst/>
-                <a:latin typeface="MS UI Gothic"/>
-                <a:ea typeface="MS UI Gothic"/>
-                <a:cs typeface="MS UI Gothic"/>
-              </a:rPr>
-              <a:t>このレポートでは、次の側面について説明します:</a:t>
-            </a:r>
-            <a:r>
               <a:rPr sz="1200"/>
               <a:t>
 </a:t>
@@ -2615,7 +2606,19 @@
                 <a:ea typeface="MS UI Gothic"/>
                 <a:cs typeface="MS UI Gothic"/>
               </a:rPr>
-              <a:t>·        ミスティックスパイスプレミアムチャイティーの製品説明、機能、利点</a:t>
+              <a:t>このレポートの目的は、ラテン アメリカ地域に焦点を当てた、Mystic Spice Premium Chai Tea の市場分析を提供することです。</a:t>
+            </a:r>
+            <a:r>
+              <a:rPr lang="ja-JP" sz="1200" b="0" i="0" strike="noStrike" cap="none" baseline="0">
+                <a:solidFill>
+                  <a:srgbClr val="000000"/>
+                </a:solidFill>
+                <a:effectLst/>
+                <a:latin typeface="MS UI Gothic"/>
+                <a:ea typeface="MS UI Gothic"/>
+                <a:cs typeface="MS UI Gothic"/>
+              </a:rPr>
+              <a:t>このレポートでは、次の側面について説明します:</a:t>
             </a:r>
             <a:r>
               <a:rPr sz="1200"/>
@@ -2632,7 +2635,7 @@
                 <a:ea typeface="MS UI Gothic"/>
                 <a:cs typeface="MS UI Gothic"/>
               </a:rPr>
-              <a:t>·        ラテンアメリカにおけるチャイティーの市場動向と需要</a:t>
+              <a:t>·        Mystic Spice Premium Chai Tea の製品説明、機能、利点</a:t>
             </a:r>
             <a:r>
               <a:rPr sz="1200"/>
@@ -2649,7 +2652,7 @@
                 <a:ea typeface="MS UI Gothic"/>
                 <a:cs typeface="MS UI Gothic"/>
               </a:rPr>
-              <a:t>·        ラテンアメリカにおけるチャイ茶の競合分析</a:t>
+              <a:t>·        ラテン アメリカにおけるチャイ ティーの市場動向と需要</a:t>
             </a:r>
             <a:r>
               <a:rPr sz="1200"/>
@@ -2666,7 +2669,7 @@
                 <a:ea typeface="MS UI Gothic"/>
                 <a:cs typeface="MS UI Gothic"/>
               </a:rPr>
-              <a:t>·        ラテン アメリカのチャイティーの流通チャネル</a:t>
+              <a:t>·        ラテン アメリカにおけるチャイ ティーの競合分析</a:t>
             </a:r>
             <a:r>
               <a:rPr sz="1200"/>
@@ -2683,7 +2686,7 @@
                 <a:ea typeface="MS UI Gothic"/>
                 <a:cs typeface="MS UI Gothic"/>
               </a:rPr>
-              <a:t>·        ラテンアメリカにおけるチャイティーのプロモーション計画と戦略</a:t>
+              <a:t>·        ラテン アメリカにおけるチャイ ティーの流通チャネル</a:t>
             </a:r>
             <a:r>
               <a:rPr sz="1200"/>
@@ -2700,7 +2703,7 @@
                 <a:ea typeface="MS UI Gothic"/>
                 <a:cs typeface="MS UI Gothic"/>
               </a:rPr>
-              <a:t>·        プロモーション計画の期待される成果と課題</a:t>
+              <a:t>·        ラテン アメリカにおけるチャイ ティーの販売推進計画と戦略</a:t>
             </a:r>
             <a:r>
               <a:rPr sz="1200"/>
@@ -2717,7 +2720,24 @@
                 <a:ea typeface="MS UI Gothic"/>
                 <a:cs typeface="MS UI Gothic"/>
               </a:rPr>
-              <a:t>·        ラテン アメリカのチャイ茶の将来のための推奨事項と結論</a:t>
+              <a:t>·        販売推進計画の期待される成果と課題</a:t>
+            </a:r>
+            <a:r>
+              <a:rPr sz="1200"/>
+              <a:t>
+</a:t>
+            </a:r>
+            <a:r>
+              <a:rPr lang="ja-JP" sz="1200" b="0" i="0" strike="noStrike" cap="none" baseline="0">
+                <a:solidFill>
+                  <a:srgbClr val="000000"/>
+                </a:solidFill>
+                <a:effectLst/>
+                <a:latin typeface="MS UI Gothic"/>
+                <a:ea typeface="MS UI Gothic"/>
+                <a:cs typeface="MS UI Gothic"/>
+              </a:rPr>
+              <a:t>·        ラテン アメリカにおけるチャイ ティーの将来のための推奨事項と結論</a:t>
             </a:r>
             <a:r>
               <a:rPr sz="1200"/>
@@ -2827,7 +2847,7 @@
                 <a:ea typeface="MS UI Gothic"/>
                 <a:cs typeface="MS UI Gothic"/>
               </a:rPr>
-              <a:t>各カップは、インドの活気に満ちた風景を旅し、本物のチャイ体験をあなたの家にもたらします。</a:t>
+              <a:t>一杯ごとがインドの活気に満ちた風景を巡る魅惑的な旅にあなたを誘い、あなたの自宅に本格的なチャイ体験をお届けします。</a:t>
             </a:r>
             <a:r>
               <a:rPr sz="1200"/>
@@ -2854,7 +2874,7 @@
                 <a:ea typeface="MS UI Gothic"/>
                 <a:cs typeface="MS UI Gothic"/>
               </a:rPr>
-              <a:t>オリジナルコンテンツ:</a:t>
+              <a:t>オリジナル コンテンツ:</a:t>
             </a:r>
             <a:r>
               <a:rPr sz="1200"/>
@@ -2888,7 +2908,7 @@
                 <a:ea typeface="MS UI Gothic"/>
                 <a:cs typeface="MS UI Gothic"/>
               </a:rPr>
-              <a:t>味のスパイスプレミアムチャイティーは、インドチャイの時代を超越した伝統に敬意を表して細心の注意を払って作られたブレンドです。</a:t>
+              <a:t>Mystic Spice Premium Chai Tea は、インドチャイの時代を超越した伝統に敬意を表して細心の注意を払って作られたブレンドです。</a:t>
             </a:r>
             <a:r>
               <a:rPr lang="ja-JP" sz="1200" b="0" i="0" strike="noStrike" cap="none" baseline="0">
@@ -2913,6 +2933,11 @@
                 <a:cs typeface="MS UI Gothic"/>
               </a:rPr>
               <a:t>Mystic Spice Premium Chai Tea の製品説明、特徴、利点を以下の表にまとめます。</a:t>
+            </a:r>
+            <a:r>
+              <a:rPr sz="1200"/>
+              <a:t>
+</a:t>
             </a:r>
           </a:p>
         </p:txBody>
@@ -3215,7 +3240,7 @@
                 <a:ea typeface="MS UI Gothic"/>
                 <a:cs typeface="MS UI Gothic"/>
               </a:rPr>
-              <a:t>成長の主な要因は、認識の向上、可処分所得の増加、分配の拡大です。</a:t>
+              <a:t>成長の主な原動力には、認知度の向上、可処分所得の増加、流通の拡大が含まれます。</a:t>
             </a:r>
             <a:r>
               <a:rPr sz="1200"/>
@@ -3242,7 +3267,7 @@
                 <a:ea typeface="MS UI Gothic"/>
                 <a:cs typeface="MS UI Gothic"/>
               </a:rPr>
-              <a:t>オリジナルコンテンツ:</a:t>
+              <a:t>オリジナル コンテンツ: </a:t>
             </a:r>
             <a:r>
               <a:rPr sz="1200"/>
@@ -3276,7 +3301,7 @@
                 <a:ea typeface="MS UI Gothic"/>
                 <a:cs typeface="MS UI Gothic"/>
               </a:rPr>
-              <a:t>ラテンアメリカ市場は、健康的で自然でエキゾチックな製品の需要が高まっているため、チャイティーの素晴らしい機会を提供しています。</a:t>
+              <a:t>ラテン アメリカ市場は、健康的、自然的、そしてエキゾチックな製品に対する需要が高まっており、チャイ ティーにとって大きなチャンスをもたらしています。</a:t>
             </a:r>
             <a:r>
               <a:rPr lang="ja-JP" sz="1200" b="0" i="0" strike="noStrike" cap="none" baseline="0">
@@ -3313,42 +3338,6 @@
                 <a:cs typeface="MS UI Gothic"/>
               </a:rPr>
               <a:t>チャイ ティーは、社交、分かち合い、甘いお菓子を満喫することを楽しむラテン アメリカの消費者のライフスタイルや好みにもフィットします。</a:t>
-            </a:r>
-            <a:r>
-              <a:rPr lang="ja-JP" sz="1200" b="0" i="0" strike="noStrike" cap="none" baseline="0">
-                <a:solidFill>
-                  <a:srgbClr val="000000"/>
-                </a:solidFill>
-                <a:effectLst/>
-                <a:latin typeface="MS UI Gothic"/>
-                <a:ea typeface="MS UI Gothic"/>
-                <a:cs typeface="MS UI Gothic"/>
-              </a:rPr>
-              <a:t>Grand View Research のレポートによると、世界のチャイ ティー市場規模は 2019 年に 19 億米ドルと評価され、2020 年から 2027 年まで年間平均成長率 (CAGR) 5.5% で成長すると予想されています。</a:t>
-            </a:r>
-            <a:r>
-              <a:rPr lang="ja-JP" sz="1200" b="0" i="0" strike="noStrike" cap="none" baseline="0">
-                <a:solidFill>
-                  <a:srgbClr val="000000"/>
-                </a:solidFill>
-                <a:effectLst/>
-                <a:latin typeface="MS UI Gothic"/>
-                <a:ea typeface="MS UI Gothic"/>
-                <a:cs typeface="MS UI Gothic"/>
-              </a:rPr>
-              <a:t>また、このレポートでは、ラテン アメリカはチャイ ティーの最も急成長している地域の一つであり、2020 年から 2027 年までの CAGR は 6.2% であると述べています。</a:t>
-            </a:r>
-            <a:r>
-              <a:rPr lang="ja-JP" sz="1200" b="0" i="0" strike="noStrike" cap="none" baseline="0">
-                <a:solidFill>
-                  <a:srgbClr val="000000"/>
-                </a:solidFill>
-                <a:effectLst/>
-                <a:latin typeface="MS UI Gothic"/>
-                <a:ea typeface="MS UI Gothic"/>
-                <a:cs typeface="MS UI Gothic"/>
-              </a:rPr>
-              <a:t>ラテンアメリカでのチャイティーの成長の主な要因は:</a:t>
             </a:r>
             <a:r>
               <a:rPr sz="1200"/>
@@ -3365,7 +3354,31 @@
                 <a:ea typeface="MS UI Gothic"/>
                 <a:cs typeface="MS UI Gothic"/>
               </a:rPr>
-              <a:t>·        チャイティーの健康上の利点と文化的側面に対する意識と関心の高まり</a:t>
+              <a:t>Grand View Research のレポートによると、世界のチャイ ティー市場規模は 2019 年に 19 億米ドルと評価され、2020 年から 2027 年まで年間平均成長率 (CAGR) 5.5% で成長すると予想されています。</a:t>
+            </a:r>
+            <a:r>
+              <a:rPr lang="ja-JP" sz="1200" b="0" i="0" strike="noStrike" cap="none" baseline="0">
+                <a:solidFill>
+                  <a:srgbClr val="000000"/>
+                </a:solidFill>
+                <a:effectLst/>
+                <a:latin typeface="MS UI Gothic"/>
+                <a:ea typeface="MS UI Gothic"/>
+                <a:cs typeface="MS UI Gothic"/>
+              </a:rPr>
+              <a:t>また、このレポートでは、ラテン アメリカはチャイ ティーの最も急成長している地域の一つであり、2020 年から 2027 年までの CAGR は 6.2% であると述べています。</a:t>
+            </a:r>
+            <a:r>
+              <a:rPr lang="ja-JP" sz="1200" b="0" i="0" strike="noStrike" cap="none" baseline="0">
+                <a:solidFill>
+                  <a:srgbClr val="000000"/>
+                </a:solidFill>
+                <a:effectLst/>
+                <a:latin typeface="MS UI Gothic"/>
+                <a:ea typeface="MS UI Gothic"/>
+                <a:cs typeface="MS UI Gothic"/>
+              </a:rPr>
+              <a:t>ラテン アメリカでのチャイ ティーの成長の主な要因は次の通りです。</a:t>
             </a:r>
             <a:r>
               <a:rPr sz="1200"/>
@@ -3382,7 +3395,7 @@
                 <a:ea typeface="MS UI Gothic"/>
                 <a:cs typeface="MS UI Gothic"/>
               </a:rPr>
-              <a:t>·        中産階級の消費者の可処分所得と支出力の上昇</a:t>
+              <a:t>·        チャイティーの健康上の利点と文化的側面に対する意識と関心の高まり</a:t>
             </a:r>
             <a:r>
               <a:rPr sz="1200"/>
@@ -3399,7 +3412,7 @@
                 <a:ea typeface="MS UI Gothic"/>
                 <a:cs typeface="MS UI Gothic"/>
               </a:rPr>
-              <a:t>·        若い、都市のセグメントの中で専門とプレミアムティーの人気が高まっています</a:t>
+              <a:t>·        中産階級の消費者の可処分所得と支出力の上昇</a:t>
             </a:r>
             <a:r>
               <a:rPr sz="1200"/>
@@ -3416,7 +3429,7 @@
                 <a:ea typeface="MS UI Gothic"/>
                 <a:cs typeface="MS UI Gothic"/>
               </a:rPr>
-              <a:t>·        スーパーマーケット、カフェ、オンラインプラットフォームなど、さまざまなチャネルでのチャイティー製品の流通と入手可能性の拡大</a:t>
+              <a:t>·        若年層と都市部セグメントで高まる専門とプレミアム ティーの人気</a:t>
             </a:r>
             <a:r>
               <a:rPr sz="1200"/>
@@ -3433,7 +3446,24 @@
                 <a:ea typeface="MS UI Gothic"/>
                 <a:cs typeface="MS UI Gothic"/>
               </a:rPr>
-              <a:t>·        すぐに飲める、インスタント、オーガニックな品種など、チャイティーの新しい革新的な味とフォーマットの出現</a:t>
+              <a:t>·        スーパーマーケット、カフェ、オンライン プラットフォームなど、さまざまなチャネルでのチャイ ティー製品の流通と入手可能性の拡大</a:t>
+            </a:r>
+            <a:r>
+              <a:rPr sz="1200"/>
+              <a:t>
+</a:t>
+            </a:r>
+            <a:r>
+              <a:rPr lang="ja-JP" sz="1200" b="0" i="0" strike="noStrike" cap="none" baseline="0">
+                <a:solidFill>
+                  <a:srgbClr val="000000"/>
+                </a:solidFill>
+                <a:effectLst/>
+                <a:latin typeface="MS UI Gothic"/>
+                <a:ea typeface="MS UI Gothic"/>
+                <a:cs typeface="MS UI Gothic"/>
+              </a:rPr>
+              <a:t>·        すぐに飲める、インスタント、オーガニックな品種など、チャイ ティーの新しい革新的な味と形の出現</a:t>
             </a:r>
             <a:r>
               <a:rPr sz="1200"/>
@@ -3594,7 +3624,7 @@
                 <a:ea typeface="MS UI Gothic"/>
                 <a:cs typeface="MS UI Gothic"/>
               </a:rPr>
-              <a:t>オリジナルコンテンツ:</a:t>
+              <a:t>オリジナル コンテンツ: </a:t>
             </a:r>
             <a:r>
               <a:rPr sz="1200"/>
@@ -3611,7 +3641,7 @@
                 <a:ea typeface="MS UI Gothic"/>
                 <a:cs typeface="MS UI Gothic"/>
               </a:rPr>
-              <a:t>ラテンアメリカのチャイティーの流通チャネルは、チャイティー製品を最終消費者に配送して販売する方法と手段です。</a:t>
+              <a:t>ラテン アメリカにおけるチャイ ティーの流通チャネルは、チャイ ティー製品が最終消費者に届けられ、販売される方法と手段です。</a:t>
             </a:r>
             <a:r>
               <a:rPr lang="ja-JP" sz="1200" b="0" i="0" strike="noStrike" cap="none" baseline="0">
@@ -3626,6 +3656,11 @@
               <a:t>ラテン アメリカにおけるチャイ ティーの流通チャネルは、小売業者、卸売業者、流通業者の 3 つに分類できます。</a:t>
             </a:r>
             <a:r>
+              <a:rPr sz="1200"/>
+              <a:t>
+</a:t>
+            </a:r>
+            <a:r>
               <a:rPr lang="ja-JP" sz="1200" b="0" i="0" strike="noStrike" cap="none" baseline="0">
                 <a:solidFill>
                   <a:srgbClr val="000000"/>
@@ -3672,6 +3707,11 @@
                 <a:cs typeface="MS UI Gothic"/>
               </a:rPr>
               <a:t>ラテン アメリカにおけるチャイ ティー製品の主な小売業者には、Walmart、Carrefour、Oxxo、Starbucks、Amazon などがあります。</a:t>
+            </a:r>
+            <a:r>
+              <a:rPr sz="1200"/>
+              <a:t>
+</a:t>
             </a:r>
           </a:p>
         </p:txBody>
@@ -3788,7 +3828,7 @@
                 <a:ea typeface="MS UI Gothic"/>
                 <a:cs typeface="MS UI Gothic"/>
               </a:rPr>
-              <a:t>ラテン アメリカの主要な卸売業者には、Cencosud、Grupo Pao de Acucar、La Anonima、Makro があります。</a:t>
+              <a:t>ラテン アメリカにおけるチャイ ティー製品の主要な卸売業者には、Cencosud、Grupo Pao de Acucar、La Anonima、Makro などがあります。</a:t>
             </a:r>
             <a:r>
               <a:rPr sz="1200"/>
@@ -3815,7 +3855,7 @@
                 <a:ea typeface="MS UI Gothic"/>
                 <a:cs typeface="MS UI Gothic"/>
               </a:rPr>
-              <a:t>オリジナルコンテンツ:</a:t>
+              <a:t>オリジナル コンテンツ: </a:t>
             </a:r>
             <a:r>
               <a:rPr sz="1200"/>
@@ -3832,7 +3872,7 @@
                 <a:ea typeface="MS UI Gothic"/>
                 <a:cs typeface="MS UI Gothic"/>
               </a:rPr>
-              <a:t>ホールセラーは、メーカーやディストリビューターからチャイティー製品を一括で購入し、小売業者やその他の仲介業者に販売する企業です。</a:t>
+              <a:t>卸売業者は、製造元や流通業者からチャイ ティー製品を大量に購入し、小売業者やその他の仲介業者に販売する企業です。</a:t>
             </a:r>
             <a:r>
               <a:rPr lang="ja-JP" sz="1200" b="0" i="0" strike="noStrike" cap="none" baseline="0">
@@ -3869,6 +3909,11 @@
                 <a:cs typeface="MS UI Gothic"/>
               </a:rPr>
               <a:t>ラテン アメリカにおけるチャイ ティー製品の主要な卸売業者には、Cencosud、Grupo Pao de Acucar、La Anonima、Makro などがあります。</a:t>
+            </a:r>
+            <a:r>
+              <a:rPr sz="1200"/>
+              <a:t>
+</a:t>
             </a:r>
           </a:p>
         </p:txBody>
@@ -9148,7 +9193,7 @@
                 <a:ea typeface="MS UI Gothic"/>
                 <a:cs typeface="MS UI Gothic"/>
               </a:rPr>
-              <a:t>期待される成果と課題:期待される成果</a:t>
+              <a:t>期待される成果と課題: 期待される成果</a:t>
             </a:r>
           </a:p>
         </p:txBody>
@@ -11576,7 +11621,7 @@
                     <a:lstStyle/>
                     <a:p>
                       <a:r>
-                        <a:rPr lang="ja-JP" sz="3300" b="0" i="0" strike="noStrike" cap="none" baseline="0">
+                        <a:rPr lang="ja-JP" sz="3300" b="1" i="0" strike="noStrike" cap="none" baseline="0">
                           <a:solidFill>
                             <a:srgbClr val="FFFFFF"/>
                           </a:solidFill>
@@ -11585,7 +11630,7 @@
                           <a:ea typeface="MS UI Gothic"/>
                           <a:cs typeface="MS UI Gothic"/>
                         </a:rPr>
-                        <a:t>製品説明</a:t>
+                        <a:t>製品の説明</a:t>
                       </a:r>
                     </a:p>
                   </a:txBody>
@@ -12059,7 +12104,7 @@
                         </a:spcAft>
                       </a:pPr>
                       <a:r>
-                        <a:rPr lang="ja-JP" sz="1400" b="0" i="0" strike="noStrike" cap="none" baseline="0">
+                        <a:rPr lang="ja-JP" sz="1400" b="1" i="0" strike="noStrike" cap="none" baseline="0">
                           <a:solidFill>
                             <a:srgbClr val="FFFFFF"/>
                           </a:solidFill>
@@ -12068,7 +12113,7 @@
                           <a:ea typeface="MS UI Gothic"/>
                           <a:cs typeface="MS UI Gothic"/>
                         </a:rPr>
-                        <a:t>製品説明</a:t>
+                        <a:t>製品の説明</a:t>
                       </a:r>
                       <a:endParaRPr lang="en-US" sz="2300">
                         <a:effectLst/>
@@ -12246,7 +12291,7 @@
                           <a:ea typeface="MS UI Gothic"/>
                           <a:cs typeface="MS UI Gothic"/>
                         </a:rPr>
-                        <a:t>本物のブレンド:私たちのチャイは、プレミアム紅茶の葉と、シナモン、カルダモン、クローブ、ショウガ、黒コショウを含む地上のスパイスの署名の選択の調和のとれたミックスです。</a:t>
+                        <a:t>本物のブレンド: 私たちのチャイは、プレミアム紅茶の葉と、シナモン、カルダモン、クローブ、ショウガ、黒コショウを含む地上のスパイスの調和のとれたシグネチャー セレクション ミックスです。</a:t>
                       </a:r>
                       <a:r>
                         <a:rPr lang="ja-JP" sz="1400" b="0" i="0" strike="noStrike" cap="none" baseline="0">
@@ -12287,7 +12332,7 @@
                           <a:ea typeface="MS UI Gothic"/>
                           <a:cs typeface="MS UI Gothic"/>
                         </a:rPr>
-                        <a:t>健康増進成分:ミスティックスパイスチャイティーの各成分は、その自然な健康上の利点のために選択されています。</a:t>
+                        <a:t>健康増進成分: Mystic Spice Chai Tea の各成分は、その自然な健康上の利点のために選択されています。</a:t>
                       </a:r>
                       <a:r>
                         <a:rPr lang="ja-JP" sz="1400" b="0" i="0" strike="noStrike" cap="none" baseline="0">
@@ -12778,7 +12823,7 @@
                         </a:spcAft>
                       </a:pPr>
                       <a:r>
-                        <a:rPr lang="ja-JP" sz="1100" b="0" i="0" strike="noStrike" cap="none" baseline="0">
+                        <a:rPr lang="ja-JP" sz="1100" b="1" i="0" strike="noStrike" cap="none" baseline="0">
                           <a:solidFill>
                             <a:srgbClr val="FFFFFF"/>
                           </a:solidFill>
@@ -12787,7 +12832,7 @@
                           <a:ea typeface="MS UI Gothic"/>
                           <a:cs typeface="MS UI Gothic"/>
                         </a:rPr>
-                        <a:t>製品説明</a:t>
+                        <a:t>製品の説明</a:t>
                       </a:r>
                       <a:endParaRPr lang="en-US" sz="1700">
                         <a:effectLst/>
@@ -12823,7 +12868,7 @@
                           <a:ea typeface="MS UI Gothic"/>
                           <a:cs typeface="MS UI Gothic"/>
                         </a:rPr>
-                        <a:t>豊かな香りと味:暖かく、辛い香りと深く、活気のあるチャイの味は、一日を始めたり、夜にリラックスするのに最適な飲み物にします。</a:t>
+                        <a:t>豊かな香りと味: 私たちのチャイは暖かく、辛い香りと深く、活気のある味わいを持ち、一日を始めたり、夜にリラックスするのに最適な飲み物です。</a:t>
                       </a:r>
                       <a:r>
                         <a:rPr lang="ja-JP" sz="1100" b="0" i="0" strike="noStrike" cap="none" baseline="0">
@@ -12864,7 +12909,7 @@
                           <a:ea typeface="MS UI Gothic"/>
                           <a:cs typeface="MS UI Gothic"/>
                         </a:rPr>
-                        <a:t>多目的な醸造の選択:あなたのチャイの蒸し熱い、さわやかなアイスティーとして、またはクリーム色のラテとして好むかどうか、私達のブレンドはあらゆる好みに合うために十分に多目的である。</a:t>
+                        <a:t>どんな淹れ方でも: ホット ティー、さわやかなアイス ティー、クリーミーなラテなど、私達のブレンドはどんな好みにも合うように作られています。</a:t>
                       </a:r>
                       <a:r>
                         <a:rPr lang="ja-JP" sz="1100" b="0" i="0" strike="noStrike" cap="none" baseline="0">
@@ -12912,7 +12957,7 @@
                           <a:ea typeface="MS UI Gothic"/>
                           <a:cs typeface="MS UI Gothic"/>
                         </a:rPr>
-                        <a:t>サステナブルソース:持続可能性に努め、有機農業を実践する小規模農場から原料を調達し、最高の品質だけでなく、地球の福祉も確保しています。</a:t>
+                        <a:t>サステナブルソース: 持続可能性に努め、有機農業を実践する小規模農場から原料を調達し、最高の品質だけでなく、地球の福祉も確保しています。</a:t>
                       </a:r>
                       <a:endParaRPr lang="en-US" sz="1700">
                         <a:effectLst/>
@@ -12941,7 +12986,7 @@
                           <a:ea typeface="MS UI Gothic"/>
                           <a:cs typeface="MS UI Gothic"/>
                         </a:rPr>
-                        <a:t>エレガントな包装:ミスティックスパイスチャイティーは美しく設計され、環境に優しい包装で提供され、お茶愛好家やあなた自身のための豪華なお菓子のための理想的な贈り物になります。</a:t>
+                        <a:t>エレガントな包装: Mystic Spice Chai Tea は美しくデザインされ、環境に優しい包装で提供されています。お茶好きの方や自分向けの豪華なご褒美のための理想的な贈り物になります。</a:t>
                       </a:r>
                       <a:endParaRPr lang="en-US" sz="1700">
                         <a:effectLst/>
@@ -12977,7 +13022,7 @@
                           <a:ea typeface="MS UI Gothic"/>
                           <a:cs typeface="MS UI Gothic"/>
                         </a:rPr>
-                        <a:t>顧客満足度保証:私たちは製品の背後に立ち、満足の保証を提供します。</a:t>
+                        <a:t>顧客満足度保証: 私たちは自分たちの製品に自信を持っており、満足保証を提供しています。</a:t>
                       </a:r>
                       <a:r>
                         <a:rPr lang="ja-JP" sz="1100" b="0" i="0" strike="noStrike" cap="none" baseline="0">
@@ -13018,7 +13063,7 @@
                           <a:ea typeface="MS UI Gothic"/>
                           <a:cs typeface="MS UI Gothic"/>
                         </a:rPr>
-                        <a:t>理想的:紅茶愛好家、健康志向の個人、暖かい、辛い飲み物の愛好家、そして伝統的なインドチャイの豊かな味を探索しようとしている人。</a:t>
+                        <a:t>チャイがピッタリな方:  紅茶愛好家、健康志向の方、暖かい、スパイシーな飲み物の愛好家、伝統的なインドチャイの豊かな味を探索したい方。</a:t>
                       </a:r>
                       <a:endParaRPr lang="en-US" sz="1700">
                         <a:effectLst/>
@@ -13711,7 +13756,7 @@
                     <a:lstStyle/>
                     <a:p>
                       <a:r>
-                        <a:rPr lang="ja-JP" sz="2000" b="0" i="0" strike="noStrike" cap="all" baseline="0">
+                        <a:rPr lang="ja-JP" sz="2000" b="1" i="0" strike="noStrike" cap="all" baseline="0">
                           <a:solidFill>
                             <a:srgbClr val="000000"/>
                           </a:solidFill>
@@ -13720,7 +13765,7 @@
                           <a:ea typeface="MS UI Gothic"/>
                           <a:cs typeface="MS UI Gothic"/>
                         </a:rPr>
-                        <a:t>チャイ ティー市場規模 (10 億米ドル)</a:t>
+                        <a:t>チャイ ティーの市場規模 (10億米ドル)</a:t>
                       </a:r>
                     </a:p>
                   </a:txBody>
@@ -13746,7 +13791,7 @@
                     <a:lstStyle/>
                     <a:p>
                       <a:r>
-                        <a:rPr lang="ja-JP" sz="2000" b="0" i="0" strike="noStrike" cap="all" baseline="0">
+                        <a:rPr lang="ja-JP" sz="2000" b="1" i="0" strike="noStrike" cap="all" baseline="0">
                           <a:solidFill>
                             <a:srgbClr val="000000"/>
                           </a:solidFill>
@@ -13755,7 +13800,7 @@
                           <a:ea typeface="MS UI Gothic"/>
                           <a:cs typeface="MS UI Gothic"/>
                         </a:rPr>
-                        <a:t>CAGR (2020 から 2027 年)</a:t>
+                        <a:t>CAGR (2020-2027)</a:t>
                       </a:r>
                     </a:p>
                   </a:txBody>
@@ -14289,7 +14334,7 @@
                 <a:ea typeface="MS UI Gothic"/>
                 <a:cs typeface="MS UI Gothic"/>
               </a:rPr>
-              <a:t>小売業者: チャイ茶製品を消費者に直接販売する</a:t>
+              <a:t>小売業者: チャイ ティー製品を消費者に直接販売する</a:t>
             </a:r>
           </a:p>
           <a:p>
@@ -14363,7 +14408,7 @@
                 <a:ea typeface="MS UI Gothic"/>
                 <a:cs typeface="MS UI Gothic"/>
               </a:rPr>
-              <a:t>卸売業者:チャイティー製品を小売業者に一括で販売する</a:t>
+              <a:t>卸売業者: チャイ ティー製品を小売業者に一括で販売する</a:t>
             </a:r>
           </a:p>
           <a:p>
@@ -14377,7 +14422,7 @@
                 <a:ea typeface="MS UI Gothic"/>
                 <a:cs typeface="MS UI Gothic"/>
               </a:rPr>
-              <a:t>代理店:メーカーから小売業者へのチャイ茶製品の輸送</a:t>
+              <a:t>代理店: メーカーから小売業者にチャイ ティー製品を輸送する</a:t>
             </a:r>
           </a:p>
         </p:txBody>

--- a/ResourceFiles/Mystic Spice Premium Chai Market Analysis Presentation.pptx
+++ b/ResourceFiles/Mystic Spice Premium Chai Market Analysis Presentation.pptx
@@ -1,6 +1,6 @@
 
 <file path=ppt/presentation.xml><?xml version="1.0" encoding="utf-8"?>
-<!--Generated by Aspose.Slides for Java 23.6.1-->
+<!--Generated by Aspose.Slides for Java 23.6-->
 <p:presentation xmlns:r="http://schemas.openxmlformats.org/officeDocument/2006/relationships" xmlns:a="http://schemas.openxmlformats.org/drawingml/2006/main" xmlns:p="http://schemas.openxmlformats.org/presentationml/2006/main" removePersonalInfoOnSave="1" saveSubsetFonts="1">
   <p:sldMasterIdLst>
     <p:sldMasterId id="2147483660" r:id="rId1"/>
@@ -7825,6 +7825,77 @@
           </a:prstGeom>
         </p:spPr>
       </p:pic>
+      <p:sp>
+        <p:nvSpPr>
+          <p:cNvPr id="20" name="TextBox"/>
+          <p:cNvSpPr txBox="1">
+            <a:spLocks noGrp="1" noSelect="1" noRot="1" noMove="1"/>
+          </p:cNvSpPr>
+          <p:nvPr/>
+        </p:nvSpPr>
+        <p:spPr>
+          <a:xfrm>
+            <a:off x="2890520" y="2644140"/>
+            <a:ext cx="6411372" cy="1569660"/>
+          </a:xfrm>
+          <a:prstGeom prst="rect">
+            <a:avLst/>
+          </a:prstGeom>
+          <a:noFill/>
+        </p:spPr>
+        <p:txBody>
+          <a:bodyPr wrap="none" rtlCol="0" anchor="ctr" anchorCtr="1">
+            <a:spAutoFit/>
+          </a:bodyPr>
+          <a:lstStyle>
+            <a:lvl1pPr algn="l">
+              <a:lnSpc>
+                <a:spcPct val="150000"/>
+              </a:lnSpc>
+              <a:spcBef>
+                <a:spcPct val="0"/>
+              </a:spcBef>
+              <a:spcAft>
+                <a:spcPct val="0"/>
+              </a:spcAft>
+              <a:defRPr lang="en-US" sz="3200" b="1" noProof="1" dirty="0">
+                <a:solidFill>
+                  <a:prstClr val="red">
+                    <a:lumOff val="30000"/>
+                    <a:alpha val="40000"/>
+                  </a:prstClr>
+                </a:solidFill>
+                <a:effectLst>
+                  <a:outerShdw blurRad="50800" dist="38100" algn="tr" rotWithShape="0">
+                    <a:prstClr val="black">
+                      <a:alpha val="80000"/>
+                    </a:prstClr>
+                  </a:outerShdw>
+                </a:effectLst>
+                <a:latin typeface="Calibri" pitchFamily="34" charset="0"/>
+              </a:defRPr>
+            </a:lvl1pPr>
+          </a:lstStyle>
+          <a:p>
+            <a:pPr algn="ctr"/>
+            <a:r>
+              <a:t>Evaluation only.</a:t>
+            </a:r>
+          </a:p>
+          <a:p>
+            <a:pPr algn="ctr"/>
+            <a:r>
+              <a:t>Created with Aspose.Slides for Java 23.6.</a:t>
+            </a:r>
+          </a:p>
+          <a:p>
+            <a:pPr algn="ctr"/>
+            <a:r>
+              <a:t>Copyright 2004-2023 Aspose Pty Ltd.</a:t>
+            </a:r>
+          </a:p>
+        </p:txBody>
+      </p:sp>
     </p:spTree>
     <p:extLst>
       <p:ext uri="{BB962C8B-B14F-4D97-AF65-F5344CB8AC3E}">
@@ -8480,6 +8551,77 @@
           </a:prstGeom>
         </p:spPr>
       </p:pic>
+      <p:sp>
+        <p:nvSpPr>
+          <p:cNvPr id="17" name="TextBox"/>
+          <p:cNvSpPr txBox="1">
+            <a:spLocks noGrp="1" noSelect="1" noRot="1" noMove="1"/>
+          </p:cNvSpPr>
+          <p:nvPr/>
+        </p:nvSpPr>
+        <p:spPr>
+          <a:xfrm>
+            <a:off x="2890520" y="2644140"/>
+            <a:ext cx="6411372" cy="1569660"/>
+          </a:xfrm>
+          <a:prstGeom prst="rect">
+            <a:avLst/>
+          </a:prstGeom>
+          <a:noFill/>
+        </p:spPr>
+        <p:txBody>
+          <a:bodyPr wrap="none" rtlCol="0" anchor="ctr" anchorCtr="1">
+            <a:spAutoFit/>
+          </a:bodyPr>
+          <a:lstStyle>
+            <a:lvl1pPr algn="l">
+              <a:lnSpc>
+                <a:spcPct val="150000"/>
+              </a:lnSpc>
+              <a:spcBef>
+                <a:spcPct val="0"/>
+              </a:spcBef>
+              <a:spcAft>
+                <a:spcPct val="0"/>
+              </a:spcAft>
+              <a:defRPr lang="en-US" sz="3200" b="1" noProof="1" dirty="0">
+                <a:solidFill>
+                  <a:prstClr val="red">
+                    <a:lumOff val="30000"/>
+                    <a:alpha val="40000"/>
+                  </a:prstClr>
+                </a:solidFill>
+                <a:effectLst>
+                  <a:outerShdw blurRad="50800" dist="38100" algn="tr" rotWithShape="0">
+                    <a:prstClr val="black">
+                      <a:alpha val="80000"/>
+                    </a:prstClr>
+                  </a:outerShdw>
+                </a:effectLst>
+                <a:latin typeface="Calibri" pitchFamily="34" charset="0"/>
+              </a:defRPr>
+            </a:lvl1pPr>
+          </a:lstStyle>
+          <a:p>
+            <a:pPr algn="ctr"/>
+            <a:r>
+              <a:t>Evaluation only.</a:t>
+            </a:r>
+          </a:p>
+          <a:p>
+            <a:pPr algn="ctr"/>
+            <a:r>
+              <a:t>Created with Aspose.Slides for Java 23.6.</a:t>
+            </a:r>
+          </a:p>
+          <a:p>
+            <a:pPr algn="ctr"/>
+            <a:r>
+              <a:t>Copyright 2004-2023 Aspose Pty Ltd.</a:t>
+            </a:r>
+          </a:p>
+        </p:txBody>
+      </p:sp>
     </p:spTree>
     <p:extLst>
       <p:ext uri="{BB962C8B-B14F-4D97-AF65-F5344CB8AC3E}">
@@ -8940,6 +9082,77 @@
           </a:p>
         </p:txBody>
       </p:sp>
+      <p:sp>
+        <p:nvSpPr>
+          <p:cNvPr id="11" name="TextBox"/>
+          <p:cNvSpPr txBox="1">
+            <a:spLocks noGrp="1" noSelect="1" noRot="1" noMove="1"/>
+          </p:cNvSpPr>
+          <p:nvPr/>
+        </p:nvSpPr>
+        <p:spPr>
+          <a:xfrm>
+            <a:off x="2890520" y="2644140"/>
+            <a:ext cx="6411372" cy="1569660"/>
+          </a:xfrm>
+          <a:prstGeom prst="rect">
+            <a:avLst/>
+          </a:prstGeom>
+          <a:noFill/>
+        </p:spPr>
+        <p:txBody>
+          <a:bodyPr wrap="none" rtlCol="0" anchor="ctr" anchorCtr="1">
+            <a:spAutoFit/>
+          </a:bodyPr>
+          <a:lstStyle>
+            <a:lvl1pPr algn="l">
+              <a:lnSpc>
+                <a:spcPct val="150000"/>
+              </a:lnSpc>
+              <a:spcBef>
+                <a:spcPct val="0"/>
+              </a:spcBef>
+              <a:spcAft>
+                <a:spcPct val="0"/>
+              </a:spcAft>
+              <a:defRPr lang="en-US" sz="3200" b="1" noProof="1" dirty="0">
+                <a:solidFill>
+                  <a:prstClr val="red">
+                    <a:lumOff val="30000"/>
+                    <a:alpha val="40000"/>
+                  </a:prstClr>
+                </a:solidFill>
+                <a:effectLst>
+                  <a:outerShdw blurRad="50800" dist="38100" algn="tr" rotWithShape="0">
+                    <a:prstClr val="black">
+                      <a:alpha val="80000"/>
+                    </a:prstClr>
+                  </a:outerShdw>
+                </a:effectLst>
+                <a:latin typeface="Calibri" pitchFamily="34" charset="0"/>
+              </a:defRPr>
+            </a:lvl1pPr>
+          </a:lstStyle>
+          <a:p>
+            <a:pPr algn="ctr"/>
+            <a:r>
+              <a:t>Evaluation only.</a:t>
+            </a:r>
+          </a:p>
+          <a:p>
+            <a:pPr algn="ctr"/>
+            <a:r>
+              <a:t>Created with Aspose.Slides for Java 23.6.</a:t>
+            </a:r>
+          </a:p>
+          <a:p>
+            <a:pPr algn="ctr"/>
+            <a:r>
+              <a:t>Copyright 2004-2023 Aspose Pty Ltd.</a:t>
+            </a:r>
+          </a:p>
+        </p:txBody>
+      </p:sp>
     </p:spTree>
     <p:extLst>
       <p:ext uri="{BB962C8B-B14F-4D97-AF65-F5344CB8AC3E}">
@@ -9367,6 +9580,77 @@
                 <a:cs typeface="MS UI Gothic"/>
               </a:rPr>
               <a:t>この地域におけるチャイ ティーの顧客満足度と維持率が 25% 向上</a:t>
+            </a:r>
+          </a:p>
+        </p:txBody>
+      </p:sp>
+      <p:sp>
+        <p:nvSpPr>
+          <p:cNvPr id="17" name="TextBox"/>
+          <p:cNvSpPr txBox="1">
+            <a:spLocks noGrp="1" noSelect="1" noRot="1" noMove="1"/>
+          </p:cNvSpPr>
+          <p:nvPr/>
+        </p:nvSpPr>
+        <p:spPr>
+          <a:xfrm>
+            <a:off x="2890520" y="2644140"/>
+            <a:ext cx="6411372" cy="1569660"/>
+          </a:xfrm>
+          <a:prstGeom prst="rect">
+            <a:avLst/>
+          </a:prstGeom>
+          <a:noFill/>
+        </p:spPr>
+        <p:txBody>
+          <a:bodyPr wrap="none" rtlCol="0" anchor="ctr" anchorCtr="1">
+            <a:spAutoFit/>
+          </a:bodyPr>
+          <a:lstStyle>
+            <a:lvl1pPr algn="l">
+              <a:lnSpc>
+                <a:spcPct val="150000"/>
+              </a:lnSpc>
+              <a:spcBef>
+                <a:spcPct val="0"/>
+              </a:spcBef>
+              <a:spcAft>
+                <a:spcPct val="0"/>
+              </a:spcAft>
+              <a:defRPr lang="en-US" sz="3200" b="1" noProof="1" dirty="0">
+                <a:solidFill>
+                  <a:prstClr val="red">
+                    <a:lumOff val="30000"/>
+                    <a:alpha val="40000"/>
+                  </a:prstClr>
+                </a:solidFill>
+                <a:effectLst>
+                  <a:outerShdw blurRad="50800" dist="38100" algn="tr" rotWithShape="0">
+                    <a:prstClr val="black">
+                      <a:alpha val="80000"/>
+                    </a:prstClr>
+                  </a:outerShdw>
+                </a:effectLst>
+                <a:latin typeface="Calibri" pitchFamily="34" charset="0"/>
+              </a:defRPr>
+            </a:lvl1pPr>
+          </a:lstStyle>
+          <a:p>
+            <a:pPr algn="ctr"/>
+            <a:r>
+              <a:t>Evaluation only.</a:t>
+            </a:r>
+          </a:p>
+          <a:p>
+            <a:pPr algn="ctr"/>
+            <a:r>
+              <a:t>Created with Aspose.Slides for Java 23.6.</a:t>
+            </a:r>
+          </a:p>
+          <a:p>
+            <a:pPr algn="ctr"/>
+            <a:r>
+              <a:t>Copyright 2004-2023 Aspose Pty Ltd.</a:t>
             </a:r>
           </a:p>
         </p:txBody>
@@ -9673,6 +9957,77 @@
           </a:p>
         </p:txBody>
       </p:sp>
+      <p:sp>
+        <p:nvSpPr>
+          <p:cNvPr id="11" name="TextBox"/>
+          <p:cNvSpPr txBox="1">
+            <a:spLocks noGrp="1" noSelect="1" noRot="1" noMove="1"/>
+          </p:cNvSpPr>
+          <p:nvPr/>
+        </p:nvSpPr>
+        <p:spPr>
+          <a:xfrm>
+            <a:off x="2890520" y="2644140"/>
+            <a:ext cx="6411372" cy="1569660"/>
+          </a:xfrm>
+          <a:prstGeom prst="rect">
+            <a:avLst/>
+          </a:prstGeom>
+          <a:noFill/>
+        </p:spPr>
+        <p:txBody>
+          <a:bodyPr wrap="none" rtlCol="0" anchor="ctr" anchorCtr="1">
+            <a:spAutoFit/>
+          </a:bodyPr>
+          <a:lstStyle>
+            <a:lvl1pPr algn="l">
+              <a:lnSpc>
+                <a:spcPct val="150000"/>
+              </a:lnSpc>
+              <a:spcBef>
+                <a:spcPct val="0"/>
+              </a:spcBef>
+              <a:spcAft>
+                <a:spcPct val="0"/>
+              </a:spcAft>
+              <a:defRPr lang="en-US" sz="3200" b="1" noProof="1" dirty="0">
+                <a:solidFill>
+                  <a:prstClr val="red">
+                    <a:lumOff val="30000"/>
+                    <a:alpha val="40000"/>
+                  </a:prstClr>
+                </a:solidFill>
+                <a:effectLst>
+                  <a:outerShdw blurRad="50800" dist="38100" algn="tr" rotWithShape="0">
+                    <a:prstClr val="black">
+                      <a:alpha val="80000"/>
+                    </a:prstClr>
+                  </a:outerShdw>
+                </a:effectLst>
+                <a:latin typeface="Calibri" pitchFamily="34" charset="0"/>
+              </a:defRPr>
+            </a:lvl1pPr>
+          </a:lstStyle>
+          <a:p>
+            <a:pPr algn="ctr"/>
+            <a:r>
+              <a:t>Evaluation only.</a:t>
+            </a:r>
+          </a:p>
+          <a:p>
+            <a:pPr algn="ctr"/>
+            <a:r>
+              <a:t>Created with Aspose.Slides for Java 23.6.</a:t>
+            </a:r>
+          </a:p>
+          <a:p>
+            <a:pPr algn="ctr"/>
+            <a:r>
+              <a:t>Copyright 2004-2023 Aspose Pty Ltd.</a:t>
+            </a:r>
+          </a:p>
+        </p:txBody>
+      </p:sp>
     </p:spTree>
     <p:extLst>
       <p:ext uri="{BB962C8B-B14F-4D97-AF65-F5344CB8AC3E}">
@@ -10091,6 +10446,77 @@
                 <a:cs typeface="MS UI Gothic"/>
               </a:rPr>
               <a:t>プロモーション計画と戦略を常に監視、評価、調整する</a:t>
+            </a:r>
+          </a:p>
+        </p:txBody>
+      </p:sp>
+      <p:sp>
+        <p:nvSpPr>
+          <p:cNvPr id="11" name="TextBox"/>
+          <p:cNvSpPr txBox="1">
+            <a:spLocks noGrp="1" noSelect="1" noRot="1" noMove="1"/>
+          </p:cNvSpPr>
+          <p:nvPr/>
+        </p:nvSpPr>
+        <p:spPr>
+          <a:xfrm>
+            <a:off x="2890520" y="2644140"/>
+            <a:ext cx="6411372" cy="1569660"/>
+          </a:xfrm>
+          <a:prstGeom prst="rect">
+            <a:avLst/>
+          </a:prstGeom>
+          <a:noFill/>
+        </p:spPr>
+        <p:txBody>
+          <a:bodyPr wrap="none" rtlCol="0" anchor="ctr" anchorCtr="1">
+            <a:spAutoFit/>
+          </a:bodyPr>
+          <a:lstStyle>
+            <a:lvl1pPr algn="l">
+              <a:lnSpc>
+                <a:spcPct val="150000"/>
+              </a:lnSpc>
+              <a:spcBef>
+                <a:spcPct val="0"/>
+              </a:spcBef>
+              <a:spcAft>
+                <a:spcPct val="0"/>
+              </a:spcAft>
+              <a:defRPr lang="en-US" sz="3200" b="1" noProof="1" dirty="0">
+                <a:solidFill>
+                  <a:prstClr val="red">
+                    <a:lumOff val="30000"/>
+                    <a:alpha val="40000"/>
+                  </a:prstClr>
+                </a:solidFill>
+                <a:effectLst>
+                  <a:outerShdw blurRad="50800" dist="38100" algn="tr" rotWithShape="0">
+                    <a:prstClr val="black">
+                      <a:alpha val="80000"/>
+                    </a:prstClr>
+                  </a:outerShdw>
+                </a:effectLst>
+                <a:latin typeface="Calibri" pitchFamily="34" charset="0"/>
+              </a:defRPr>
+            </a:lvl1pPr>
+          </a:lstStyle>
+          <a:p>
+            <a:pPr algn="ctr"/>
+            <a:r>
+              <a:t>Evaluation only.</a:t>
+            </a:r>
+          </a:p>
+          <a:p>
+            <a:pPr algn="ctr"/>
+            <a:r>
+              <a:t>Created with Aspose.Slides for Java 23.6.</a:t>
+            </a:r>
+          </a:p>
+          <a:p>
+            <a:pPr algn="ctr"/>
+            <a:r>
+              <a:t>Copyright 2004-2023 Aspose Pty Ltd.</a:t>
             </a:r>
           </a:p>
         </p:txBody>
@@ -10575,6 +11001,77 @@
           </a:p>
         </p:txBody>
       </p:sp>
+      <p:sp>
+        <p:nvSpPr>
+          <p:cNvPr id="20" name="TextBox"/>
+          <p:cNvSpPr txBox="1">
+            <a:spLocks noGrp="1" noSelect="1" noRot="1" noMove="1"/>
+          </p:cNvSpPr>
+          <p:nvPr/>
+        </p:nvSpPr>
+        <p:spPr>
+          <a:xfrm>
+            <a:off x="2890520" y="2644140"/>
+            <a:ext cx="6411372" cy="1569660"/>
+          </a:xfrm>
+          <a:prstGeom prst="rect">
+            <a:avLst/>
+          </a:prstGeom>
+          <a:noFill/>
+        </p:spPr>
+        <p:txBody>
+          <a:bodyPr wrap="none" rtlCol="0" anchor="ctr" anchorCtr="1">
+            <a:spAutoFit/>
+          </a:bodyPr>
+          <a:lstStyle>
+            <a:lvl1pPr algn="l">
+              <a:lnSpc>
+                <a:spcPct val="150000"/>
+              </a:lnSpc>
+              <a:spcBef>
+                <a:spcPct val="0"/>
+              </a:spcBef>
+              <a:spcAft>
+                <a:spcPct val="0"/>
+              </a:spcAft>
+              <a:defRPr lang="en-US" sz="3200" b="1" noProof="1" dirty="0">
+                <a:solidFill>
+                  <a:prstClr val="red">
+                    <a:lumOff val="30000"/>
+                    <a:alpha val="40000"/>
+                  </a:prstClr>
+                </a:solidFill>
+                <a:effectLst>
+                  <a:outerShdw blurRad="50800" dist="38100" algn="tr" rotWithShape="0">
+                    <a:prstClr val="black">
+                      <a:alpha val="80000"/>
+                    </a:prstClr>
+                  </a:outerShdw>
+                </a:effectLst>
+                <a:latin typeface="Calibri" pitchFamily="34" charset="0"/>
+              </a:defRPr>
+            </a:lvl1pPr>
+          </a:lstStyle>
+          <a:p>
+            <a:pPr algn="ctr"/>
+            <a:r>
+              <a:t>Evaluation only.</a:t>
+            </a:r>
+          </a:p>
+          <a:p>
+            <a:pPr algn="ctr"/>
+            <a:r>
+              <a:t>Created with Aspose.Slides for Java 23.6.</a:t>
+            </a:r>
+          </a:p>
+          <a:p>
+            <a:pPr algn="ctr"/>
+            <a:r>
+              <a:t>Copyright 2004-2023 Aspose Pty Ltd.</a:t>
+            </a:r>
+          </a:p>
+        </p:txBody>
+      </p:sp>
     </p:spTree>
     <p:extLst>
       <p:ext uri="{BB962C8B-B14F-4D97-AF65-F5344CB8AC3E}">
@@ -11082,6 +11579,77 @@
           </a:prstGeom>
         </p:spPr>
       </p:pic>
+      <p:sp>
+        <p:nvSpPr>
+          <p:cNvPr id="30" name="TextBox"/>
+          <p:cNvSpPr txBox="1">
+            <a:spLocks noGrp="1" noSelect="1" noRot="1" noMove="1"/>
+          </p:cNvSpPr>
+          <p:nvPr/>
+        </p:nvSpPr>
+        <p:spPr>
+          <a:xfrm>
+            <a:off x="2890520" y="2644140"/>
+            <a:ext cx="6411372" cy="1569660"/>
+          </a:xfrm>
+          <a:prstGeom prst="rect">
+            <a:avLst/>
+          </a:prstGeom>
+          <a:noFill/>
+        </p:spPr>
+        <p:txBody>
+          <a:bodyPr wrap="none" rtlCol="0" anchor="ctr" anchorCtr="1">
+            <a:spAutoFit/>
+          </a:bodyPr>
+          <a:lstStyle>
+            <a:lvl1pPr algn="l">
+              <a:lnSpc>
+                <a:spcPct val="150000"/>
+              </a:lnSpc>
+              <a:spcBef>
+                <a:spcPct val="0"/>
+              </a:spcBef>
+              <a:spcAft>
+                <a:spcPct val="0"/>
+              </a:spcAft>
+              <a:defRPr lang="en-US" sz="3200" b="1" noProof="1" dirty="0">
+                <a:solidFill>
+                  <a:prstClr val="red">
+                    <a:lumOff val="30000"/>
+                    <a:alpha val="40000"/>
+                  </a:prstClr>
+                </a:solidFill>
+                <a:effectLst>
+                  <a:outerShdw blurRad="50800" dist="38100" algn="tr" rotWithShape="0">
+                    <a:prstClr val="black">
+                      <a:alpha val="80000"/>
+                    </a:prstClr>
+                  </a:outerShdw>
+                </a:effectLst>
+                <a:latin typeface="Calibri" pitchFamily="34" charset="0"/>
+              </a:defRPr>
+            </a:lvl1pPr>
+          </a:lstStyle>
+          <a:p>
+            <a:pPr algn="ctr"/>
+            <a:r>
+              <a:t>Evaluation only.</a:t>
+            </a:r>
+          </a:p>
+          <a:p>
+            <a:pPr algn="ctr"/>
+            <a:r>
+              <a:t>Created with Aspose.Slides for Java 23.6.</a:t>
+            </a:r>
+          </a:p>
+          <a:p>
+            <a:pPr algn="ctr"/>
+            <a:r>
+              <a:t>Copyright 2004-2023 Aspose Pty Ltd.</a:t>
+            </a:r>
+          </a:p>
+        </p:txBody>
+      </p:sp>
     </p:spTree>
     <p:extLst>
       <p:ext uri="{BB962C8B-B14F-4D97-AF65-F5344CB8AC3E}">
@@ -11758,6 +12326,77 @@
           </a:graphicData>
         </a:graphic>
       </p:graphicFrame>
+      <p:sp>
+        <p:nvSpPr>
+          <p:cNvPr id="20" name="TextBox"/>
+          <p:cNvSpPr txBox="1">
+            <a:spLocks noGrp="1" noSelect="1" noRot="1" noMove="1"/>
+          </p:cNvSpPr>
+          <p:nvPr/>
+        </p:nvSpPr>
+        <p:spPr>
+          <a:xfrm>
+            <a:off x="2890520" y="2644140"/>
+            <a:ext cx="6411372" cy="1569660"/>
+          </a:xfrm>
+          <a:prstGeom prst="rect">
+            <a:avLst/>
+          </a:prstGeom>
+          <a:noFill/>
+        </p:spPr>
+        <p:txBody>
+          <a:bodyPr wrap="none" rtlCol="0" anchor="ctr" anchorCtr="1">
+            <a:spAutoFit/>
+          </a:bodyPr>
+          <a:lstStyle>
+            <a:lvl1pPr algn="l">
+              <a:lnSpc>
+                <a:spcPct val="150000"/>
+              </a:lnSpc>
+              <a:spcBef>
+                <a:spcPct val="0"/>
+              </a:spcBef>
+              <a:spcAft>
+                <a:spcPct val="0"/>
+              </a:spcAft>
+              <a:defRPr lang="en-US" sz="3200" b="1" noProof="1" dirty="0">
+                <a:solidFill>
+                  <a:prstClr val="red">
+                    <a:lumOff val="30000"/>
+                    <a:alpha val="40000"/>
+                  </a:prstClr>
+                </a:solidFill>
+                <a:effectLst>
+                  <a:outerShdw blurRad="50800" dist="38100" algn="tr" rotWithShape="0">
+                    <a:prstClr val="black">
+                      <a:alpha val="80000"/>
+                    </a:prstClr>
+                  </a:outerShdw>
+                </a:effectLst>
+                <a:latin typeface="Calibri" pitchFamily="34" charset="0"/>
+              </a:defRPr>
+            </a:lvl1pPr>
+          </a:lstStyle>
+          <a:p>
+            <a:pPr algn="ctr"/>
+            <a:r>
+              <a:t>Evaluation only.</a:t>
+            </a:r>
+          </a:p>
+          <a:p>
+            <a:pPr algn="ctr"/>
+            <a:r>
+              <a:t>Created with Aspose.Slides for Java 23.6.</a:t>
+            </a:r>
+          </a:p>
+          <a:p>
+            <a:pPr algn="ctr"/>
+            <a:r>
+              <a:t>Copyright 2004-2023 Aspose Pty Ltd.</a:t>
+            </a:r>
+          </a:p>
+        </p:txBody>
+      </p:sp>
     </p:spTree>
     <p:extLst>
       <p:ext uri="{BB962C8B-B14F-4D97-AF65-F5344CB8AC3E}">
@@ -12291,7 +12930,7 @@
                           <a:ea typeface="MS UI Gothic"/>
                           <a:cs typeface="MS UI Gothic"/>
                         </a:rPr>
-                        <a:t>本物のブレンド: 私たちのチャイは、プレミアム紅茶の葉と、シナモン、カルダモン、クローブ、ショウガ、黒コショウを含む地上のスパイスの調和のとれたシグネチャー セレクション ミックスです。</a:t>
+                        <a:t>本格的なブレンド: プレミアムな紅茶の葉、シナモン、カルダモン、クローブ、ショウガ、黒コショウなどの厳選されたスパイスを粉砕し、絶妙にブレンドしたチャイです。</a:t>
                       </a:r>
                       <a:r>
                         <a:rPr lang="ja-JP" sz="1400" b="0" i="0" strike="noStrike" cap="none" baseline="0">
@@ -12332,7 +12971,7 @@
                           <a:ea typeface="MS UI Gothic"/>
                           <a:cs typeface="MS UI Gothic"/>
                         </a:rPr>
-                        <a:t>健康増進成分: Mystic Spice Chai Tea の各成分は、その自然な健康上の利点のために選択されています。</a:t>
+                        <a:t>健康に良い素材: Mystic Spice Chai Tea には、健康効果を考慮して選ばれた天然素材が使用されています。</a:t>
                       </a:r>
                       <a:r>
                         <a:rPr lang="ja-JP" sz="1400" b="0" i="0" strike="noStrike" cap="none" baseline="0">
@@ -12363,6 +13002,77 @@
           </a:graphicData>
         </a:graphic>
       </p:graphicFrame>
+      <p:sp>
+        <p:nvSpPr>
+          <p:cNvPr id="15" name="TextBox"/>
+          <p:cNvSpPr txBox="1">
+            <a:spLocks noGrp="1" noSelect="1" noRot="1" noMove="1"/>
+          </p:cNvSpPr>
+          <p:nvPr/>
+        </p:nvSpPr>
+        <p:spPr>
+          <a:xfrm>
+            <a:off x="2890520" y="2644140"/>
+            <a:ext cx="6411372" cy="1569660"/>
+          </a:xfrm>
+          <a:prstGeom prst="rect">
+            <a:avLst/>
+          </a:prstGeom>
+          <a:noFill/>
+        </p:spPr>
+        <p:txBody>
+          <a:bodyPr wrap="none" rtlCol="0" anchor="ctr" anchorCtr="1">
+            <a:spAutoFit/>
+          </a:bodyPr>
+          <a:lstStyle>
+            <a:lvl1pPr algn="l">
+              <a:lnSpc>
+                <a:spcPct val="150000"/>
+              </a:lnSpc>
+              <a:spcBef>
+                <a:spcPct val="0"/>
+              </a:spcBef>
+              <a:spcAft>
+                <a:spcPct val="0"/>
+              </a:spcAft>
+              <a:defRPr lang="en-US" sz="3200" b="1" noProof="1" dirty="0">
+                <a:solidFill>
+                  <a:prstClr val="red">
+                    <a:lumOff val="30000"/>
+                    <a:alpha val="40000"/>
+                  </a:prstClr>
+                </a:solidFill>
+                <a:effectLst>
+                  <a:outerShdw blurRad="50800" dist="38100" algn="tr" rotWithShape="0">
+                    <a:prstClr val="black">
+                      <a:alpha val="80000"/>
+                    </a:prstClr>
+                  </a:outerShdw>
+                </a:effectLst>
+                <a:latin typeface="Calibri" pitchFamily="34" charset="0"/>
+              </a:defRPr>
+            </a:lvl1pPr>
+          </a:lstStyle>
+          <a:p>
+            <a:pPr algn="ctr"/>
+            <a:r>
+              <a:t>Evaluation only.</a:t>
+            </a:r>
+          </a:p>
+          <a:p>
+            <a:pPr algn="ctr"/>
+            <a:r>
+              <a:t>Created with Aspose.Slides for Java 23.6.</a:t>
+            </a:r>
+          </a:p>
+          <a:p>
+            <a:pPr algn="ctr"/>
+            <a:r>
+              <a:t>Copyright 2004-2023 Aspose Pty Ltd.</a:t>
+            </a:r>
+          </a:p>
+        </p:txBody>
+      </p:sp>
     </p:spTree>
     <p:extLst>
       <p:ext uri="{BB962C8B-B14F-4D97-AF65-F5344CB8AC3E}">
@@ -12909,7 +13619,7 @@
                           <a:ea typeface="MS UI Gothic"/>
                           <a:cs typeface="MS UI Gothic"/>
                         </a:rPr>
-                        <a:t>どんな淹れ方でも: ホット ティー、さわやかなアイス ティー、クリーミーなラテなど、私達のブレンドはどんな好みにも合うように作られています。</a:t>
+                        <a:t>多様な楽しみ方: ホットだけでなく、爽やかなアイスティーやクリーミーなラテなど、好みに合わせて自由にお楽しみいただける万能なブレンドです。</a:t>
                       </a:r>
                       <a:r>
                         <a:rPr lang="ja-JP" sz="1100" b="0" i="0" strike="noStrike" cap="none" baseline="0">
@@ -12957,7 +13667,7 @@
                           <a:ea typeface="MS UI Gothic"/>
                           <a:cs typeface="MS UI Gothic"/>
                         </a:rPr>
-                        <a:t>サステナブルソース: 持続可能性に努め、有機農業を実践する小規模農場から原料を調達し、最高の品質だけでなく、地球の福祉も確保しています。</a:t>
+                        <a:t>持続可能な調達: 持続可能性を重視し、有機農業を実践する小規模農場から原料を調達することで、最高品質を実現するだけでなく地球環境にも配慮しています。</a:t>
                       </a:r>
                       <a:endParaRPr lang="en-US" sz="1700">
                         <a:effectLst/>
@@ -12986,7 +13696,7 @@
                           <a:ea typeface="MS UI Gothic"/>
                           <a:cs typeface="MS UI Gothic"/>
                         </a:rPr>
-                        <a:t>エレガントな包装: Mystic Spice Chai Tea は美しくデザインされ、環境に優しい包装で提供されています。お茶好きの方や自分向けの豪華なご褒美のための理想的な贈り物になります。</a:t>
+                        <a:t>エレガントなパッケージ: Mystic Spice Chai Tea は、環境に配慮した美しいデザインのパッケージに梱包されているため、お茶が好きな方に贈るギフトや自分自身への贅沢なご褒美として最適です。</a:t>
                       </a:r>
                       <a:endParaRPr lang="en-US" sz="1700">
                         <a:effectLst/>
@@ -13022,7 +13732,7 @@
                           <a:ea typeface="MS UI Gothic"/>
                           <a:cs typeface="MS UI Gothic"/>
                         </a:rPr>
-                        <a:t>顧客満足度保証: 私たちは自分たちの製品に自信を持っており、満足保証を提供しています。</a:t>
+                        <a:t>顧客満足度保証: 当社は製品の品質に自信を持っており、満足度保証を提供しています。</a:t>
                       </a:r>
                       <a:r>
                         <a:rPr lang="ja-JP" sz="1100" b="0" i="0" strike="noStrike" cap="none" baseline="0">
@@ -13063,7 +13773,7 @@
                           <a:ea typeface="MS UI Gothic"/>
                           <a:cs typeface="MS UI Gothic"/>
                         </a:rPr>
-                        <a:t>チャイがピッタリな方:  紅茶愛好家、健康志向の方、暖かい、スパイシーな飲み物の愛好家、伝統的なインドチャイの豊かな味を探索したい方。</a:t>
+                        <a:t>チャイがピッタリな方: 紅茶愛好家、健康志向の方、暖かい、スパイシーな飲み物の愛好家、伝統的なインドのチャイの豊かな味を探索したい方。</a:t>
                       </a:r>
                       <a:endParaRPr lang="en-US" sz="1700">
                         <a:effectLst/>
@@ -13082,6 +13792,77 @@
           </a:graphicData>
         </a:graphic>
       </p:graphicFrame>
+      <p:sp>
+        <p:nvSpPr>
+          <p:cNvPr id="19" name="TextBox"/>
+          <p:cNvSpPr txBox="1">
+            <a:spLocks noGrp="1" noSelect="1" noRot="1" noMove="1"/>
+          </p:cNvSpPr>
+          <p:nvPr/>
+        </p:nvSpPr>
+        <p:spPr>
+          <a:xfrm>
+            <a:off x="2890520" y="2644140"/>
+            <a:ext cx="6411372" cy="1569660"/>
+          </a:xfrm>
+          <a:prstGeom prst="rect">
+            <a:avLst/>
+          </a:prstGeom>
+          <a:noFill/>
+        </p:spPr>
+        <p:txBody>
+          <a:bodyPr wrap="none" rtlCol="0" anchor="ctr" anchorCtr="1">
+            <a:spAutoFit/>
+          </a:bodyPr>
+          <a:lstStyle>
+            <a:lvl1pPr algn="l">
+              <a:lnSpc>
+                <a:spcPct val="150000"/>
+              </a:lnSpc>
+              <a:spcBef>
+                <a:spcPct val="0"/>
+              </a:spcBef>
+              <a:spcAft>
+                <a:spcPct val="0"/>
+              </a:spcAft>
+              <a:defRPr lang="en-US" sz="3200" b="1" noProof="1" dirty="0">
+                <a:solidFill>
+                  <a:prstClr val="red">
+                    <a:lumOff val="30000"/>
+                    <a:alpha val="40000"/>
+                  </a:prstClr>
+                </a:solidFill>
+                <a:effectLst>
+                  <a:outerShdw blurRad="50800" dist="38100" algn="tr" rotWithShape="0">
+                    <a:prstClr val="black">
+                      <a:alpha val="80000"/>
+                    </a:prstClr>
+                  </a:outerShdw>
+                </a:effectLst>
+                <a:latin typeface="Calibri" pitchFamily="34" charset="0"/>
+              </a:defRPr>
+            </a:lvl1pPr>
+          </a:lstStyle>
+          <a:p>
+            <a:pPr algn="ctr"/>
+            <a:r>
+              <a:t>Evaluation only.</a:t>
+            </a:r>
+          </a:p>
+          <a:p>
+            <a:pPr algn="ctr"/>
+            <a:r>
+              <a:t>Created with Aspose.Slides for Java 23.6.</a:t>
+            </a:r>
+          </a:p>
+          <a:p>
+            <a:pPr algn="ctr"/>
+            <a:r>
+              <a:t>Copyright 2004-2023 Aspose Pty Ltd.</a:t>
+            </a:r>
+          </a:p>
+        </p:txBody>
+      </p:sp>
     </p:spTree>
     <p:extLst>
       <p:ext uri="{BB962C8B-B14F-4D97-AF65-F5344CB8AC3E}">
@@ -14093,6 +14874,77 @@
           </a:graphicData>
         </a:graphic>
       </p:graphicFrame>
+      <p:sp>
+        <p:nvSpPr>
+          <p:cNvPr id="20" name="TextBox"/>
+          <p:cNvSpPr txBox="1">
+            <a:spLocks noGrp="1" noSelect="1" noRot="1" noMove="1"/>
+          </p:cNvSpPr>
+          <p:nvPr/>
+        </p:nvSpPr>
+        <p:spPr>
+          <a:xfrm>
+            <a:off x="2890520" y="2644140"/>
+            <a:ext cx="6411372" cy="1569660"/>
+          </a:xfrm>
+          <a:prstGeom prst="rect">
+            <a:avLst/>
+          </a:prstGeom>
+          <a:noFill/>
+        </p:spPr>
+        <p:txBody>
+          <a:bodyPr wrap="none" rtlCol="0" anchor="ctr" anchorCtr="1">
+            <a:spAutoFit/>
+          </a:bodyPr>
+          <a:lstStyle>
+            <a:lvl1pPr algn="l">
+              <a:lnSpc>
+                <a:spcPct val="150000"/>
+              </a:lnSpc>
+              <a:spcBef>
+                <a:spcPct val="0"/>
+              </a:spcBef>
+              <a:spcAft>
+                <a:spcPct val="0"/>
+              </a:spcAft>
+              <a:defRPr lang="en-US" sz="3200" b="1" noProof="1" dirty="0">
+                <a:solidFill>
+                  <a:prstClr val="red">
+                    <a:lumOff val="30000"/>
+                    <a:alpha val="40000"/>
+                  </a:prstClr>
+                </a:solidFill>
+                <a:effectLst>
+                  <a:outerShdw blurRad="50800" dist="38100" algn="tr" rotWithShape="0">
+                    <a:prstClr val="black">
+                      <a:alpha val="80000"/>
+                    </a:prstClr>
+                  </a:outerShdw>
+                </a:effectLst>
+                <a:latin typeface="Calibri" pitchFamily="34" charset="0"/>
+              </a:defRPr>
+            </a:lvl1pPr>
+          </a:lstStyle>
+          <a:p>
+            <a:pPr algn="ctr"/>
+            <a:r>
+              <a:t>Evaluation only.</a:t>
+            </a:r>
+          </a:p>
+          <a:p>
+            <a:pPr algn="ctr"/>
+            <a:r>
+              <a:t>Created with Aspose.Slides for Java 23.6.</a:t>
+            </a:r>
+          </a:p>
+          <a:p>
+            <a:pPr algn="ctr"/>
+            <a:r>
+              <a:t>Copyright 2004-2023 Aspose Pty Ltd.</a:t>
+            </a:r>
+          </a:p>
+        </p:txBody>
+      </p:sp>
     </p:spTree>
     <p:extLst>
       <p:ext uri="{BB962C8B-B14F-4D97-AF65-F5344CB8AC3E}">
@@ -14427,6 +15279,77 @@
           </a:p>
         </p:txBody>
       </p:sp>
+      <p:sp>
+        <p:nvSpPr>
+          <p:cNvPr id="11" name="TextBox"/>
+          <p:cNvSpPr txBox="1">
+            <a:spLocks noGrp="1" noSelect="1" noRot="1" noMove="1"/>
+          </p:cNvSpPr>
+          <p:nvPr/>
+        </p:nvSpPr>
+        <p:spPr>
+          <a:xfrm>
+            <a:off x="2890520" y="2644140"/>
+            <a:ext cx="6411372" cy="1569660"/>
+          </a:xfrm>
+          <a:prstGeom prst="rect">
+            <a:avLst/>
+          </a:prstGeom>
+          <a:noFill/>
+        </p:spPr>
+        <p:txBody>
+          <a:bodyPr wrap="none" rtlCol="0" anchor="ctr" anchorCtr="1">
+            <a:spAutoFit/>
+          </a:bodyPr>
+          <a:lstStyle>
+            <a:lvl1pPr algn="l">
+              <a:lnSpc>
+                <a:spcPct val="150000"/>
+              </a:lnSpc>
+              <a:spcBef>
+                <a:spcPct val="0"/>
+              </a:spcBef>
+              <a:spcAft>
+                <a:spcPct val="0"/>
+              </a:spcAft>
+              <a:defRPr lang="en-US" sz="3200" b="1" noProof="1" dirty="0">
+                <a:solidFill>
+                  <a:prstClr val="red">
+                    <a:lumOff val="30000"/>
+                    <a:alpha val="40000"/>
+                  </a:prstClr>
+                </a:solidFill>
+                <a:effectLst>
+                  <a:outerShdw blurRad="50800" dist="38100" algn="tr" rotWithShape="0">
+                    <a:prstClr val="black">
+                      <a:alpha val="80000"/>
+                    </a:prstClr>
+                  </a:outerShdw>
+                </a:effectLst>
+                <a:latin typeface="Calibri" pitchFamily="34" charset="0"/>
+              </a:defRPr>
+            </a:lvl1pPr>
+          </a:lstStyle>
+          <a:p>
+            <a:pPr algn="ctr"/>
+            <a:r>
+              <a:t>Evaluation only.</a:t>
+            </a:r>
+          </a:p>
+          <a:p>
+            <a:pPr algn="ctr"/>
+            <a:r>
+              <a:t>Created with Aspose.Slides for Java 23.6.</a:t>
+            </a:r>
+          </a:p>
+          <a:p>
+            <a:pPr algn="ctr"/>
+            <a:r>
+              <a:t>Copyright 2004-2023 Aspose Pty Ltd.</a:t>
+            </a:r>
+          </a:p>
+        </p:txBody>
+      </p:sp>
     </p:spTree>
     <p:extLst>
       <p:ext uri="{BB962C8B-B14F-4D97-AF65-F5344CB8AC3E}">
@@ -14731,6 +15654,77 @@
           </a:p>
         </p:txBody>
       </p:sp>
+      <p:sp>
+        <p:nvSpPr>
+          <p:cNvPr id="11" name="TextBox"/>
+          <p:cNvSpPr txBox="1">
+            <a:spLocks noGrp="1" noSelect="1" noRot="1" noMove="1"/>
+          </p:cNvSpPr>
+          <p:nvPr/>
+        </p:nvSpPr>
+        <p:spPr>
+          <a:xfrm>
+            <a:off x="2890520" y="2644140"/>
+            <a:ext cx="6411372" cy="1569660"/>
+          </a:xfrm>
+          <a:prstGeom prst="rect">
+            <a:avLst/>
+          </a:prstGeom>
+          <a:noFill/>
+        </p:spPr>
+        <p:txBody>
+          <a:bodyPr wrap="none" rtlCol="0" anchor="ctr" anchorCtr="1">
+            <a:spAutoFit/>
+          </a:bodyPr>
+          <a:lstStyle>
+            <a:lvl1pPr algn="l">
+              <a:lnSpc>
+                <a:spcPct val="150000"/>
+              </a:lnSpc>
+              <a:spcBef>
+                <a:spcPct val="0"/>
+              </a:spcBef>
+              <a:spcAft>
+                <a:spcPct val="0"/>
+              </a:spcAft>
+              <a:defRPr lang="en-US" sz="3200" b="1" noProof="1" dirty="0">
+                <a:solidFill>
+                  <a:prstClr val="red">
+                    <a:lumOff val="30000"/>
+                    <a:alpha val="40000"/>
+                  </a:prstClr>
+                </a:solidFill>
+                <a:effectLst>
+                  <a:outerShdw blurRad="50800" dist="38100" algn="tr" rotWithShape="0">
+                    <a:prstClr val="black">
+                      <a:alpha val="80000"/>
+                    </a:prstClr>
+                  </a:outerShdw>
+                </a:effectLst>
+                <a:latin typeface="Calibri" pitchFamily="34" charset="0"/>
+              </a:defRPr>
+            </a:lvl1pPr>
+          </a:lstStyle>
+          <a:p>
+            <a:pPr algn="ctr"/>
+            <a:r>
+              <a:t>Evaluation only.</a:t>
+            </a:r>
+          </a:p>
+          <a:p>
+            <a:pPr algn="ctr"/>
+            <a:r>
+              <a:t>Created with Aspose.Slides for Java 23.6.</a:t>
+            </a:r>
+          </a:p>
+          <a:p>
+            <a:pPr algn="ctr"/>
+            <a:r>
+              <a:t>Copyright 2004-2023 Aspose Pty Ltd.</a:t>
+            </a:r>
+          </a:p>
+        </p:txBody>
+      </p:sp>
     </p:spTree>
     <p:extLst>
       <p:ext uri="{BB962C8B-B14F-4D97-AF65-F5344CB8AC3E}">
@@ -14748,10 +15742,10 @@
 
 <file path=ppt/tags/tag1.xml><?xml version="1.0" encoding="utf-8"?>
 <p:tagLst xmlns:p="http://schemas.openxmlformats.org/presentationml/2006/main">
-  <p:tag name="AS_OS" val="Unix 3.10.0.1160"/>
+  <p:tag name="AS_OS" val="Microsoft Windows NT 10.0"/>
   <p:tag name="AS_RELEASE_DATE" val="2023.06.30"/>
   <p:tag name="AS_TITLE" val="Aspose.Slides for Java"/>
-  <p:tag name="AS_VERSION" val="23.6.1"/>
+  <p:tag name="AS_VERSION" val="23.6"/>
 </p:tagLst>
 </file>
 

--- a/ResourceFiles/Mystic Spice Premium Chai Market Analysis Presentation.pptx
+++ b/ResourceFiles/Mystic Spice Premium Chai Market Analysis Presentation.pptx
@@ -1,34 +1,30 @@
 
 <file path=ppt/presentation.xml><?xml version="1.0" encoding="utf-8"?>
-<!--Generated by Aspose.Slides for Java 23.6-->
-<p:presentation xmlns:r="http://schemas.openxmlformats.org/officeDocument/2006/relationships" xmlns:a="http://schemas.openxmlformats.org/drawingml/2006/main" xmlns:p="http://schemas.openxmlformats.org/presentationml/2006/main" removePersonalInfoOnSave="1" saveSubsetFonts="1">
+<p:presentation xmlns:a="http://schemas.openxmlformats.org/drawingml/2006/main" xmlns:r="http://schemas.openxmlformats.org/officeDocument/2006/relationships" xmlns:p="http://schemas.openxmlformats.org/presentationml/2006/main" saveSubsetFonts="1">
   <p:sldMasterIdLst>
     <p:sldMasterId id="2147483660" r:id="rId1"/>
   </p:sldMasterIdLst>
   <p:notesMasterIdLst>
-    <p:notesMasterId r:id="rId2"/>
+    <p:notesMasterId r:id="rId16"/>
   </p:notesMasterIdLst>
   <p:sldIdLst>
-    <p:sldId id="256" r:id="rId3"/>
-    <p:sldId id="257" r:id="rId4"/>
-    <p:sldId id="258" r:id="rId5"/>
-    <p:sldId id="259" r:id="rId6"/>
-    <p:sldId id="260" r:id="rId7"/>
-    <p:sldId id="261" r:id="rId8"/>
-    <p:sldId id="262" r:id="rId9"/>
-    <p:sldId id="268" r:id="rId10"/>
-    <p:sldId id="269" r:id="rId11"/>
-    <p:sldId id="270" r:id="rId12"/>
-    <p:sldId id="271" r:id="rId13"/>
-    <p:sldId id="272" r:id="rId14"/>
-    <p:sldId id="273" r:id="rId15"/>
-    <p:sldId id="274" r:id="rId16"/>
+    <p:sldId id="256" r:id="rId2"/>
+    <p:sldId id="257" r:id="rId3"/>
+    <p:sldId id="258" r:id="rId4"/>
+    <p:sldId id="259" r:id="rId5"/>
+    <p:sldId id="260" r:id="rId6"/>
+    <p:sldId id="261" r:id="rId7"/>
+    <p:sldId id="262" r:id="rId8"/>
+    <p:sldId id="268" r:id="rId9"/>
+    <p:sldId id="269" r:id="rId10"/>
+    <p:sldId id="270" r:id="rId11"/>
+    <p:sldId id="271" r:id="rId12"/>
+    <p:sldId id="272" r:id="rId13"/>
+    <p:sldId id="273" r:id="rId14"/>
+    <p:sldId id="274" r:id="rId15"/>
   </p:sldIdLst>
   <p:sldSz cx="12192000" cy="6858000"/>
   <p:notesSz cx="6858000" cy="9144000"/>
-  <p:custDataLst>
-    <p:tags r:id="rId17"/>
-  </p:custDataLst>
   <p:defaultTextStyle>
     <a:defPPr>
       <a:defRPr lang="en-US"/>
@@ -133,8 +129,8 @@
 </file>
 
 <file path=ppt/notesMasters/notesMaster1.xml><?xml version="1.0" encoding="utf-8"?>
-<p:notesMaster xmlns:a="http://schemas.openxmlformats.org/drawingml/2006/main" xmlns:r="http://schemas.openxmlformats.org/officeDocument/2006/relationships" xmlns:m="http://schemas.openxmlformats.org/officeDocument/2006/math" xmlns:w="http://schemas.openxmlformats.org/wordprocessingml/2006/main" xmlns:wp="http://schemas.openxmlformats.org/drawingml/2006/wordprocessingDrawing" xmlns:a14="http://schemas.microsoft.com/office/drawing/2010/main" xmlns:mc="http://schemas.openxmlformats.org/markup-compatibility/2006" xmlns:p14="http://schemas.microsoft.com/office/powerpoint/2010/main" xmlns:p="http://schemas.openxmlformats.org/presentationml/2006/main">
-  <p:cSld name="">
+<p:notesMaster xmlns:a="http://schemas.openxmlformats.org/drawingml/2006/main" xmlns:r="http://schemas.openxmlformats.org/officeDocument/2006/relationships" xmlns:p="http://schemas.openxmlformats.org/presentationml/2006/main">
+  <p:cSld>
     <p:bg>
       <p:bgRef idx="1001">
         <a:schemeClr val="bg1"/>
@@ -150,6 +146,8 @@
         <a:xfrm>
           <a:off x="0" y="0"/>
           <a:ext cx="0" cy="0"/>
+          <a:chOff x="0" y="0"/>
+          <a:chExt cx="0" cy="0"/>
         </a:xfrm>
       </p:grpSpPr>
       <p:sp>
@@ -212,7 +210,7 @@
           <a:p>
             <a:fld id="{4B79337C-AD0D-499E-B6BA-802817985C42}" type="datetimeFigureOut">
               <a:rPr lang="en-US" smtClean="0"/>
-              <a:t>6/26/2024</a:t>
+              <a:t>5/29/2025</a:t>
             </a:fld>
             <a:endParaRPr lang="en-US"/>
           </a:p>
@@ -243,6 +241,13 @@
             </a:solidFill>
           </a:ln>
         </p:spPr>
+        <p:txBody>
+          <a:bodyPr vert="horz" lIns="91440" tIns="45720" rIns="91440" bIns="45720" rtlCol="0" anchor="ctr"/>
+          <a:lstStyle/>
+          <a:p>
+            <a:endParaRPr lang="en-US"/>
+          </a:p>
+        </p:txBody>
       </p:sp>
       <p:sp>
         <p:nvSpPr>
@@ -473,8 +478,8 @@
 </file>
 
 <file path=ppt/notesSlides/notesSlide1.xml><?xml version="1.0" encoding="utf-8"?>
-<p:notes xmlns:a="http://schemas.openxmlformats.org/drawingml/2006/main" xmlns:r="http://schemas.openxmlformats.org/officeDocument/2006/relationships" xmlns:m="http://schemas.openxmlformats.org/officeDocument/2006/math" xmlns:w="http://schemas.openxmlformats.org/wordprocessingml/2006/main" xmlns:wp="http://schemas.openxmlformats.org/drawingml/2006/wordprocessingDrawing" xmlns:a14="http://schemas.microsoft.com/office/drawing/2010/main" xmlns:mc="http://schemas.openxmlformats.org/markup-compatibility/2006" xmlns:p14="http://schemas.microsoft.com/office/powerpoint/2010/main" xmlns:p="http://schemas.openxmlformats.org/presentationml/2006/main">
-  <p:cSld name="">
+<p:notes xmlns:a="http://schemas.openxmlformats.org/drawingml/2006/main" xmlns:r="http://schemas.openxmlformats.org/officeDocument/2006/relationships" xmlns:p="http://schemas.openxmlformats.org/presentationml/2006/main">
+  <p:cSld>
     <p:spTree>
       <p:nvGrpSpPr>
         <p:cNvPr id="1" name=""/>
@@ -485,6 +490,8 @@
         <a:xfrm>
           <a:off x="0" y="0"/>
           <a:ext cx="0" cy="0"/>
+          <a:chOff x="0" y="0"/>
+          <a:chExt cx="0" cy="0"/>
         </a:xfrm>
       </p:grpSpPr>
       <p:sp>
@@ -515,60 +522,28 @@
           <a:lstStyle/>
           <a:p>
             <a:r>
-              <a:rPr lang="ja-JP" sz="1200" b="0" i="0" strike="noStrike" cap="none" baseline="0">
-                <a:solidFill>
-                  <a:srgbClr val="000000"/>
-                </a:solidFill>
-                <a:effectLst/>
-                <a:latin typeface="MS UI Gothic"/>
-                <a:ea typeface="MS UI Gothic"/>
-                <a:cs typeface="MS UI Gothic"/>
-              </a:rPr>
-              <a:t>このプレゼンテーションは、以下のドキュメントで見つかったコンテンツに基づいて、PowerPoint Copilot によって自動的に生成されました: </a:t>
-            </a:r>
-            <a:r>
-              <a:rPr sz="1200"/>
-              <a:t>
-</a:t>
-            </a:r>
-            <a:r>
-              <a:rPr lang="ja-JP" sz="1200" b="0" i="0" strike="noStrike" cap="none" baseline="0">
-                <a:solidFill>
-                  <a:srgbClr val="000000"/>
-                </a:solidFill>
-                <a:effectLst/>
-                <a:latin typeface="MS UI Gothic"/>
-                <a:ea typeface="MS UI Gothic"/>
-                <a:cs typeface="MS UI Gothic"/>
-              </a:rPr>
+              <a:rPr lang="ja-JP"/>
+              <a:t>このプレゼンテーションは、このドキュメントの内容に基づいて PowerPoint Copilot によって自動的に生成されました。</a:t>
+            </a:r>
+            <a:br>
+              <a:rPr lang="ja-JP"/>
+            </a:br>
+            <a:r>
+              <a:rPr lang="ja-JP"/>
               <a:t>https://microsoft-my.sharepoint.com/personal/dahans_microsoft_com/Documents/MS-4005/Market%20Analysis%20Report%20for%20Mystic%20Spice%20Premium%20Chai%20Tea.docx</a:t>
             </a:r>
-            <a:r>
-              <a:rPr sz="1200"/>
-              <a:t>
-</a:t>
-            </a:r>
-            <a:r>
-              <a:rPr sz="1200"/>
-              <a:t>
-</a:t>
-            </a:r>
-            <a:r>
-              <a:rPr sz="1200"/>
-              <a:t>
-</a:t>
-            </a:r>
-            <a:r>
-              <a:rPr lang="ja-JP" sz="1200" b="0" i="0" strike="noStrike" cap="none" baseline="0">
-                <a:solidFill>
-                  <a:srgbClr val="000000"/>
-                </a:solidFill>
-                <a:effectLst/>
-                <a:latin typeface="MS UI Gothic"/>
-                <a:ea typeface="MS UI Gothic"/>
-                <a:cs typeface="MS UI Gothic"/>
-              </a:rPr>
-              <a:t>AI で生成されたコンテンツは正しくない可能性があります。</a:t>
+            <a:br>
+              <a:rPr lang="ja-JP"/>
+            </a:br>
+            <a:br>
+              <a:rPr lang="ja-JP"/>
+            </a:br>
+            <a:br>
+              <a:rPr lang="ja-JP"/>
+            </a:br>
+            <a:r>
+              <a:rPr lang="ja-JP"/>
+              <a:t>AI によって生成されたコンテンツは正しくない可能性があります。</a:t>
             </a:r>
           </a:p>
         </p:txBody>
@@ -610,8 +585,8 @@
 </file>
 
 <file path=ppt/notesSlides/notesSlide10.xml><?xml version="1.0" encoding="utf-8"?>
-<p:notes xmlns:a="http://schemas.openxmlformats.org/drawingml/2006/main" xmlns:r="http://schemas.openxmlformats.org/officeDocument/2006/relationships" xmlns:m="http://schemas.openxmlformats.org/officeDocument/2006/math" xmlns:w="http://schemas.openxmlformats.org/wordprocessingml/2006/main" xmlns:wp="http://schemas.openxmlformats.org/drawingml/2006/wordprocessingDrawing" xmlns:a14="http://schemas.microsoft.com/office/drawing/2010/main" xmlns:mc="http://schemas.openxmlformats.org/markup-compatibility/2006" xmlns:p14="http://schemas.microsoft.com/office/powerpoint/2010/main" xmlns:p="http://schemas.openxmlformats.org/presentationml/2006/main">
-  <p:cSld name="">
+<p:notes xmlns:a="http://schemas.openxmlformats.org/drawingml/2006/main" xmlns:r="http://schemas.openxmlformats.org/officeDocument/2006/relationships" xmlns:p="http://schemas.openxmlformats.org/presentationml/2006/main">
+  <p:cSld>
     <p:spTree>
       <p:nvGrpSpPr>
         <p:cNvPr id="1" name=""/>
@@ -622,6 +597,8 @@
         <a:xfrm>
           <a:off x="0" y="0"/>
           <a:ext cx="0" cy="0"/>
+          <a:chOff x="0" y="0"/>
+          <a:chExt cx="0" cy="0"/>
         </a:xfrm>
       </p:grpSpPr>
       <p:sp>
@@ -652,126 +629,33 @@
           <a:lstStyle/>
           <a:p>
             <a:r>
-              <a:rPr lang="ja-JP" sz="1200" b="0" i="0" strike="noStrike" cap="none" baseline="0">
-                <a:solidFill>
-                  <a:srgbClr val="000000"/>
-                </a:solidFill>
-                <a:effectLst/>
-                <a:latin typeface="MS UI Gothic"/>
-                <a:ea typeface="MS UI Gothic"/>
-                <a:cs typeface="MS UI Gothic"/>
-              </a:rPr>
-              <a:t>流通業者は、チャイ ティー製品を代理して流通し、その移動と販売を促進し、マーケティング、販売、アフター サービスを提供します。</a:t>
-            </a:r>
-            <a:r>
-              <a:rPr lang="ja-JP" sz="1200" b="0" i="0" strike="noStrike" cap="none" baseline="0">
-                <a:solidFill>
-                  <a:srgbClr val="000000"/>
-                </a:solidFill>
-                <a:effectLst/>
-                <a:latin typeface="MS UI Gothic"/>
-                <a:ea typeface="MS UI Gothic"/>
-                <a:cs typeface="MS UI Gothic"/>
-              </a:rPr>
-              <a:t>彼らは小売業者や消費者との関係を確立および維持し、技術的および物流的なサポートを提供します。</a:t>
-            </a:r>
-            <a:r>
-              <a:rPr lang="ja-JP" sz="1200" b="0" i="0" strike="noStrike" cap="none" baseline="0">
-                <a:solidFill>
-                  <a:srgbClr val="000000"/>
-                </a:solidFill>
-                <a:effectLst/>
-                <a:latin typeface="MS UI Gothic"/>
-                <a:ea typeface="MS UI Gothic"/>
-                <a:cs typeface="MS UI Gothic"/>
-              </a:rPr>
-              <a:t>ラテン アメリカにおける主要なディストリビューターには、Unilever、Nestle、Coca-Cola、PepsiCo. などがあります。</a:t>
-            </a:r>
-            <a:r>
-              <a:rPr sz="1200"/>
-              <a:t>
-</a:t>
-            </a:r>
-            <a:r>
-              <a:rPr sz="1200"/>
-              <a:t>
-</a:t>
-            </a:r>
-            <a:r>
-              <a:rPr sz="1200"/>
-              <a:t>
-</a:t>
-            </a:r>
-            <a:r>
-              <a:rPr lang="ja-JP" sz="1200" b="0" i="0" strike="noStrike" cap="none" baseline="0">
-                <a:solidFill>
-                  <a:srgbClr val="000000"/>
-                </a:solidFill>
-                <a:effectLst/>
-                <a:latin typeface="MS UI Gothic"/>
-                <a:ea typeface="MS UI Gothic"/>
-                <a:cs typeface="MS UI Gothic"/>
-              </a:rPr>
-              <a:t>オリジナル コンテンツ: </a:t>
-            </a:r>
-            <a:r>
-              <a:rPr sz="1200"/>
-              <a:t>
-</a:t>
-            </a:r>
-            <a:r>
-              <a:rPr lang="ja-JP" sz="1200" b="0" i="0" strike="noStrike" cap="none" baseline="0">
-                <a:solidFill>
-                  <a:srgbClr val="000000"/>
-                </a:solidFill>
-                <a:effectLst/>
-                <a:latin typeface="MS UI Gothic"/>
-                <a:ea typeface="MS UI Gothic"/>
-                <a:cs typeface="MS UI Gothic"/>
-              </a:rPr>
-              <a:t>流通業者とは、製造元や卸売業者に代わってチャイ ティー製品を代理販売する企業です。</a:t>
-            </a:r>
-            <a:r>
-              <a:rPr lang="ja-JP" sz="1200" b="0" i="0" strike="noStrike" cap="none" baseline="0">
-                <a:solidFill>
-                  <a:srgbClr val="000000"/>
-                </a:solidFill>
-                <a:effectLst/>
-                <a:latin typeface="MS UI Gothic"/>
-                <a:ea typeface="MS UI Gothic"/>
-                <a:cs typeface="MS UI Gothic"/>
-              </a:rPr>
-              <a:t>流通業者は、さまざまな市場や地域でチャイ ティー製品の移動と販売を促進する代理店であり、チャイ ティー製品のマーケティング、販売、アフター サービスを提供できます。</a:t>
-            </a:r>
-            <a:r>
-              <a:rPr lang="ja-JP" sz="1200" b="0" i="0" strike="noStrike" cap="none" baseline="0">
-                <a:solidFill>
-                  <a:srgbClr val="000000"/>
-                </a:solidFill>
-                <a:effectLst/>
-                <a:latin typeface="MS UI Gothic"/>
-                <a:ea typeface="MS UI Gothic"/>
-                <a:cs typeface="MS UI Gothic"/>
-              </a:rPr>
-              <a:t>流通業者は、小売業者や消費者との関係を確立および維持し、チャイ ティー製品の技術的および物流的なサポートを提供することもできます。</a:t>
-            </a:r>
-            <a:r>
-              <a:rPr lang="ja-JP" sz="1200" b="0" i="0" strike="noStrike" cap="none" baseline="0">
-                <a:solidFill>
-                  <a:srgbClr val="000000"/>
-                </a:solidFill>
-                <a:effectLst/>
-                <a:latin typeface="MS UI Gothic"/>
-                <a:ea typeface="MS UI Gothic"/>
-                <a:cs typeface="MS UI Gothic"/>
-              </a:rPr>
-              <a:t>ラテン アメリカにおけるチャイ ティー製品の主要な流通業者には、Unilever、Nestle、Coca-Cola、PepsiCo などがあります。</a:t>
-            </a:r>
-            <a:r>
-              <a:rPr sz="1200"/>
-              <a:t>
-</a:t>
-            </a:r>
+              <a:rPr lang="ja-JP"/>
+              <a:t>流通業者は、チャイ ティー製品を代理して流通し、その移動と販売を促進し、マーケティング、販売、アフター サービスを提供します。彼らは小売業者や消費者との関係を確立および維持し、技術的および物流的なサポートを提供します。ラテン アメリカの主要流通業者には、Unilever、Nestle、Coca-Cola、PepsiCo などがあります。</a:t>
+            </a:r>
+            <a:br>
+              <a:rPr lang="ja-JP"/>
+            </a:br>
+            <a:br>
+              <a:rPr lang="ja-JP"/>
+            </a:br>
+            <a:br>
+              <a:rPr lang="ja-JP"/>
+            </a:br>
+            <a:r>
+              <a:rPr lang="ja-JP"/>
+              <a:t>元のコンテンツ: </a:t>
+            </a:r>
+            <a:br>
+              <a:rPr lang="ja-JP"/>
+            </a:br>
+            <a:r>
+              <a:rPr lang="ja-JP"/>
+              <a:t>流通業者とは、製造元や卸売業者に代わってチャイ ティー製品を代理販売する企業です。流通業者は、さまざまな市場や地域でチャイ ティー製品の移動と販売を促進する代理店であり、チャイ ティー製品のマーケティング、販売、アフター サービスを提供できます。流通業者は、小売業者や消費者との関係を確立および維持し、チャイ ティー製品の技術的および物流的なサポートを提供することもできます。ラテン アメリカにおけるチャイ ティー製品の主要な流通業者には、Unilever、Nestle、Coca-Cola、PepsiCo などがあります。</a:t>
+            </a:r>
+            <a:br>
+              <a:rPr lang="ja-JP"/>
+            </a:br>
+            <a:endParaRPr lang="ja-JP"/>
           </a:p>
         </p:txBody>
       </p:sp>
@@ -812,8 +696,8 @@
 </file>
 
 <file path=ppt/notesSlides/notesSlide11.xml><?xml version="1.0" encoding="utf-8"?>
-<p:notes xmlns:a="http://schemas.openxmlformats.org/drawingml/2006/main" xmlns:r="http://schemas.openxmlformats.org/officeDocument/2006/relationships" xmlns:m="http://schemas.openxmlformats.org/officeDocument/2006/math" xmlns:w="http://schemas.openxmlformats.org/wordprocessingml/2006/main" xmlns:wp="http://schemas.openxmlformats.org/drawingml/2006/wordprocessingDrawing" xmlns:a14="http://schemas.microsoft.com/office/drawing/2010/main" xmlns:mc="http://schemas.openxmlformats.org/markup-compatibility/2006" xmlns:p14="http://schemas.microsoft.com/office/powerpoint/2010/main" xmlns:p="http://schemas.openxmlformats.org/presentationml/2006/main">
-  <p:cSld name="">
+<p:notes xmlns:a="http://schemas.openxmlformats.org/drawingml/2006/main" xmlns:r="http://schemas.openxmlformats.org/officeDocument/2006/relationships" xmlns:p="http://schemas.openxmlformats.org/presentationml/2006/main">
+  <p:cSld>
     <p:spTree>
       <p:nvGrpSpPr>
         <p:cNvPr id="1" name=""/>
@@ -824,6 +708,8 @@
         <a:xfrm>
           <a:off x="0" y="0"/>
           <a:ext cx="0" cy="0"/>
+          <a:chOff x="0" y="0"/>
+          <a:chExt cx="0" cy="0"/>
         </a:xfrm>
       </p:grpSpPr>
       <p:sp>
@@ -854,323 +740,124 @@
           <a:lstStyle/>
           <a:p>
             <a:r>
-              <a:rPr lang="ja-JP" sz="1200" b="0" i="0" strike="noStrike" cap="none" baseline="0">
-                <a:solidFill>
-                  <a:srgbClr val="000000"/>
-                </a:solidFill>
-                <a:effectLst/>
-                <a:latin typeface="MS UI Gothic"/>
-                <a:ea typeface="MS UI Gothic"/>
-                <a:cs typeface="MS UI Gothic"/>
-              </a:rPr>
-              <a:t>ラテン アメリカにおけるチャイのプロモーション計画と戦略は、チャイ ティーの認知度を高め、プレミアム製品として位置付け、試用と購入を奨励し、ロイヤルティを確立することを目的としています。</a:t>
-            </a:r>
-            <a:r>
-              <a:rPr lang="ja-JP" sz="1200" b="0" i="0" strike="noStrike" cap="none" baseline="0">
-                <a:solidFill>
-                  <a:srgbClr val="000000"/>
-                </a:solidFill>
-                <a:effectLst/>
-                <a:latin typeface="MS UI Gothic"/>
-                <a:ea typeface="MS UI Gothic"/>
-                <a:cs typeface="MS UI Gothic"/>
-              </a:rPr>
-              <a:t>戦術には、ブランド名とロゴの作成、Web サイトとソーシャル メディアでの存在感の確立、デジタル マーケティング キャンペーンの開始、無料サンプルの配布、イベントの開催、地元企業との提携などが含まれます。</a:t>
-            </a:r>
-            <a:r>
-              <a:rPr lang="ja-JP" sz="1200" b="0" i="0" strike="noStrike" cap="none" baseline="0">
-                <a:solidFill>
-                  <a:srgbClr val="000000"/>
-                </a:solidFill>
-                <a:effectLst/>
-                <a:latin typeface="MS UI Gothic"/>
-                <a:ea typeface="MS UI Gothic"/>
-                <a:cs typeface="MS UI Gothic"/>
-              </a:rPr>
-              <a:t>この計画は 12 か月間にわたって 100,000 ドルの予算で実施され、主要業績評価指標を使用して評価されます。</a:t>
-            </a:r>
-            <a:r>
-              <a:rPr sz="1200"/>
-              <a:t>
-</a:t>
-            </a:r>
-            <a:r>
-              <a:rPr sz="1200"/>
-              <a:t>
-</a:t>
-            </a:r>
-            <a:r>
-              <a:rPr sz="1200"/>
-              <a:t>
-</a:t>
-            </a:r>
-            <a:r>
-              <a:rPr lang="ja-JP" sz="1200" b="0" i="0" strike="noStrike" cap="none" baseline="0">
-                <a:solidFill>
-                  <a:srgbClr val="000000"/>
-                </a:solidFill>
-                <a:effectLst/>
-                <a:latin typeface="MS UI Gothic"/>
-                <a:ea typeface="MS UI Gothic"/>
-                <a:cs typeface="MS UI Gothic"/>
-              </a:rPr>
-              <a:t>オリジナル コンテンツ:</a:t>
-            </a:r>
-            <a:r>
-              <a:rPr sz="1200"/>
-              <a:t>
-</a:t>
-            </a:r>
-            <a:r>
-              <a:rPr lang="ja-JP" sz="1200" b="0" i="0" strike="noStrike" cap="none" baseline="0">
-                <a:solidFill>
-                  <a:srgbClr val="000000"/>
-                </a:solidFill>
-                <a:effectLst/>
-                <a:latin typeface="MS UI Gothic"/>
-                <a:ea typeface="MS UI Gothic"/>
-                <a:cs typeface="MS UI Gothic"/>
-              </a:rPr>
-              <a:t>販売推進計画と戦略</a:t>
-            </a:r>
-            <a:r>
-              <a:rPr sz="1200"/>
-              <a:t>
-</a:t>
-            </a:r>
-            <a:r>
-              <a:rPr lang="ja-JP" sz="1200" b="0" i="0" strike="noStrike" cap="none" baseline="0">
-                <a:solidFill>
-                  <a:srgbClr val="000000"/>
-                </a:solidFill>
-                <a:effectLst/>
-                <a:latin typeface="MS UI Gothic"/>
-                <a:ea typeface="MS UI Gothic"/>
-                <a:cs typeface="MS UI Gothic"/>
-              </a:rPr>
-              <a:t>ラテン アメリカのチャイ ティーの販売推進計画と戦略は、次の目標を達成することを目指しています:</a:t>
-            </a:r>
-            <a:r>
-              <a:rPr sz="1200"/>
-              <a:t>
-</a:t>
-            </a:r>
-            <a:r>
-              <a:rPr lang="ja-JP" sz="1200" b="0" i="0" strike="noStrike" cap="none" baseline="0">
-                <a:solidFill>
-                  <a:srgbClr val="000000"/>
-                </a:solidFill>
-                <a:effectLst/>
-                <a:latin typeface="MS UI Gothic"/>
-                <a:ea typeface="MS UI Gothic"/>
-                <a:cs typeface="MS UI Gothic"/>
-              </a:rPr>
-              <a:t>·        ターゲット客の間でチャイ ティーへの意識と関心を高める</a:t>
-            </a:r>
-            <a:r>
-              <a:rPr sz="1200"/>
-              <a:t>
-</a:t>
-            </a:r>
-            <a:r>
-              <a:rPr lang="ja-JP" sz="1200" b="0" i="0" strike="noStrike" cap="none" baseline="0">
-                <a:solidFill>
-                  <a:srgbClr val="000000"/>
-                </a:solidFill>
-                <a:effectLst/>
-                <a:latin typeface="MS UI Gothic"/>
-                <a:ea typeface="MS UI Gothic"/>
-                <a:cs typeface="MS UI Gothic"/>
-              </a:rPr>
-              <a:t>·        チャイ ティーを、ユニークで満足のいく体験を提供するプレミアムで自然で健康的な製品として位置付ける</a:t>
-            </a:r>
-            <a:r>
-              <a:rPr sz="1200"/>
-              <a:t>
-</a:t>
-            </a:r>
-            <a:r>
-              <a:rPr lang="ja-JP" sz="1200" b="0" i="0" strike="noStrike" cap="none" baseline="0">
-                <a:solidFill>
-                  <a:srgbClr val="000000"/>
-                </a:solidFill>
-                <a:effectLst/>
-                <a:latin typeface="MS UI Gothic"/>
-                <a:ea typeface="MS UI Gothic"/>
-                <a:cs typeface="MS UI Gothic"/>
-              </a:rPr>
-              <a:t>·        様々なチャネルやインセンティブを通じてチャイ ティーの試用と購入を奨励</a:t>
-            </a:r>
-            <a:r>
-              <a:rPr sz="1200"/>
-              <a:t>
-</a:t>
-            </a:r>
-            <a:r>
-              <a:rPr lang="ja-JP" sz="1200" b="0" i="0" strike="noStrike" cap="none" baseline="0">
-                <a:solidFill>
-                  <a:srgbClr val="000000"/>
-                </a:solidFill>
-                <a:effectLst/>
-                <a:latin typeface="MS UI Gothic"/>
-                <a:ea typeface="MS UI Gothic"/>
-                <a:cs typeface="MS UI Gothic"/>
-              </a:rPr>
-              <a:t>·        エンゲージメントとフィードバックを通じてチャイ ティーの消費者間のロイヤルティとリテンションを構築</a:t>
-            </a:r>
-            <a:r>
-              <a:rPr sz="1200"/>
-              <a:t>
-</a:t>
-            </a:r>
-            <a:r>
-              <a:rPr lang="ja-JP" sz="1200" b="0" i="0" strike="noStrike" cap="none" baseline="0">
-                <a:solidFill>
-                  <a:srgbClr val="000000"/>
-                </a:solidFill>
-                <a:effectLst/>
-                <a:latin typeface="MS UI Gothic"/>
-                <a:ea typeface="MS UI Gothic"/>
-                <a:cs typeface="MS UI Gothic"/>
-              </a:rPr>
-              <a:t>ラテン アメリカのチャイティーの販売推進計画と戦略は、次のような戦術の組み合わせを使用します:</a:t>
-            </a:r>
-            <a:r>
-              <a:rPr sz="1200"/>
-              <a:t>
-</a:t>
-            </a:r>
-            <a:r>
-              <a:rPr lang="ja-JP" sz="1200" b="0" i="0" strike="noStrike" cap="none" baseline="0">
-                <a:solidFill>
-                  <a:srgbClr val="000000"/>
-                </a:solidFill>
-                <a:effectLst/>
-                <a:latin typeface="MS UI Gothic"/>
-                <a:ea typeface="MS UI Gothic"/>
-                <a:cs typeface="MS UI Gothic"/>
-              </a:rPr>
-              <a:t>·        チャイ ティーのキャッチーで思い出深いブランド名とロゴを作成</a:t>
-            </a:r>
-            <a:r>
-              <a:rPr sz="1200"/>
-              <a:t>
-</a:t>
-            </a:r>
-            <a:r>
-              <a:rPr lang="ja-JP" sz="1200" b="0" i="0" strike="noStrike" cap="none" baseline="0">
-                <a:solidFill>
-                  <a:srgbClr val="000000"/>
-                </a:solidFill>
-                <a:effectLst/>
-                <a:latin typeface="MS UI Gothic"/>
-                <a:ea typeface="MS UI Gothic"/>
-                <a:cs typeface="MS UI Gothic"/>
-              </a:rPr>
-              <a:t>·        チャイ ティーの利点、特徴、ストーリーを紹介する Web サイトとソーシャル メディアのプレゼンスを開発</a:t>
-            </a:r>
-            <a:r>
-              <a:rPr sz="1200"/>
-              <a:t>
-</a:t>
-            </a:r>
-            <a:r>
-              <a:rPr lang="ja-JP" sz="1200" b="0" i="0" strike="noStrike" cap="none" baseline="0">
-                <a:solidFill>
-                  <a:srgbClr val="000000"/>
-                </a:solidFill>
-                <a:effectLst/>
-                <a:latin typeface="MS UI Gothic"/>
-                <a:ea typeface="MS UI Gothic"/>
-                <a:cs typeface="MS UI Gothic"/>
-              </a:rPr>
-              <a:t>·        SEO、SEM、電子メール マーケティング、インフルエンサー マーケティングを使用して潜在的な顧客にリーチし、引き付けるデジタル マーケティング キャンペーンを開始</a:t>
-            </a:r>
-            <a:r>
-              <a:rPr sz="1200"/>
-              <a:t>
-</a:t>
-            </a:r>
-            <a:r>
-              <a:rPr lang="ja-JP" sz="1200" b="0" i="0" strike="noStrike" cap="none" baseline="0">
-                <a:solidFill>
-                  <a:srgbClr val="000000"/>
-                </a:solidFill>
-                <a:effectLst/>
-                <a:latin typeface="MS UI Gothic"/>
-                <a:ea typeface="MS UI Gothic"/>
-                <a:cs typeface="MS UI Gothic"/>
-              </a:rPr>
-              <a:t>·        スーパーマーケット、カフェ、健康店などの戦略的な場所でチャイ ティーの無料サンプルとクーポンを配布</a:t>
-            </a:r>
-            <a:r>
-              <a:rPr sz="1200"/>
-              <a:t>
-</a:t>
-            </a:r>
-            <a:r>
-              <a:rPr lang="ja-JP" sz="1200" b="0" i="0" strike="noStrike" cap="none" baseline="0">
-                <a:solidFill>
-                  <a:srgbClr val="000000"/>
-                </a:solidFill>
-                <a:effectLst/>
-                <a:latin typeface="MS UI Gothic"/>
-                <a:ea typeface="MS UI Gothic"/>
-                <a:cs typeface="MS UI Gothic"/>
-              </a:rPr>
-              <a:t>·        友人や家族とチャイ ティーを楽しむイベントやコンテストを開催</a:t>
-            </a:r>
-            <a:r>
-              <a:rPr sz="1200"/>
-              <a:t>
-</a:t>
-            </a:r>
-            <a:r>
-              <a:rPr lang="ja-JP" sz="1200" b="0" i="0" strike="noStrike" cap="none" baseline="0">
-                <a:solidFill>
-                  <a:srgbClr val="000000"/>
-                </a:solidFill>
-                <a:effectLst/>
-                <a:latin typeface="MS UI Gothic"/>
-                <a:ea typeface="MS UI Gothic"/>
-                <a:cs typeface="MS UI Gothic"/>
-              </a:rPr>
-              <a:t>·        チャイ ティーと同じ価値とビジョンを共有する地元の企業や組織と提携</a:t>
-            </a:r>
-            <a:r>
-              <a:rPr sz="1200"/>
-              <a:t>
-</a:t>
-            </a:r>
-            <a:r>
-              <a:rPr lang="ja-JP" sz="1200" b="0" i="0" strike="noStrike" cap="none" baseline="0">
-                <a:solidFill>
-                  <a:srgbClr val="000000"/>
-                </a:solidFill>
-                <a:effectLst/>
-                <a:latin typeface="MS UI Gothic"/>
-                <a:ea typeface="MS UI Gothic"/>
-                <a:cs typeface="MS UI Gothic"/>
-              </a:rPr>
-              <a:t>ラテン アメリカのチャイ ティーの販売推進計画と戦略は、12 か月間にわたって実施され、予算は 10 万ドルになります。</a:t>
-            </a:r>
-            <a:r>
-              <a:rPr lang="ja-JP" sz="1200" b="0" i="0" strike="noStrike" cap="none" baseline="0">
-                <a:solidFill>
-                  <a:srgbClr val="000000"/>
-                </a:solidFill>
-                <a:effectLst/>
-                <a:latin typeface="MS UI Gothic"/>
-                <a:ea typeface="MS UI Gothic"/>
-                <a:cs typeface="MS UI Gothic"/>
-              </a:rPr>
-              <a:t>この計画は、Web サイトのトラフィック、ソーシャル メディアのエンゲージメント、電子メール開封率、コンバージョン率、販売量、顧客満足度、維持率などの主要業績評価指標を使用して監視および評価されます。</a:t>
-            </a:r>
-            <a:r>
-              <a:rPr sz="1200"/>
-              <a:t>
-</a:t>
-            </a:r>
+              <a:rPr lang="ja-JP"/>
+              <a:t>ラテン アメリカにおけるチャイのプロモーション計画と戦略は、チャイ ティーの認知度を高め、プレミアム製品として位置付け、試用と購入を奨励し、ロイヤルティを確立することを目的としています。戦術には、ブランド名とロゴの作成、Web サイトとソーシャル メディアでの存在感の確立、デジタル マーケティング キャンペーンの開始、無料サンプルの配布、イベントの開催、地元企業との提携などが含まれます。この計画は 10 万ドルの予算で 12 か月にわたって実施され、主要業績評価指標を使用して評価されます。</a:t>
+            </a:r>
+            <a:br>
+              <a:rPr lang="ja-JP"/>
+            </a:br>
+            <a:br>
+              <a:rPr lang="ja-JP"/>
+            </a:br>
+            <a:br>
+              <a:rPr lang="ja-JP"/>
+            </a:br>
+            <a:r>
+              <a:rPr lang="ja-JP"/>
+              <a:t>元のコンテンツ: </a:t>
+            </a:r>
+            <a:br>
+              <a:rPr lang="ja-JP"/>
+            </a:br>
+            <a:r>
+              <a:rPr lang="ja-JP"/>
+              <a:t>プロモーション計画と戦略</a:t>
+            </a:r>
+            <a:br>
+              <a:rPr lang="ja-JP"/>
+            </a:br>
+            <a:r>
+              <a:rPr lang="ja-JP"/>
+              <a:t>ラテン アメリカにおけるチャイ ティーのプロモーション計画と戦略は、次の目標を達成することを目指しています。</a:t>
+            </a:r>
+            <a:br>
+              <a:rPr lang="ja-JP"/>
+            </a:br>
+            <a:r>
+              <a:rPr lang="ja-JP"/>
+              <a:t>·         ターゲット層のチャイ ティーへの認識度と関心を高める</a:t>
+            </a:r>
+            <a:br>
+              <a:rPr lang="ja-JP"/>
+            </a:br>
+            <a:r>
+              <a:rPr lang="ja-JP"/>
+              <a:t>·         チャイ ティーを、ユニークで満足のいく体験を提供する、プレミアムで自然で健康的な製品として位置づける</a:t>
+            </a:r>
+            <a:br>
+              <a:rPr lang="ja-JP"/>
+            </a:br>
+            <a:r>
+              <a:rPr lang="ja-JP"/>
+              <a:t>·         さまざまなチャネルやインセンティブを通じてチャイ ティーの試用と購入を奨励する</a:t>
+            </a:r>
+            <a:br>
+              <a:rPr lang="ja-JP"/>
+            </a:br>
+            <a:r>
+              <a:rPr lang="ja-JP"/>
+              <a:t>·         エンゲージメントとフィードバックを通じて、チャイ ティー消費者のロイヤルティを確立して維持する</a:t>
+            </a:r>
+            <a:br>
+              <a:rPr lang="ja-JP"/>
+            </a:br>
+            <a:r>
+              <a:rPr lang="ja-JP"/>
+              <a:t>ラテン アメリカにおけるチャイ ティーのプロモーション計画と戦略では、次のような戦略を組み合わせて使用します。</a:t>
+            </a:r>
+            <a:br>
+              <a:rPr lang="ja-JP"/>
+            </a:br>
+            <a:r>
+              <a:rPr lang="ja-JP"/>
+              <a:t>·         キャッチーで記憶に残るチャイ ティーのブランド名とロゴを作成する</a:t>
+            </a:r>
+            <a:br>
+              <a:rPr lang="ja-JP"/>
+            </a:br>
+            <a:r>
+              <a:rPr lang="ja-JP"/>
+              <a:t>·         チャイ ティーの利点、特徴、ストーリーを紹介する Web サイトとソーシャル メディアでのプレゼンスを開発する</a:t>
+            </a:r>
+            <a:br>
+              <a:rPr lang="ja-JP"/>
+            </a:br>
+            <a:r>
+              <a:rPr lang="ja-JP"/>
+              <a:t>·         SEO、SEM、電子メール マーケティング、インフルエンサー マーケティングを使用して潜在顧客にリーチし、引き付けるデジタル マーケティング キャンペーンを開始する</a:t>
+            </a:r>
+            <a:br>
+              <a:rPr lang="ja-JP"/>
+            </a:br>
+            <a:r>
+              <a:rPr lang="ja-JP"/>
+              <a:t>·         スーパーマーケット、カフェ、健康店などの要所でチャイ ティーの無料サンプルとクーポンを配布する</a:t>
+            </a:r>
+            <a:br>
+              <a:rPr lang="ja-JP"/>
+            </a:br>
+            <a:r>
+              <a:rPr lang="ja-JP"/>
+              <a:t>·         友人や家族とチャイ ティーを試して共有するよう人々を招待するイベントやコンテストを企画する</a:t>
+            </a:r>
+            <a:br>
+              <a:rPr lang="ja-JP"/>
+            </a:br>
+            <a:r>
+              <a:rPr lang="ja-JP"/>
+              <a:t>·         チャイ ティーと同じ価値観とビジョンを共有する地元の企業や団体と提携する</a:t>
+            </a:r>
+            <a:br>
+              <a:rPr lang="ja-JP"/>
+            </a:br>
+            <a:r>
+              <a:rPr lang="ja-JP"/>
+              <a:t>ラテン アメリカにおけるチャイ ティーのプロモーション計画と戦略は、10 万ドルの予算で 12 か月にわたって実施されます。この計画は、Web サイトのトラフィック、ソーシャル メディアのエンゲージメント、電子メール開封率、コンバージョン率、販売量、顧客満足度、維持率などの主要業績評価指標を使用して監視および評価されます。</a:t>
+            </a:r>
+            <a:br>
+              <a:rPr lang="ja-JP"/>
+            </a:br>
+            <a:endParaRPr lang="ja-JP"/>
           </a:p>
         </p:txBody>
       </p:sp>
@@ -1211,8 +898,8 @@
 </file>
 
 <file path=ppt/notesSlides/notesSlide12.xml><?xml version="1.0" encoding="utf-8"?>
-<p:notes xmlns:a="http://schemas.openxmlformats.org/drawingml/2006/main" xmlns:r="http://schemas.openxmlformats.org/officeDocument/2006/relationships" xmlns:m="http://schemas.openxmlformats.org/officeDocument/2006/math" xmlns:w="http://schemas.openxmlformats.org/wordprocessingml/2006/main" xmlns:wp="http://schemas.openxmlformats.org/drawingml/2006/wordprocessingDrawing" xmlns:a14="http://schemas.microsoft.com/office/drawing/2010/main" xmlns:mc="http://schemas.openxmlformats.org/markup-compatibility/2006" xmlns:p14="http://schemas.microsoft.com/office/powerpoint/2010/main" xmlns:p="http://schemas.openxmlformats.org/presentationml/2006/main">
-  <p:cSld name="">
+<p:notes xmlns:a="http://schemas.openxmlformats.org/drawingml/2006/main" xmlns:r="http://schemas.openxmlformats.org/officeDocument/2006/relationships" xmlns:p="http://schemas.openxmlformats.org/presentationml/2006/main">
+  <p:cSld>
     <p:spTree>
       <p:nvGrpSpPr>
         <p:cNvPr id="1" name=""/>
@@ -1223,6 +910,8 @@
         <a:xfrm>
           <a:off x="0" y="0"/>
           <a:ext cx="0" cy="0"/>
+          <a:chOff x="0" y="0"/>
+          <a:chExt cx="0" cy="0"/>
         </a:xfrm>
       </p:grpSpPr>
       <p:sp>
@@ -1253,151 +942,68 @@
           <a:lstStyle/>
           <a:p>
             <a:r>
-              <a:rPr lang="ja-JP" sz="1200" b="0" i="0" strike="noStrike" cap="none" baseline="0">
-                <a:solidFill>
-                  <a:srgbClr val="000000"/>
-                </a:solidFill>
-                <a:effectLst/>
-                <a:latin typeface="MS UI Gothic"/>
-                <a:ea typeface="MS UI Gothic"/>
-                <a:cs typeface="MS UI Gothic"/>
-              </a:rPr>
-              <a:t>ラテンアメリカでのチャイ ティーの販売推進計画と戦略によって、認識と関心が 20% 増加し、市場シェアが 10% 増加し、販売量と収益が 15% 増加し、顧客満足度とリテンション率が 25% 増加することが期待されます。</a:t>
-            </a:r>
-            <a:r>
-              <a:rPr sz="1200"/>
-              <a:t>
-</a:t>
-            </a:r>
-            <a:r>
-              <a:rPr sz="1200"/>
-              <a:t>
-</a:t>
-            </a:r>
-            <a:r>
-              <a:rPr sz="1200"/>
-              <a:t>
-</a:t>
-            </a:r>
-            <a:r>
-              <a:rPr lang="ja-JP" sz="1200" b="0" i="0" strike="noStrike" cap="none" baseline="0">
-                <a:solidFill>
-                  <a:srgbClr val="000000"/>
-                </a:solidFill>
-                <a:effectLst/>
-                <a:latin typeface="MS UI Gothic"/>
-                <a:ea typeface="MS UI Gothic"/>
-                <a:cs typeface="MS UI Gothic"/>
-              </a:rPr>
-              <a:t>オリジナル コンテンツ:</a:t>
-            </a:r>
-            <a:r>
-              <a:rPr sz="1200"/>
-              <a:t>
-</a:t>
-            </a:r>
-            <a:r>
-              <a:rPr lang="ja-JP" sz="1200" b="0" i="0" strike="noStrike" cap="none" baseline="0">
-                <a:solidFill>
-                  <a:srgbClr val="000000"/>
-                </a:solidFill>
-                <a:effectLst/>
-                <a:latin typeface="MS UI Gothic"/>
-                <a:ea typeface="MS UI Gothic"/>
-                <a:cs typeface="MS UI Gothic"/>
-              </a:rPr>
+              <a:rPr lang="ja-JP"/>
+              <a:t>ラテン アメリカにおけるチャイ ティーのプロモーション計画と戦略により、認知度と関心が 20% 増加し、市場シェアが 10% 増加し、販売量と収益が 15% 増加し、顧客満足度と顧客維持率が 25% 増加すると予想されます。</a:t>
+            </a:r>
+            <a:br>
+              <a:rPr lang="ja-JP"/>
+            </a:br>
+            <a:br>
+              <a:rPr lang="ja-JP"/>
+            </a:br>
+            <a:br>
+              <a:rPr lang="ja-JP"/>
+            </a:br>
+            <a:r>
+              <a:rPr lang="ja-JP"/>
+              <a:t>元のコンテンツ: </a:t>
+            </a:r>
+            <a:br>
+              <a:rPr lang="ja-JP"/>
+            </a:br>
+            <a:r>
+              <a:rPr lang="ja-JP"/>
               <a:t>期待される成果と課題</a:t>
             </a:r>
-            <a:r>
-              <a:rPr sz="1200"/>
-              <a:t>
-</a:t>
-            </a:r>
-            <a:r>
-              <a:rPr lang="ja-JP" sz="1200" b="0" i="0" strike="noStrike" cap="none" baseline="0">
-                <a:solidFill>
-                  <a:srgbClr val="000000"/>
-                </a:solidFill>
-                <a:effectLst/>
-                <a:latin typeface="MS UI Gothic"/>
-                <a:ea typeface="MS UI Gothic"/>
-                <a:cs typeface="MS UI Gothic"/>
-              </a:rPr>
-              <a:t>ラテン アメリカにおけるチャイ ティーの販売推進計画と戦略の期待される成果は:</a:t>
-            </a:r>
-            <a:r>
-              <a:rPr sz="1200"/>
-              <a:t>
-</a:t>
-            </a:r>
-            <a:r>
-              <a:rPr lang="ja-JP" sz="1200" b="0" i="0" strike="noStrike" cap="none" baseline="0">
-                <a:solidFill>
-                  <a:srgbClr val="000000"/>
-                </a:solidFill>
-                <a:effectLst/>
-                <a:latin typeface="MS UI Gothic"/>
-                <a:ea typeface="MS UI Gothic"/>
-                <a:cs typeface="MS UI Gothic"/>
-              </a:rPr>
-              <a:t>·        ターゲット客の中でチャイ ティーに対する意識と関心が 20% 増加</a:t>
-            </a:r>
-            <a:r>
-              <a:rPr sz="1200"/>
-              <a:t>
-</a:t>
-            </a:r>
-            <a:r>
-              <a:rPr lang="ja-JP" sz="1200" b="0" i="0" strike="noStrike" cap="none" baseline="0">
-                <a:solidFill>
-                  <a:srgbClr val="000000"/>
-                </a:solidFill>
-                <a:effectLst/>
-                <a:latin typeface="MS UI Gothic"/>
-                <a:ea typeface="MS UI Gothic"/>
-                <a:cs typeface="MS UI Gothic"/>
-              </a:rPr>
-              <a:t>·        チャイ ティーの市場シェアが 10% 増加</a:t>
-            </a:r>
-            <a:r>
-              <a:rPr sz="1200"/>
-              <a:t>
-</a:t>
-            </a:r>
-            <a:r>
-              <a:rPr lang="ja-JP" sz="1200" b="0" i="0" strike="noStrike" cap="none" baseline="0">
-                <a:solidFill>
-                  <a:srgbClr val="000000"/>
-                </a:solidFill>
-                <a:effectLst/>
-                <a:latin typeface="MS UI Gothic"/>
-                <a:ea typeface="MS UI Gothic"/>
-                <a:cs typeface="MS UI Gothic"/>
-              </a:rPr>
-              <a:t>·        同地域でのチャイ ティーの販売量と収益が 15% 増加</a:t>
-            </a:r>
-            <a:r>
-              <a:rPr sz="1200"/>
-              <a:t>
-</a:t>
-            </a:r>
-            <a:r>
-              <a:rPr lang="ja-JP" sz="1200" b="0" i="0" strike="noStrike" cap="none" baseline="0">
-                <a:solidFill>
-                  <a:srgbClr val="000000"/>
-                </a:solidFill>
-                <a:effectLst/>
-                <a:latin typeface="MS UI Gothic"/>
-                <a:ea typeface="MS UI Gothic"/>
-                <a:cs typeface="MS UI Gothic"/>
-              </a:rPr>
-              <a:t>·        同地域でのチャイ ティーの顧客満足度とリテンション率が 25% 増加</a:t>
-            </a:r>
-            <a:r>
-              <a:rPr sz="1200"/>
-              <a:t>
-</a:t>
-            </a:r>
+            <a:br>
+              <a:rPr lang="ja-JP"/>
+            </a:br>
+            <a:r>
+              <a:rPr lang="ja-JP"/>
+              <a:t>ラテン アメリカにおけるチャイ ティーのプロモーション計画と戦略で期待される成果は次のとおりです。</a:t>
+            </a:r>
+            <a:br>
+              <a:rPr lang="ja-JP"/>
+            </a:br>
+            <a:r>
+              <a:rPr lang="ja-JP"/>
+              <a:t>·         ターゲット層のチャイ ティーに対する認知度および関心が 20% 増加</a:t>
+            </a:r>
+            <a:br>
+              <a:rPr lang="ja-JP"/>
+            </a:br>
+            <a:r>
+              <a:rPr lang="ja-JP"/>
+              <a:t>·         この地域におけるチャイ ティーの市場シェアが 10% 増加</a:t>
+            </a:r>
+            <a:br>
+              <a:rPr lang="ja-JP"/>
+            </a:br>
+            <a:r>
+              <a:rPr lang="ja-JP"/>
+              <a:t>·         この地域におけるチャイ ティーの販売量と収益が 15% 増加</a:t>
+            </a:r>
+            <a:br>
+              <a:rPr lang="ja-JP"/>
+            </a:br>
+            <a:r>
+              <a:rPr lang="ja-JP"/>
+              <a:t>·         この地域におけるチャイ ティーの顧客満足度と維持率が 25% 向上</a:t>
+            </a:r>
+            <a:br>
+              <a:rPr lang="ja-JP"/>
+            </a:br>
+            <a:endParaRPr lang="ja-JP"/>
           </a:p>
         </p:txBody>
       </p:sp>
@@ -1438,8 +1044,8 @@
 </file>
 
 <file path=ppt/notesSlides/notesSlide13.xml><?xml version="1.0" encoding="utf-8"?>
-<p:notes xmlns:a="http://schemas.openxmlformats.org/drawingml/2006/main" xmlns:r="http://schemas.openxmlformats.org/officeDocument/2006/relationships" xmlns:m="http://schemas.openxmlformats.org/officeDocument/2006/math" xmlns:w="http://schemas.openxmlformats.org/wordprocessingml/2006/main" xmlns:wp="http://schemas.openxmlformats.org/drawingml/2006/wordprocessingDrawing" xmlns:a14="http://schemas.microsoft.com/office/drawing/2010/main" xmlns:mc="http://schemas.openxmlformats.org/markup-compatibility/2006" xmlns:p14="http://schemas.microsoft.com/office/powerpoint/2010/main" xmlns:p="http://schemas.openxmlformats.org/presentationml/2006/main">
-  <p:cSld name="">
+<p:notes xmlns:a="http://schemas.openxmlformats.org/drawingml/2006/main" xmlns:r="http://schemas.openxmlformats.org/officeDocument/2006/relationships" xmlns:p="http://schemas.openxmlformats.org/presentationml/2006/main">
+  <p:cSld>
     <p:spTree>
       <p:nvGrpSpPr>
         <p:cNvPr id="1" name=""/>
@@ -1450,6 +1056,8 @@
         <a:xfrm>
           <a:off x="0" y="0"/>
           <a:ext cx="0" cy="0"/>
+          <a:chOff x="0" y="0"/>
+          <a:chExt cx="0" cy="0"/>
         </a:xfrm>
       </p:grpSpPr>
       <p:sp>
@@ -1480,151 +1088,68 @@
           <a:lstStyle/>
           <a:p>
             <a:r>
-              <a:rPr lang="ja-JP" sz="1200" b="0" i="0" strike="noStrike" cap="none" baseline="0">
-                <a:solidFill>
-                  <a:srgbClr val="000000"/>
-                </a:solidFill>
-                <a:effectLst/>
-                <a:latin typeface="MS UI Gothic"/>
-                <a:ea typeface="MS UI Gothic"/>
-                <a:cs typeface="MS UI Gothic"/>
-              </a:rPr>
-              <a:t>ラテン アメリカのチャイ ティーの販売推進計画と戦略は、高価格、意識の欠如、他のお茶製品からの競争、規制と文化的障壁、チャイ ティー成分の供給と品質に影響を与える可能性のある環境と社会の問題など、いくつかの課題に直面しています。</a:t>
-            </a:r>
-            <a:r>
-              <a:rPr sz="1200"/>
-              <a:t>
-</a:t>
-            </a:r>
-            <a:r>
-              <a:rPr sz="1200"/>
-              <a:t>
-</a:t>
-            </a:r>
-            <a:r>
-              <a:rPr sz="1200"/>
-              <a:t>
-</a:t>
-            </a:r>
-            <a:r>
-              <a:rPr lang="ja-JP" sz="1200" b="0" i="0" strike="noStrike" cap="none" baseline="0">
-                <a:solidFill>
-                  <a:srgbClr val="000000"/>
-                </a:solidFill>
-                <a:effectLst/>
-                <a:latin typeface="MS UI Gothic"/>
-                <a:ea typeface="MS UI Gothic"/>
-                <a:cs typeface="MS UI Gothic"/>
-              </a:rPr>
-              <a:t>オリジナルコンテンツ:</a:t>
-            </a:r>
-            <a:r>
-              <a:rPr sz="1200"/>
-              <a:t>
-</a:t>
-            </a:r>
-            <a:r>
-              <a:rPr lang="ja-JP" sz="1200" b="0" i="0" strike="noStrike" cap="none" baseline="0">
-                <a:solidFill>
-                  <a:srgbClr val="000000"/>
-                </a:solidFill>
-                <a:effectLst/>
-                <a:latin typeface="MS UI Gothic"/>
-                <a:ea typeface="MS UI Gothic"/>
-                <a:cs typeface="MS UI Gothic"/>
-              </a:rPr>
-              <a:t>ラテンアメリカのチャイ ティーの販売推進計画と戦略の潜在的な課題は:</a:t>
-            </a:r>
-            <a:r>
-              <a:rPr sz="1200"/>
-              <a:t>
-</a:t>
-            </a:r>
-            <a:r>
-              <a:rPr lang="ja-JP" sz="1200" b="0" i="0" strike="noStrike" cap="none" baseline="0">
-                <a:solidFill>
-                  <a:srgbClr val="000000"/>
-                </a:solidFill>
-                <a:effectLst/>
-                <a:latin typeface="MS UI Gothic"/>
-                <a:ea typeface="MS UI Gothic"/>
-                <a:cs typeface="MS UI Gothic"/>
-              </a:rPr>
-              <a:t>·        他の飲料と比較してチャイ ティー製品の高い価格と低い手頃な価格</a:t>
-            </a:r>
-            <a:r>
-              <a:rPr sz="1200"/>
-              <a:t>
-</a:t>
-            </a:r>
-            <a:r>
-              <a:rPr lang="ja-JP" sz="1200" b="0" i="0" strike="noStrike" cap="none" baseline="0">
-                <a:solidFill>
-                  <a:srgbClr val="000000"/>
-                </a:solidFill>
-                <a:effectLst/>
-                <a:latin typeface="MS UI Gothic"/>
-                <a:ea typeface="MS UI Gothic"/>
-                <a:cs typeface="MS UI Gothic"/>
-              </a:rPr>
-              <a:t>·        人口の一部のセグメントの間でチャイ ティーに対する認識と知識の欠如</a:t>
-            </a:r>
-            <a:r>
-              <a:rPr sz="1200"/>
-              <a:t>
-</a:t>
-            </a:r>
-            <a:r>
-              <a:rPr lang="ja-JP" sz="1200" b="0" i="0" strike="noStrike" cap="none" baseline="0">
-                <a:solidFill>
-                  <a:srgbClr val="000000"/>
-                </a:solidFill>
-                <a:effectLst/>
-                <a:latin typeface="MS UI Gothic"/>
-                <a:ea typeface="MS UI Gothic"/>
-                <a:cs typeface="MS UI Gothic"/>
-              </a:rPr>
-              <a:t>·        ハーブ、グリーン、紅茶などの他のお茶製品との競争</a:t>
-            </a:r>
-            <a:r>
-              <a:rPr sz="1200"/>
-              <a:t>
-</a:t>
-            </a:r>
-            <a:r>
-              <a:rPr lang="ja-JP" sz="1200" b="0" i="0" strike="noStrike" cap="none" baseline="0">
-                <a:solidFill>
-                  <a:srgbClr val="000000"/>
-                </a:solidFill>
-                <a:effectLst/>
-                <a:latin typeface="MS UI Gothic"/>
-                <a:ea typeface="MS UI Gothic"/>
-                <a:cs typeface="MS UI Gothic"/>
-              </a:rPr>
-              <a:t>·        一部の国でのチャイ ティー製品の参入と拡大を制限する可能性がある規制と文化の障壁</a:t>
-            </a:r>
-            <a:r>
-              <a:rPr sz="1200"/>
-              <a:t>
-</a:t>
-            </a:r>
-            <a:r>
-              <a:rPr lang="ja-JP" sz="1200" b="0" i="0" strike="noStrike" cap="none" baseline="0">
-                <a:solidFill>
-                  <a:srgbClr val="000000"/>
-                </a:solidFill>
-                <a:effectLst/>
-                <a:latin typeface="MS UI Gothic"/>
-                <a:ea typeface="MS UI Gothic"/>
-                <a:cs typeface="MS UI Gothic"/>
-              </a:rPr>
-              <a:t>·        チャイ ティー原料の供給と品質に影響を与える可能性のある環境・社会課題</a:t>
-            </a:r>
-            <a:r>
-              <a:rPr sz="1200"/>
-              <a:t>
-</a:t>
-            </a:r>
+              <a:rPr lang="ja-JP"/>
+              <a:t>ラテンアメリカにおけるチャイ ティーのプロモーション計画と戦略は、高価格、認知度の欠如、他のお茶製品との競争、規制や文化の壁、チャイ ティー原料の供給と品質に影響を与える可能性のある環境問題や社会問題など、いくつかの課題に直面しています。</a:t>
+            </a:r>
+            <a:br>
+              <a:rPr lang="ja-JP"/>
+            </a:br>
+            <a:br>
+              <a:rPr lang="ja-JP"/>
+            </a:br>
+            <a:br>
+              <a:rPr lang="ja-JP"/>
+            </a:br>
+            <a:r>
+              <a:rPr lang="ja-JP"/>
+              <a:t>元のコンテンツ: </a:t>
+            </a:r>
+            <a:br>
+              <a:rPr lang="ja-JP"/>
+            </a:br>
+            <a:r>
+              <a:rPr lang="ja-JP"/>
+              <a:t>ラテン アメリカにおけるチャイ ティーのプロモーション計画と戦略の潜在的な課題は次のとおりです。</a:t>
+            </a:r>
+            <a:br>
+              <a:rPr lang="ja-JP"/>
+            </a:br>
+            <a:r>
+              <a:rPr lang="ja-JP"/>
+              <a:t>·         チャイ ティー製品は他の飲料に比べて価格が高く、手頃な価格ではない</a:t>
+            </a:r>
+            <a:br>
+              <a:rPr lang="ja-JP"/>
+            </a:br>
+            <a:r>
+              <a:rPr lang="ja-JP"/>
+              <a:t>·         人口の一部の層ではチャイ ティーに対する認知度と馴染みが不足している</a:t>
+            </a:r>
+            <a:br>
+              <a:rPr lang="ja-JP"/>
+            </a:br>
+            <a:r>
+              <a:rPr lang="ja-JP"/>
+              <a:t>·         ハーブ ティー、緑茶、紅茶などの他のお茶製品との競合</a:t>
+            </a:r>
+            <a:br>
+              <a:rPr lang="ja-JP"/>
+            </a:br>
+            <a:r>
+              <a:rPr lang="ja-JP"/>
+              <a:t>·         一部の国におけるチャイ ティー製品の参入と拡大を制限する可能性がある規制および文化的障壁</a:t>
+            </a:r>
+            <a:br>
+              <a:rPr lang="ja-JP"/>
+            </a:br>
+            <a:r>
+              <a:rPr lang="ja-JP"/>
+              <a:t>·         チャイ ティー原料の供給と品質に影響を与える可能性がある環境問題と社会問題</a:t>
+            </a:r>
+            <a:br>
+              <a:rPr lang="ja-JP"/>
+            </a:br>
+            <a:endParaRPr lang="ja-JP"/>
           </a:p>
         </p:txBody>
       </p:sp>
@@ -1665,8 +1190,8 @@
 </file>
 
 <file path=ppt/notesSlides/notesSlide14.xml><?xml version="1.0" encoding="utf-8"?>
-<p:notes xmlns:a="http://schemas.openxmlformats.org/drawingml/2006/main" xmlns:r="http://schemas.openxmlformats.org/officeDocument/2006/relationships" xmlns:m="http://schemas.openxmlformats.org/officeDocument/2006/math" xmlns:w="http://schemas.openxmlformats.org/wordprocessingml/2006/main" xmlns:wp="http://schemas.openxmlformats.org/drawingml/2006/wordprocessingDrawing" xmlns:a14="http://schemas.microsoft.com/office/drawing/2010/main" xmlns:mc="http://schemas.openxmlformats.org/markup-compatibility/2006" xmlns:p14="http://schemas.microsoft.com/office/powerpoint/2010/main" xmlns:p="http://schemas.openxmlformats.org/presentationml/2006/main">
-  <p:cSld name="">
+<p:notes xmlns:a="http://schemas.openxmlformats.org/drawingml/2006/main" xmlns:r="http://schemas.openxmlformats.org/officeDocument/2006/relationships" xmlns:p="http://schemas.openxmlformats.org/presentationml/2006/main">
+  <p:cSld>
     <p:spTree>
       <p:nvGrpSpPr>
         <p:cNvPr id="1" name=""/>
@@ -1677,6 +1202,8 @@
         <a:xfrm>
           <a:off x="0" y="0"/>
           <a:ext cx="0" cy="0"/>
+          <a:chOff x="0" y="0"/>
+          <a:chExt cx="0" cy="0"/>
         </a:xfrm>
       </p:grpSpPr>
       <p:sp>
@@ -1707,233 +1234,82 @@
           <a:lstStyle/>
           <a:p>
             <a:r>
-              <a:rPr lang="ja-JP" sz="1200" b="0" i="0" strike="noStrike" cap="none" baseline="0">
-                <a:solidFill>
-                  <a:srgbClr val="000000"/>
-                </a:solidFill>
-                <a:effectLst/>
-                <a:latin typeface="MS UI Gothic"/>
-                <a:ea typeface="MS UI Gothic"/>
-                <a:cs typeface="MS UI Gothic"/>
-              </a:rPr>
-              <a:t>チャイ ティーはラテン アメリカ市場で有望な製品であり、健康的でエキゾチックな代替品を提供します。</a:t>
-            </a:r>
-            <a:r>
-              <a:rPr lang="ja-JP" sz="1200" b="0" i="0" strike="noStrike" cap="none" baseline="0">
-                <a:solidFill>
-                  <a:srgbClr val="000000"/>
-                </a:solidFill>
-                <a:effectLst/>
-                <a:latin typeface="MS UI Gothic"/>
-                <a:ea typeface="MS UI Gothic"/>
-                <a:cs typeface="MS UI Gothic"/>
-              </a:rPr>
-              <a:t>独自の機能と利点を活用して、プレミアムで多用途の製品として位置付ける必要があります。</a:t>
-            </a:r>
-            <a:r>
-              <a:rPr lang="ja-JP" sz="1200" b="0" i="0" strike="noStrike" cap="none" baseline="0">
-                <a:solidFill>
-                  <a:srgbClr val="000000"/>
-                </a:solidFill>
-                <a:effectLst/>
-                <a:latin typeface="MS UI Gothic"/>
-                <a:ea typeface="MS UI Gothic"/>
-                <a:cs typeface="MS UI Gothic"/>
-              </a:rPr>
-              <a:t>オンラインとオフラインの戦術を組み合わせて、ターゲットユーザーに到達し、課題を克服する必要があります。</a:t>
-            </a:r>
-            <a:r>
-              <a:rPr sz="1200"/>
-              <a:t>
-</a:t>
-            </a:r>
-            <a:r>
-              <a:rPr sz="1200"/>
-              <a:t>
-</a:t>
-            </a:r>
-            <a:r>
-              <a:rPr sz="1200"/>
-              <a:t>
-</a:t>
-            </a:r>
-            <a:r>
-              <a:rPr lang="ja-JP" sz="1200" b="0" i="0" strike="noStrike" cap="none" baseline="0">
-                <a:solidFill>
-                  <a:srgbClr val="000000"/>
-                </a:solidFill>
-                <a:effectLst/>
-                <a:latin typeface="MS UI Gothic"/>
-                <a:ea typeface="MS UI Gothic"/>
-                <a:cs typeface="MS UI Gothic"/>
-              </a:rPr>
-              <a:t>オリジナル コンテンツ:</a:t>
-            </a:r>
-            <a:r>
-              <a:rPr sz="1200"/>
-              <a:t>
-</a:t>
-            </a:r>
-            <a:r>
-              <a:rPr lang="ja-JP" sz="1200" b="0" i="0" strike="noStrike" cap="none" baseline="0">
-                <a:solidFill>
-                  <a:srgbClr val="000000"/>
-                </a:solidFill>
-                <a:effectLst/>
-                <a:latin typeface="MS UI Gothic"/>
-                <a:ea typeface="MS UI Gothic"/>
-                <a:cs typeface="MS UI Gothic"/>
-              </a:rPr>
-              <a:t>市場分析、競争分析、流通チャネル、販売推進計画と戦略に基づき</a:t>
-            </a:r>
-            <a:r>
-              <a:rPr sz="1200"/>
-              <a:t>
-</a:t>
-            </a:r>
-            <a:r>
-              <a:rPr lang="ja-JP" sz="1200" b="0" i="0" strike="noStrike" cap="none" baseline="0">
-                <a:solidFill>
-                  <a:srgbClr val="000000"/>
-                </a:solidFill>
-                <a:effectLst/>
-                <a:latin typeface="MS UI Gothic"/>
-                <a:ea typeface="MS UI Gothic"/>
-                <a:cs typeface="MS UI Gothic"/>
-              </a:rPr>
-              <a:t>ラテン アメリカのチャイ ティーの将来に向けて、以下の推奨事項と結論を導き出すことができます:</a:t>
-            </a:r>
-            <a:r>
-              <a:rPr sz="1200"/>
-              <a:t>
-</a:t>
-            </a:r>
-            <a:r>
-              <a:rPr lang="ja-JP" sz="1200" b="0" i="0" strike="noStrike" cap="none" baseline="0">
-                <a:solidFill>
-                  <a:srgbClr val="000000"/>
-                </a:solidFill>
-                <a:effectLst/>
-                <a:latin typeface="MS UI Gothic"/>
-                <a:ea typeface="MS UI Gothic"/>
-                <a:cs typeface="MS UI Gothic"/>
-              </a:rPr>
-              <a:t>·        チャイ ティーは、他の飲料に代わる健康的で自然でエキゾチックな選択肢を提供するため、ラテン アメリカ市場で成長し、成功する可能性のある有望な製品です</a:t>
-            </a:r>
-            <a:r>
-              <a:rPr sz="1200"/>
-              <a:t>
-</a:t>
-            </a:r>
-            <a:r>
-              <a:rPr lang="ja-JP" sz="1200" b="0" i="0" strike="noStrike" cap="none" baseline="0">
-                <a:solidFill>
-                  <a:srgbClr val="000000"/>
-                </a:solidFill>
-                <a:effectLst/>
-                <a:latin typeface="MS UI Gothic"/>
-                <a:ea typeface="MS UI Gothic"/>
-                <a:cs typeface="MS UI Gothic"/>
-              </a:rPr>
-              <a:t>·        チャイ ティーは、さまざまなセグメントや機会にアピールできるプレミアム、本物、汎用性の高い製品として位置付け、販売する必要があります</a:t>
-            </a:r>
-            <a:r>
-              <a:rPr sz="1200"/>
-              <a:t>
-</a:t>
-            </a:r>
-            <a:r>
-              <a:rPr lang="ja-JP" sz="1200" b="0" i="0" strike="noStrike" cap="none" baseline="0">
-                <a:solidFill>
-                  <a:srgbClr val="000000"/>
-                </a:solidFill>
-                <a:effectLst/>
-                <a:latin typeface="MS UI Gothic"/>
-                <a:ea typeface="MS UI Gothic"/>
-                <a:cs typeface="MS UI Gothic"/>
-              </a:rPr>
-              <a:t>·        チャイ ティーは、その豊かな香り、風味、健康上の利点など、独自の特徴と利点を活用して、他の茶製品と区別する必要があります</a:t>
-            </a:r>
-            <a:r>
-              <a:rPr sz="1200"/>
-              <a:t>
-</a:t>
-            </a:r>
-            <a:r>
-              <a:rPr lang="ja-JP" sz="1200" b="0" i="0" strike="noStrike" cap="none" baseline="0">
-                <a:solidFill>
-                  <a:srgbClr val="000000"/>
-                </a:solidFill>
-                <a:effectLst/>
-                <a:latin typeface="MS UI Gothic"/>
-                <a:ea typeface="MS UI Gothic"/>
-                <a:cs typeface="MS UI Gothic"/>
-              </a:rPr>
-              <a:t>·        チャイ ティーは、オンラインとオフラインの戦術を組み合わせてターゲット オーディエンスにリーチし、エンゲージメントを高め、忠実で満足した顧客基盤を作る必要があります</a:t>
-            </a:r>
-            <a:r>
-              <a:rPr sz="1200"/>
-              <a:t>
-</a:t>
-            </a:r>
-            <a:r>
-              <a:rPr lang="ja-JP" sz="1200" b="0" i="0" strike="noStrike" cap="none" baseline="0">
-                <a:solidFill>
-                  <a:srgbClr val="000000"/>
-                </a:solidFill>
-                <a:effectLst/>
-                <a:latin typeface="MS UI Gothic"/>
-                <a:ea typeface="MS UI Gothic"/>
-                <a:cs typeface="MS UI Gothic"/>
-              </a:rPr>
-              <a:t>·        チャイ ティーは、価格、意識、競争、規制、持続可能性など、地域の成長と拡大を妨げる可能性のある課題や脅威を克服する必要があります</a:t>
-            </a:r>
-            <a:r>
-              <a:rPr sz="1200"/>
-              <a:t>
-</a:t>
-            </a:r>
-            <a:r>
-              <a:rPr lang="ja-JP" sz="1200" b="0" i="0" strike="noStrike" cap="none" baseline="0">
-                <a:solidFill>
-                  <a:srgbClr val="000000"/>
-                </a:solidFill>
-                <a:effectLst/>
-                <a:latin typeface="MS UI Gothic"/>
-                <a:ea typeface="MS UI Gothic"/>
-                <a:cs typeface="MS UI Gothic"/>
-              </a:rPr>
-              <a:t>チャイ ティーは、ラテン アメリカ市場で多くの可能性と機会を持つ製品ですが、いくつかの課題やリスクにも直面しています。</a:t>
-            </a:r>
-            <a:r>
-              <a:rPr lang="ja-JP" sz="1200" b="0" i="0" strike="noStrike" cap="none" baseline="0">
-                <a:solidFill>
-                  <a:srgbClr val="000000"/>
-                </a:solidFill>
-                <a:effectLst/>
-                <a:latin typeface="MS UI Gothic"/>
-                <a:ea typeface="MS UI Gothic"/>
-                <a:cs typeface="MS UI Gothic"/>
-              </a:rPr>
-              <a:t>このレポートで概説されたプロモーション計画と戦略は、これらの問題に対処し、望ましい結果を達成することを目的としています。</a:t>
-            </a:r>
-            <a:r>
-              <a:rPr lang="ja-JP" sz="1200" b="0" i="0" strike="noStrike" cap="none" baseline="0">
-                <a:solidFill>
-                  <a:srgbClr val="000000"/>
-                </a:solidFill>
-                <a:effectLst/>
-                <a:latin typeface="MS UI Gothic"/>
-                <a:ea typeface="MS UI Gothic"/>
-                <a:cs typeface="MS UI Gothic"/>
-              </a:rPr>
-              <a:t>ただし、販売推進計画と戦略は、市場の状況の変化や顧客からのフィードバックに応じて常に監視、評価、調整する必要があります。</a:t>
-            </a:r>
-            <a:r>
-              <a:rPr sz="1200"/>
-              <a:t>
-</a:t>
-            </a:r>
+              <a:rPr lang="ja-JP"/>
+              <a:t>チャイ ティーはラテン アメリカ市場で有望な製品であり、健康的でエキゾチックな代替品を提供します。独自の機能と利点を活用して、プレミアムで多用途の製品として位置付ける必要があります。ターゲット層にリーチし、課題を克服するには、オンラインとオフラインの戦略を組み合わせて使用する必要があります。</a:t>
+            </a:r>
+            <a:br>
+              <a:rPr lang="ja-JP"/>
+            </a:br>
+            <a:br>
+              <a:rPr lang="ja-JP"/>
+            </a:br>
+            <a:br>
+              <a:rPr lang="ja-JP"/>
+            </a:br>
+            <a:r>
+              <a:rPr lang="ja-JP"/>
+              <a:t>元のコンテンツ: </a:t>
+            </a:r>
+            <a:br>
+              <a:rPr lang="ja-JP"/>
+            </a:br>
+            <a:r>
+              <a:rPr lang="ja-JP"/>
+              <a:t>推奨事項と結論</a:t>
+            </a:r>
+            <a:br>
+              <a:rPr lang="ja-JP"/>
+            </a:br>
+            <a:r>
+              <a:rPr lang="ja-JP"/>
+              <a:t>市場分析、競合分析、流通チャネル、プロモーション計画と戦略に基づいて、ラテン アメリカにおけるチャイ ティーの将来について次の推奨事項と結論を導き出すことができます。</a:t>
+            </a:r>
+            <a:br>
+              <a:rPr lang="ja-JP"/>
+            </a:br>
+            <a:r>
+              <a:rPr lang="ja-JP"/>
+              <a:t>·         チャイ ティーは、他の飲み物に代わる健康的で自然でエキゾチックな代替品を提供するため、ラテン アメリカ市場で成長し成功する可能性を秘めた有望な製品です</a:t>
+            </a:r>
+            <a:br>
+              <a:rPr lang="ja-JP"/>
+            </a:br>
+            <a:r>
+              <a:rPr lang="ja-JP"/>
+              <a:t>·         チャイ ティーは、さまざまなセグメントや機会にアピールできる、プレミアムで本格的で多用途な製品として位置づけられ、販売される必要があります</a:t>
+            </a:r>
+            <a:br>
+              <a:rPr lang="ja-JP"/>
+            </a:br>
+            <a:r>
+              <a:rPr lang="ja-JP"/>
+              <a:t>·         チャイ ティーは、他のお茶製品と差別化するために、その豊かな香り、風味、健康上の利点などの独特の特徴と利点を活用する必要があります</a:t>
+            </a:r>
+            <a:br>
+              <a:rPr lang="ja-JP"/>
+            </a:br>
+            <a:r>
+              <a:rPr lang="ja-JP"/>
+              <a:t>·         チャイ ティーは、ターゲット層にリーチしてエンゲージメントを高め、忠実で満足した顧客ベースを構築するために、オンラインとオフラインの戦略を組み合わせて使用する必要があります</a:t>
+            </a:r>
+            <a:br>
+              <a:rPr lang="ja-JP"/>
+            </a:br>
+            <a:r>
+              <a:rPr lang="ja-JP"/>
+              <a:t>·         チャイ ティーは、価格、認知度、競争、規制、持続可能性など、この地域での成長と拡大を妨げる可能性のある課題や脅威を克服する必要があります</a:t>
+            </a:r>
+            <a:br>
+              <a:rPr lang="ja-JP"/>
+            </a:br>
+            <a:r>
+              <a:rPr lang="ja-JP"/>
+              <a:t>結論として、チャイ ティーはラテン アメリカ市場において多くの可能性とチャンスを秘めた製品ですが、いくつかの課題とリスクにも直面しています。このレポートで概説されたプロモーション計画と戦略は、これらの問題に対処し、望ましい結果を達成することを目的としています。ただし、プロモーション計画と戦略は、市場の状況の変化や顧客からのフィードバックに応じて常に監視、評価、調整する必要があります。</a:t>
+            </a:r>
+            <a:br>
+              <a:rPr lang="ja-JP"/>
+            </a:br>
+            <a:endParaRPr lang="ja-JP"/>
           </a:p>
         </p:txBody>
       </p:sp>
@@ -1974,8 +1350,8 @@
 </file>
 
 <file path=ppt/notesSlides/notesSlide2.xml><?xml version="1.0" encoding="utf-8"?>
-<p:notes xmlns:a="http://schemas.openxmlformats.org/drawingml/2006/main" xmlns:r="http://schemas.openxmlformats.org/officeDocument/2006/relationships" xmlns:m="http://schemas.openxmlformats.org/officeDocument/2006/math" xmlns:w="http://schemas.openxmlformats.org/wordprocessingml/2006/main" xmlns:wp="http://schemas.openxmlformats.org/drawingml/2006/wordprocessingDrawing" xmlns:a14="http://schemas.microsoft.com/office/drawing/2010/main" xmlns:mc="http://schemas.openxmlformats.org/markup-compatibility/2006" xmlns:p14="http://schemas.microsoft.com/office/powerpoint/2010/main" xmlns:p="http://schemas.openxmlformats.org/presentationml/2006/main">
-  <p:cSld name="">
+<p:notes xmlns:a="http://schemas.openxmlformats.org/drawingml/2006/main" xmlns:r="http://schemas.openxmlformats.org/officeDocument/2006/relationships" xmlns:p="http://schemas.openxmlformats.org/presentationml/2006/main">
+  <p:cSld>
     <p:spTree>
       <p:nvGrpSpPr>
         <p:cNvPr id="1" name=""/>
@@ -1986,6 +1362,8 @@
         <a:xfrm>
           <a:off x="0" y="0"/>
           <a:ext cx="0" cy="0"/>
+          <a:chOff x="0" y="0"/>
+          <a:chExt cx="0" cy="0"/>
         </a:xfrm>
       </p:grpSpPr>
       <p:sp>
@@ -2016,367 +1394,156 @@
           <a:lstStyle/>
           <a:p>
             <a:r>
-              <a:rPr lang="ja-JP" sz="1200" b="0" i="0" strike="noStrike" cap="none" baseline="0">
-                <a:solidFill>
-                  <a:srgbClr val="000000"/>
-                </a:solidFill>
-                <a:effectLst/>
-                <a:latin typeface="MS UI Gothic"/>
-                <a:ea typeface="MS UI Gothic"/>
-                <a:cs typeface="MS UI Gothic"/>
-              </a:rPr>
-              <a:t>アジェンダ</a:t>
-            </a:r>
-            <a:r>
-              <a:rPr sz="1200"/>
-              <a:t>
-</a:t>
-            </a:r>
-            <a:r>
-              <a:rPr sz="1200"/>
-              <a:t>
-</a:t>
-            </a:r>
-            <a:r>
-              <a:rPr lang="ja-JP" sz="1200" b="0" i="0" strike="noStrike" cap="none" baseline="0">
-                <a:solidFill>
-                  <a:srgbClr val="000000"/>
-                </a:solidFill>
-                <a:effectLst/>
-                <a:latin typeface="MS UI Gothic"/>
-                <a:ea typeface="MS UI Gothic"/>
-                <a:cs typeface="MS UI Gothic"/>
-              </a:rPr>
-              <a:t>* はじめに</a:t>
-            </a:r>
-            <a:r>
-              <a:rPr sz="1200"/>
-              <a:t>
-</a:t>
-            </a:r>
-            <a:r>
-              <a:rPr lang="ja-JP" sz="1200" b="0" i="0" strike="noStrike" cap="none" baseline="0">
-                <a:solidFill>
-                  <a:srgbClr val="000000"/>
-                </a:solidFill>
-                <a:effectLst/>
-                <a:latin typeface="MS UI Gothic"/>
-                <a:ea typeface="MS UI Gothic"/>
-                <a:cs typeface="MS UI Gothic"/>
-              </a:rPr>
-              <a:t>* 製品の説明</a:t>
-            </a:r>
-            <a:r>
-              <a:rPr sz="1200"/>
-              <a:t>
-</a:t>
-            </a:r>
-            <a:r>
-              <a:rPr lang="ja-JP" sz="1200" b="0" i="0" strike="noStrike" cap="none" baseline="0">
-                <a:solidFill>
-                  <a:srgbClr val="000000"/>
-                </a:solidFill>
-                <a:effectLst/>
-                <a:latin typeface="MS UI Gothic"/>
-                <a:ea typeface="MS UI Gothic"/>
-                <a:cs typeface="MS UI Gothic"/>
-              </a:rPr>
-              <a:t>* 製品の説明 (1/2)</a:t>
-            </a:r>
-            <a:r>
-              <a:rPr sz="1200"/>
-              <a:t>
-</a:t>
-            </a:r>
-            <a:r>
-              <a:rPr lang="ja-JP" sz="1200" b="0" i="0" strike="noStrike" cap="none" baseline="0">
-                <a:solidFill>
-                  <a:srgbClr val="000000"/>
-                </a:solidFill>
-                <a:effectLst/>
-                <a:latin typeface="MS UI Gothic"/>
-                <a:ea typeface="MS UI Gothic"/>
-                <a:cs typeface="MS UI Gothic"/>
-              </a:rPr>
-              <a:t>* 製品の説明 (2/2)</a:t>
-            </a:r>
-            <a:r>
-              <a:rPr sz="1200"/>
-              <a:t>
-</a:t>
-            </a:r>
-            <a:r>
-              <a:rPr lang="ja-JP" sz="1200" b="0" i="0" strike="noStrike" cap="none" baseline="0">
-                <a:solidFill>
-                  <a:srgbClr val="000000"/>
-                </a:solidFill>
-                <a:effectLst/>
-                <a:latin typeface="MS UI Gothic"/>
-                <a:ea typeface="MS UI Gothic"/>
-                <a:cs typeface="MS UI Gothic"/>
-              </a:rPr>
-              <a:t>* 市場動向と需要</a:t>
-            </a:r>
-            <a:r>
-              <a:rPr sz="1200"/>
-              <a:t>
-</a:t>
-            </a:r>
-            <a:r>
-              <a:rPr lang="ja-JP" sz="1200" b="0" i="0" strike="noStrike" cap="none" baseline="0">
-                <a:solidFill>
-                  <a:srgbClr val="000000"/>
-                </a:solidFill>
-                <a:effectLst/>
-                <a:latin typeface="MS UI Gothic"/>
-                <a:ea typeface="MS UI Gothic"/>
-                <a:cs typeface="MS UI Gothic"/>
-              </a:rPr>
+              <a:rPr lang="ja-JP"/>
+              <a:t>予定一覧</a:t>
+            </a:r>
+            <a:br>
+              <a:rPr lang="ja-JP"/>
+            </a:br>
+            <a:br>
+              <a:rPr lang="ja-JP"/>
+            </a:br>
+            <a:r>
+              <a:rPr lang="ja-JP"/>
+              <a:t>* 概要</a:t>
+            </a:r>
+            <a:br>
+              <a:rPr lang="ja-JP"/>
+            </a:br>
+            <a:r>
+              <a:rPr lang="ja-JP"/>
+              <a:t>* 製品説明</a:t>
+            </a:r>
+            <a:br>
+              <a:rPr lang="ja-JP"/>
+            </a:br>
+            <a:r>
+              <a:rPr lang="ja-JP"/>
+              <a:t>* 製品説明 (1/2)</a:t>
+            </a:r>
+            <a:br>
+              <a:rPr lang="ja-JP"/>
+            </a:br>
+            <a:r>
+              <a:rPr lang="ja-JP"/>
+              <a:t>* 製品説明 (2/2)</a:t>
+            </a:r>
+            <a:br>
+              <a:rPr lang="ja-JP"/>
+            </a:br>
+            <a:r>
+              <a:rPr lang="ja-JP"/>
+              <a:t>* 市場の動向と需要</a:t>
+            </a:r>
+            <a:br>
+              <a:rPr lang="ja-JP"/>
+            </a:br>
+            <a:r>
+              <a:rPr lang="ja-JP"/>
               <a:t>* 競合分析</a:t>
             </a:r>
-            <a:r>
-              <a:rPr sz="1200"/>
-              <a:t>
-</a:t>
-            </a:r>
-            <a:r>
-              <a:rPr lang="ja-JP" sz="1200" b="0" i="0" strike="noStrike" cap="none" baseline="0">
-                <a:solidFill>
-                  <a:srgbClr val="000000"/>
-                </a:solidFill>
-                <a:effectLst/>
-                <a:latin typeface="MS UI Gothic"/>
-                <a:ea typeface="MS UI Gothic"/>
-                <a:cs typeface="MS UI Gothic"/>
-              </a:rPr>
-              <a:t> * Tetley</a:t>
-            </a:r>
-            <a:r>
-              <a:rPr sz="1200"/>
-              <a:t>
-</a:t>
-            </a:r>
-            <a:r>
-              <a:rPr lang="ja-JP" sz="1200" b="0" i="0" strike="noStrike" cap="none" baseline="0">
-                <a:solidFill>
-                  <a:srgbClr val="000000"/>
-                </a:solidFill>
-                <a:effectLst/>
-                <a:latin typeface="MS UI Gothic"/>
-                <a:ea typeface="MS UI Gothic"/>
-                <a:cs typeface="MS UI Gothic"/>
-              </a:rPr>
-              <a:t> * Teavana</a:t>
-            </a:r>
-            <a:r>
-              <a:rPr sz="1200"/>
-              <a:t>
-</a:t>
-            </a:r>
-            <a:r>
-              <a:rPr lang="ja-JP" sz="1200" b="0" i="0" strike="noStrike" cap="none" baseline="0">
-                <a:solidFill>
-                  <a:srgbClr val="000000"/>
-                </a:solidFill>
-                <a:effectLst/>
-                <a:latin typeface="MS UI Gothic"/>
-                <a:ea typeface="MS UI Gothic"/>
-                <a:cs typeface="MS UI Gothic"/>
-              </a:rPr>
-              <a:t> * David's Tea</a:t>
-            </a:r>
-            <a:r>
-              <a:rPr sz="1200"/>
-              <a:t>
-</a:t>
-            </a:r>
-            <a:r>
-              <a:rPr lang="ja-JP" sz="1200" b="0" i="0" strike="noStrike" cap="none" baseline="0">
-                <a:solidFill>
-                  <a:srgbClr val="000000"/>
-                </a:solidFill>
-                <a:effectLst/>
-                <a:latin typeface="MS UI Gothic"/>
-                <a:ea typeface="MS UI Gothic"/>
-                <a:cs typeface="MS UI Gothic"/>
-              </a:rPr>
-              <a:t> * ローカル ブランド</a:t>
-            </a:r>
-            <a:r>
-              <a:rPr sz="1200"/>
-              <a:t>
-</a:t>
-            </a:r>
-            <a:r>
-              <a:rPr lang="ja-JP" sz="1200" b="0" i="0" strike="noStrike" cap="none" baseline="0">
-                <a:solidFill>
-                  <a:srgbClr val="000000"/>
-                </a:solidFill>
-                <a:effectLst/>
-                <a:latin typeface="MS UI Gothic"/>
-                <a:ea typeface="MS UI Gothic"/>
-                <a:cs typeface="MS UI Gothic"/>
-              </a:rPr>
+            <a:br>
+              <a:rPr lang="ja-JP"/>
+            </a:br>
+            <a:r>
+              <a:rPr lang="ja-JP"/>
+              <a:t>    * Tetley</a:t>
+            </a:r>
+            <a:br>
+              <a:rPr lang="ja-JP"/>
+            </a:br>
+            <a:r>
+              <a:rPr lang="ja-JP"/>
+              <a:t>    * Teavana</a:t>
+            </a:r>
+            <a:br>
+              <a:rPr lang="ja-JP"/>
+            </a:br>
+            <a:r>
+              <a:rPr lang="ja-JP"/>
+              <a:t>    * David's Tea</a:t>
+            </a:r>
+            <a:br>
+              <a:rPr lang="ja-JP"/>
+            </a:br>
+            <a:r>
+              <a:rPr lang="ja-JP"/>
+              <a:t>    * Local Brands</a:t>
+            </a:r>
+            <a:br>
+              <a:rPr lang="ja-JP"/>
+            </a:br>
+            <a:r>
+              <a:rPr lang="ja-JP"/>
               <a:t>* ラテン アメリカにおけるチャイ ティーの市場シェア</a:t>
             </a:r>
-            <a:r>
-              <a:rPr sz="1200"/>
-              <a:t>
-</a:t>
-            </a:r>
-            <a:r>
-              <a:rPr lang="ja-JP" sz="1200" b="0" i="0" strike="noStrike" cap="none" baseline="0">
-                <a:solidFill>
-                  <a:srgbClr val="000000"/>
-                </a:solidFill>
-                <a:effectLst/>
-                <a:latin typeface="MS UI Gothic"/>
-                <a:ea typeface="MS UI Gothic"/>
-                <a:cs typeface="MS UI Gothic"/>
-              </a:rPr>
+            <a:br>
+              <a:rPr lang="ja-JP"/>
+            </a:br>
+            <a:r>
+              <a:rPr lang="ja-JP"/>
               <a:t>* 流通チャネル</a:t>
             </a:r>
-            <a:r>
-              <a:rPr sz="1200"/>
-              <a:t>
-</a:t>
-            </a:r>
-            <a:r>
-              <a:rPr lang="ja-JP" sz="1200" b="0" i="0" strike="noStrike" cap="none" baseline="0">
-                <a:solidFill>
-                  <a:srgbClr val="000000"/>
-                </a:solidFill>
-                <a:effectLst/>
-                <a:latin typeface="MS UI Gothic"/>
-                <a:ea typeface="MS UI Gothic"/>
-                <a:cs typeface="MS UI Gothic"/>
-              </a:rPr>
-              <a:t> * 小売業者</a:t>
-            </a:r>
-            <a:r>
-              <a:rPr sz="1200"/>
-              <a:t>
-</a:t>
-            </a:r>
-            <a:r>
-              <a:rPr lang="ja-JP" sz="1200" b="0" i="0" strike="noStrike" cap="none" baseline="0">
-                <a:solidFill>
-                  <a:srgbClr val="000000"/>
-                </a:solidFill>
-                <a:effectLst/>
-                <a:latin typeface="MS UI Gothic"/>
-                <a:ea typeface="MS UI Gothic"/>
-                <a:cs typeface="MS UI Gothic"/>
-              </a:rPr>
-              <a:t> * 卸売業者</a:t>
-            </a:r>
-            <a:r>
-              <a:rPr sz="1200"/>
-              <a:t>
-</a:t>
-            </a:r>
-            <a:r>
-              <a:rPr lang="ja-JP" sz="1200" b="0" i="0" strike="noStrike" cap="none" baseline="0">
-                <a:solidFill>
-                  <a:srgbClr val="000000"/>
-                </a:solidFill>
-                <a:effectLst/>
-                <a:latin typeface="MS UI Gothic"/>
-                <a:ea typeface="MS UI Gothic"/>
-                <a:cs typeface="MS UI Gothic"/>
-              </a:rPr>
-              <a:t> * 代理店</a:t>
-            </a:r>
-            <a:r>
-              <a:rPr sz="1200"/>
-              <a:t>
-</a:t>
-            </a:r>
-            <a:r>
-              <a:rPr lang="ja-JP" sz="1200" b="0" i="0" strike="noStrike" cap="none" baseline="0">
-                <a:solidFill>
-                  <a:srgbClr val="000000"/>
-                </a:solidFill>
-                <a:effectLst/>
-                <a:latin typeface="MS UI Gothic"/>
-                <a:ea typeface="MS UI Gothic"/>
-                <a:cs typeface="MS UI Gothic"/>
-              </a:rPr>
-              <a:t>* 販売促進計画と戦略</a:t>
-            </a:r>
-            <a:r>
-              <a:rPr sz="1200"/>
-              <a:t>
-</a:t>
-            </a:r>
-            <a:r>
-              <a:rPr lang="ja-JP" sz="1200" b="0" i="0" strike="noStrike" cap="none" baseline="0">
-                <a:solidFill>
-                  <a:srgbClr val="000000"/>
-                </a:solidFill>
-                <a:effectLst/>
-                <a:latin typeface="MS UI Gothic"/>
-                <a:ea typeface="MS UI Gothic"/>
-                <a:cs typeface="MS UI Gothic"/>
-              </a:rPr>
+            <a:br>
+              <a:rPr lang="ja-JP"/>
+            </a:br>
+            <a:r>
+              <a:rPr lang="ja-JP"/>
+              <a:t>    * 小売業者</a:t>
+            </a:r>
+            <a:br>
+              <a:rPr lang="ja-JP"/>
+            </a:br>
+            <a:r>
+              <a:rPr lang="ja-JP"/>
+              <a:t>    * 卸売業者</a:t>
+            </a:r>
+            <a:br>
+              <a:rPr lang="ja-JP"/>
+            </a:br>
+            <a:r>
+              <a:rPr lang="ja-JP"/>
+              <a:t>    * 流通業者</a:t>
+            </a:r>
+            <a:br>
+              <a:rPr lang="ja-JP"/>
+            </a:br>
+            <a:r>
+              <a:rPr lang="ja-JP"/>
+              <a:t>* プロモーション計画と戦略</a:t>
+            </a:r>
+            <a:br>
+              <a:rPr lang="ja-JP"/>
+            </a:br>
+            <a:r>
+              <a:rPr lang="ja-JP"/>
               <a:t>* 期待される成果と課題</a:t>
             </a:r>
-            <a:r>
-              <a:rPr sz="1200"/>
-              <a:t>
-</a:t>
-            </a:r>
-            <a:r>
-              <a:rPr lang="ja-JP" sz="1200" b="0" i="0" strike="noStrike" cap="none" baseline="0">
-                <a:solidFill>
-                  <a:srgbClr val="000000"/>
-                </a:solidFill>
-                <a:effectLst/>
-                <a:latin typeface="MS UI Gothic"/>
-                <a:ea typeface="MS UI Gothic"/>
-                <a:cs typeface="MS UI Gothic"/>
-              </a:rPr>
-              <a:t> * 期待される成果</a:t>
-            </a:r>
-            <a:r>
-              <a:rPr sz="1200"/>
-              <a:t>
-</a:t>
-            </a:r>
-            <a:r>
-              <a:rPr lang="ja-JP" sz="1200" b="0" i="0" strike="noStrike" cap="none" baseline="0">
-                <a:solidFill>
-                  <a:srgbClr val="000000"/>
-                </a:solidFill>
-                <a:effectLst/>
-                <a:latin typeface="MS UI Gothic"/>
-                <a:ea typeface="MS UI Gothic"/>
-                <a:cs typeface="MS UI Gothic"/>
-              </a:rPr>
-              <a:t> * 潜在的な課題</a:t>
-            </a:r>
-            <a:r>
-              <a:rPr sz="1200"/>
-              <a:t>
-</a:t>
-            </a:r>
-            <a:r>
-              <a:rPr lang="ja-JP" sz="1200" b="0" i="0" strike="noStrike" cap="none" baseline="0">
-                <a:solidFill>
-                  <a:srgbClr val="000000"/>
-                </a:solidFill>
-                <a:effectLst/>
-                <a:latin typeface="MS UI Gothic"/>
-                <a:ea typeface="MS UI Gothic"/>
-                <a:cs typeface="MS UI Gothic"/>
-              </a:rPr>
+            <a:br>
+              <a:rPr lang="ja-JP"/>
+            </a:br>
+            <a:r>
+              <a:rPr lang="ja-JP"/>
+              <a:t>    * 期待される成果</a:t>
+            </a:r>
+            <a:br>
+              <a:rPr lang="ja-JP"/>
+            </a:br>
+            <a:r>
+              <a:rPr lang="ja-JP"/>
+              <a:t>    * 潜在的な課題</a:t>
+            </a:r>
+            <a:br>
+              <a:rPr lang="ja-JP"/>
+            </a:br>
+            <a:r>
+              <a:rPr lang="ja-JP"/>
               <a:t>* 推奨事項と結論</a:t>
             </a:r>
-            <a:r>
-              <a:rPr sz="1200"/>
-              <a:t>
-</a:t>
-            </a:r>
+            <a:br>
+              <a:rPr lang="ja-JP"/>
+            </a:br>
+            <a:endParaRPr lang="ja-JP"/>
           </a:p>
         </p:txBody>
       </p:sp>
@@ -2417,8 +1584,8 @@
 </file>
 
 <file path=ppt/notesSlides/notesSlide3.xml><?xml version="1.0" encoding="utf-8"?>
-<p:notes xmlns:a="http://schemas.openxmlformats.org/drawingml/2006/main" xmlns:r="http://schemas.openxmlformats.org/officeDocument/2006/relationships" xmlns:m="http://schemas.openxmlformats.org/officeDocument/2006/math" xmlns:w="http://schemas.openxmlformats.org/wordprocessingml/2006/main" xmlns:wp="http://schemas.openxmlformats.org/drawingml/2006/wordprocessingDrawing" xmlns:a14="http://schemas.microsoft.com/office/drawing/2010/main" xmlns:mc="http://schemas.openxmlformats.org/markup-compatibility/2006" xmlns:p14="http://schemas.microsoft.com/office/powerpoint/2010/main" xmlns:p="http://schemas.openxmlformats.org/presentationml/2006/main">
-  <p:cSld name="">
+<p:notes xmlns:a="http://schemas.openxmlformats.org/drawingml/2006/main" xmlns:r="http://schemas.openxmlformats.org/officeDocument/2006/relationships" xmlns:p="http://schemas.openxmlformats.org/presentationml/2006/main">
+  <p:cSld>
     <p:spTree>
       <p:nvGrpSpPr>
         <p:cNvPr id="1" name=""/>
@@ -2429,6 +1596,8 @@
         <a:xfrm>
           <a:off x="0" y="0"/>
           <a:ext cx="0" cy="0"/>
+          <a:chOff x="0" y="0"/>
+          <a:chExt cx="0" cy="0"/>
         </a:xfrm>
       </p:grpSpPr>
       <p:sp>
@@ -2459,291 +1628,96 @@
           <a:lstStyle/>
           <a:p>
             <a:r>
-              <a:rPr lang="ja-JP" sz="1200" b="0" i="0" strike="noStrike" cap="none" baseline="0">
-                <a:solidFill>
-                  <a:srgbClr val="000000"/>
-                </a:solidFill>
-                <a:effectLst/>
-                <a:latin typeface="MS UI Gothic"/>
-                <a:ea typeface="MS UI Gothic"/>
-                <a:cs typeface="MS UI Gothic"/>
-              </a:rPr>
-              <a:t>このレポートは、ラテン アメリカ地域における Mystic Spice Premium Chai Tea の市場分析を提供します。</a:t>
-            </a:r>
-            <a:r>
-              <a:rPr lang="ja-JP" sz="1200" b="0" i="0" strike="noStrike" cap="none" baseline="0">
-                <a:solidFill>
-                  <a:srgbClr val="000000"/>
-                </a:solidFill>
-                <a:effectLst/>
-                <a:latin typeface="MS UI Gothic"/>
-                <a:ea typeface="MS UI Gothic"/>
-                <a:cs typeface="MS UI Gothic"/>
-              </a:rPr>
-              <a:t>製品の説明、市場動向、競合分析、流通チャネル、販売推進計画、予想される成果、将来の推奨事項について説明します。</a:t>
-            </a:r>
-            <a:r>
-              <a:rPr sz="1200"/>
-              <a:t>
-</a:t>
-            </a:r>
-            <a:r>
-              <a:rPr sz="1200"/>
-              <a:t>
-</a:t>
-            </a:r>
-            <a:r>
-              <a:rPr sz="1200"/>
-              <a:t>
-</a:t>
-            </a:r>
-            <a:r>
-              <a:rPr lang="ja-JP" sz="1200" b="0" i="0" strike="noStrike" cap="none" baseline="0">
-                <a:solidFill>
-                  <a:srgbClr val="000000"/>
-                </a:solidFill>
-                <a:effectLst/>
-                <a:latin typeface="MS UI Gothic"/>
-                <a:ea typeface="MS UI Gothic"/>
-                <a:cs typeface="MS UI Gothic"/>
-              </a:rPr>
-              <a:t>オリジナル コンテンツ:</a:t>
-            </a:r>
-            <a:r>
-              <a:rPr sz="1200"/>
-              <a:t>
-</a:t>
-            </a:r>
-            <a:r>
-              <a:rPr lang="ja-JP" sz="1200" b="0" i="0" strike="noStrike" cap="none" baseline="0">
-                <a:solidFill>
-                  <a:srgbClr val="000000"/>
-                </a:solidFill>
-                <a:effectLst/>
-                <a:latin typeface="MS UI Gothic"/>
-                <a:ea typeface="MS UI Gothic"/>
-                <a:cs typeface="MS UI Gothic"/>
-              </a:rPr>
-              <a:t>はじめに</a:t>
-            </a:r>
-            <a:r>
-              <a:rPr sz="1200"/>
-              <a:t>
-</a:t>
-            </a:r>
-            <a:r>
-              <a:rPr lang="ja-JP" sz="1200" b="0" i="0" strike="noStrike" cap="none" baseline="0">
-                <a:solidFill>
-                  <a:srgbClr val="000000"/>
-                </a:solidFill>
-                <a:effectLst/>
-                <a:latin typeface="MS UI Gothic"/>
-                <a:ea typeface="MS UI Gothic"/>
-                <a:cs typeface="MS UI Gothic"/>
-              </a:rPr>
-              <a:t>Mystic Spice Premium Chai Teaは、世界中で高品質の飲料の生産と配布を専門とする Contoso Beverage 社が立ち上げた新製品です。</a:t>
-            </a:r>
-            <a:r>
-              <a:rPr lang="ja-JP" sz="1200" b="0" i="0" strike="noStrike" cap="none" baseline="0">
-                <a:solidFill>
-                  <a:srgbClr val="000000"/>
-                </a:solidFill>
-                <a:effectLst/>
-                <a:latin typeface="MS UI Gothic"/>
-                <a:ea typeface="MS UI Gothic"/>
-                <a:cs typeface="MS UI Gothic"/>
-              </a:rPr>
-              <a:t>Mystic Spice Premium Chai Tea は、インド発祥で世界中で人気のスパイス入りティー ドリンクです。</a:t>
-            </a:r>
-            <a:r>
-              <a:rPr lang="ja-JP" sz="1200" b="0" i="0" strike="noStrike" cap="none" baseline="0">
-                <a:solidFill>
-                  <a:srgbClr val="000000"/>
-                </a:solidFill>
-                <a:effectLst/>
-                <a:latin typeface="MS UI Gothic"/>
-                <a:ea typeface="MS UI Gothic"/>
-                <a:cs typeface="MS UI Gothic"/>
-              </a:rPr>
-              <a:t>温かくても冷たくても、ミルクの有無にかかわらず、さまざまなスパイスや甘味料と一緒に楽しめる多用途の飲み物です。</a:t>
-            </a:r>
-            <a:r>
-              <a:rPr lang="ja-JP" sz="1200" b="0" i="0" strike="noStrike" cap="none" baseline="0">
-                <a:solidFill>
-                  <a:srgbClr val="000000"/>
-                </a:solidFill>
-                <a:effectLst/>
-                <a:latin typeface="MS UI Gothic"/>
-                <a:ea typeface="MS UI Gothic"/>
-                <a:cs typeface="MS UI Gothic"/>
-              </a:rPr>
-              <a:t>チャイ ティーには、免疫力の向上、炎症の軽減、消化の改善など、多くの健康上の利点があります。</a:t>
-            </a:r>
-            <a:r>
-              <a:rPr lang="ja-JP" sz="1200" b="0" i="0" strike="noStrike" cap="none" baseline="0">
-                <a:solidFill>
-                  <a:srgbClr val="000000"/>
-                </a:solidFill>
-                <a:effectLst/>
-                <a:latin typeface="MS UI Gothic"/>
-                <a:ea typeface="MS UI Gothic"/>
-                <a:cs typeface="MS UI Gothic"/>
-              </a:rPr>
-              <a:t>また、もてなし、友情、リラクゼーションと関連付けられることが多いため、文化的、歴史的にも豊かな重要性があります。</a:t>
-            </a:r>
-            <a:r>
-              <a:rPr sz="1200"/>
-              <a:t>
-</a:t>
-            </a:r>
-            <a:r>
-              <a:rPr lang="ja-JP" sz="1200" b="0" i="0" strike="noStrike" cap="none" baseline="0">
-                <a:solidFill>
-                  <a:srgbClr val="000000"/>
-                </a:solidFill>
-                <a:effectLst/>
-                <a:latin typeface="MS UI Gothic"/>
-                <a:ea typeface="MS UI Gothic"/>
-                <a:cs typeface="MS UI Gothic"/>
-              </a:rPr>
-              <a:t>このレポートの目的は、ラテン アメリカ地域に焦点を当てた、Mystic Spice Premium Chai Tea の市場分析を提供することです。</a:t>
-            </a:r>
-            <a:r>
-              <a:rPr lang="ja-JP" sz="1200" b="0" i="0" strike="noStrike" cap="none" baseline="0">
-                <a:solidFill>
-                  <a:srgbClr val="000000"/>
-                </a:solidFill>
-                <a:effectLst/>
-                <a:latin typeface="MS UI Gothic"/>
-                <a:ea typeface="MS UI Gothic"/>
-                <a:cs typeface="MS UI Gothic"/>
-              </a:rPr>
-              <a:t>このレポートでは、次の側面について説明します:</a:t>
-            </a:r>
-            <a:r>
-              <a:rPr sz="1200"/>
-              <a:t>
-</a:t>
-            </a:r>
-            <a:r>
-              <a:rPr lang="ja-JP" sz="1200" b="0" i="0" strike="noStrike" cap="none" baseline="0">
-                <a:solidFill>
-                  <a:srgbClr val="000000"/>
-                </a:solidFill>
-                <a:effectLst/>
-                <a:latin typeface="MS UI Gothic"/>
-                <a:ea typeface="MS UI Gothic"/>
-                <a:cs typeface="MS UI Gothic"/>
-              </a:rPr>
-              <a:t>·        Mystic Spice Premium Chai Tea の製品説明、機能、利点</a:t>
-            </a:r>
-            <a:r>
-              <a:rPr sz="1200"/>
-              <a:t>
-</a:t>
-            </a:r>
-            <a:r>
-              <a:rPr lang="ja-JP" sz="1200" b="0" i="0" strike="noStrike" cap="none" baseline="0">
-                <a:solidFill>
-                  <a:srgbClr val="000000"/>
-                </a:solidFill>
-                <a:effectLst/>
-                <a:latin typeface="MS UI Gothic"/>
-                <a:ea typeface="MS UI Gothic"/>
-                <a:cs typeface="MS UI Gothic"/>
-              </a:rPr>
-              <a:t>·        ラテン アメリカにおけるチャイ ティーの市場動向と需要</a:t>
-            </a:r>
-            <a:r>
-              <a:rPr sz="1200"/>
-              <a:t>
-</a:t>
-            </a:r>
-            <a:r>
-              <a:rPr lang="ja-JP" sz="1200" b="0" i="0" strike="noStrike" cap="none" baseline="0">
-                <a:solidFill>
-                  <a:srgbClr val="000000"/>
-                </a:solidFill>
-                <a:effectLst/>
-                <a:latin typeface="MS UI Gothic"/>
-                <a:ea typeface="MS UI Gothic"/>
-                <a:cs typeface="MS UI Gothic"/>
-              </a:rPr>
-              <a:t>·        ラテン アメリカにおけるチャイ ティーの競合分析</a:t>
-            </a:r>
-            <a:r>
-              <a:rPr sz="1200"/>
-              <a:t>
-</a:t>
-            </a:r>
-            <a:r>
-              <a:rPr lang="ja-JP" sz="1200" b="0" i="0" strike="noStrike" cap="none" baseline="0">
-                <a:solidFill>
-                  <a:srgbClr val="000000"/>
-                </a:solidFill>
-                <a:effectLst/>
-                <a:latin typeface="MS UI Gothic"/>
-                <a:ea typeface="MS UI Gothic"/>
-                <a:cs typeface="MS UI Gothic"/>
-              </a:rPr>
-              <a:t>·        ラテン アメリカにおけるチャイ ティーの流通チャネル</a:t>
-            </a:r>
-            <a:r>
-              <a:rPr sz="1200"/>
-              <a:t>
-</a:t>
-            </a:r>
-            <a:r>
-              <a:rPr lang="ja-JP" sz="1200" b="0" i="0" strike="noStrike" cap="none" baseline="0">
-                <a:solidFill>
-                  <a:srgbClr val="000000"/>
-                </a:solidFill>
-                <a:effectLst/>
-                <a:latin typeface="MS UI Gothic"/>
-                <a:ea typeface="MS UI Gothic"/>
-                <a:cs typeface="MS UI Gothic"/>
-              </a:rPr>
-              <a:t>·        ラテン アメリカにおけるチャイ ティーの販売推進計画と戦略</a:t>
-            </a:r>
-            <a:r>
-              <a:rPr sz="1200"/>
-              <a:t>
-</a:t>
-            </a:r>
-            <a:r>
-              <a:rPr lang="ja-JP" sz="1200" b="0" i="0" strike="noStrike" cap="none" baseline="0">
-                <a:solidFill>
-                  <a:srgbClr val="000000"/>
-                </a:solidFill>
-                <a:effectLst/>
-                <a:latin typeface="MS UI Gothic"/>
-                <a:ea typeface="MS UI Gothic"/>
-                <a:cs typeface="MS UI Gothic"/>
-              </a:rPr>
-              <a:t>·        販売推進計画の期待される成果と課題</a:t>
-            </a:r>
-            <a:r>
-              <a:rPr sz="1200"/>
-              <a:t>
-</a:t>
-            </a:r>
-            <a:r>
-              <a:rPr lang="ja-JP" sz="1200" b="0" i="0" strike="noStrike" cap="none" baseline="0">
-                <a:solidFill>
-                  <a:srgbClr val="000000"/>
-                </a:solidFill>
-                <a:effectLst/>
-                <a:latin typeface="MS UI Gothic"/>
-                <a:ea typeface="MS UI Gothic"/>
-                <a:cs typeface="MS UI Gothic"/>
-              </a:rPr>
-              <a:t>·        ラテン アメリカにおけるチャイ ティーの将来のための推奨事項と結論</a:t>
-            </a:r>
-            <a:r>
-              <a:rPr sz="1200"/>
-              <a:t>
-</a:t>
-            </a:r>
+              <a:rPr lang="ja-JP"/>
+              <a:t>このレポートは、ラテン アメリカ地域における Mystic Spice Premium Chai Tea の市場分析を提供します。製品の説明、市場動向、競合分析、流通チャネル、プロモーション計画、期待される成果、将来の推奨事項について説明します。</a:t>
+            </a:r>
+            <a:br>
+              <a:rPr lang="ja-JP"/>
+            </a:br>
+            <a:br>
+              <a:rPr lang="ja-JP"/>
+            </a:br>
+            <a:br>
+              <a:rPr lang="ja-JP"/>
+            </a:br>
+            <a:r>
+              <a:rPr lang="ja-JP"/>
+              <a:t>元のコンテンツ: </a:t>
+            </a:r>
+            <a:br>
+              <a:rPr lang="ja-JP"/>
+            </a:br>
+            <a:r>
+              <a:rPr lang="ja-JP"/>
+              <a:t>概要</a:t>
+            </a:r>
+            <a:br>
+              <a:rPr lang="ja-JP"/>
+            </a:br>
+            <a:r>
+              <a:rPr lang="ja-JP"/>
+              <a:t>Mystic Spice Premium Chai Tea は、高品質の飲料の製造と世界中への販売を専門とする会社 Contoso Beverage によって発売された新製品です。Mystic Spice Premium Chai Tea は、インド発祥で世界中で人気のスパイス入りティー ドリンクです。温かくても冷たくても、ミルクの有無にかかわらず、さまざまなスパイスや甘味料と一緒に楽しめる多用途の飲み物です。チャイ ティーには、免疫力の向上、炎症の軽減、消化の改善など、多くの健康上の利点があります。また、もてなし、友情、リラクゼーションと関連付けられることが多いため、文化的、歴史的にも豊かな重要性があります。</a:t>
+            </a:r>
+            <a:br>
+              <a:rPr lang="ja-JP"/>
+            </a:br>
+            <a:r>
+              <a:rPr lang="ja-JP"/>
+              <a:t>このレポートの目的は、ラテン アメリカ地域に焦点を当てた、Mystic Spice Premium Chai Tea の市場分析を提供することです。レポートでは次の側面について説明します。</a:t>
+            </a:r>
+            <a:br>
+              <a:rPr lang="ja-JP"/>
+            </a:br>
+            <a:r>
+              <a:rPr lang="ja-JP"/>
+              <a:t>·         Mystic Spice Premium Chai Tea の製品説明、特徴、利点</a:t>
+            </a:r>
+            <a:br>
+              <a:rPr lang="ja-JP"/>
+            </a:br>
+            <a:r>
+              <a:rPr lang="ja-JP"/>
+              <a:t>·         ラテン アメリカにおけるチャイ ティーの市場動向と需要</a:t>
+            </a:r>
+            <a:br>
+              <a:rPr lang="ja-JP"/>
+            </a:br>
+            <a:r>
+              <a:rPr lang="ja-JP"/>
+              <a:t>·         ラテン アメリカにおけるチャイ ティーの競合分析</a:t>
+            </a:r>
+            <a:br>
+              <a:rPr lang="ja-JP"/>
+            </a:br>
+            <a:r>
+              <a:rPr lang="ja-JP"/>
+              <a:t>·         ラテン アメリカにおけるチャイ ティーの流通チャネル</a:t>
+            </a:r>
+            <a:br>
+              <a:rPr lang="ja-JP"/>
+            </a:br>
+            <a:r>
+              <a:rPr lang="ja-JP"/>
+              <a:t>·         ラテン アメリカにおけるチャイ ティーのプロモーション計画と戦略</a:t>
+            </a:r>
+            <a:br>
+              <a:rPr lang="ja-JP"/>
+            </a:br>
+            <a:r>
+              <a:rPr lang="ja-JP"/>
+              <a:t>·         プロモーション計画に期待される成果と課題</a:t>
+            </a:r>
+            <a:br>
+              <a:rPr lang="ja-JP"/>
+            </a:br>
+            <a:r>
+              <a:rPr lang="ja-JP"/>
+              <a:t>·         ラテン アメリカにおけるチャイ ティーの将来に関する推奨事項と結論</a:t>
+            </a:r>
+            <a:br>
+              <a:rPr lang="ja-JP"/>
+            </a:br>
+            <a:endParaRPr lang="ja-JP"/>
           </a:p>
         </p:txBody>
       </p:sp>
@@ -2784,8 +1758,8 @@
 </file>
 
 <file path=ppt/notesSlides/notesSlide4.xml><?xml version="1.0" encoding="utf-8"?>
-<p:notes xmlns:a="http://schemas.openxmlformats.org/drawingml/2006/main" xmlns:r="http://schemas.openxmlformats.org/officeDocument/2006/relationships" xmlns:m="http://schemas.openxmlformats.org/officeDocument/2006/math" xmlns:w="http://schemas.openxmlformats.org/wordprocessingml/2006/main" xmlns:wp="http://schemas.openxmlformats.org/drawingml/2006/wordprocessingDrawing" xmlns:a14="http://schemas.microsoft.com/office/drawing/2010/main" xmlns:mc="http://schemas.openxmlformats.org/markup-compatibility/2006" xmlns:p14="http://schemas.microsoft.com/office/powerpoint/2010/main" xmlns:p="http://schemas.openxmlformats.org/presentationml/2006/main">
-  <p:cSld name="">
+<p:notes xmlns:a="http://schemas.openxmlformats.org/drawingml/2006/main" xmlns:r="http://schemas.openxmlformats.org/officeDocument/2006/relationships" xmlns:p="http://schemas.openxmlformats.org/presentationml/2006/main">
+  <p:cSld>
     <p:spTree>
       <p:nvGrpSpPr>
         <p:cNvPr id="1" name=""/>
@@ -2796,6 +1770,8 @@
         <a:xfrm>
           <a:off x="0" y="0"/>
           <a:ext cx="0" cy="0"/>
+          <a:chOff x="0" y="0"/>
+          <a:chExt cx="0" cy="0"/>
         </a:xfrm>
       </p:grpSpPr>
       <p:sp>
@@ -2826,119 +1802,40 @@
           <a:lstStyle/>
           <a:p>
             <a:r>
-              <a:rPr lang="ja-JP" sz="1200" b="0" i="0" strike="noStrike" cap="none" baseline="0">
-                <a:solidFill>
-                  <a:srgbClr val="000000"/>
-                </a:solidFill>
-                <a:effectLst/>
-                <a:latin typeface="MS UI Gothic"/>
-                <a:ea typeface="MS UI Gothic"/>
-                <a:cs typeface="MS UI Gothic"/>
-              </a:rPr>
-              <a:t>Mystic Spice Premium Chai Tea は、インドのチャイの伝統を尊重して丁寧に作られたブレンドです。</a:t>
-            </a:r>
-            <a:r>
-              <a:rPr lang="ja-JP" sz="1200" b="0" i="0" strike="noStrike" cap="none" baseline="0">
-                <a:solidFill>
-                  <a:srgbClr val="000000"/>
-                </a:solidFill>
-                <a:effectLst/>
-                <a:latin typeface="MS UI Gothic"/>
-                <a:ea typeface="MS UI Gothic"/>
-                <a:cs typeface="MS UI Gothic"/>
-              </a:rPr>
-              <a:t>一杯ごとがインドの活気に満ちた風景を巡る魅惑的な旅にあなたを誘い、あなたの自宅に本格的なチャイ体験をお届けします。</a:t>
-            </a:r>
-            <a:r>
-              <a:rPr sz="1200"/>
-              <a:t>
-</a:t>
-            </a:r>
-            <a:r>
-              <a:rPr sz="1200"/>
-              <a:t>
-</a:t>
-            </a:r>
-            <a:r>
-              <a:rPr sz="1200"/>
-              <a:t>
-</a:t>
-            </a:r>
-            <a:r>
-              <a:rPr lang="ja-JP" sz="1200" b="0" i="0" strike="noStrike" cap="none" baseline="0">
-                <a:solidFill>
-                  <a:srgbClr val="000000"/>
-                </a:solidFill>
-                <a:effectLst/>
-                <a:latin typeface="MS UI Gothic"/>
-                <a:ea typeface="MS UI Gothic"/>
-                <a:cs typeface="MS UI Gothic"/>
-              </a:rPr>
-              <a:t>オリジナル コンテンツ:</a:t>
-            </a:r>
-            <a:r>
-              <a:rPr sz="1200"/>
-              <a:t>
-</a:t>
-            </a:r>
-            <a:r>
-              <a:rPr lang="ja-JP" sz="1200" b="0" i="0" strike="noStrike" cap="none" baseline="0">
-                <a:solidFill>
-                  <a:srgbClr val="000000"/>
-                </a:solidFill>
-                <a:effectLst/>
-                <a:latin typeface="MS UI Gothic"/>
-                <a:ea typeface="MS UI Gothic"/>
-                <a:cs typeface="MS UI Gothic"/>
-              </a:rPr>
-              <a:t>製品の説明</a:t>
-            </a:r>
-            <a:r>
-              <a:rPr sz="1200"/>
-              <a:t>
-</a:t>
-            </a:r>
-            <a:r>
-              <a:rPr lang="ja-JP" sz="1200" b="0" i="0" strike="noStrike" cap="none" baseline="0">
-                <a:solidFill>
-                  <a:srgbClr val="000000"/>
-                </a:solidFill>
-                <a:effectLst/>
-                <a:latin typeface="MS UI Gothic"/>
-                <a:ea typeface="MS UI Gothic"/>
-                <a:cs typeface="MS UI Gothic"/>
-              </a:rPr>
-              <a:t>Mystic Spice Premium Chai Tea は、インドチャイの時代を超越した伝統に敬意を表して細心の注意を払って作られたブレンドです。</a:t>
-            </a:r>
-            <a:r>
-              <a:rPr lang="ja-JP" sz="1200" b="0" i="0" strike="noStrike" cap="none" baseline="0">
-                <a:solidFill>
-                  <a:srgbClr val="000000"/>
-                </a:solidFill>
-                <a:effectLst/>
-                <a:latin typeface="MS UI Gothic"/>
-                <a:ea typeface="MS UI Gothic"/>
-                <a:cs typeface="MS UI Gothic"/>
-              </a:rPr>
-              <a:t>各カップはインドの活気に満ちた風景を巡る魅惑的な旅を提供し、自宅で本格的なチャイ体験をお届けします。</a:t>
-            </a:r>
-            <a:r>
-              <a:rPr lang="ja-JP" sz="1200" b="0" i="0" strike="noStrike" cap="none" baseline="0">
-                <a:solidFill>
-                  <a:srgbClr val="000000"/>
-                </a:solidFill>
-                <a:effectLst/>
-                <a:latin typeface="MS UI Gothic"/>
-                <a:ea typeface="MS UI Gothic"/>
-                <a:cs typeface="MS UI Gothic"/>
-              </a:rPr>
-              <a:t>Mystic Spice Premium Chai Tea の製品説明、特徴、利点を以下の表にまとめます。</a:t>
-            </a:r>
-            <a:r>
-              <a:rPr sz="1200"/>
-              <a:t>
-</a:t>
-            </a:r>
+              <a:rPr lang="ja-JP"/>
+              <a:t>Mystic Spice Premium Chai Tea は、インドのチャイの伝統を尊重して丁寧に作られたブレンドです。各カップはインドの活気に満ちた風景の中を旅し、本格的なチャイ体験をご自宅にもたらします。</a:t>
+            </a:r>
+            <a:br>
+              <a:rPr lang="ja-JP"/>
+            </a:br>
+            <a:br>
+              <a:rPr lang="ja-JP"/>
+            </a:br>
+            <a:br>
+              <a:rPr lang="ja-JP"/>
+            </a:br>
+            <a:r>
+              <a:rPr lang="ja-JP"/>
+              <a:t>元のコンテンツ: </a:t>
+            </a:r>
+            <a:br>
+              <a:rPr lang="ja-JP"/>
+            </a:br>
+            <a:r>
+              <a:rPr lang="ja-JP"/>
+              <a:t>製品説明</a:t>
+            </a:r>
+            <a:br>
+              <a:rPr lang="ja-JP"/>
+            </a:br>
+            <a:r>
+              <a:rPr lang="ja-JP"/>
+              <a:t>Mystic Spice Premium Chai Tea は、インドのチャイの時代を超越した伝統に敬意を表し、細心の注意を払って作られたブレンドです。各カップはインドの活気に満ちた風景を巡る魅惑的な旅を提供し、自宅で本格的なチャイ体験をお届けします。Mystic Spice Premium Chai Tea の製品説明、特徴、利点を以下の表にまとめます。</a:t>
+            </a:r>
+            <a:br>
+              <a:rPr lang="ja-JP"/>
+            </a:br>
+            <a:endParaRPr lang="ja-JP"/>
           </a:p>
         </p:txBody>
       </p:sp>
@@ -2979,8 +1876,8 @@
 </file>
 
 <file path=ppt/notesSlides/notesSlide5.xml><?xml version="1.0" encoding="utf-8"?>
-<p:notes xmlns:a="http://schemas.openxmlformats.org/drawingml/2006/main" xmlns:r="http://schemas.openxmlformats.org/officeDocument/2006/relationships" xmlns:m="http://schemas.openxmlformats.org/officeDocument/2006/math" xmlns:w="http://schemas.openxmlformats.org/wordprocessingml/2006/main" xmlns:wp="http://schemas.openxmlformats.org/drawingml/2006/wordprocessingDrawing" xmlns:a14="http://schemas.microsoft.com/office/drawing/2010/main" xmlns:mc="http://schemas.openxmlformats.org/markup-compatibility/2006" xmlns:p14="http://schemas.microsoft.com/office/powerpoint/2010/main" xmlns:p="http://schemas.openxmlformats.org/presentationml/2006/main">
-  <p:cSld name="">
+<p:notes xmlns:a="http://schemas.openxmlformats.org/drawingml/2006/main" xmlns:r="http://schemas.openxmlformats.org/officeDocument/2006/relationships" xmlns:p="http://schemas.openxmlformats.org/presentationml/2006/main">
+  <p:cSld>
     <p:spTree>
       <p:nvGrpSpPr>
         <p:cNvPr id="1" name=""/>
@@ -2991,6 +1888,8 @@
         <a:xfrm>
           <a:off x="0" y="0"/>
           <a:ext cx="0" cy="0"/>
+          <a:chOff x="0" y="0"/>
+          <a:chExt cx="0" cy="0"/>
         </a:xfrm>
       </p:grpSpPr>
       <p:sp>
@@ -3021,15 +1920,7 @@
           <a:lstStyle/>
           <a:p>
             <a:r>
-              <a:rPr lang="ja-JP" sz="1200" b="0" i="0" strike="noStrike" cap="none" baseline="0">
-                <a:solidFill>
-                  <a:srgbClr val="000000"/>
-                </a:solidFill>
-                <a:effectLst/>
-                <a:latin typeface="MS UI Gothic"/>
-                <a:ea typeface="MS UI Gothic"/>
-                <a:cs typeface="MS UI Gothic"/>
-              </a:rPr>
+              <a:rPr lang="ja-JP"/>
               <a:t>undefined</a:t>
             </a:r>
           </a:p>
@@ -3072,8 +1963,8 @@
 </file>
 
 <file path=ppt/notesSlides/notesSlide6.xml><?xml version="1.0" encoding="utf-8"?>
-<p:notes xmlns:a="http://schemas.openxmlformats.org/drawingml/2006/main" xmlns:r="http://schemas.openxmlformats.org/officeDocument/2006/relationships" xmlns:m="http://schemas.openxmlformats.org/officeDocument/2006/math" xmlns:w="http://schemas.openxmlformats.org/wordprocessingml/2006/main" xmlns:wp="http://schemas.openxmlformats.org/drawingml/2006/wordprocessingDrawing" xmlns:a14="http://schemas.microsoft.com/office/drawing/2010/main" xmlns:mc="http://schemas.openxmlformats.org/markup-compatibility/2006" xmlns:p14="http://schemas.microsoft.com/office/powerpoint/2010/main" xmlns:p="http://schemas.openxmlformats.org/presentationml/2006/main">
-  <p:cSld name="">
+<p:notes xmlns:a="http://schemas.openxmlformats.org/drawingml/2006/main" xmlns:r="http://schemas.openxmlformats.org/officeDocument/2006/relationships" xmlns:p="http://schemas.openxmlformats.org/presentationml/2006/main">
+  <p:cSld>
     <p:spTree>
       <p:nvGrpSpPr>
         <p:cNvPr id="1" name=""/>
@@ -3084,6 +1975,8 @@
         <a:xfrm>
           <a:off x="0" y="0"/>
           <a:ext cx="0" cy="0"/>
+          <a:chOff x="0" y="0"/>
+          <a:chExt cx="0" cy="0"/>
         </a:xfrm>
       </p:grpSpPr>
       <p:sp>
@@ -3114,15 +2007,7 @@
           <a:lstStyle/>
           <a:p>
             <a:r>
-              <a:rPr lang="ja-JP" sz="1200" b="0" i="0" strike="noStrike" cap="none" baseline="0">
-                <a:solidFill>
-                  <a:srgbClr val="000000"/>
-                </a:solidFill>
-                <a:effectLst/>
-                <a:latin typeface="MS UI Gothic"/>
-                <a:ea typeface="MS UI Gothic"/>
-                <a:cs typeface="MS UI Gothic"/>
-              </a:rPr>
+              <a:rPr lang="ja-JP"/>
               <a:t>undefined</a:t>
             </a:r>
           </a:p>
@@ -3165,8 +2050,8 @@
 </file>
 
 <file path=ppt/notesSlides/notesSlide7.xml><?xml version="1.0" encoding="utf-8"?>
-<p:notes xmlns:a="http://schemas.openxmlformats.org/drawingml/2006/main" xmlns:r="http://schemas.openxmlformats.org/officeDocument/2006/relationships" xmlns:m="http://schemas.openxmlformats.org/officeDocument/2006/math" xmlns:w="http://schemas.openxmlformats.org/wordprocessingml/2006/main" xmlns:wp="http://schemas.openxmlformats.org/drawingml/2006/wordprocessingDrawing" xmlns:a14="http://schemas.microsoft.com/office/drawing/2010/main" xmlns:mc="http://schemas.openxmlformats.org/markup-compatibility/2006" xmlns:p14="http://schemas.microsoft.com/office/powerpoint/2010/main" xmlns:p="http://schemas.openxmlformats.org/presentationml/2006/main">
-  <p:cSld name="">
+<p:notes xmlns:a="http://schemas.openxmlformats.org/drawingml/2006/main" xmlns:r="http://schemas.openxmlformats.org/officeDocument/2006/relationships" xmlns:p="http://schemas.openxmlformats.org/presentationml/2006/main">
+  <p:cSld>
     <p:spTree>
       <p:nvGrpSpPr>
         <p:cNvPr id="1" name=""/>
@@ -3177,6 +2062,8 @@
         <a:xfrm>
           <a:off x="0" y="0"/>
           <a:ext cx="0" cy="0"/>
+          <a:chOff x="0" y="0"/>
+          <a:chExt cx="0" cy="0"/>
         </a:xfrm>
       </p:grpSpPr>
       <p:sp>
@@ -3207,269 +2094,82 @@
           <a:lstStyle/>
           <a:p>
             <a:r>
-              <a:rPr lang="ja-JP" sz="1200" b="0" i="0" strike="noStrike" cap="none" baseline="0">
-                <a:solidFill>
-                  <a:srgbClr val="000000"/>
-                </a:solidFill>
-                <a:effectLst/>
-                <a:latin typeface="MS UI Gothic"/>
-                <a:ea typeface="MS UI Gothic"/>
-                <a:cs typeface="MS UI Gothic"/>
-              </a:rPr>
-              <a:t>ラテン アメリカ市場は、健康的、自然的、そしてエキゾチックな製品に対する需要が高まっており、チャイ ティーにとって大きなチャンスをもたらしています。</a:t>
-            </a:r>
-            <a:r>
-              <a:rPr lang="ja-JP" sz="1200" b="0" i="0" strike="noStrike" cap="none" baseline="0">
-                <a:solidFill>
-                  <a:srgbClr val="000000"/>
-                </a:solidFill>
-                <a:effectLst/>
-                <a:latin typeface="MS UI Gothic"/>
-                <a:ea typeface="MS UI Gothic"/>
-                <a:cs typeface="MS UI Gothic"/>
-              </a:rPr>
-              <a:t>世界のチャイ ティー市場規模は 2019 年に 19 億米ドルと評価され、2020 年から 2027 年にかけて 5.5% の CAGR で成長すると予想されており、ラテン アメリカは最も急速に成長している地域の 1 つです。</a:t>
-            </a:r>
-            <a:r>
-              <a:rPr lang="ja-JP" sz="1200" b="0" i="0" strike="noStrike" cap="none" baseline="0">
-                <a:solidFill>
-                  <a:srgbClr val="000000"/>
-                </a:solidFill>
-                <a:effectLst/>
-                <a:latin typeface="MS UI Gothic"/>
-                <a:ea typeface="MS UI Gothic"/>
-                <a:cs typeface="MS UI Gothic"/>
-              </a:rPr>
-              <a:t>成長の主な原動力には、認知度の向上、可処分所得の増加、流通の拡大が含まれます。</a:t>
-            </a:r>
-            <a:r>
-              <a:rPr sz="1200"/>
-              <a:t>
-</a:t>
-            </a:r>
-            <a:r>
-              <a:rPr sz="1200"/>
-              <a:t>
-</a:t>
-            </a:r>
-            <a:r>
-              <a:rPr sz="1200"/>
-              <a:t>
-</a:t>
-            </a:r>
-            <a:r>
-              <a:rPr lang="ja-JP" sz="1200" b="0" i="0" strike="noStrike" cap="none" baseline="0">
-                <a:solidFill>
-                  <a:srgbClr val="000000"/>
-                </a:solidFill>
-                <a:effectLst/>
-                <a:latin typeface="MS UI Gothic"/>
-                <a:ea typeface="MS UI Gothic"/>
-                <a:cs typeface="MS UI Gothic"/>
-              </a:rPr>
-              <a:t>オリジナル コンテンツ: </a:t>
-            </a:r>
-            <a:r>
-              <a:rPr sz="1200"/>
-              <a:t>
-</a:t>
-            </a:r>
-            <a:r>
-              <a:rPr lang="ja-JP" sz="1200" b="0" i="0" strike="noStrike" cap="none" baseline="0">
-                <a:solidFill>
-                  <a:srgbClr val="000000"/>
-                </a:solidFill>
-                <a:effectLst/>
-                <a:latin typeface="MS UI Gothic"/>
-                <a:ea typeface="MS UI Gothic"/>
-                <a:cs typeface="MS UI Gothic"/>
-              </a:rPr>
-              <a:t>市場のトレンドと需要</a:t>
-            </a:r>
-            <a:r>
-              <a:rPr sz="1200"/>
-              <a:t>
-</a:t>
-            </a:r>
-            <a:r>
-              <a:rPr lang="ja-JP" sz="1200" b="0" i="0" strike="noStrike" cap="none" baseline="0">
-                <a:solidFill>
-                  <a:srgbClr val="000000"/>
-                </a:solidFill>
-                <a:effectLst/>
-                <a:latin typeface="MS UI Gothic"/>
-                <a:ea typeface="MS UI Gothic"/>
-                <a:cs typeface="MS UI Gothic"/>
-              </a:rPr>
-              <a:t>ラテン アメリカ市場は、健康的、自然的、そしてエキゾチックな製品に対する需要が高まっており、チャイ ティーにとって大きなチャンスをもたらしています。</a:t>
-            </a:r>
-            <a:r>
-              <a:rPr lang="ja-JP" sz="1200" b="0" i="0" strike="noStrike" cap="none" baseline="0">
-                <a:solidFill>
-                  <a:srgbClr val="000000"/>
-                </a:solidFill>
-                <a:effectLst/>
-                <a:latin typeface="MS UI Gothic"/>
-                <a:ea typeface="MS UI Gothic"/>
-                <a:cs typeface="MS UI Gothic"/>
-              </a:rPr>
-              <a:t>この地域には紅茶文化も根付いており、特にアルゼンチン、チリ、ウルグアイなどの国ではマテ茶が人気の飲み物です。</a:t>
-            </a:r>
-            <a:r>
-              <a:rPr lang="ja-JP" sz="1200" b="0" i="0" strike="noStrike" cap="none" baseline="0">
-                <a:solidFill>
-                  <a:srgbClr val="000000"/>
-                </a:solidFill>
-                <a:effectLst/>
-                <a:latin typeface="MS UI Gothic"/>
-                <a:ea typeface="MS UI Gothic"/>
-                <a:cs typeface="MS UI Gothic"/>
-              </a:rPr>
-              <a:t>チャイ ティーは、カフェインが増加し、複雑な風味プロファイルを提供するため、紅茶愛好家とコーヒー愛好家の両方にアピールできます。</a:t>
-            </a:r>
-            <a:r>
-              <a:rPr lang="ja-JP" sz="1200" b="0" i="0" strike="noStrike" cap="none" baseline="0">
-                <a:solidFill>
-                  <a:srgbClr val="000000"/>
-                </a:solidFill>
-                <a:effectLst/>
-                <a:latin typeface="MS UI Gothic"/>
-                <a:ea typeface="MS UI Gothic"/>
-                <a:cs typeface="MS UI Gothic"/>
-              </a:rPr>
-              <a:t>チャイ ティーは、社交、分かち合い、甘いお菓子を満喫することを楽しむラテン アメリカの消費者のライフスタイルや好みにもフィットします。</a:t>
-            </a:r>
-            <a:r>
-              <a:rPr sz="1200"/>
-              <a:t>
-</a:t>
-            </a:r>
-            <a:r>
-              <a:rPr lang="ja-JP" sz="1200" b="0" i="0" strike="noStrike" cap="none" baseline="0">
-                <a:solidFill>
-                  <a:srgbClr val="000000"/>
-                </a:solidFill>
-                <a:effectLst/>
-                <a:latin typeface="MS UI Gothic"/>
-                <a:ea typeface="MS UI Gothic"/>
-                <a:cs typeface="MS UI Gothic"/>
-              </a:rPr>
-              <a:t>Grand View Research のレポートによると、世界のチャイ ティー市場規模は 2019 年に 19 億米ドルと評価され、2020 年から 2027 年まで年間平均成長率 (CAGR) 5.5% で成長すると予想されています。</a:t>
-            </a:r>
-            <a:r>
-              <a:rPr lang="ja-JP" sz="1200" b="0" i="0" strike="noStrike" cap="none" baseline="0">
-                <a:solidFill>
-                  <a:srgbClr val="000000"/>
-                </a:solidFill>
-                <a:effectLst/>
-                <a:latin typeface="MS UI Gothic"/>
-                <a:ea typeface="MS UI Gothic"/>
-                <a:cs typeface="MS UI Gothic"/>
-              </a:rPr>
-              <a:t>また、このレポートでは、ラテン アメリカはチャイ ティーの最も急成長している地域の一つであり、2020 年から 2027 年までの CAGR は 6.2% であると述べています。</a:t>
-            </a:r>
-            <a:r>
-              <a:rPr lang="ja-JP" sz="1200" b="0" i="0" strike="noStrike" cap="none" baseline="0">
-                <a:solidFill>
-                  <a:srgbClr val="000000"/>
-                </a:solidFill>
-                <a:effectLst/>
-                <a:latin typeface="MS UI Gothic"/>
-                <a:ea typeface="MS UI Gothic"/>
-                <a:cs typeface="MS UI Gothic"/>
-              </a:rPr>
-              <a:t>ラテン アメリカでのチャイ ティーの成長の主な要因は次の通りです。</a:t>
-            </a:r>
-            <a:r>
-              <a:rPr sz="1200"/>
-              <a:t>
-</a:t>
-            </a:r>
-            <a:r>
-              <a:rPr lang="ja-JP" sz="1200" b="0" i="0" strike="noStrike" cap="none" baseline="0">
-                <a:solidFill>
-                  <a:srgbClr val="000000"/>
-                </a:solidFill>
-                <a:effectLst/>
-                <a:latin typeface="MS UI Gothic"/>
-                <a:ea typeface="MS UI Gothic"/>
-                <a:cs typeface="MS UI Gothic"/>
-              </a:rPr>
-              <a:t>·        チャイティーの健康上の利点と文化的側面に対する意識と関心の高まり</a:t>
-            </a:r>
-            <a:r>
-              <a:rPr sz="1200"/>
-              <a:t>
-</a:t>
-            </a:r>
-            <a:r>
-              <a:rPr lang="ja-JP" sz="1200" b="0" i="0" strike="noStrike" cap="none" baseline="0">
-                <a:solidFill>
-                  <a:srgbClr val="000000"/>
-                </a:solidFill>
-                <a:effectLst/>
-                <a:latin typeface="MS UI Gothic"/>
-                <a:ea typeface="MS UI Gothic"/>
-                <a:cs typeface="MS UI Gothic"/>
-              </a:rPr>
-              <a:t>·        中産階級の消費者の可処分所得と支出力の上昇</a:t>
-            </a:r>
-            <a:r>
-              <a:rPr sz="1200"/>
-              <a:t>
-</a:t>
-            </a:r>
-            <a:r>
-              <a:rPr lang="ja-JP" sz="1200" b="0" i="0" strike="noStrike" cap="none" baseline="0">
-                <a:solidFill>
-                  <a:srgbClr val="000000"/>
-                </a:solidFill>
-                <a:effectLst/>
-                <a:latin typeface="MS UI Gothic"/>
-                <a:ea typeface="MS UI Gothic"/>
-                <a:cs typeface="MS UI Gothic"/>
-              </a:rPr>
-              <a:t>·        若年層と都市部セグメントで高まる専門とプレミアム ティーの人気</a:t>
-            </a:r>
-            <a:r>
-              <a:rPr sz="1200"/>
-              <a:t>
-</a:t>
-            </a:r>
-            <a:r>
-              <a:rPr lang="ja-JP" sz="1200" b="0" i="0" strike="noStrike" cap="none" baseline="0">
-                <a:solidFill>
-                  <a:srgbClr val="000000"/>
-                </a:solidFill>
-                <a:effectLst/>
-                <a:latin typeface="MS UI Gothic"/>
-                <a:ea typeface="MS UI Gothic"/>
-                <a:cs typeface="MS UI Gothic"/>
-              </a:rPr>
-              <a:t>·        スーパーマーケット、カフェ、オンライン プラットフォームなど、さまざまなチャネルでのチャイ ティー製品の流通と入手可能性の拡大</a:t>
-            </a:r>
-            <a:r>
-              <a:rPr sz="1200"/>
-              <a:t>
-</a:t>
-            </a:r>
-            <a:r>
-              <a:rPr lang="ja-JP" sz="1200" b="0" i="0" strike="noStrike" cap="none" baseline="0">
-                <a:solidFill>
-                  <a:srgbClr val="000000"/>
-                </a:solidFill>
-                <a:effectLst/>
-                <a:latin typeface="MS UI Gothic"/>
-                <a:ea typeface="MS UI Gothic"/>
-                <a:cs typeface="MS UI Gothic"/>
-              </a:rPr>
-              <a:t>·        すぐに飲める、インスタント、オーガニックな品種など、チャイ ティーの新しい革新的な味と形の出現</a:t>
-            </a:r>
-            <a:r>
-              <a:rPr sz="1200"/>
-              <a:t>
-</a:t>
-            </a:r>
+              <a:rPr lang="ja-JP"/>
+              <a:t>ラテン アメリカ市場は、健康的、自然的、そしてエキゾチックな製品に対する需要が高まっており、チャイ ティーにとって大きなチャンスをもたらしています。世界のチャイ ティー市場規模は 2019 年に 19 億米ドルと評価され、2020 年から 2027 年にかけて 5.5% の CAGR で成長すると予想されており、ラテン アメリカは最も急速に成長している地域の 1 つです。成長の主な原動力には、認知度の向上、可処分所得の増加、流通の拡大が含まれます。</a:t>
+            </a:r>
+            <a:br>
+              <a:rPr lang="ja-JP"/>
+            </a:br>
+            <a:br>
+              <a:rPr lang="ja-JP"/>
+            </a:br>
+            <a:br>
+              <a:rPr lang="ja-JP"/>
+            </a:br>
+            <a:r>
+              <a:rPr lang="ja-JP"/>
+              <a:t>元のコンテンツ: </a:t>
+            </a:r>
+            <a:br>
+              <a:rPr lang="ja-JP"/>
+            </a:br>
+            <a:r>
+              <a:rPr lang="ja-JP"/>
+              <a:t>市場の動向と需要</a:t>
+            </a:r>
+            <a:br>
+              <a:rPr lang="ja-JP"/>
+            </a:br>
+            <a:r>
+              <a:rPr lang="ja-JP"/>
+              <a:t>ラテン アメリカ市場では、健康的で自然でエキゾチックな製品に対する需要が高まっているため、チャイ ティーにとって大きなチャンスとなっています。この地域には紅茶文化も根付いており、特にアルゼンチン、チリ、ウルグアイなどの国ではマテ茶が人気の飲み物です。チャイ ティーは、カフェインが増加し、複雑な風味プロファイルを提供するため、紅茶愛好家とコーヒー愛好家の両方にアピールできます。チャイ ティーは、社交、分かち合い、甘いお菓子を満喫することを楽しむラテン アメリカの消費者のライフスタイルや好みにもフィットします。</a:t>
+            </a:r>
+            <a:br>
+              <a:rPr lang="ja-JP"/>
+            </a:br>
+            <a:r>
+              <a:rPr lang="ja-JP"/>
+              <a:t>Grand View Research のレポートによると、世界のチャイ ティー市場規模は 2019 年に 19 億米ドルと評価され、2020 年から 2027 年まで年間平均成長率 (CAGR) 5.5% で成長すると予想されています。また、このレポートでは、ラテン アメリカはチャイ ティーの最も急成長している地域の一つであり、2020 年から 2027 年までの CAGR は 6.2% であると述べています。ラテン アメリカにおけるチャイ ティーの成長の主な原動力は次のとおりです。</a:t>
+            </a:r>
+            <a:br>
+              <a:rPr lang="ja-JP"/>
+            </a:br>
+            <a:r>
+              <a:rPr lang="ja-JP"/>
+              <a:t>·         チャイ ティーの健康効果と文化的側面に対する認識と関心の高まり</a:t>
+            </a:r>
+            <a:br>
+              <a:rPr lang="ja-JP"/>
+            </a:br>
+            <a:r>
+              <a:rPr lang="ja-JP"/>
+              <a:t>·         中流階級の消費者の可処分所得と購買力の上昇</a:t>
+            </a:r>
+            <a:br>
+              <a:rPr lang="ja-JP"/>
+            </a:br>
+            <a:r>
+              <a:rPr lang="ja-JP"/>
+              <a:t>·         若者や都市部の層の間でスペシャル ティーやプレミアム ティーの人気が高まっていること</a:t>
+            </a:r>
+            <a:br>
+              <a:rPr lang="ja-JP"/>
+            </a:br>
+            <a:r>
+              <a:rPr lang="ja-JP"/>
+              <a:t>·         スーパー マーケット、カフェ、オンライン プラットフォームなど、さまざまなチャネルでのチャイ ティー製品の流通と入手可能性の拡大</a:t>
+            </a:r>
+            <a:br>
+              <a:rPr lang="ja-JP"/>
+            </a:br>
+            <a:r>
+              <a:rPr lang="ja-JP"/>
+              <a:t>·         すぐに飲めるタイプ、インスタント タイプ、オーガニック タイプなど、新しく革新的なチャイ ティーの風味や形式の出現</a:t>
+            </a:r>
+            <a:br>
+              <a:rPr lang="ja-JP"/>
+            </a:br>
+            <a:endParaRPr lang="ja-JP"/>
           </a:p>
         </p:txBody>
       </p:sp>
@@ -3510,8 +2210,8 @@
 </file>
 
 <file path=ppt/notesSlides/notesSlide8.xml><?xml version="1.0" encoding="utf-8"?>
-<p:notes xmlns:a="http://schemas.openxmlformats.org/drawingml/2006/main" xmlns:r="http://schemas.openxmlformats.org/officeDocument/2006/relationships" xmlns:m="http://schemas.openxmlformats.org/officeDocument/2006/math" xmlns:w="http://schemas.openxmlformats.org/wordprocessingml/2006/main" xmlns:wp="http://schemas.openxmlformats.org/drawingml/2006/wordprocessingDrawing" xmlns:a14="http://schemas.microsoft.com/office/drawing/2010/main" xmlns:mc="http://schemas.openxmlformats.org/markup-compatibility/2006" xmlns:p14="http://schemas.microsoft.com/office/powerpoint/2010/main" xmlns:p="http://schemas.openxmlformats.org/presentationml/2006/main">
-  <p:cSld name="">
+<p:notes xmlns:a="http://schemas.openxmlformats.org/drawingml/2006/main" xmlns:r="http://schemas.openxmlformats.org/officeDocument/2006/relationships" xmlns:p="http://schemas.openxmlformats.org/presentationml/2006/main">
+  <p:cSld>
     <p:spTree>
       <p:nvGrpSpPr>
         <p:cNvPr id="1" name=""/>
@@ -3522,6 +2222,8 @@
         <a:xfrm>
           <a:off x="0" y="0"/>
           <a:ext cx="0" cy="0"/>
+          <a:chOff x="0" y="0"/>
+          <a:chExt cx="0" cy="0"/>
         </a:xfrm>
       </p:grpSpPr>
       <p:sp>
@@ -3552,167 +2254,40 @@
           <a:lstStyle/>
           <a:p>
             <a:r>
-              <a:rPr lang="ja-JP" sz="1200" b="0" i="0" strike="noStrike" cap="none" baseline="0">
-                <a:solidFill>
-                  <a:srgbClr val="000000"/>
-                </a:solidFill>
-                <a:effectLst/>
-                <a:latin typeface="MS UI Gothic"/>
-                <a:ea typeface="MS UI Gothic"/>
-                <a:cs typeface="MS UI Gothic"/>
-              </a:rPr>
-              <a:t>ラテン アメリカのチャイ ティーは、小売業者、卸売業者、流通業者を通じて流通しています。</a:t>
-            </a:r>
-            <a:r>
-              <a:rPr lang="ja-JP" sz="1200" b="0" i="0" strike="noStrike" cap="none" baseline="0">
-                <a:solidFill>
-                  <a:srgbClr val="000000"/>
-                </a:solidFill>
-                <a:effectLst/>
-                <a:latin typeface="MS UI Gothic"/>
-                <a:ea typeface="MS UI Gothic"/>
-                <a:cs typeface="MS UI Gothic"/>
-              </a:rPr>
-              <a:t>スーパーマーケットやカフェなどの小売業者は消費者に直接販売しており、消費者の認識や購入に影響を与えることができます。</a:t>
-            </a:r>
-            <a:r>
-              <a:rPr lang="ja-JP" sz="1200" b="0" i="0" strike="noStrike" cap="none" baseline="0">
-                <a:solidFill>
-                  <a:srgbClr val="000000"/>
-                </a:solidFill>
-                <a:effectLst/>
-                <a:latin typeface="MS UI Gothic"/>
-                <a:ea typeface="MS UI Gothic"/>
-                <a:cs typeface="MS UI Gothic"/>
-              </a:rPr>
-              <a:t>大手小売業者には Walmart や Starbucks などがあります。</a:t>
-            </a:r>
-            <a:r>
-              <a:rPr lang="ja-JP" sz="1200" b="0" i="0" strike="noStrike" cap="none" baseline="0">
-                <a:solidFill>
-                  <a:srgbClr val="000000"/>
-                </a:solidFill>
-                <a:effectLst/>
-                <a:latin typeface="MS UI Gothic"/>
-                <a:ea typeface="MS UI Gothic"/>
-                <a:cs typeface="MS UI Gothic"/>
-              </a:rPr>
-              <a:t>卸売業者は小売業者に一括販売し、ディストリビューターは製造元から小売業者に製品を輸送します。</a:t>
-            </a:r>
-            <a:r>
-              <a:rPr sz="1200"/>
-              <a:t>
-</a:t>
-            </a:r>
-            <a:r>
-              <a:rPr sz="1200"/>
-              <a:t>
-</a:t>
-            </a:r>
-            <a:r>
-              <a:rPr sz="1200"/>
-              <a:t>
-</a:t>
-            </a:r>
-            <a:r>
-              <a:rPr lang="ja-JP" sz="1200" b="0" i="0" strike="noStrike" cap="none" baseline="0">
-                <a:solidFill>
-                  <a:srgbClr val="000000"/>
-                </a:solidFill>
-                <a:effectLst/>
-                <a:latin typeface="MS UI Gothic"/>
-                <a:ea typeface="MS UI Gothic"/>
-                <a:cs typeface="MS UI Gothic"/>
-              </a:rPr>
-              <a:t>オリジナル コンテンツ: </a:t>
-            </a:r>
-            <a:r>
-              <a:rPr sz="1200"/>
-              <a:t>
-</a:t>
-            </a:r>
-            <a:r>
-              <a:rPr lang="ja-JP" sz="1200" b="0" i="0" strike="noStrike" cap="none" baseline="0">
-                <a:solidFill>
-                  <a:srgbClr val="000000"/>
-                </a:solidFill>
-                <a:effectLst/>
-                <a:latin typeface="MS UI Gothic"/>
-                <a:ea typeface="MS UI Gothic"/>
-                <a:cs typeface="MS UI Gothic"/>
-              </a:rPr>
-              <a:t>ラテン アメリカにおけるチャイ ティーの流通チャネルは、チャイ ティー製品が最終消費者に届けられ、販売される方法と手段です。</a:t>
-            </a:r>
-            <a:r>
-              <a:rPr lang="ja-JP" sz="1200" b="0" i="0" strike="noStrike" cap="none" baseline="0">
-                <a:solidFill>
-                  <a:srgbClr val="000000"/>
-                </a:solidFill>
-                <a:effectLst/>
-                <a:latin typeface="MS UI Gothic"/>
-                <a:ea typeface="MS UI Gothic"/>
-                <a:cs typeface="MS UI Gothic"/>
-              </a:rPr>
-              <a:t>ラテン アメリカにおけるチャイ ティーの流通チャネルは、小売業者、卸売業者、流通業者の 3 つに分類できます。</a:t>
-            </a:r>
-            <a:r>
-              <a:rPr sz="1200"/>
-              <a:t>
-</a:t>
-            </a:r>
-            <a:r>
-              <a:rPr lang="ja-JP" sz="1200" b="0" i="0" strike="noStrike" cap="none" baseline="0">
-                <a:solidFill>
-                  <a:srgbClr val="000000"/>
-                </a:solidFill>
-                <a:effectLst/>
-                <a:latin typeface="MS UI Gothic"/>
-                <a:ea typeface="MS UI Gothic"/>
-                <a:cs typeface="MS UI Gothic"/>
-              </a:rPr>
-              <a:t>小売業者とは、スーパーマーケット、コンビニエンス ストア、専門店、カフェ、オンライン プラットフォームなど、チャイ ティー製品を消費者に直接販売する企業です。</a:t>
-            </a:r>
-            <a:r>
-              <a:rPr lang="ja-JP" sz="1200" b="0" i="0" strike="noStrike" cap="none" baseline="0">
-                <a:solidFill>
-                  <a:srgbClr val="000000"/>
-                </a:solidFill>
-                <a:effectLst/>
-                <a:latin typeface="MS UI Gothic"/>
-                <a:ea typeface="MS UI Gothic"/>
-                <a:cs typeface="MS UI Gothic"/>
-              </a:rPr>
-              <a:t>小売業者はチャイ ティー製品の最も目に付きやすくアクセスしやすいチャネルであり、消費者のチャイ ティー製品に対する認識、好み、購入に影響を与える可能性があります。</a:t>
-            </a:r>
-            <a:r>
-              <a:rPr lang="ja-JP" sz="1200" b="0" i="0" strike="noStrike" cap="none" baseline="0">
-                <a:solidFill>
-                  <a:srgbClr val="000000"/>
-                </a:solidFill>
-                <a:effectLst/>
-                <a:latin typeface="MS UI Gothic"/>
-                <a:ea typeface="MS UI Gothic"/>
-                <a:cs typeface="MS UI Gothic"/>
-              </a:rPr>
-              <a:t>小売業者は、ディスプレイ、看板、棚スペースなど、チャイ ティー製品のプロモーションや商品化をサポートすることもできます。</a:t>
-            </a:r>
-            <a:r>
-              <a:rPr lang="ja-JP" sz="1200" b="0" i="0" strike="noStrike" cap="none" baseline="0">
-                <a:solidFill>
-                  <a:srgbClr val="000000"/>
-                </a:solidFill>
-                <a:effectLst/>
-                <a:latin typeface="MS UI Gothic"/>
-                <a:ea typeface="MS UI Gothic"/>
-                <a:cs typeface="MS UI Gothic"/>
-              </a:rPr>
-              <a:t>ラテン アメリカにおけるチャイ ティー製品の主な小売業者には、Walmart、Carrefour、Oxxo、Starbucks、Amazon などがあります。</a:t>
-            </a:r>
-            <a:r>
-              <a:rPr sz="1200"/>
-              <a:t>
-</a:t>
-            </a:r>
+              <a:rPr lang="ja-JP"/>
+              <a:t>ラテン アメリカのチャイ ティーは、小売業者、卸売業者、流通業者を通じて流通しています。スーパーマーケットやカフェなどの小売業者は消費者に直接販売しており、消費者の認識や購入に影響を与えることができます。大手小売業者には Walmart や Starbucks などがあります。卸売業者は小売業者に大量に販売し、流通業者は製造元から小売業者に製品を輸送します。</a:t>
+            </a:r>
+            <a:br>
+              <a:rPr lang="ja-JP"/>
+            </a:br>
+            <a:br>
+              <a:rPr lang="ja-JP"/>
+            </a:br>
+            <a:br>
+              <a:rPr lang="ja-JP"/>
+            </a:br>
+            <a:r>
+              <a:rPr lang="ja-JP"/>
+              <a:t>元のコンテンツ: </a:t>
+            </a:r>
+            <a:br>
+              <a:rPr lang="ja-JP"/>
+            </a:br>
+            <a:r>
+              <a:rPr lang="ja-JP"/>
+              <a:t>ラテン アメリカにおけるチャイ ティーの流通チャネルは、チャイ ティー製品が最終消費者に届けられ、販売される方法と手段です。ラテン アメリカにおけるチャイ ティーの流通チャネルは、小売業者、卸売業者、流通業者の 3 つに分類できます。</a:t>
+            </a:r>
+            <a:br>
+              <a:rPr lang="ja-JP"/>
+            </a:br>
+            <a:r>
+              <a:rPr lang="ja-JP"/>
+              <a:t>小売業者とは、スーパーマーケット、コンビニエンス ストア、専門店、カフェ、オンライン プラットフォームなど、チャイ ティー製品を消費者に直接販売する企業です。小売業者はチャイ ティー製品の最も目に付きやすくアクセスしやすいチャネルであり、消費者のチャイ ティー製品に対する認識、好み、購入に影響を与える可能性があります。小売業者は、ディスプレイ、看板、棚スペースなど、チャイ ティー製品のプロモーションや商品化をサポートすることもできます。ラテン アメリカにおけるチャイ ティー製品の主な小売業者には、Walmart、Carrefour、Oxxo、Starbucks、Amazon などがあります。</a:t>
+            </a:r>
+            <a:br>
+              <a:rPr lang="ja-JP"/>
+            </a:br>
+            <a:endParaRPr lang="ja-JP"/>
           </a:p>
         </p:txBody>
       </p:sp>
@@ -3753,8 +2328,8 @@
 </file>
 
 <file path=ppt/notesSlides/notesSlide9.xml><?xml version="1.0" encoding="utf-8"?>
-<p:notes xmlns:a="http://schemas.openxmlformats.org/drawingml/2006/main" xmlns:r="http://schemas.openxmlformats.org/officeDocument/2006/relationships" xmlns:m="http://schemas.openxmlformats.org/officeDocument/2006/math" xmlns:w="http://schemas.openxmlformats.org/wordprocessingml/2006/main" xmlns:wp="http://schemas.openxmlformats.org/drawingml/2006/wordprocessingDrawing" xmlns:a14="http://schemas.microsoft.com/office/drawing/2010/main" xmlns:mc="http://schemas.openxmlformats.org/markup-compatibility/2006" xmlns:p14="http://schemas.microsoft.com/office/powerpoint/2010/main" xmlns:p="http://schemas.openxmlformats.org/presentationml/2006/main">
-  <p:cSld name="">
+<p:notes xmlns:a="http://schemas.openxmlformats.org/drawingml/2006/main" xmlns:r="http://schemas.openxmlformats.org/officeDocument/2006/relationships" xmlns:p="http://schemas.openxmlformats.org/presentationml/2006/main">
+  <p:cSld>
     <p:spTree>
       <p:nvGrpSpPr>
         <p:cNvPr id="1" name=""/>
@@ -3765,6 +2340,8 @@
         <a:xfrm>
           <a:off x="0" y="0"/>
           <a:ext cx="0" cy="0"/>
+          <a:chOff x="0" y="0"/>
+          <a:chExt cx="0" cy="0"/>
         </a:xfrm>
       </p:grpSpPr>
       <p:sp>
@@ -3795,126 +2372,33 @@
           <a:lstStyle/>
           <a:p>
             <a:r>
-              <a:rPr lang="ja-JP" sz="1200" b="0" i="0" strike="noStrike" cap="none" baseline="0">
-                <a:solidFill>
-                  <a:srgbClr val="000000"/>
-                </a:solidFill>
-                <a:effectLst/>
-                <a:latin typeface="MS UI Gothic"/>
-                <a:ea typeface="MS UI Gothic"/>
-                <a:cs typeface="MS UI Gothic"/>
-              </a:rPr>
-              <a:t>卸売業者はチャイ ティー製品を大量に購入し、小売業者やその他の仲介業者に販売します。</a:t>
-            </a:r>
-            <a:r>
-              <a:rPr lang="ja-JP" sz="1200" b="0" i="0" strike="noStrike" cap="none" baseline="0">
-                <a:solidFill>
-                  <a:srgbClr val="000000"/>
-                </a:solidFill>
-                <a:effectLst/>
-                <a:latin typeface="MS UI Gothic"/>
-                <a:ea typeface="MS UI Gothic"/>
-                <a:cs typeface="MS UI Gothic"/>
-              </a:rPr>
-              <a:t>チャイ ティー製品の需要と供給を結び、さまざまなサービスを提供しています。</a:t>
-            </a:r>
-            <a:r>
-              <a:rPr lang="ja-JP" sz="1200" b="0" i="0" strike="noStrike" cap="none" baseline="0">
-                <a:solidFill>
-                  <a:srgbClr val="000000"/>
-                </a:solidFill>
-                <a:effectLst/>
-                <a:latin typeface="MS UI Gothic"/>
-                <a:ea typeface="MS UI Gothic"/>
-                <a:cs typeface="MS UI Gothic"/>
-              </a:rPr>
-              <a:t>ラテン アメリカにおけるチャイ ティー製品の主要な卸売業者には、Cencosud、Grupo Pao de Acucar、La Anonima、Makro などがあります。</a:t>
-            </a:r>
-            <a:r>
-              <a:rPr sz="1200"/>
-              <a:t>
-</a:t>
-            </a:r>
-            <a:r>
-              <a:rPr sz="1200"/>
-              <a:t>
-</a:t>
-            </a:r>
-            <a:r>
-              <a:rPr sz="1200"/>
-              <a:t>
-</a:t>
-            </a:r>
-            <a:r>
-              <a:rPr lang="ja-JP" sz="1200" b="0" i="0" strike="noStrike" cap="none" baseline="0">
-                <a:solidFill>
-                  <a:srgbClr val="000000"/>
-                </a:solidFill>
-                <a:effectLst/>
-                <a:latin typeface="MS UI Gothic"/>
-                <a:ea typeface="MS UI Gothic"/>
-                <a:cs typeface="MS UI Gothic"/>
-              </a:rPr>
-              <a:t>オリジナル コンテンツ: </a:t>
-            </a:r>
-            <a:r>
-              <a:rPr sz="1200"/>
-              <a:t>
-</a:t>
-            </a:r>
-            <a:r>
-              <a:rPr lang="ja-JP" sz="1200" b="0" i="0" strike="noStrike" cap="none" baseline="0">
-                <a:solidFill>
-                  <a:srgbClr val="000000"/>
-                </a:solidFill>
-                <a:effectLst/>
-                <a:latin typeface="MS UI Gothic"/>
-                <a:ea typeface="MS UI Gothic"/>
-                <a:cs typeface="MS UI Gothic"/>
-              </a:rPr>
-              <a:t>卸売業者は、製造元や流通業者からチャイ ティー製品を大量に購入し、小売業者やその他の仲介業者に販売する企業です。</a:t>
-            </a:r>
-            <a:r>
-              <a:rPr lang="ja-JP" sz="1200" b="0" i="0" strike="noStrike" cap="none" baseline="0">
-                <a:solidFill>
-                  <a:srgbClr val="000000"/>
-                </a:solidFill>
-                <a:effectLst/>
-                <a:latin typeface="MS UI Gothic"/>
-                <a:ea typeface="MS UI Gothic"/>
-                <a:cs typeface="MS UI Gothic"/>
-              </a:rPr>
-              <a:t>卸売業者は、チャイ ティー製品の需要と供給をつなぐ役割を担っており、チャイ ティー製品の規模の経済、保管、輸送サービスを提供できます。</a:t>
-            </a:r>
-            <a:r>
-              <a:rPr lang="ja-JP" sz="1200" b="0" i="0" strike="noStrike" cap="none" baseline="0">
-                <a:solidFill>
-                  <a:srgbClr val="000000"/>
-                </a:solidFill>
-                <a:effectLst/>
-                <a:latin typeface="MS UI Gothic"/>
-                <a:ea typeface="MS UI Gothic"/>
-                <a:cs typeface="MS UI Gothic"/>
-              </a:rPr>
-              <a:t>卸売業者は、チャイ ティー製品の市場情報、フィードバック、信用制度を提供することもできます。</a:t>
-            </a:r>
-            <a:r>
-              <a:rPr lang="ja-JP" sz="1200" b="0" i="0" strike="noStrike" cap="none" baseline="0">
-                <a:solidFill>
-                  <a:srgbClr val="000000"/>
-                </a:solidFill>
-                <a:effectLst/>
-                <a:latin typeface="MS UI Gothic"/>
-                <a:ea typeface="MS UI Gothic"/>
-                <a:cs typeface="MS UI Gothic"/>
-              </a:rPr>
-              <a:t>ラテン アメリカにおけるチャイ ティー製品の主要な卸売業者には、Cencosud、Grupo Pao de Acucar、La Anonima、Makro などがあります。</a:t>
-            </a:r>
-            <a:r>
-              <a:rPr sz="1200"/>
-              <a:t>
-</a:t>
-            </a:r>
+              <a:rPr lang="ja-JP"/>
+              <a:t>卸売業者はチャイ ティー製品を大量に購入し、小売業者やその他の仲介業者に販売します。チャイ ティー製品の需要と供給を結び、さまざまなサービスを提供しています。ラテン アメリカの主要な卸売業者には、Cencosud、Grupo Pao de Acucar、La Anonima、Makro などがあります。</a:t>
+            </a:r>
+            <a:br>
+              <a:rPr lang="ja-JP"/>
+            </a:br>
+            <a:br>
+              <a:rPr lang="ja-JP"/>
+            </a:br>
+            <a:br>
+              <a:rPr lang="ja-JP"/>
+            </a:br>
+            <a:r>
+              <a:rPr lang="ja-JP"/>
+              <a:t>元のコンテンツ: </a:t>
+            </a:r>
+            <a:br>
+              <a:rPr lang="ja-JP"/>
+            </a:br>
+            <a:r>
+              <a:rPr lang="ja-JP"/>
+              <a:t>卸売業者は、製造元や流通業者からチャイ ティー製品を大量に購入し、小売業者やその他の仲介業者に販売する企業です。卸売業者は、チャイ ティー製品の需要と供給をつなぐ役割を担っており、チャイ ティー製品の規模の経済、保管、輸送サービスを提供できます。卸売業者は、チャイ ティー製品の市場情報、フィードバック、信用制度を提供することもできます。ラテン アメリカにおけるチャイ ティー製品の主要な卸売業者には、Cencosud、Grupo Pao de Acucar、La Anonima、Makro などがあります。</a:t>
+            </a:r>
+            <a:br>
+              <a:rPr lang="ja-JP"/>
+            </a:br>
+            <a:endParaRPr lang="ja-JP"/>
           </a:p>
         </p:txBody>
       </p:sp>
@@ -3955,7 +2439,7 @@
 </file>
 
 <file path=ppt/slideLayouts/slideLayout1.xml><?xml version="1.0" encoding="utf-8"?>
-<p:sldLayout xmlns:a="http://schemas.openxmlformats.org/drawingml/2006/main" xmlns:r="http://schemas.openxmlformats.org/officeDocument/2006/relationships" xmlns:m="http://schemas.openxmlformats.org/officeDocument/2006/math" xmlns:w="http://schemas.openxmlformats.org/wordprocessingml/2006/main" xmlns:wp="http://schemas.openxmlformats.org/drawingml/2006/wordprocessingDrawing" xmlns:a14="http://schemas.microsoft.com/office/drawing/2010/main" xmlns:mc="http://schemas.openxmlformats.org/markup-compatibility/2006" xmlns:p14="http://schemas.microsoft.com/office/powerpoint/2010/main" xmlns:p15="http://schemas.microsoft.com/office/powerpoint/2012/main" xmlns:p159="http://schemas.microsoft.com/office/powerpoint/2015/09/main" xmlns:p="http://schemas.openxmlformats.org/presentationml/2006/main" showMasterSp="0" type="title" preserve="1">
+<p:sldLayout xmlns:a="http://schemas.openxmlformats.org/drawingml/2006/main" xmlns:r="http://schemas.openxmlformats.org/officeDocument/2006/relationships" xmlns:p="http://schemas.openxmlformats.org/presentationml/2006/main" showMasterSp="0" type="title" preserve="1">
   <p:cSld name="Title Slide">
     <p:spTree>
       <p:nvGrpSpPr>
@@ -3967,6 +2451,8 @@
         <a:xfrm>
           <a:off x="0" y="0"/>
           <a:ext cx="0" cy="0"/>
+          <a:chOff x="0" y="0"/>
+          <a:chExt cx="0" cy="0"/>
         </a:xfrm>
       </p:grpSpPr>
       <p:sp>
@@ -4012,11 +2498,6 @@
             <a:schemeClr val="lt1"/>
           </a:fontRef>
         </p:style>
-        <p:txBody>
-          <a:bodyPr/>
-          <a:lstStyle/>
-          <a:p/>
-        </p:txBody>
       </p:sp>
       <p:sp>
         <p:nvSpPr>
@@ -4058,7 +2539,7 @@
               <a:rPr lang="en-US"/>
               <a:t>Click to edit Master title style</a:t>
             </a:r>
-            <a:endParaRPr lang="en-US"/>
+            <a:endParaRPr lang="en-US" dirty="0"/>
           </a:p>
         </p:txBody>
       </p:sp>
@@ -4130,7 +2611,7 @@
               <a:rPr lang="en-US"/>
               <a:t>Click to edit Master subtitle style</a:t>
             </a:r>
-            <a:endParaRPr lang="en-US"/>
+            <a:endParaRPr lang="en-US" dirty="0"/>
           </a:p>
         </p:txBody>
       </p:sp>
@@ -4201,9 +2682,9 @@
           <a:p>
             <a:fld id="{9184DA70-C731-4C70-880D-CCD4705E623C}" type="datetime1">
               <a:rPr lang="en-US" smtClean="0"/>
-              <a:t>6/26/2024</a:t>
+              <a:t>5/29/2025</a:t>
             </a:fld>
-            <a:endParaRPr lang="en-US"/>
+            <a:endParaRPr lang="en-US" dirty="0"/>
           </a:p>
         </p:txBody>
       </p:sp>
@@ -4228,7 +2709,7 @@
           <a:bodyPr/>
           <a:lstStyle/>
           <a:p>
-            <a:endParaRPr lang="en-US"/>
+            <a:endParaRPr lang="en-US" dirty="0"/>
           </a:p>
         </p:txBody>
       </p:sp>
@@ -4257,7 +2738,7 @@
               <a:rPr lang="en-US" smtClean="0"/>
               <a:t>‹#›</a:t>
             </a:fld>
-            <a:endParaRPr lang="en-US"/>
+            <a:endParaRPr lang="en-US" dirty="0"/>
           </a:p>
         </p:txBody>
       </p:sp>
@@ -4271,13 +2752,11 @@
   <p:clrMapOvr>
     <a:masterClrMapping/>
   </p:clrMapOvr>
-  <p:transition/>
-  <p:timing/>
 </p:sldLayout>
 </file>
 
 <file path=ppt/slideLayouts/slideLayout10.xml><?xml version="1.0" encoding="utf-8"?>
-<p:sldLayout xmlns:a="http://schemas.openxmlformats.org/drawingml/2006/main" xmlns:r="http://schemas.openxmlformats.org/officeDocument/2006/relationships" xmlns:m="http://schemas.openxmlformats.org/officeDocument/2006/math" xmlns:w="http://schemas.openxmlformats.org/wordprocessingml/2006/main" xmlns:wp="http://schemas.openxmlformats.org/drawingml/2006/wordprocessingDrawing" xmlns:a14="http://schemas.microsoft.com/office/drawing/2010/main" xmlns:mc="http://schemas.openxmlformats.org/markup-compatibility/2006" xmlns:p14="http://schemas.microsoft.com/office/powerpoint/2010/main" xmlns:p15="http://schemas.microsoft.com/office/powerpoint/2012/main" xmlns:p159="http://schemas.microsoft.com/office/powerpoint/2015/09/main" xmlns:p="http://schemas.openxmlformats.org/presentationml/2006/main" type="vertTx" preserve="1">
+<p:sldLayout xmlns:a="http://schemas.openxmlformats.org/drawingml/2006/main" xmlns:r="http://schemas.openxmlformats.org/officeDocument/2006/relationships" xmlns:p="http://schemas.openxmlformats.org/presentationml/2006/main" type="vertTx" preserve="1">
   <p:cSld name="Title and Vertical Text">
     <p:spTree>
       <p:nvGrpSpPr>
@@ -4289,6 +2768,8 @@
         <a:xfrm>
           <a:off x="0" y="0"/>
           <a:ext cx="0" cy="0"/>
+          <a:chOff x="0" y="0"/>
+          <a:chExt cx="0" cy="0"/>
         </a:xfrm>
       </p:grpSpPr>
       <p:sp>
@@ -4310,7 +2791,7 @@
               <a:rPr lang="en-US"/>
               <a:t>Click to edit Master title style</a:t>
             </a:r>
-            <a:endParaRPr lang="en-US"/>
+            <a:endParaRPr lang="en-US" dirty="0"/>
           </a:p>
         </p:txBody>
       </p:sp>
@@ -4362,7 +2843,7 @@
               <a:rPr lang="en-US"/>
               <a:t>Fifth level</a:t>
             </a:r>
-            <a:endParaRPr lang="en-US"/>
+            <a:endParaRPr lang="en-US" dirty="0"/>
           </a:p>
         </p:txBody>
       </p:sp>
@@ -4389,9 +2870,9 @@
           <a:p>
             <a:fld id="{B612A279-0833-481D-8C56-F67FD0AC6C50}" type="datetime1">
               <a:rPr lang="en-US" smtClean="0"/>
-              <a:t>6/26/2024</a:t>
+              <a:t>5/29/2025</a:t>
             </a:fld>
-            <a:endParaRPr lang="en-US"/>
+            <a:endParaRPr lang="en-US" dirty="0"/>
           </a:p>
         </p:txBody>
       </p:sp>
@@ -4416,7 +2897,7 @@
           <a:bodyPr/>
           <a:lstStyle/>
           <a:p>
-            <a:endParaRPr lang="en-US"/>
+            <a:endParaRPr lang="en-US" dirty="0"/>
           </a:p>
         </p:txBody>
       </p:sp>
@@ -4445,7 +2926,7 @@
               <a:rPr lang="en-US" smtClean="0"/>
               <a:t>‹#›</a:t>
             </a:fld>
-            <a:endParaRPr lang="en-US"/>
+            <a:endParaRPr lang="en-US" dirty="0"/>
           </a:p>
         </p:txBody>
       </p:sp>
@@ -4459,13 +2940,11 @@
   <p:clrMapOvr>
     <a:masterClrMapping/>
   </p:clrMapOvr>
-  <p:transition/>
-  <p:timing/>
 </p:sldLayout>
 </file>
 
 <file path=ppt/slideLayouts/slideLayout11.xml><?xml version="1.0" encoding="utf-8"?>
-<p:sldLayout xmlns:a="http://schemas.openxmlformats.org/drawingml/2006/main" xmlns:r="http://schemas.openxmlformats.org/officeDocument/2006/relationships" xmlns:m="http://schemas.openxmlformats.org/officeDocument/2006/math" xmlns:w="http://schemas.openxmlformats.org/wordprocessingml/2006/main" xmlns:wp="http://schemas.openxmlformats.org/drawingml/2006/wordprocessingDrawing" xmlns:a14="http://schemas.microsoft.com/office/drawing/2010/main" xmlns:mc="http://schemas.openxmlformats.org/markup-compatibility/2006" xmlns:p14="http://schemas.microsoft.com/office/powerpoint/2010/main" xmlns:p15="http://schemas.microsoft.com/office/powerpoint/2012/main" xmlns:p159="http://schemas.microsoft.com/office/powerpoint/2015/09/main" xmlns:p="http://schemas.openxmlformats.org/presentationml/2006/main" showMasterSp="0" type="vertTitleAndTx" preserve="1">
+<p:sldLayout xmlns:a="http://schemas.openxmlformats.org/drawingml/2006/main" xmlns:r="http://schemas.openxmlformats.org/officeDocument/2006/relationships" xmlns:p="http://schemas.openxmlformats.org/presentationml/2006/main" showMasterSp="0" type="vertTitleAndTx" preserve="1">
   <p:cSld name="Vertical Title and Text">
     <p:spTree>
       <p:nvGrpSpPr>
@@ -4477,6 +2956,8 @@
         <a:xfrm>
           <a:off x="0" y="0"/>
           <a:ext cx="0" cy="0"/>
+          <a:chOff x="0" y="0"/>
+          <a:chExt cx="0" cy="0"/>
         </a:xfrm>
       </p:grpSpPr>
       <p:sp>
@@ -4522,11 +3003,6 @@
             <a:schemeClr val="lt1"/>
           </a:fontRef>
         </p:style>
-        <p:txBody>
-          <a:bodyPr/>
-          <a:lstStyle/>
-          <a:p/>
-        </p:txBody>
       </p:sp>
       <p:sp>
         <p:nvSpPr>
@@ -4552,7 +3028,7 @@
               <a:rPr lang="en-US"/>
               <a:t>Click to edit Master title style</a:t>
             </a:r>
-            <a:endParaRPr lang="en-US"/>
+            <a:endParaRPr lang="en-US" dirty="0"/>
           </a:p>
         </p:txBody>
       </p:sp>
@@ -4609,7 +3085,7 @@
               <a:rPr lang="en-US"/>
               <a:t>Fifth level</a:t>
             </a:r>
-            <a:endParaRPr lang="en-US"/>
+            <a:endParaRPr lang="en-US" dirty="0"/>
           </a:p>
         </p:txBody>
       </p:sp>
@@ -4636,9 +3112,9 @@
           <a:p>
             <a:fld id="{6587DA83-5663-4C9C-B9AA-0B40A3DAFF81}" type="datetime1">
               <a:rPr lang="en-US" smtClean="0"/>
-              <a:t>6/26/2024</a:t>
+              <a:t>5/29/2025</a:t>
             </a:fld>
-            <a:endParaRPr lang="en-US"/>
+            <a:endParaRPr lang="en-US" dirty="0"/>
           </a:p>
         </p:txBody>
       </p:sp>
@@ -4663,7 +3139,7 @@
           <a:bodyPr/>
           <a:lstStyle/>
           <a:p>
-            <a:endParaRPr lang="en-US"/>
+            <a:endParaRPr lang="en-US" dirty="0"/>
           </a:p>
         </p:txBody>
       </p:sp>
@@ -4692,7 +3168,7 @@
               <a:rPr lang="en-US" smtClean="0"/>
               <a:t>‹#›</a:t>
             </a:fld>
-            <a:endParaRPr lang="en-US"/>
+            <a:endParaRPr lang="en-US" dirty="0"/>
           </a:p>
         </p:txBody>
       </p:sp>
@@ -4706,13 +3182,11 @@
   <p:clrMapOvr>
     <a:masterClrMapping/>
   </p:clrMapOvr>
-  <p:transition/>
-  <p:timing/>
 </p:sldLayout>
 </file>
 
 <file path=ppt/slideLayouts/slideLayout2.xml><?xml version="1.0" encoding="utf-8"?>
-<p:sldLayout xmlns:a="http://schemas.openxmlformats.org/drawingml/2006/main" xmlns:r="http://schemas.openxmlformats.org/officeDocument/2006/relationships" xmlns:m="http://schemas.openxmlformats.org/officeDocument/2006/math" xmlns:w="http://schemas.openxmlformats.org/wordprocessingml/2006/main" xmlns:wp="http://schemas.openxmlformats.org/drawingml/2006/wordprocessingDrawing" xmlns:a14="http://schemas.microsoft.com/office/drawing/2010/main" xmlns:mc="http://schemas.openxmlformats.org/markup-compatibility/2006" xmlns:p14="http://schemas.microsoft.com/office/powerpoint/2010/main" xmlns:p15="http://schemas.microsoft.com/office/powerpoint/2012/main" xmlns:p159="http://schemas.microsoft.com/office/powerpoint/2015/09/main" xmlns:p="http://schemas.openxmlformats.org/presentationml/2006/main" type="obj" preserve="1">
+<p:sldLayout xmlns:a="http://schemas.openxmlformats.org/drawingml/2006/main" xmlns:r="http://schemas.openxmlformats.org/officeDocument/2006/relationships" xmlns:p="http://schemas.openxmlformats.org/presentationml/2006/main" type="obj" preserve="1">
   <p:cSld name="Title and Content">
     <p:spTree>
       <p:nvGrpSpPr>
@@ -4724,6 +3198,8 @@
         <a:xfrm>
           <a:off x="0" y="0"/>
           <a:ext cx="0" cy="0"/>
+          <a:chOff x="0" y="0"/>
+          <a:chExt cx="0" cy="0"/>
         </a:xfrm>
       </p:grpSpPr>
       <p:sp>
@@ -4745,7 +3221,7 @@
               <a:rPr lang="en-US"/>
               <a:t>Click to edit Master title style</a:t>
             </a:r>
-            <a:endParaRPr lang="en-US"/>
+            <a:endParaRPr lang="en-US" dirty="0"/>
           </a:p>
         </p:txBody>
       </p:sp>
@@ -4797,7 +3273,7 @@
               <a:rPr lang="en-US"/>
               <a:t>Fifth level</a:t>
             </a:r>
-            <a:endParaRPr lang="en-US"/>
+            <a:endParaRPr lang="en-US" dirty="0"/>
           </a:p>
         </p:txBody>
       </p:sp>
@@ -4824,9 +3300,9 @@
           <a:p>
             <a:fld id="{4BE1D723-8F53-4F53-90B0-1982A396982E}" type="datetime1">
               <a:rPr lang="en-US" smtClean="0"/>
-              <a:t>6/26/2024</a:t>
+              <a:t>5/29/2025</a:t>
             </a:fld>
-            <a:endParaRPr lang="en-US"/>
+            <a:endParaRPr lang="en-US" dirty="0"/>
           </a:p>
         </p:txBody>
       </p:sp>
@@ -4851,7 +3327,7 @@
           <a:bodyPr/>
           <a:lstStyle/>
           <a:p>
-            <a:endParaRPr lang="en-US"/>
+            <a:endParaRPr lang="en-US" dirty="0"/>
           </a:p>
         </p:txBody>
       </p:sp>
@@ -4880,7 +3356,7 @@
               <a:rPr lang="en-US" smtClean="0"/>
               <a:t>‹#›</a:t>
             </a:fld>
-            <a:endParaRPr lang="en-US"/>
+            <a:endParaRPr lang="en-US" dirty="0"/>
           </a:p>
         </p:txBody>
       </p:sp>
@@ -4894,13 +3370,11 @@
   <p:clrMapOvr>
     <a:masterClrMapping/>
   </p:clrMapOvr>
-  <p:transition/>
-  <p:timing/>
 </p:sldLayout>
 </file>
 
 <file path=ppt/slideLayouts/slideLayout3.xml><?xml version="1.0" encoding="utf-8"?>
-<p:sldLayout xmlns:a="http://schemas.openxmlformats.org/drawingml/2006/main" xmlns:r="http://schemas.openxmlformats.org/officeDocument/2006/relationships" xmlns:m="http://schemas.openxmlformats.org/officeDocument/2006/math" xmlns:w="http://schemas.openxmlformats.org/wordprocessingml/2006/main" xmlns:wp="http://schemas.openxmlformats.org/drawingml/2006/wordprocessingDrawing" xmlns:a14="http://schemas.microsoft.com/office/drawing/2010/main" xmlns:mc="http://schemas.openxmlformats.org/markup-compatibility/2006" xmlns:p14="http://schemas.microsoft.com/office/powerpoint/2010/main" xmlns:p15="http://schemas.microsoft.com/office/powerpoint/2012/main" xmlns:p159="http://schemas.microsoft.com/office/powerpoint/2015/09/main" xmlns:p="http://schemas.openxmlformats.org/presentationml/2006/main" showMasterSp="0" type="secHead" preserve="1">
+<p:sldLayout xmlns:a="http://schemas.openxmlformats.org/drawingml/2006/main" xmlns:r="http://schemas.openxmlformats.org/officeDocument/2006/relationships" xmlns:p="http://schemas.openxmlformats.org/presentationml/2006/main" showMasterSp="0" type="secHead" preserve="1">
   <p:cSld name="Section Header">
     <p:bg>
       <p:bgPr>
@@ -4920,6 +3394,8 @@
         <a:xfrm>
           <a:off x="0" y="0"/>
           <a:ext cx="0" cy="0"/>
+          <a:chOff x="0" y="0"/>
+          <a:chExt cx="0" cy="0"/>
         </a:xfrm>
       </p:grpSpPr>
       <p:sp>
@@ -4965,11 +3441,6 @@
             <a:schemeClr val="lt1"/>
           </a:fontRef>
         </p:style>
-        <p:txBody>
-          <a:bodyPr/>
-          <a:lstStyle/>
-          <a:p/>
-        </p:txBody>
       </p:sp>
       <p:sp>
         <p:nvSpPr>
@@ -5011,7 +3482,7 @@
               <a:rPr lang="en-US"/>
               <a:t>Click to edit Master title style</a:t>
             </a:r>
-            <a:endParaRPr lang="en-US"/>
+            <a:endParaRPr lang="en-US" dirty="0"/>
           </a:p>
         </p:txBody>
       </p:sp>
@@ -5202,9 +3673,9 @@
           <a:p>
             <a:fld id="{97669AF7-7BEB-44E4-9852-375E34362B5B}" type="datetime1">
               <a:rPr lang="en-US" smtClean="0"/>
-              <a:t>6/26/2024</a:t>
+              <a:t>5/29/2025</a:t>
             </a:fld>
-            <a:endParaRPr lang="en-US"/>
+            <a:endParaRPr lang="en-US" dirty="0"/>
           </a:p>
         </p:txBody>
       </p:sp>
@@ -5229,7 +3700,7 @@
           <a:bodyPr/>
           <a:lstStyle/>
           <a:p>
-            <a:endParaRPr lang="en-US"/>
+            <a:endParaRPr lang="en-US" dirty="0"/>
           </a:p>
         </p:txBody>
       </p:sp>
@@ -5258,7 +3729,7 @@
               <a:rPr lang="en-US" smtClean="0"/>
               <a:t>‹#›</a:t>
             </a:fld>
-            <a:endParaRPr lang="en-US"/>
+            <a:endParaRPr lang="en-US" dirty="0"/>
           </a:p>
         </p:txBody>
       </p:sp>
@@ -5272,13 +3743,11 @@
   <p:clrMapOvr>
     <a:masterClrMapping/>
   </p:clrMapOvr>
-  <p:transition/>
-  <p:timing/>
 </p:sldLayout>
 </file>
 
 <file path=ppt/slideLayouts/slideLayout4.xml><?xml version="1.0" encoding="utf-8"?>
-<p:sldLayout xmlns:a="http://schemas.openxmlformats.org/drawingml/2006/main" xmlns:r="http://schemas.openxmlformats.org/officeDocument/2006/relationships" xmlns:m="http://schemas.openxmlformats.org/officeDocument/2006/math" xmlns:w="http://schemas.openxmlformats.org/wordprocessingml/2006/main" xmlns:wp="http://schemas.openxmlformats.org/drawingml/2006/wordprocessingDrawing" xmlns:a14="http://schemas.microsoft.com/office/drawing/2010/main" xmlns:mc="http://schemas.openxmlformats.org/markup-compatibility/2006" xmlns:p14="http://schemas.microsoft.com/office/powerpoint/2010/main" xmlns:p15="http://schemas.microsoft.com/office/powerpoint/2012/main" xmlns:p159="http://schemas.microsoft.com/office/powerpoint/2015/09/main" xmlns:p="http://schemas.openxmlformats.org/presentationml/2006/main" type="twoObj" preserve="1">
+<p:sldLayout xmlns:a="http://schemas.openxmlformats.org/drawingml/2006/main" xmlns:r="http://schemas.openxmlformats.org/officeDocument/2006/relationships" xmlns:p="http://schemas.openxmlformats.org/presentationml/2006/main" type="twoObj" preserve="1">
   <p:cSld name="Two Content">
     <p:spTree>
       <p:nvGrpSpPr>
@@ -5290,6 +3759,8 @@
         <a:xfrm>
           <a:off x="0" y="0"/>
           <a:ext cx="0" cy="0"/>
+          <a:chOff x="0" y="0"/>
+          <a:chExt cx="0" cy="0"/>
         </a:xfrm>
       </p:grpSpPr>
       <p:sp>
@@ -5316,7 +3787,7 @@
               <a:rPr lang="en-US"/>
               <a:t>Click to edit Master title style</a:t>
             </a:r>
-            <a:endParaRPr lang="en-US"/>
+            <a:endParaRPr lang="en-US" dirty="0"/>
           </a:p>
         </p:txBody>
       </p:sp>
@@ -5373,7 +3844,7 @@
               <a:rPr lang="en-US"/>
               <a:t>Fifth level</a:t>
             </a:r>
-            <a:endParaRPr lang="en-US"/>
+            <a:endParaRPr lang="en-US" dirty="0"/>
           </a:p>
         </p:txBody>
       </p:sp>
@@ -5430,7 +3901,7 @@
               <a:rPr lang="en-US"/>
               <a:t>Fifth level</a:t>
             </a:r>
-            <a:endParaRPr lang="en-US"/>
+            <a:endParaRPr lang="en-US" dirty="0"/>
           </a:p>
         </p:txBody>
       </p:sp>
@@ -5457,9 +3928,9 @@
           <a:p>
             <a:fld id="{BAAAC38D-0552-4C82-B593-E6124DFADBE2}" type="datetime1">
               <a:rPr lang="en-US" smtClean="0"/>
-              <a:t>6/26/2024</a:t>
+              <a:t>5/29/2025</a:t>
             </a:fld>
-            <a:endParaRPr lang="en-US"/>
+            <a:endParaRPr lang="en-US" dirty="0"/>
           </a:p>
         </p:txBody>
       </p:sp>
@@ -5484,7 +3955,7 @@
           <a:bodyPr/>
           <a:lstStyle/>
           <a:p>
-            <a:endParaRPr lang="en-US"/>
+            <a:endParaRPr lang="en-US" dirty="0"/>
           </a:p>
         </p:txBody>
       </p:sp>
@@ -5513,7 +3984,7 @@
               <a:rPr lang="en-US" smtClean="0"/>
               <a:t>‹#›</a:t>
             </a:fld>
-            <a:endParaRPr lang="en-US"/>
+            <a:endParaRPr lang="en-US" dirty="0"/>
           </a:p>
         </p:txBody>
       </p:sp>
@@ -5527,13 +3998,11 @@
   <p:clrMapOvr>
     <a:masterClrMapping/>
   </p:clrMapOvr>
-  <p:transition/>
-  <p:timing/>
 </p:sldLayout>
 </file>
 
 <file path=ppt/slideLayouts/slideLayout5.xml><?xml version="1.0" encoding="utf-8"?>
-<p:sldLayout xmlns:a="http://schemas.openxmlformats.org/drawingml/2006/main" xmlns:r="http://schemas.openxmlformats.org/officeDocument/2006/relationships" xmlns:m="http://schemas.openxmlformats.org/officeDocument/2006/math" xmlns:w="http://schemas.openxmlformats.org/wordprocessingml/2006/main" xmlns:wp="http://schemas.openxmlformats.org/drawingml/2006/wordprocessingDrawing" xmlns:a14="http://schemas.microsoft.com/office/drawing/2010/main" xmlns:mc="http://schemas.openxmlformats.org/markup-compatibility/2006" xmlns:p14="http://schemas.microsoft.com/office/powerpoint/2010/main" xmlns:p15="http://schemas.microsoft.com/office/powerpoint/2012/main" xmlns:p159="http://schemas.microsoft.com/office/powerpoint/2015/09/main" xmlns:p="http://schemas.openxmlformats.org/presentationml/2006/main" type="twoTxTwoObj" preserve="1">
+<p:sldLayout xmlns:a="http://schemas.openxmlformats.org/drawingml/2006/main" xmlns:r="http://schemas.openxmlformats.org/officeDocument/2006/relationships" xmlns:p="http://schemas.openxmlformats.org/presentationml/2006/main" type="twoTxTwoObj" preserve="1">
   <p:cSld name="Comparison">
     <p:spTree>
       <p:nvGrpSpPr>
@@ -5545,6 +4014,8 @@
         <a:xfrm>
           <a:off x="0" y="0"/>
           <a:ext cx="0" cy="0"/>
+          <a:chOff x="0" y="0"/>
+          <a:chExt cx="0" cy="0"/>
         </a:xfrm>
       </p:grpSpPr>
       <p:sp>
@@ -5571,7 +4042,7 @@
               <a:rPr lang="en-US"/>
               <a:t>Click to edit Master title style</a:t>
             </a:r>
-            <a:endParaRPr lang="en-US"/>
+            <a:endParaRPr lang="en-US" dirty="0"/>
           </a:p>
         </p:txBody>
       </p:sp>
@@ -5699,7 +4170,7 @@
               <a:rPr lang="en-US"/>
               <a:t>Fifth level</a:t>
             </a:r>
-            <a:endParaRPr lang="en-US"/>
+            <a:endParaRPr lang="en-US" dirty="0"/>
           </a:p>
         </p:txBody>
       </p:sp>
@@ -5827,7 +4298,7 @@
               <a:rPr lang="en-US"/>
               <a:t>Fifth level</a:t>
             </a:r>
-            <a:endParaRPr lang="en-US"/>
+            <a:endParaRPr lang="en-US" dirty="0"/>
           </a:p>
         </p:txBody>
       </p:sp>
@@ -5854,9 +4325,9 @@
           <a:p>
             <a:fld id="{D9DF0F1C-5577-4ACB-BB62-DF8F3C494C7E}" type="datetime1">
               <a:rPr lang="en-US" smtClean="0"/>
-              <a:t>6/26/2024</a:t>
+              <a:t>5/29/2025</a:t>
             </a:fld>
-            <a:endParaRPr lang="en-US"/>
+            <a:endParaRPr lang="en-US" dirty="0"/>
           </a:p>
         </p:txBody>
       </p:sp>
@@ -5881,7 +4352,7 @@
           <a:bodyPr/>
           <a:lstStyle/>
           <a:p>
-            <a:endParaRPr lang="en-US"/>
+            <a:endParaRPr lang="en-US" dirty="0"/>
           </a:p>
         </p:txBody>
       </p:sp>
@@ -5910,7 +4381,7 @@
               <a:rPr lang="en-US" smtClean="0"/>
               <a:t>‹#›</a:t>
             </a:fld>
-            <a:endParaRPr lang="en-US"/>
+            <a:endParaRPr lang="en-US" dirty="0"/>
           </a:p>
         </p:txBody>
       </p:sp>
@@ -5924,13 +4395,11 @@
   <p:clrMapOvr>
     <a:masterClrMapping/>
   </p:clrMapOvr>
-  <p:transition/>
-  <p:timing/>
 </p:sldLayout>
 </file>
 
 <file path=ppt/slideLayouts/slideLayout6.xml><?xml version="1.0" encoding="utf-8"?>
-<p:sldLayout xmlns:a="http://schemas.openxmlformats.org/drawingml/2006/main" xmlns:r="http://schemas.openxmlformats.org/officeDocument/2006/relationships" xmlns:m="http://schemas.openxmlformats.org/officeDocument/2006/math" xmlns:w="http://schemas.openxmlformats.org/wordprocessingml/2006/main" xmlns:wp="http://schemas.openxmlformats.org/drawingml/2006/wordprocessingDrawing" xmlns:a14="http://schemas.microsoft.com/office/drawing/2010/main" xmlns:mc="http://schemas.openxmlformats.org/markup-compatibility/2006" xmlns:p14="http://schemas.microsoft.com/office/powerpoint/2010/main" xmlns:p15="http://schemas.microsoft.com/office/powerpoint/2012/main" xmlns:p159="http://schemas.microsoft.com/office/powerpoint/2015/09/main" xmlns:p="http://schemas.openxmlformats.org/presentationml/2006/main" type="titleOnly" preserve="1">
+<p:sldLayout xmlns:a="http://schemas.openxmlformats.org/drawingml/2006/main" xmlns:r="http://schemas.openxmlformats.org/officeDocument/2006/relationships" xmlns:p="http://schemas.openxmlformats.org/presentationml/2006/main" type="titleOnly" preserve="1">
   <p:cSld name="Title Only">
     <p:spTree>
       <p:nvGrpSpPr>
@@ -5942,6 +4411,8 @@
         <a:xfrm>
           <a:off x="0" y="0"/>
           <a:ext cx="0" cy="0"/>
+          <a:chOff x="0" y="0"/>
+          <a:chExt cx="0" cy="0"/>
         </a:xfrm>
       </p:grpSpPr>
       <p:sp>
@@ -5963,7 +4434,7 @@
               <a:rPr lang="en-US"/>
               <a:t>Click to edit Master title style</a:t>
             </a:r>
-            <a:endParaRPr lang="en-US"/>
+            <a:endParaRPr lang="en-US" dirty="0"/>
           </a:p>
         </p:txBody>
       </p:sp>
@@ -5990,9 +4461,9 @@
           <a:p>
             <a:fld id="{1775B394-D9F9-4F0C-B15D-605F45CB9E9F}" type="datetime1">
               <a:rPr lang="en-US" smtClean="0"/>
-              <a:t>6/26/2024</a:t>
+              <a:t>5/29/2025</a:t>
             </a:fld>
-            <a:endParaRPr lang="en-US"/>
+            <a:endParaRPr lang="en-US" dirty="0"/>
           </a:p>
         </p:txBody>
       </p:sp>
@@ -6017,7 +4488,7 @@
           <a:bodyPr/>
           <a:lstStyle/>
           <a:p>
-            <a:endParaRPr lang="en-US"/>
+            <a:endParaRPr lang="en-US" dirty="0"/>
           </a:p>
         </p:txBody>
       </p:sp>
@@ -6046,7 +4517,7 @@
               <a:rPr lang="en-US" smtClean="0"/>
               <a:t>‹#›</a:t>
             </a:fld>
-            <a:endParaRPr lang="en-US"/>
+            <a:endParaRPr lang="en-US" dirty="0"/>
           </a:p>
         </p:txBody>
       </p:sp>
@@ -6060,13 +4531,11 @@
   <p:clrMapOvr>
     <a:masterClrMapping/>
   </p:clrMapOvr>
-  <p:transition/>
-  <p:timing/>
 </p:sldLayout>
 </file>
 
 <file path=ppt/slideLayouts/slideLayout7.xml><?xml version="1.0" encoding="utf-8"?>
-<p:sldLayout xmlns:a="http://schemas.openxmlformats.org/drawingml/2006/main" xmlns:r="http://schemas.openxmlformats.org/officeDocument/2006/relationships" xmlns:m="http://schemas.openxmlformats.org/officeDocument/2006/math" xmlns:w="http://schemas.openxmlformats.org/wordprocessingml/2006/main" xmlns:wp="http://schemas.openxmlformats.org/drawingml/2006/wordprocessingDrawing" xmlns:a14="http://schemas.microsoft.com/office/drawing/2010/main" xmlns:mc="http://schemas.openxmlformats.org/markup-compatibility/2006" xmlns:p14="http://schemas.microsoft.com/office/powerpoint/2010/main" xmlns:p15="http://schemas.microsoft.com/office/powerpoint/2012/main" xmlns:p159="http://schemas.microsoft.com/office/powerpoint/2015/09/main" xmlns:p="http://schemas.openxmlformats.org/presentationml/2006/main" showMasterSp="0" type="blank" preserve="1">
+<p:sldLayout xmlns:a="http://schemas.openxmlformats.org/drawingml/2006/main" xmlns:r="http://schemas.openxmlformats.org/officeDocument/2006/relationships" xmlns:p="http://schemas.openxmlformats.org/presentationml/2006/main" showMasterSp="0" type="blank" preserve="1">
   <p:cSld name="Blank">
     <p:spTree>
       <p:nvGrpSpPr>
@@ -6078,6 +4547,8 @@
         <a:xfrm>
           <a:off x="0" y="0"/>
           <a:ext cx="0" cy="0"/>
+          <a:chOff x="0" y="0"/>
+          <a:chExt cx="0" cy="0"/>
         </a:xfrm>
       </p:grpSpPr>
       <p:sp>
@@ -6123,11 +4594,6 @@
             <a:schemeClr val="lt1"/>
           </a:fontRef>
         </p:style>
-        <p:txBody>
-          <a:bodyPr/>
-          <a:lstStyle/>
-          <a:p/>
-        </p:txBody>
       </p:sp>
       <p:sp>
         <p:nvSpPr>
@@ -6152,9 +4618,9 @@
           <a:p>
             <a:fld id="{39667345-2558-425A-8533-9BFDBCE15005}" type="datetime1">
               <a:rPr lang="en-US" smtClean="0"/>
-              <a:t>6/26/2024</a:t>
+              <a:t>5/29/2025</a:t>
             </a:fld>
-            <a:endParaRPr lang="en-US"/>
+            <a:endParaRPr lang="en-US" dirty="0"/>
           </a:p>
         </p:txBody>
       </p:sp>
@@ -6179,7 +4645,7 @@
           <a:bodyPr/>
           <a:lstStyle/>
           <a:p>
-            <a:endParaRPr lang="en-US"/>
+            <a:endParaRPr lang="en-US" dirty="0"/>
           </a:p>
         </p:txBody>
       </p:sp>
@@ -6208,7 +4674,7 @@
               <a:rPr lang="en-US" smtClean="0"/>
               <a:t>‹#›</a:t>
             </a:fld>
-            <a:endParaRPr lang="en-US"/>
+            <a:endParaRPr lang="en-US" dirty="0"/>
           </a:p>
         </p:txBody>
       </p:sp>
@@ -6222,13 +4688,11 @@
   <p:clrMapOvr>
     <a:masterClrMapping/>
   </p:clrMapOvr>
-  <p:transition/>
-  <p:timing/>
 </p:sldLayout>
 </file>
 
 <file path=ppt/slideLayouts/slideLayout8.xml><?xml version="1.0" encoding="utf-8"?>
-<p:sldLayout xmlns:a="http://schemas.openxmlformats.org/drawingml/2006/main" xmlns:r="http://schemas.openxmlformats.org/officeDocument/2006/relationships" xmlns:m="http://schemas.openxmlformats.org/officeDocument/2006/math" xmlns:w="http://schemas.openxmlformats.org/wordprocessingml/2006/main" xmlns:wp="http://schemas.openxmlformats.org/drawingml/2006/wordprocessingDrawing" xmlns:a14="http://schemas.microsoft.com/office/drawing/2010/main" xmlns:mc="http://schemas.openxmlformats.org/markup-compatibility/2006" xmlns:p14="http://schemas.microsoft.com/office/powerpoint/2010/main" xmlns:p15="http://schemas.microsoft.com/office/powerpoint/2012/main" xmlns:p159="http://schemas.microsoft.com/office/powerpoint/2015/09/main" xmlns:p="http://schemas.openxmlformats.org/presentationml/2006/main" showMasterSp="0" type="objTx" preserve="1">
+<p:sldLayout xmlns:a="http://schemas.openxmlformats.org/drawingml/2006/main" xmlns:r="http://schemas.openxmlformats.org/officeDocument/2006/relationships" xmlns:p="http://schemas.openxmlformats.org/presentationml/2006/main" showMasterSp="0" type="objTx" preserve="1">
   <p:cSld name="Content with Caption">
     <p:spTree>
       <p:nvGrpSpPr>
@@ -6240,6 +4704,8 @@
         <a:xfrm>
           <a:off x="0" y="0"/>
           <a:ext cx="0" cy="0"/>
+          <a:chOff x="0" y="0"/>
+          <a:chExt cx="0" cy="0"/>
         </a:xfrm>
       </p:grpSpPr>
       <p:sp>
@@ -6285,11 +4751,6 @@
             <a:schemeClr val="lt1"/>
           </a:fontRef>
         </p:style>
-        <p:txBody>
-          <a:bodyPr/>
-          <a:lstStyle/>
-          <a:p/>
-        </p:txBody>
       </p:sp>
       <p:sp>
         <p:nvSpPr>
@@ -6328,7 +4789,7 @@
               <a:rPr lang="en-US"/>
               <a:t>Click to edit Master title style</a:t>
             </a:r>
-            <a:endParaRPr lang="en-US"/>
+            <a:endParaRPr lang="en-US" dirty="0"/>
           </a:p>
         </p:txBody>
       </p:sp>
@@ -6385,7 +4846,7 @@
               <a:rPr lang="en-US"/>
               <a:t>Fifth level</a:t>
             </a:r>
-            <a:endParaRPr lang="en-US"/>
+            <a:endParaRPr lang="en-US" dirty="0"/>
           </a:p>
         </p:txBody>
       </p:sp>
@@ -6486,9 +4947,9 @@
           <a:p>
             <a:fld id="{92BEA474-078D-4E9B-9B14-09A87B19DC46}" type="datetime1">
               <a:rPr lang="en-US" smtClean="0"/>
-              <a:t>6/26/2024</a:t>
+              <a:t>5/29/2025</a:t>
             </a:fld>
-            <a:endParaRPr lang="en-US"/>
+            <a:endParaRPr lang="en-US" dirty="0"/>
           </a:p>
         </p:txBody>
       </p:sp>
@@ -6520,7 +4981,7 @@
             </a:lvl1pPr>
           </a:lstStyle>
           <a:p>
-            <a:endParaRPr lang="en-US"/>
+            <a:endParaRPr lang="en-US" dirty="0"/>
           </a:p>
         </p:txBody>
       </p:sp>
@@ -6549,9 +5010,10 @@
           <a:p>
             <a:fld id="{3A98EE3D-8CD1-4C3F-BD1C-C98C9596463C}" type="slidenum">
               <a:rPr lang="en-US" smtClean="0"/>
+              <a:pPr/>
               <a:t>‹#›</a:t>
             </a:fld>
-            <a:endParaRPr lang="en-US"/>
+            <a:endParaRPr lang="en-US" dirty="0"/>
           </a:p>
         </p:txBody>
       </p:sp>
@@ -6565,13 +5027,11 @@
   <p:clrMapOvr>
     <a:masterClrMapping/>
   </p:clrMapOvr>
-  <p:transition/>
-  <p:timing/>
 </p:sldLayout>
 </file>
 
 <file path=ppt/slideLayouts/slideLayout9.xml><?xml version="1.0" encoding="utf-8"?>
-<p:sldLayout xmlns:a="http://schemas.openxmlformats.org/drawingml/2006/main" xmlns:r="http://schemas.openxmlformats.org/officeDocument/2006/relationships" xmlns:m="http://schemas.openxmlformats.org/officeDocument/2006/math" xmlns:w="http://schemas.openxmlformats.org/wordprocessingml/2006/main" xmlns:wp="http://schemas.openxmlformats.org/drawingml/2006/wordprocessingDrawing" xmlns:a14="http://schemas.microsoft.com/office/drawing/2010/main" xmlns:mc="http://schemas.openxmlformats.org/markup-compatibility/2006" xmlns:p14="http://schemas.microsoft.com/office/powerpoint/2010/main" xmlns:p15="http://schemas.microsoft.com/office/powerpoint/2012/main" xmlns:p159="http://schemas.microsoft.com/office/powerpoint/2015/09/main" xmlns:p="http://schemas.openxmlformats.org/presentationml/2006/main" showMasterSp="0" type="picTx" preserve="1">
+<p:sldLayout xmlns:a="http://schemas.openxmlformats.org/drawingml/2006/main" xmlns:r="http://schemas.openxmlformats.org/officeDocument/2006/relationships" xmlns:p="http://schemas.openxmlformats.org/presentationml/2006/main" showMasterSp="0" type="picTx" preserve="1">
   <p:cSld name="Picture with Caption">
     <p:spTree>
       <p:nvGrpSpPr>
@@ -6583,6 +5043,8 @@
         <a:xfrm>
           <a:off x="0" y="0"/>
           <a:ext cx="0" cy="0"/>
+          <a:chOff x="0" y="0"/>
+          <a:chExt cx="0" cy="0"/>
         </a:xfrm>
       </p:grpSpPr>
       <p:sp>
@@ -6628,11 +5090,6 @@
             <a:schemeClr val="lt1"/>
           </a:fontRef>
         </p:style>
-        <p:txBody>
-          <a:bodyPr/>
-          <a:lstStyle/>
-          <a:p/>
-        </p:txBody>
       </p:sp>
       <p:sp>
         <p:nvSpPr>
@@ -6700,7 +5157,7 @@
               <a:rPr lang="en-US"/>
               <a:t>Click icon to add picture</a:t>
             </a:r>
-            <a:endParaRPr lang="en-US"/>
+            <a:endParaRPr lang="en-US" dirty="0"/>
           </a:p>
         </p:txBody>
       </p:sp>
@@ -6738,7 +5195,7 @@
               <a:rPr lang="en-US"/>
               <a:t>Click to edit Master title style</a:t>
             </a:r>
-            <a:endParaRPr lang="en-US"/>
+            <a:endParaRPr lang="en-US" dirty="0"/>
           </a:p>
         </p:txBody>
       </p:sp>
@@ -6765,7 +5222,7 @@
           <a:lstStyle>
             <a:lvl1pPr marL="0" indent="0">
               <a:spcBef>
-                <a:spcPct val="0"/>
+                <a:spcPts val="0"/>
               </a:spcBef>
               <a:spcAft>
                 <a:spcPts val="600"/>
@@ -6840,9 +5297,9 @@
           <a:p>
             <a:fld id="{4907D986-8816-4272-A432-0437A28A9828}" type="datetime1">
               <a:rPr lang="en-US" smtClean="0"/>
-              <a:t>6/26/2024</a:t>
+              <a:t>5/29/2025</a:t>
             </a:fld>
-            <a:endParaRPr lang="en-US"/>
+            <a:endParaRPr lang="en-US" dirty="0"/>
           </a:p>
         </p:txBody>
       </p:sp>
@@ -6867,7 +5324,7 @@
           <a:lstStyle/>
           <a:p>
             <a:pPr algn="l"/>
-            <a:endParaRPr lang="en-US"/>
+            <a:endParaRPr lang="en-US" dirty="0"/>
           </a:p>
         </p:txBody>
       </p:sp>
@@ -6890,7 +5347,7 @@
               <a:rPr lang="en-US" smtClean="0"/>
               <a:t>‹#›</a:t>
             </a:fld>
-            <a:endParaRPr lang="en-US"/>
+            <a:endParaRPr lang="en-US" dirty="0"/>
           </a:p>
         </p:txBody>
       </p:sp>
@@ -6904,13 +5361,11 @@
   <p:clrMapOvr>
     <a:masterClrMapping/>
   </p:clrMapOvr>
-  <p:transition/>
-  <p:timing/>
 </p:sldLayout>
 </file>
 
 <file path=ppt/slideMasters/slideMaster1.xml><?xml version="1.0" encoding="utf-8"?>
-<p:sldMaster xmlns:a="http://schemas.openxmlformats.org/drawingml/2006/main" xmlns:r="http://schemas.openxmlformats.org/officeDocument/2006/relationships" xmlns:m="http://schemas.openxmlformats.org/officeDocument/2006/math" xmlns:w="http://schemas.openxmlformats.org/wordprocessingml/2006/main" xmlns:wp="http://schemas.openxmlformats.org/drawingml/2006/wordprocessingDrawing" xmlns:a14="http://schemas.microsoft.com/office/drawing/2010/main" xmlns:mc="http://schemas.openxmlformats.org/markup-compatibility/2006" xmlns:p14="http://schemas.microsoft.com/office/powerpoint/2010/main" xmlns:p15="http://schemas.microsoft.com/office/powerpoint/2012/main" xmlns:p159="http://schemas.microsoft.com/office/powerpoint/2015/09/main" xmlns:p="http://schemas.openxmlformats.org/presentationml/2006/main">
+<p:sldMaster xmlns:a="http://schemas.openxmlformats.org/drawingml/2006/main" xmlns:r="http://schemas.openxmlformats.org/officeDocument/2006/relationships" xmlns:p="http://schemas.openxmlformats.org/presentationml/2006/main">
   <p:cSld>
     <p:bg>
       <p:bgRef idx="1001">
@@ -6927,6 +5382,8 @@
         <a:xfrm>
           <a:off x="0" y="0"/>
           <a:ext cx="0" cy="0"/>
+          <a:chOff x="0" y="0"/>
+          <a:chExt cx="0" cy="0"/>
         </a:xfrm>
       </p:grpSpPr>
       <p:sp>
@@ -6972,11 +5429,6 @@
             <a:schemeClr val="lt1"/>
           </a:fontRef>
         </p:style>
-        <p:txBody>
-          <a:bodyPr/>
-          <a:lstStyle/>
-          <a:p/>
-        </p:txBody>
       </p:sp>
       <p:sp>
         <p:nvSpPr>
@@ -7007,7 +5459,7 @@
               <a:rPr lang="en-US"/>
               <a:t>Click to edit Master title style</a:t>
             </a:r>
-            <a:endParaRPr lang="en-US"/>
+            <a:endParaRPr lang="en-US" dirty="0"/>
           </a:p>
         </p:txBody>
       </p:sp>
@@ -7069,7 +5521,7 @@
               <a:rPr lang="en-US"/>
               <a:t>Fifth level</a:t>
             </a:r>
-            <a:endParaRPr lang="en-US"/>
+            <a:endParaRPr lang="en-US" dirty="0"/>
           </a:p>
         </p:txBody>
       </p:sp>
@@ -7106,9 +5558,9 @@
           <a:p>
             <a:fld id="{62D6E202-B606-4609-B914-27C9371A1F6D}" type="datetime1">
               <a:rPr lang="en-US" smtClean="0"/>
-              <a:t>6/26/2024</a:t>
+              <a:t>5/29/2025</a:t>
             </a:fld>
-            <a:endParaRPr lang="en-US"/>
+            <a:endParaRPr lang="en-US" dirty="0"/>
           </a:p>
         </p:txBody>
       </p:sp>
@@ -7143,7 +5595,7 @@
             </a:lvl1pPr>
           </a:lstStyle>
           <a:p>
-            <a:endParaRPr lang="en-US"/>
+            <a:endParaRPr lang="en-US" dirty="0"/>
           </a:p>
         </p:txBody>
       </p:sp>
@@ -7182,7 +5634,7 @@
               <a:rPr lang="en-US" smtClean="0"/>
               <a:t>‹#›</a:t>
             </a:fld>
-            <a:endParaRPr lang="en-US"/>
+            <a:endParaRPr lang="en-US" dirty="0"/>
           </a:p>
         </p:txBody>
       </p:sp>
@@ -7251,8 +5703,7 @@
     <p:sldLayoutId id="2147483670" r:id="rId10"/>
     <p:sldLayoutId id="2147483671" r:id="rId11"/>
   </p:sldLayoutIdLst>
-  <p:transition/>
-  <p:timing/>
+  <p:hf sldNum="0" hdr="0" ftr="0" dt="0"/>
   <p:txStyles>
     <p:titleStyle>
       <a:lvl1pPr algn="l" defTabSz="914400" rtl="0" eaLnBrk="1" latinLnBrk="0" hangingPunct="1">
@@ -7290,8 +5741,8 @@
         <a:buClr>
           <a:schemeClr val="accent1"/>
         </a:buClr>
-        <a:buSzTx/>
-        <a:buFont typeface="Calibri" panose="020f0502020204030204" pitchFamily="34" charset="0"/>
+        <a:buSzPct val="100000"/>
+        <a:buFont typeface="Calibri" panose="020F0502020204030204" pitchFamily="34" charset="0"/>
         <a:buChar char=" "/>
         <a:defRPr sz="1900" kern="1200">
           <a:solidFill>
@@ -7316,7 +5767,7 @@
           <a:spcPts val="400"/>
         </a:spcAft>
         <a:buClrTx/>
-        <a:buFont typeface="Calibri" panose="020f0502020204030204" pitchFamily="34" charset="0"/>
+        <a:buFont typeface="Calibri" pitchFamily="34" charset="0"/>
         <a:buChar char="◦"/>
         <a:defRPr sz="1700" kern="1200">
           <a:solidFill>
@@ -7341,7 +5792,7 @@
           <a:spcPts val="400"/>
         </a:spcAft>
         <a:buClrTx/>
-        <a:buFont typeface="Calibri" panose="020f0502020204030204" pitchFamily="34" charset="0"/>
+        <a:buFont typeface="Calibri" pitchFamily="34" charset="0"/>
         <a:buChar char="◦"/>
         <a:defRPr sz="1300" kern="1200">
           <a:solidFill>
@@ -7366,7 +5817,7 @@
           <a:spcPts val="400"/>
         </a:spcAft>
         <a:buClrTx/>
-        <a:buFont typeface="Calibri" panose="020f0502020204030204" pitchFamily="34" charset="0"/>
+        <a:buFont typeface="Calibri" pitchFamily="34" charset="0"/>
         <a:buChar char="◦"/>
         <a:defRPr sz="1300" kern="1200">
           <a:solidFill>
@@ -7391,7 +5842,7 @@
           <a:spcPts val="400"/>
         </a:spcAft>
         <a:buClrTx/>
-        <a:buFont typeface="Calibri" panose="020f0502020204030204" pitchFamily="34" charset="0"/>
+        <a:buFont typeface="Calibri" pitchFamily="34" charset="0"/>
         <a:buChar char="◦"/>
         <a:defRPr sz="1300" kern="1200">
           <a:solidFill>
@@ -7418,7 +5869,7 @@
         <a:buClr>
           <a:schemeClr val="accent1"/>
         </a:buClr>
-        <a:buFont typeface="Calibri" panose="020f0502020204030204" pitchFamily="34" charset="0"/>
+        <a:buFont typeface="Calibri" pitchFamily="34" charset="0"/>
         <a:buChar char="◦"/>
         <a:defRPr sz="1400" kern="1200">
           <a:solidFill>
@@ -7445,7 +5896,7 @@
         <a:buClr>
           <a:schemeClr val="accent1"/>
         </a:buClr>
-        <a:buFont typeface="Calibri" panose="020f0502020204030204" pitchFamily="34" charset="0"/>
+        <a:buFont typeface="Calibri" pitchFamily="34" charset="0"/>
         <a:buChar char="◦"/>
         <a:defRPr sz="1400" kern="1200">
           <a:solidFill>
@@ -7472,7 +5923,7 @@
         <a:buClr>
           <a:schemeClr val="accent1"/>
         </a:buClr>
-        <a:buFont typeface="Calibri" panose="020f0502020204030204" pitchFamily="34" charset="0"/>
+        <a:buFont typeface="Calibri" pitchFamily="34" charset="0"/>
         <a:buChar char="◦"/>
         <a:defRPr sz="1400" kern="1200">
           <a:solidFill>
@@ -7499,7 +5950,7 @@
         <a:buClr>
           <a:schemeClr val="accent1"/>
         </a:buClr>
-        <a:buFont typeface="Calibri" panose="020f0502020204030204" pitchFamily="34" charset="0"/>
+        <a:buFont typeface="Calibri" pitchFamily="34" charset="0"/>
         <a:buChar char="◦"/>
         <a:defRPr sz="1400" kern="1200">
           <a:solidFill>
@@ -7614,8 +6065,8 @@
 </file>
 
 <file path=ppt/slides/slide1.xml><?xml version="1.0" encoding="utf-8"?>
-<p:sld xmlns:a="http://schemas.openxmlformats.org/drawingml/2006/main" xmlns:r="http://schemas.openxmlformats.org/officeDocument/2006/relationships" xmlns:m="http://schemas.openxmlformats.org/officeDocument/2006/math" xmlns:w="http://schemas.openxmlformats.org/wordprocessingml/2006/main" xmlns:wp="http://schemas.openxmlformats.org/drawingml/2006/wordprocessingDrawing" xmlns:a14="http://schemas.microsoft.com/office/drawing/2010/main" xmlns:mc="http://schemas.openxmlformats.org/markup-compatibility/2006" xmlns:p14="http://schemas.microsoft.com/office/powerpoint/2010/main" xmlns:p15="http://schemas.microsoft.com/office/powerpoint/2012/main" xmlns:p159="http://schemas.microsoft.com/office/powerpoint/2015/09/main" xmlns:p="http://schemas.openxmlformats.org/presentationml/2006/main">
-  <p:cSld name="">
+<p:sld xmlns:a="http://schemas.openxmlformats.org/drawingml/2006/main" xmlns:r="http://schemas.openxmlformats.org/officeDocument/2006/relationships" xmlns:p="http://schemas.openxmlformats.org/presentationml/2006/main">
+  <p:cSld>
     <p:bg>
       <p:bgPr>
         <a:solidFill>
@@ -7634,6 +6085,8 @@
         <a:xfrm>
           <a:off x="0" y="0"/>
           <a:ext cx="0" cy="0"/>
+          <a:chOff x="0" y="0"/>
+          <a:chExt cx="0" cy="0"/>
         </a:xfrm>
       </p:grpSpPr>
       <p:sp useBgFill="1">
@@ -7714,8 +6167,8 @@
         </p:nvSpPr>
         <p:spPr>
           <a:xfrm>
-            <a:off x="648929" y="639097"/>
-            <a:ext cx="6253317" cy="3686015"/>
+            <a:off x="648929" y="1593274"/>
+            <a:ext cx="6479235" cy="2731838"/>
           </a:xfrm>
         </p:spPr>
         <p:txBody>
@@ -7725,16 +6178,15 @@
           <a:lstStyle/>
           <a:p>
             <a:r>
-              <a:rPr lang="ja-JP" sz="5600" b="0" i="0" strike="noStrike" cap="none" baseline="0">
-                <a:solidFill>
-                  <a:srgbClr val="262626"/>
-                </a:solidFill>
-                <a:effectLst/>
-                <a:latin typeface="MS UI Gothic"/>
-                <a:ea typeface="MS UI Gothic"/>
-                <a:cs typeface="MS UI Gothic"/>
+              <a:rPr lang="en-US" sz="5600" noProof="0" dirty="0"/>
+              <a:t>Mystic Spice Premium Chai Tea </a:t>
+            </a:r>
+            <a:r>
+              <a:rPr lang="ja-JP" sz="5600" dirty="0">
+                <a:latin typeface="Yu Gothic UI" panose="020B0500000000000000" pitchFamily="34" charset="-128"/>
+                <a:ea typeface="Yu Gothic UI" panose="020B0500000000000000" pitchFamily="34" charset="-128"/>
               </a:rPr>
-              <a:t>Mystic Spice Premium Chai Tea 市場分析レポート</a:t>
+              <a:t>市場分析レポート</a:t>
             </a:r>
           </a:p>
         </p:txBody>
@@ -7796,7 +6248,7 @@
       </p:cxnSp>
       <p:pic>
         <p:nvPicPr>
-          <p:cNvPr id="13" name="Picture 12" descr="Tea and dessert">
+          <p:cNvPr id="13" name="Picture 12" descr="お茶とデザート">
             <a:extLst>
               <a:ext uri="{FF2B5EF4-FFF2-40B4-BE49-F238E27FC236}">
                 <a16:creationId xmlns:a16="http://schemas.microsoft.com/office/drawing/2014/main" id="{F0E27F3C-2BEE-7255-556D-FFC137811956}"/>
@@ -7808,12 +6260,10 @@
           </p:cNvPicPr>
           <p:nvPr/>
         </p:nvPicPr>
-        <p:blipFill>
+        <p:blipFill rotWithShape="1">
           <a:blip r:embed="rId3"/>
           <a:srcRect l="13082" r="18651" b="-1"/>
-          <a:stretch>
-            <a:fillRect/>
-          </a:stretch>
+          <a:stretch/>
         </p:blipFill>
         <p:spPr>
           <a:xfrm>
@@ -7825,77 +6275,6 @@
           </a:prstGeom>
         </p:spPr>
       </p:pic>
-      <p:sp>
-        <p:nvSpPr>
-          <p:cNvPr id="20" name="TextBox"/>
-          <p:cNvSpPr txBox="1">
-            <a:spLocks noGrp="1" noSelect="1" noRot="1" noMove="1"/>
-          </p:cNvSpPr>
-          <p:nvPr/>
-        </p:nvSpPr>
-        <p:spPr>
-          <a:xfrm>
-            <a:off x="2890520" y="2644140"/>
-            <a:ext cx="6411372" cy="1569660"/>
-          </a:xfrm>
-          <a:prstGeom prst="rect">
-            <a:avLst/>
-          </a:prstGeom>
-          <a:noFill/>
-        </p:spPr>
-        <p:txBody>
-          <a:bodyPr wrap="none" rtlCol="0" anchor="ctr" anchorCtr="1">
-            <a:spAutoFit/>
-          </a:bodyPr>
-          <a:lstStyle>
-            <a:lvl1pPr algn="l">
-              <a:lnSpc>
-                <a:spcPct val="150000"/>
-              </a:lnSpc>
-              <a:spcBef>
-                <a:spcPct val="0"/>
-              </a:spcBef>
-              <a:spcAft>
-                <a:spcPct val="0"/>
-              </a:spcAft>
-              <a:defRPr lang="en-US" sz="3200" b="1" noProof="1" dirty="0">
-                <a:solidFill>
-                  <a:prstClr val="red">
-                    <a:lumOff val="30000"/>
-                    <a:alpha val="40000"/>
-                  </a:prstClr>
-                </a:solidFill>
-                <a:effectLst>
-                  <a:outerShdw blurRad="50800" dist="38100" algn="tr" rotWithShape="0">
-                    <a:prstClr val="black">
-                      <a:alpha val="80000"/>
-                    </a:prstClr>
-                  </a:outerShdw>
-                </a:effectLst>
-                <a:latin typeface="Calibri" pitchFamily="34" charset="0"/>
-              </a:defRPr>
-            </a:lvl1pPr>
-          </a:lstStyle>
-          <a:p>
-            <a:pPr algn="ctr"/>
-            <a:r>
-              <a:t>Evaluation only.</a:t>
-            </a:r>
-          </a:p>
-          <a:p>
-            <a:pPr algn="ctr"/>
-            <a:r>
-              <a:t>Created with Aspose.Slides for Java 23.6.</a:t>
-            </a:r>
-          </a:p>
-          <a:p>
-            <a:pPr algn="ctr"/>
-            <a:r>
-              <a:t>Copyright 2004-2023 Aspose Pty Ltd.</a:t>
-            </a:r>
-          </a:p>
-        </p:txBody>
-      </p:sp>
     </p:spTree>
     <p:extLst>
       <p:ext uri="{BB962C8B-B14F-4D97-AF65-F5344CB8AC3E}">
@@ -7906,7 +6285,6 @@
   <p:clrMapOvr>
     <a:masterClrMapping/>
   </p:clrMapOvr>
-  <p:transition/>
   <p:timing>
     <p:tnLst>
       <p:par>
@@ -7916,7 +6294,7 @@
               <p:cTn id="2" dur="indefinite" nodeType="mainSeq">
                 <p:childTnLst>
                   <p:par>
-                    <p:cTn id="3" fill="hold" nodeType="clickPar">
+                    <p:cTn id="3" fill="hold">
                       <p:stCondLst>
                         <p:cond delay="indefinite"/>
                         <p:cond evt="onBegin" delay="0">
@@ -8003,8 +6381,8 @@
 </file>
 
 <file path=ppt/slides/slide10.xml><?xml version="1.0" encoding="utf-8"?>
-<p:sld xmlns:a="http://schemas.openxmlformats.org/drawingml/2006/main" xmlns:r="http://schemas.openxmlformats.org/officeDocument/2006/relationships" xmlns:m="http://schemas.openxmlformats.org/officeDocument/2006/math" xmlns:w="http://schemas.openxmlformats.org/wordprocessingml/2006/main" xmlns:wp="http://schemas.openxmlformats.org/drawingml/2006/wordprocessingDrawing" xmlns:a14="http://schemas.microsoft.com/office/drawing/2010/main" xmlns:mc="http://schemas.openxmlformats.org/markup-compatibility/2006" xmlns:p14="http://schemas.microsoft.com/office/powerpoint/2010/main" xmlns:p15="http://schemas.microsoft.com/office/powerpoint/2012/main" xmlns:p159="http://schemas.microsoft.com/office/powerpoint/2015/09/main" xmlns:p="http://schemas.openxmlformats.org/presentationml/2006/main">
-  <p:cSld name="">
+<p:sld xmlns:a="http://schemas.openxmlformats.org/drawingml/2006/main" xmlns:r="http://schemas.openxmlformats.org/officeDocument/2006/relationships" xmlns:p="http://schemas.openxmlformats.org/presentationml/2006/main">
+  <p:cSld>
     <p:bg>
       <p:bgPr>
         <a:solidFill>
@@ -8023,6 +6401,8 @@
         <a:xfrm>
           <a:off x="0" y="0"/>
           <a:ext cx="0" cy="0"/>
+          <a:chOff x="0" y="0"/>
+          <a:chExt cx="0" cy="0"/>
         </a:xfrm>
       </p:grpSpPr>
       <p:sp>
@@ -8233,16 +6613,14 @@
           <a:lstStyle/>
           <a:p>
             <a:r>
-              <a:rPr lang="ja-JP" sz="4000" b="0" i="0" strike="noStrike" cap="none" baseline="0">
+              <a:rPr lang="ja-JP" sz="4000" dirty="0">
                 <a:solidFill>
                   <a:srgbClr val="FFFFFF"/>
                 </a:solidFill>
-                <a:effectLst/>
-                <a:latin typeface="MS UI Gothic"/>
-                <a:ea typeface="MS UI Gothic"/>
-                <a:cs typeface="MS UI Gothic"/>
+                <a:latin typeface="Yu Gothic UI" panose="020B0500000000000000" pitchFamily="34" charset="-128"/>
+                <a:ea typeface="Yu Gothic UI" panose="020B0500000000000000" pitchFamily="34" charset="-128"/>
               </a:rPr>
-              <a:t>流通チャネル: ディストリビューター</a:t>
+              <a:t>流通チャネル: 流通業者</a:t>
             </a:r>
           </a:p>
         </p:txBody>
@@ -8333,14 +6711,12 @@
               </a:lnSpc>
             </a:pPr>
             <a:r>
-              <a:rPr lang="ja-JP" sz="1300" b="0" i="0" strike="noStrike" cap="none" baseline="0">
+              <a:rPr lang="ja-JP" sz="1300" dirty="0">
                 <a:solidFill>
                   <a:srgbClr val="FFFFFF"/>
                 </a:solidFill>
-                <a:effectLst/>
-                <a:latin typeface="MS UI Gothic"/>
-                <a:ea typeface="MS UI Gothic"/>
-                <a:cs typeface="MS UI Gothic"/>
+                <a:latin typeface="Yu Gothic UI" panose="020B0500000000000000" pitchFamily="34" charset="-128"/>
+                <a:ea typeface="Yu Gothic UI" panose="020B0500000000000000" pitchFamily="34" charset="-128"/>
               </a:rPr>
               <a:t>流通業者の役割</a:t>
             </a:r>
@@ -8352,14 +6728,12 @@
               </a:lnSpc>
             </a:pPr>
             <a:r>
-              <a:rPr lang="ja-JP" sz="1300" b="0" i="0" strike="noStrike" cap="none" baseline="0">
+              <a:rPr lang="ja-JP" sz="1300" dirty="0">
                 <a:solidFill>
                   <a:srgbClr val="FFFFFF"/>
                 </a:solidFill>
-                <a:effectLst/>
-                <a:latin typeface="MS UI Gothic"/>
-                <a:ea typeface="MS UI Gothic"/>
-                <a:cs typeface="MS UI Gothic"/>
+                <a:latin typeface="Yu Gothic UI" panose="020B0500000000000000" pitchFamily="34" charset="-128"/>
+                <a:ea typeface="Yu Gothic UI" panose="020B0500000000000000" pitchFamily="34" charset="-128"/>
               </a:rPr>
               <a:t>チャイティー製品の代理および流通</a:t>
             </a:r>
@@ -8371,14 +6745,12 @@
               </a:lnSpc>
             </a:pPr>
             <a:r>
-              <a:rPr lang="ja-JP" sz="1300" b="0" i="0" strike="noStrike" cap="none" baseline="0">
+              <a:rPr lang="ja-JP" sz="1300" dirty="0">
                 <a:solidFill>
                   <a:srgbClr val="FFFFFF"/>
                 </a:solidFill>
-                <a:effectLst/>
-                <a:latin typeface="MS UI Gothic"/>
-                <a:ea typeface="MS UI Gothic"/>
-                <a:cs typeface="MS UI Gothic"/>
+                <a:latin typeface="Yu Gothic UI" panose="020B0500000000000000" pitchFamily="34" charset="-128"/>
+                <a:ea typeface="Yu Gothic UI" panose="020B0500000000000000" pitchFamily="34" charset="-128"/>
               </a:rPr>
               <a:t>さまざまな市場での移動と販売を促進する</a:t>
             </a:r>
@@ -8390,14 +6762,12 @@
               </a:lnSpc>
             </a:pPr>
             <a:r>
-              <a:rPr lang="ja-JP" sz="1300" b="0" i="0" strike="noStrike" cap="none" baseline="0">
+              <a:rPr lang="ja-JP" sz="1300" dirty="0">
                 <a:solidFill>
                   <a:srgbClr val="FFFFFF"/>
                 </a:solidFill>
-                <a:effectLst/>
-                <a:latin typeface="MS UI Gothic"/>
-                <a:ea typeface="MS UI Gothic"/>
-                <a:cs typeface="MS UI Gothic"/>
+                <a:latin typeface="Yu Gothic UI" panose="020B0500000000000000" pitchFamily="34" charset="-128"/>
+                <a:ea typeface="Yu Gothic UI" panose="020B0500000000000000" pitchFamily="34" charset="-128"/>
               </a:rPr>
               <a:t>マーケティング、販売、アフター サービスの提供</a:t>
             </a:r>
@@ -8409,14 +6779,12 @@
               </a:lnSpc>
             </a:pPr>
             <a:r>
-              <a:rPr lang="ja-JP" sz="1300" b="0" i="0" strike="noStrike" cap="none" baseline="0">
+              <a:rPr lang="ja-JP" sz="1300" dirty="0">
                 <a:solidFill>
                   <a:srgbClr val="FFFFFF"/>
                 </a:solidFill>
-                <a:effectLst/>
-                <a:latin typeface="MS UI Gothic"/>
-                <a:ea typeface="MS UI Gothic"/>
-                <a:cs typeface="MS UI Gothic"/>
+                <a:latin typeface="Yu Gothic UI" panose="020B0500000000000000" pitchFamily="34" charset="-128"/>
+                <a:ea typeface="Yu Gothic UI" panose="020B0500000000000000" pitchFamily="34" charset="-128"/>
               </a:rPr>
               <a:t>リレーションシップ</a:t>
             </a:r>
@@ -8428,14 +6796,12 @@
               </a:lnSpc>
             </a:pPr>
             <a:r>
-              <a:rPr lang="ja-JP" sz="1300" b="0" i="0" strike="noStrike" cap="none" baseline="0">
+              <a:rPr lang="ja-JP" sz="1300" dirty="0">
                 <a:solidFill>
                   <a:srgbClr val="FFFFFF"/>
                 </a:solidFill>
-                <a:effectLst/>
-                <a:latin typeface="MS UI Gothic"/>
-                <a:ea typeface="MS UI Gothic"/>
-                <a:cs typeface="MS UI Gothic"/>
+                <a:latin typeface="Yu Gothic UI" panose="020B0500000000000000" pitchFamily="34" charset="-128"/>
+                <a:ea typeface="Yu Gothic UI" panose="020B0500000000000000" pitchFamily="34" charset="-128"/>
               </a:rPr>
               <a:t>小売業者および消費者との関係を確立および維持する</a:t>
             </a:r>
@@ -8447,14 +6813,12 @@
               </a:lnSpc>
             </a:pPr>
             <a:r>
-              <a:rPr lang="ja-JP" sz="1300" b="0" i="0" strike="noStrike" cap="none" baseline="0">
+              <a:rPr lang="ja-JP" sz="1300" dirty="0">
                 <a:solidFill>
                   <a:srgbClr val="FFFFFF"/>
                 </a:solidFill>
-                <a:effectLst/>
-                <a:latin typeface="MS UI Gothic"/>
-                <a:ea typeface="MS UI Gothic"/>
-                <a:cs typeface="MS UI Gothic"/>
+                <a:latin typeface="Yu Gothic UI" panose="020B0500000000000000" pitchFamily="34" charset="-128"/>
+                <a:ea typeface="Yu Gothic UI" panose="020B0500000000000000" pitchFamily="34" charset="-128"/>
               </a:rPr>
               <a:t>技術的および物流的なサポートを提供する</a:t>
             </a:r>
@@ -8466,14 +6830,12 @@
               </a:lnSpc>
             </a:pPr>
             <a:r>
-              <a:rPr lang="ja-JP" sz="1300" b="0" i="0" strike="noStrike" cap="none" baseline="0">
+              <a:rPr lang="ja-JP" sz="1300" dirty="0">
                 <a:solidFill>
                   <a:srgbClr val="FFFFFF"/>
                 </a:solidFill>
-                <a:effectLst/>
-                <a:latin typeface="MS UI Gothic"/>
-                <a:ea typeface="MS UI Gothic"/>
-                <a:cs typeface="MS UI Gothic"/>
+                <a:latin typeface="Yu Gothic UI" panose="020B0500000000000000" pitchFamily="34" charset="-128"/>
+                <a:ea typeface="Yu Gothic UI" panose="020B0500000000000000" pitchFamily="34" charset="-128"/>
               </a:rPr>
               <a:t>ラテン アメリカの主要流通業者</a:t>
             </a:r>
@@ -8485,14 +6847,10 @@
               </a:lnSpc>
             </a:pPr>
             <a:r>
-              <a:rPr lang="ja-JP" sz="1300" b="0" i="0" strike="noStrike" cap="none" baseline="0">
+              <a:rPr lang="ja-JP" sz="1300" dirty="0">
                 <a:solidFill>
                   <a:srgbClr val="FFFFFF"/>
                 </a:solidFill>
-                <a:effectLst/>
-                <a:latin typeface="MS UI Gothic"/>
-                <a:ea typeface="MS UI Gothic"/>
-                <a:cs typeface="MS UI Gothic"/>
               </a:rPr>
               <a:t>Tailwind Traders</a:t>
             </a:r>
@@ -8504,14 +6862,10 @@
               </a:lnSpc>
             </a:pPr>
             <a:r>
-              <a:rPr lang="ja-JP" sz="1300" b="0" i="0" strike="noStrike" cap="none" baseline="0">
+              <a:rPr lang="ja-JP" sz="1300" dirty="0">
                 <a:solidFill>
                   <a:srgbClr val="FFFFFF"/>
                 </a:solidFill>
-                <a:effectLst/>
-                <a:latin typeface="MS UI Gothic"/>
-                <a:ea typeface="MS UI Gothic"/>
-                <a:cs typeface="MS UI Gothic"/>
               </a:rPr>
               <a:t>WoodGrove Groceries</a:t>
             </a:r>
@@ -8520,7 +6874,7 @@
       </p:sp>
       <p:pic>
         <p:nvPicPr>
-          <p:cNvPr id="5" name="Content Placeholder 4" descr="Medicine bottles on shelf">
+          <p:cNvPr id="5" name="Content Placeholder 4" descr="棚の上の薬瓶">
             <a:extLst>
               <a:ext uri="{FF2B5EF4-FFF2-40B4-BE49-F238E27FC236}">
                 <a16:creationId xmlns:a16="http://schemas.microsoft.com/office/drawing/2014/main" id="{17A78705-6D93-4728-8C80-3B6DDBB09F32}"/>
@@ -8534,12 +6888,10 @@
             <p:ph sz="half" idx="1"/>
           </p:nvPr>
         </p:nvPicPr>
-        <p:blipFill>
+        <p:blipFill rotWithShape="1">
           <a:blip r:embed="rId3"/>
           <a:srcRect l="29134" r="26287" b="-1"/>
-          <a:stretch>
-            <a:fillRect/>
-          </a:stretch>
+          <a:stretch/>
         </p:blipFill>
         <p:spPr>
           <a:xfrm>
@@ -8551,77 +6903,6 @@
           </a:prstGeom>
         </p:spPr>
       </p:pic>
-      <p:sp>
-        <p:nvSpPr>
-          <p:cNvPr id="17" name="TextBox"/>
-          <p:cNvSpPr txBox="1">
-            <a:spLocks noGrp="1" noSelect="1" noRot="1" noMove="1"/>
-          </p:cNvSpPr>
-          <p:nvPr/>
-        </p:nvSpPr>
-        <p:spPr>
-          <a:xfrm>
-            <a:off x="2890520" y="2644140"/>
-            <a:ext cx="6411372" cy="1569660"/>
-          </a:xfrm>
-          <a:prstGeom prst="rect">
-            <a:avLst/>
-          </a:prstGeom>
-          <a:noFill/>
-        </p:spPr>
-        <p:txBody>
-          <a:bodyPr wrap="none" rtlCol="0" anchor="ctr" anchorCtr="1">
-            <a:spAutoFit/>
-          </a:bodyPr>
-          <a:lstStyle>
-            <a:lvl1pPr algn="l">
-              <a:lnSpc>
-                <a:spcPct val="150000"/>
-              </a:lnSpc>
-              <a:spcBef>
-                <a:spcPct val="0"/>
-              </a:spcBef>
-              <a:spcAft>
-                <a:spcPct val="0"/>
-              </a:spcAft>
-              <a:defRPr lang="en-US" sz="3200" b="1" noProof="1" dirty="0">
-                <a:solidFill>
-                  <a:prstClr val="red">
-                    <a:lumOff val="30000"/>
-                    <a:alpha val="40000"/>
-                  </a:prstClr>
-                </a:solidFill>
-                <a:effectLst>
-                  <a:outerShdw blurRad="50800" dist="38100" algn="tr" rotWithShape="0">
-                    <a:prstClr val="black">
-                      <a:alpha val="80000"/>
-                    </a:prstClr>
-                  </a:outerShdw>
-                </a:effectLst>
-                <a:latin typeface="Calibri" pitchFamily="34" charset="0"/>
-              </a:defRPr>
-            </a:lvl1pPr>
-          </a:lstStyle>
-          <a:p>
-            <a:pPr algn="ctr"/>
-            <a:r>
-              <a:t>Evaluation only.</a:t>
-            </a:r>
-          </a:p>
-          <a:p>
-            <a:pPr algn="ctr"/>
-            <a:r>
-              <a:t>Created with Aspose.Slides for Java 23.6.</a:t>
-            </a:r>
-          </a:p>
-          <a:p>
-            <a:pPr algn="ctr"/>
-            <a:r>
-              <a:t>Copyright 2004-2023 Aspose Pty Ltd.</a:t>
-            </a:r>
-          </a:p>
-        </p:txBody>
-      </p:sp>
     </p:spTree>
     <p:extLst>
       <p:ext uri="{BB962C8B-B14F-4D97-AF65-F5344CB8AC3E}">
@@ -8632,14 +6913,12 @@
   <p:clrMapOvr>
     <a:overrideClrMapping bg1="dk1" tx1="lt1" bg2="dk2" tx2="lt2" accent1="accent1" accent2="accent2" accent3="accent3" accent4="accent4" accent5="accent5" accent6="accent6" hlink="hlink" folHlink="folHlink"/>
   </p:clrMapOvr>
-  <p:transition/>
-  <p:timing/>
 </p:sld>
 </file>
 
 <file path=ppt/slides/slide11.xml><?xml version="1.0" encoding="utf-8"?>
-<p:sld xmlns:a="http://schemas.openxmlformats.org/drawingml/2006/main" xmlns:r="http://schemas.openxmlformats.org/officeDocument/2006/relationships" xmlns:m="http://schemas.openxmlformats.org/officeDocument/2006/math" xmlns:w="http://schemas.openxmlformats.org/wordprocessingml/2006/main" xmlns:wp="http://schemas.openxmlformats.org/drawingml/2006/wordprocessingDrawing" xmlns:a14="http://schemas.microsoft.com/office/drawing/2010/main" xmlns:mc="http://schemas.openxmlformats.org/markup-compatibility/2006" xmlns:p14="http://schemas.microsoft.com/office/powerpoint/2010/main" xmlns:p15="http://schemas.microsoft.com/office/powerpoint/2012/main" xmlns:p159="http://schemas.microsoft.com/office/powerpoint/2015/09/main" xmlns:p="http://schemas.openxmlformats.org/presentationml/2006/main">
-  <p:cSld name="">
+<p:sld xmlns:a="http://schemas.openxmlformats.org/drawingml/2006/main" xmlns:r="http://schemas.openxmlformats.org/officeDocument/2006/relationships" xmlns:p="http://schemas.openxmlformats.org/presentationml/2006/main">
+  <p:cSld>
     <p:bg>
       <p:bgPr>
         <a:solidFill>
@@ -8658,6 +6937,8 @@
         <a:xfrm>
           <a:off x="0" y="0"/>
           <a:ext cx="0" cy="0"/>
+          <a:chOff x="0" y="0"/>
+          <a:chExt cx="0" cy="0"/>
         </a:xfrm>
       </p:grpSpPr>
       <p:sp useBgFill="1">
@@ -8701,7 +6982,7 @@
               <a:shade val="50000"/>
             </a:schemeClr>
           </a:lnRef>
-          <a:fillRef idx="4294967295">
+          <a:fillRef idx="1001">
             <a:schemeClr val="lt1"/>
           </a:fillRef>
           <a:effectRef idx="0">
@@ -8811,14 +7092,12 @@
           <a:lstStyle/>
           <a:p>
             <a:r>
-              <a:rPr lang="ja-JP" sz="4400" b="0" i="0" strike="noStrike" cap="none" baseline="0">
+              <a:rPr lang="ja-JP" sz="4400" dirty="0">
                 <a:solidFill>
                   <a:srgbClr val="FFFFFF"/>
                 </a:solidFill>
-                <a:effectLst/>
-                <a:latin typeface="MS UI Gothic"/>
-                <a:ea typeface="MS UI Gothic"/>
-                <a:cs typeface="MS UI Gothic"/>
+                <a:latin typeface="Yu Gothic UI" panose="020B0500000000000000" pitchFamily="34" charset="-128"/>
+                <a:ea typeface="Yu Gothic UI" panose="020B0500000000000000" pitchFamily="34" charset="-128"/>
               </a:rPr>
               <a:t>プロモーション計画と戦略</a:t>
             </a:r>
@@ -8844,7 +7123,7 @@
         <p:spPr>
           <a:xfrm>
             <a:off x="5231958" y="605896"/>
-            <a:ext cx="5923721" cy="5646208"/>
+            <a:ext cx="6308878" cy="5646208"/>
           </a:xfrm>
         </p:spPr>
         <p:txBody>
@@ -8859,14 +7138,9 @@
               </a:lnSpc>
             </a:pPr>
             <a:r>
-              <a:rPr lang="ja-JP" sz="1700" b="0" i="0" strike="noStrike" cap="none" baseline="0">
-                <a:solidFill>
-                  <a:srgbClr val="404040"/>
-                </a:solidFill>
-                <a:effectLst/>
-                <a:latin typeface="MS UI Gothic"/>
-                <a:ea typeface="MS UI Gothic"/>
-                <a:cs typeface="MS UI Gothic"/>
+              <a:rPr lang="ja-JP" sz="1700" dirty="0">
+                <a:latin typeface="Yu Gothic UI" panose="020B0500000000000000" pitchFamily="34" charset="-128"/>
+                <a:ea typeface="Yu Gothic UI" panose="020B0500000000000000" pitchFamily="34" charset="-128"/>
               </a:rPr>
               <a:t>プロモーション計画と戦略の目的</a:t>
             </a:r>
@@ -8878,14 +7152,9 @@
               </a:lnSpc>
             </a:pPr>
             <a:r>
-              <a:rPr lang="ja-JP" sz="1700" b="0" i="0" strike="noStrike" cap="none" baseline="0">
-                <a:solidFill>
-                  <a:srgbClr val="404040"/>
-                </a:solidFill>
-                <a:effectLst/>
-                <a:latin typeface="MS UI Gothic"/>
-                <a:ea typeface="MS UI Gothic"/>
-                <a:cs typeface="MS UI Gothic"/>
+              <a:rPr lang="ja-JP" sz="1700" dirty="0">
+                <a:latin typeface="Yu Gothic UI" panose="020B0500000000000000" pitchFamily="34" charset="-128"/>
+                <a:ea typeface="Yu Gothic UI" panose="020B0500000000000000" pitchFamily="34" charset="-128"/>
               </a:rPr>
               <a:t>ターゲット層のチャイ ティーへの認識度と関心を高める</a:t>
             </a:r>
@@ -8897,14 +7166,9 @@
               </a:lnSpc>
             </a:pPr>
             <a:r>
-              <a:rPr lang="ja-JP" sz="1700" b="0" i="0" strike="noStrike" cap="none" baseline="0">
-                <a:solidFill>
-                  <a:srgbClr val="404040"/>
-                </a:solidFill>
-                <a:effectLst/>
-                <a:latin typeface="MS UI Gothic"/>
-                <a:ea typeface="MS UI Gothic"/>
-                <a:cs typeface="MS UI Gothic"/>
+              <a:rPr lang="ja-JP" sz="1700" dirty="0">
+                <a:latin typeface="Yu Gothic UI" panose="020B0500000000000000" pitchFamily="34" charset="-128"/>
+                <a:ea typeface="Yu Gothic UI" panose="020B0500000000000000" pitchFamily="34" charset="-128"/>
               </a:rPr>
               <a:t>チャイ ティーをプレミアム、自然、そして健康的な製品として位置づける</a:t>
             </a:r>
@@ -8916,14 +7180,9 @@
               </a:lnSpc>
             </a:pPr>
             <a:r>
-              <a:rPr lang="ja-JP" sz="1700" b="0" i="0" strike="noStrike" cap="none" baseline="0">
-                <a:solidFill>
-                  <a:srgbClr val="404040"/>
-                </a:solidFill>
-                <a:effectLst/>
-                <a:latin typeface="MS UI Gothic"/>
-                <a:ea typeface="MS UI Gothic"/>
-                <a:cs typeface="MS UI Gothic"/>
+              <a:rPr lang="ja-JP" sz="1700" dirty="0">
+                <a:latin typeface="Yu Gothic UI" panose="020B0500000000000000" pitchFamily="34" charset="-128"/>
+                <a:ea typeface="Yu Gothic UI" panose="020B0500000000000000" pitchFamily="34" charset="-128"/>
               </a:rPr>
               <a:t>さまざまなチャネルやインセンティブを通じてチャイ ティーの試用と購入を奨励する</a:t>
             </a:r>
@@ -8935,14 +7194,9 @@
               </a:lnSpc>
             </a:pPr>
             <a:r>
-              <a:rPr lang="ja-JP" sz="1700" b="0" i="0" strike="noStrike" cap="none" baseline="0">
-                <a:solidFill>
-                  <a:srgbClr val="404040"/>
-                </a:solidFill>
-                <a:effectLst/>
-                <a:latin typeface="MS UI Gothic"/>
-                <a:ea typeface="MS UI Gothic"/>
-                <a:cs typeface="MS UI Gothic"/>
+              <a:rPr lang="ja-JP" sz="1700" dirty="0">
+                <a:latin typeface="Yu Gothic UI" panose="020B0500000000000000" pitchFamily="34" charset="-128"/>
+                <a:ea typeface="Yu Gothic UI" panose="020B0500000000000000" pitchFamily="34" charset="-128"/>
               </a:rPr>
               <a:t>チャイ ティー消費者のロイヤルティを確立して維持する</a:t>
             </a:r>
@@ -8954,14 +7208,9 @@
               </a:lnSpc>
             </a:pPr>
             <a:r>
-              <a:rPr lang="ja-JP" sz="1700" b="0" i="0" strike="noStrike" cap="none" baseline="0">
-                <a:solidFill>
-                  <a:srgbClr val="404040"/>
-                </a:solidFill>
-                <a:effectLst/>
-                <a:latin typeface="MS UI Gothic"/>
-                <a:ea typeface="MS UI Gothic"/>
-                <a:cs typeface="MS UI Gothic"/>
+              <a:rPr lang="ja-JP" sz="1700" dirty="0">
+                <a:latin typeface="Yu Gothic UI" panose="020B0500000000000000" pitchFamily="34" charset="-128"/>
+                <a:ea typeface="Yu Gothic UI" panose="020B0500000000000000" pitchFamily="34" charset="-128"/>
               </a:rPr>
               <a:t>プロモーション計画と戦略で使用される戦術</a:t>
             </a:r>
@@ -8973,14 +7222,9 @@
               </a:lnSpc>
             </a:pPr>
             <a:r>
-              <a:rPr lang="ja-JP" sz="1700" b="0" i="0" strike="noStrike" cap="none" baseline="0">
-                <a:solidFill>
-                  <a:srgbClr val="404040"/>
-                </a:solidFill>
-                <a:effectLst/>
-                <a:latin typeface="MS UI Gothic"/>
-                <a:ea typeface="MS UI Gothic"/>
-                <a:cs typeface="MS UI Gothic"/>
+              <a:rPr lang="ja-JP" sz="1700" dirty="0">
+                <a:latin typeface="Yu Gothic UI" panose="020B0500000000000000" pitchFamily="34" charset="-128"/>
+                <a:ea typeface="Yu Gothic UI" panose="020B0500000000000000" pitchFamily="34" charset="-128"/>
               </a:rPr>
               <a:t>キャッチーで記憶に残るチャイ ティーのブランド名とロゴを作成する</a:t>
             </a:r>
@@ -8992,14 +7236,9 @@
               </a:lnSpc>
             </a:pPr>
             <a:r>
-              <a:rPr lang="ja-JP" sz="1700" b="0" i="0" strike="noStrike" cap="none" baseline="0">
-                <a:solidFill>
-                  <a:srgbClr val="404040"/>
-                </a:solidFill>
-                <a:effectLst/>
-                <a:latin typeface="MS UI Gothic"/>
-                <a:ea typeface="MS UI Gothic"/>
-                <a:cs typeface="MS UI Gothic"/>
+              <a:rPr lang="ja-JP" sz="1700" dirty="0">
+                <a:latin typeface="Yu Gothic UI" panose="020B0500000000000000" pitchFamily="34" charset="-128"/>
+                <a:ea typeface="Yu Gothic UI" panose="020B0500000000000000" pitchFamily="34" charset="-128"/>
               </a:rPr>
               <a:t>Web サイトとソーシャル メディアでのチャイ ティーの存在感を確立する</a:t>
             </a:r>
@@ -9011,14 +7250,9 @@
               </a:lnSpc>
             </a:pPr>
             <a:r>
-              <a:rPr lang="ja-JP" sz="1700" b="0" i="0" strike="noStrike" cap="none" baseline="0">
-                <a:solidFill>
-                  <a:srgbClr val="404040"/>
-                </a:solidFill>
-                <a:effectLst/>
-                <a:latin typeface="MS UI Gothic"/>
-                <a:ea typeface="MS UI Gothic"/>
-                <a:cs typeface="MS UI Gothic"/>
+              <a:rPr lang="ja-JP" sz="1700" dirty="0">
+                <a:latin typeface="Yu Gothic UI" panose="020B0500000000000000" pitchFamily="34" charset="-128"/>
+                <a:ea typeface="Yu Gothic UI" panose="020B0500000000000000" pitchFamily="34" charset="-128"/>
               </a:rPr>
               <a:t>デジタル マーケティング キャンペーンを開始する</a:t>
             </a:r>
@@ -9030,14 +7264,9 @@
               </a:lnSpc>
             </a:pPr>
             <a:r>
-              <a:rPr lang="ja-JP" sz="1700" b="0" i="0" strike="noStrike" cap="none" baseline="0">
-                <a:solidFill>
-                  <a:srgbClr val="404040"/>
-                </a:solidFill>
-                <a:effectLst/>
-                <a:latin typeface="MS UI Gothic"/>
-                <a:ea typeface="MS UI Gothic"/>
-                <a:cs typeface="MS UI Gothic"/>
+              <a:rPr lang="ja-JP" sz="1700" dirty="0">
+                <a:latin typeface="Yu Gothic UI" panose="020B0500000000000000" pitchFamily="34" charset="-128"/>
+                <a:ea typeface="Yu Gothic UI" panose="020B0500000000000000" pitchFamily="34" charset="-128"/>
               </a:rPr>
               <a:t>チャイ ティーの無料サンプルとクーポンを配布する</a:t>
             </a:r>
@@ -9049,14 +7278,9 @@
               </a:lnSpc>
             </a:pPr>
             <a:r>
-              <a:rPr lang="ja-JP" sz="1700" b="0" i="0" strike="noStrike" cap="none" baseline="0">
-                <a:solidFill>
-                  <a:srgbClr val="404040"/>
-                </a:solidFill>
-                <a:effectLst/>
-                <a:latin typeface="MS UI Gothic"/>
-                <a:ea typeface="MS UI Gothic"/>
-                <a:cs typeface="MS UI Gothic"/>
+              <a:rPr lang="ja-JP" sz="1700" dirty="0">
+                <a:latin typeface="Yu Gothic UI" panose="020B0500000000000000" pitchFamily="34" charset="-128"/>
+                <a:ea typeface="Yu Gothic UI" panose="020B0500000000000000" pitchFamily="34" charset="-128"/>
               </a:rPr>
               <a:t>イベントやコンテストを企画する</a:t>
             </a:r>
@@ -9068,87 +7292,11 @@
               </a:lnSpc>
             </a:pPr>
             <a:r>
-              <a:rPr lang="ja-JP" sz="1700" b="0" i="0" strike="noStrike" cap="none" baseline="0">
-                <a:solidFill>
-                  <a:srgbClr val="404040"/>
-                </a:solidFill>
-                <a:effectLst/>
-                <a:latin typeface="MS UI Gothic"/>
-                <a:ea typeface="MS UI Gothic"/>
-                <a:cs typeface="MS UI Gothic"/>
+              <a:rPr lang="ja-JP" sz="1700" dirty="0">
+                <a:latin typeface="Yu Gothic UI" panose="020B0500000000000000" pitchFamily="34" charset="-128"/>
+                <a:ea typeface="Yu Gothic UI" panose="020B0500000000000000" pitchFamily="34" charset="-128"/>
               </a:rPr>
               <a:t>プロモーション計画と戦略の実施と評価</a:t>
-            </a:r>
-          </a:p>
-        </p:txBody>
-      </p:sp>
-      <p:sp>
-        <p:nvSpPr>
-          <p:cNvPr id="11" name="TextBox"/>
-          <p:cNvSpPr txBox="1">
-            <a:spLocks noGrp="1" noSelect="1" noRot="1" noMove="1"/>
-          </p:cNvSpPr>
-          <p:nvPr/>
-        </p:nvSpPr>
-        <p:spPr>
-          <a:xfrm>
-            <a:off x="2890520" y="2644140"/>
-            <a:ext cx="6411372" cy="1569660"/>
-          </a:xfrm>
-          <a:prstGeom prst="rect">
-            <a:avLst/>
-          </a:prstGeom>
-          <a:noFill/>
-        </p:spPr>
-        <p:txBody>
-          <a:bodyPr wrap="none" rtlCol="0" anchor="ctr" anchorCtr="1">
-            <a:spAutoFit/>
-          </a:bodyPr>
-          <a:lstStyle>
-            <a:lvl1pPr algn="l">
-              <a:lnSpc>
-                <a:spcPct val="150000"/>
-              </a:lnSpc>
-              <a:spcBef>
-                <a:spcPct val="0"/>
-              </a:spcBef>
-              <a:spcAft>
-                <a:spcPct val="0"/>
-              </a:spcAft>
-              <a:defRPr lang="en-US" sz="3200" b="1" noProof="1" dirty="0">
-                <a:solidFill>
-                  <a:prstClr val="red">
-                    <a:lumOff val="30000"/>
-                    <a:alpha val="40000"/>
-                  </a:prstClr>
-                </a:solidFill>
-                <a:effectLst>
-                  <a:outerShdw blurRad="50800" dist="38100" algn="tr" rotWithShape="0">
-                    <a:prstClr val="black">
-                      <a:alpha val="80000"/>
-                    </a:prstClr>
-                  </a:outerShdw>
-                </a:effectLst>
-                <a:latin typeface="Calibri" pitchFamily="34" charset="0"/>
-              </a:defRPr>
-            </a:lvl1pPr>
-          </a:lstStyle>
-          <a:p>
-            <a:pPr algn="ctr"/>
-            <a:r>
-              <a:t>Evaluation only.</a:t>
-            </a:r>
-          </a:p>
-          <a:p>
-            <a:pPr algn="ctr"/>
-            <a:r>
-              <a:t>Created with Aspose.Slides for Java 23.6.</a:t>
-            </a:r>
-          </a:p>
-          <a:p>
-            <a:pPr algn="ctr"/>
-            <a:r>
-              <a:t>Copyright 2004-2023 Aspose Pty Ltd.</a:t>
             </a:r>
           </a:p>
         </p:txBody>
@@ -9163,14 +7311,12 @@
   <p:clrMapOvr>
     <a:masterClrMapping/>
   </p:clrMapOvr>
-  <p:transition/>
-  <p:timing/>
 </p:sld>
 </file>
 
 <file path=ppt/slides/slide12.xml><?xml version="1.0" encoding="utf-8"?>
-<p:sld xmlns:a="http://schemas.openxmlformats.org/drawingml/2006/main" xmlns:r="http://schemas.openxmlformats.org/officeDocument/2006/relationships" xmlns:m="http://schemas.openxmlformats.org/officeDocument/2006/math" xmlns:w="http://schemas.openxmlformats.org/wordprocessingml/2006/main" xmlns:wp="http://schemas.openxmlformats.org/drawingml/2006/wordprocessingDrawing" xmlns:a14="http://schemas.microsoft.com/office/drawing/2010/main" xmlns:mc="http://schemas.openxmlformats.org/markup-compatibility/2006" xmlns:p14="http://schemas.microsoft.com/office/powerpoint/2010/main" xmlns:p15="http://schemas.microsoft.com/office/powerpoint/2012/main" xmlns:p159="http://schemas.microsoft.com/office/powerpoint/2015/09/main" xmlns:p="http://schemas.openxmlformats.org/presentationml/2006/main">
-  <p:cSld name="">
+<p:sld xmlns:a="http://schemas.openxmlformats.org/drawingml/2006/main" xmlns:r="http://schemas.openxmlformats.org/officeDocument/2006/relationships" xmlns:p="http://schemas.openxmlformats.org/presentationml/2006/main">
+  <p:cSld>
     <p:bg>
       <p:bgPr>
         <a:solidFill>
@@ -9189,6 +7335,8 @@
         <a:xfrm>
           <a:off x="0" y="0"/>
           <a:ext cx="0" cy="0"/>
+          <a:chOff x="0" y="0"/>
+          <a:chExt cx="0" cy="0"/>
         </a:xfrm>
       </p:grpSpPr>
       <p:sp>
@@ -9397,14 +7545,9 @@
           <a:lstStyle/>
           <a:p>
             <a:r>
-              <a:rPr lang="ja-JP" sz="3100" b="0" i="0" strike="noStrike" cap="none" baseline="0">
-                <a:solidFill>
-                  <a:srgbClr val="404040"/>
-                </a:solidFill>
-                <a:effectLst/>
-                <a:latin typeface="MS UI Gothic"/>
-                <a:ea typeface="MS UI Gothic"/>
-                <a:cs typeface="MS UI Gothic"/>
+              <a:rPr lang="ja-JP" sz="3400" dirty="0">
+                <a:latin typeface="Yu Gothic UI" panose="020B0500000000000000" pitchFamily="34" charset="-128"/>
+                <a:ea typeface="Yu Gothic UI" panose="020B0500000000000000" pitchFamily="34" charset="-128"/>
               </a:rPr>
               <a:t>期待される成果と課題: 期待される成果</a:t>
             </a:r>
@@ -9413,7 +7556,7 @@
       </p:sp>
       <p:pic>
         <p:nvPicPr>
-          <p:cNvPr id="5" name="Content Placeholder 4" descr="Tea being poured into a mug with a ceramic pot - black background">
+          <p:cNvPr id="5" name="Content Placeholder 4" descr="マグに注がれているお茶と陶器製のポット - 黒の背景">
             <a:extLst>
               <a:ext uri="{FF2B5EF4-FFF2-40B4-BE49-F238E27FC236}">
                 <a16:creationId xmlns:a16="http://schemas.microsoft.com/office/drawing/2014/main" id="{FD4F758D-569A-4658-9C5B-1CC2B977D553}"/>
@@ -9427,12 +7570,10 @@
             <p:ph sz="half" idx="1"/>
           </p:nvPr>
         </p:nvPicPr>
-        <p:blipFill>
+        <p:blipFill rotWithShape="1">
           <a:blip r:embed="rId3"/>
           <a:srcRect l="20033" r="11470"/>
-          <a:stretch>
-            <a:fillRect/>
-          </a:stretch>
+          <a:stretch/>
         </p:blipFill>
         <p:spPr>
           <a:xfrm>
@@ -9518,7 +7659,7 @@
         <p:spPr>
           <a:xfrm>
             <a:off x="5172074" y="2108201"/>
-            <a:ext cx="5983606" cy="3760891"/>
+            <a:ext cx="6659708" cy="3760891"/>
           </a:xfrm>
         </p:spPr>
         <p:txBody>
@@ -9528,129 +7669,82 @@
           <a:lstStyle/>
           <a:p>
             <a:r>
-              <a:rPr lang="ja-JP" sz="1900" b="0" i="0" strike="noStrike" cap="none" baseline="0">
-                <a:solidFill>
-                  <a:srgbClr val="404040"/>
-                </a:solidFill>
-                <a:effectLst/>
-                <a:latin typeface="MS UI Gothic"/>
-                <a:ea typeface="MS UI Gothic"/>
-                <a:cs typeface="MS UI Gothic"/>
+              <a:rPr lang="ja-JP" dirty="0">
+                <a:latin typeface="Yu Gothic UI" panose="020B0500000000000000" pitchFamily="34" charset="-128"/>
+                <a:ea typeface="Yu Gothic UI" panose="020B0500000000000000" pitchFamily="34" charset="-128"/>
               </a:rPr>
-              <a:t>ターゲット層のチャイ ティーに対する認知度および関心が 20% 増加</a:t>
-            </a:r>
-          </a:p>
-          <a:p>
-            <a:r>
-              <a:rPr lang="ja-JP" sz="1900" b="0" i="0" strike="noStrike" cap="none" baseline="0">
-                <a:solidFill>
-                  <a:srgbClr val="404040"/>
-                </a:solidFill>
-                <a:effectLst/>
-                <a:latin typeface="MS UI Gothic"/>
-                <a:ea typeface="MS UI Gothic"/>
-                <a:cs typeface="MS UI Gothic"/>
+              <a:t>ターゲット層のチャイ ティーに対する認知度および関心が </a:t>
+            </a:r>
+            <a:r>
+              <a:rPr lang="ja-JP" dirty="0"/>
+              <a:t>20% </a:t>
+            </a:r>
+            <a:r>
+              <a:rPr lang="ja-JP" dirty="0">
+                <a:latin typeface="Yu Gothic UI" panose="020B0500000000000000" pitchFamily="34" charset="-128"/>
+                <a:ea typeface="Yu Gothic UI" panose="020B0500000000000000" pitchFamily="34" charset="-128"/>
               </a:rPr>
-              <a:t>この地域におけるチャイ ティーの市場シェアが 10% 増加</a:t>
-            </a:r>
-          </a:p>
-          <a:p>
-            <a:r>
-              <a:rPr lang="ja-JP" sz="1900" b="0" i="0" strike="noStrike" cap="none" baseline="0">
-                <a:solidFill>
-                  <a:srgbClr val="404040"/>
-                </a:solidFill>
-                <a:effectLst/>
-                <a:latin typeface="MS UI Gothic"/>
-                <a:ea typeface="MS UI Gothic"/>
-                <a:cs typeface="MS UI Gothic"/>
+              <a:t>増加</a:t>
+            </a:r>
+          </a:p>
+          <a:p>
+            <a:r>
+              <a:rPr lang="ja-JP" dirty="0">
+                <a:latin typeface="Yu Gothic UI" panose="020B0500000000000000" pitchFamily="34" charset="-128"/>
+                <a:ea typeface="Yu Gothic UI" panose="020B0500000000000000" pitchFamily="34" charset="-128"/>
               </a:rPr>
-              <a:t>この地域におけるチャイ ティーの販売量と収益が 15% 増加</a:t>
-            </a:r>
-          </a:p>
-          <a:p>
-            <a:r>
-              <a:rPr lang="ja-JP" sz="1900" b="0" i="0" strike="noStrike" cap="none" baseline="0">
-                <a:solidFill>
-                  <a:srgbClr val="404040"/>
-                </a:solidFill>
-                <a:effectLst/>
-                <a:latin typeface="MS UI Gothic"/>
-                <a:ea typeface="MS UI Gothic"/>
-                <a:cs typeface="MS UI Gothic"/>
+              <a:t>この地域におけるチャイ ティーの市場シェアが </a:t>
+            </a:r>
+            <a:r>
+              <a:rPr lang="ja-JP" dirty="0"/>
+              <a:t>10% </a:t>
+            </a:r>
+            <a:r>
+              <a:rPr lang="ja-JP" dirty="0">
+                <a:latin typeface="Yu Gothic UI" panose="020B0500000000000000" pitchFamily="34" charset="-128"/>
+                <a:ea typeface="Yu Gothic UI" panose="020B0500000000000000" pitchFamily="34" charset="-128"/>
               </a:rPr>
-              <a:t>この地域におけるチャイ ティーの顧客満足度と維持率が 25% 向上</a:t>
-            </a:r>
-          </a:p>
-        </p:txBody>
-      </p:sp>
-      <p:sp>
-        <p:nvSpPr>
-          <p:cNvPr id="17" name="TextBox"/>
-          <p:cNvSpPr txBox="1">
-            <a:spLocks noGrp="1" noSelect="1" noRot="1" noMove="1"/>
-          </p:cNvSpPr>
-          <p:nvPr/>
-        </p:nvSpPr>
-        <p:spPr>
-          <a:xfrm>
-            <a:off x="2890520" y="2644140"/>
-            <a:ext cx="6411372" cy="1569660"/>
-          </a:xfrm>
-          <a:prstGeom prst="rect">
-            <a:avLst/>
-          </a:prstGeom>
-          <a:noFill/>
-        </p:spPr>
-        <p:txBody>
-          <a:bodyPr wrap="none" rtlCol="0" anchor="ctr" anchorCtr="1">
-            <a:spAutoFit/>
-          </a:bodyPr>
-          <a:lstStyle>
-            <a:lvl1pPr algn="l">
-              <a:lnSpc>
-                <a:spcPct val="150000"/>
-              </a:lnSpc>
-              <a:spcBef>
-                <a:spcPct val="0"/>
-              </a:spcBef>
-              <a:spcAft>
-                <a:spcPct val="0"/>
-              </a:spcAft>
-              <a:defRPr lang="en-US" sz="3200" b="1" noProof="1" dirty="0">
-                <a:solidFill>
-                  <a:prstClr val="red">
-                    <a:lumOff val="30000"/>
-                    <a:alpha val="40000"/>
-                  </a:prstClr>
-                </a:solidFill>
-                <a:effectLst>
-                  <a:outerShdw blurRad="50800" dist="38100" algn="tr" rotWithShape="0">
-                    <a:prstClr val="black">
-                      <a:alpha val="80000"/>
-                    </a:prstClr>
-                  </a:outerShdw>
-                </a:effectLst>
-                <a:latin typeface="Calibri" pitchFamily="34" charset="0"/>
-              </a:defRPr>
-            </a:lvl1pPr>
-          </a:lstStyle>
-          <a:p>
-            <a:pPr algn="ctr"/>
-            <a:r>
-              <a:t>Evaluation only.</a:t>
-            </a:r>
-          </a:p>
-          <a:p>
-            <a:pPr algn="ctr"/>
-            <a:r>
-              <a:t>Created with Aspose.Slides for Java 23.6.</a:t>
-            </a:r>
-          </a:p>
-          <a:p>
-            <a:pPr algn="ctr"/>
-            <a:r>
-              <a:t>Copyright 2004-2023 Aspose Pty Ltd.</a:t>
+              <a:t>増加</a:t>
+            </a:r>
+          </a:p>
+          <a:p>
+            <a:r>
+              <a:rPr lang="ja-JP" dirty="0">
+                <a:latin typeface="Yu Gothic UI" panose="020B0500000000000000" pitchFamily="34" charset="-128"/>
+                <a:ea typeface="Yu Gothic UI" panose="020B0500000000000000" pitchFamily="34" charset="-128"/>
+              </a:rPr>
+              <a:t>この地域におけるチャイ ティーの販売量と収益が </a:t>
+            </a:r>
+            <a:r>
+              <a:rPr lang="ja-JP" dirty="0"/>
+              <a:t>15% </a:t>
+            </a:r>
+            <a:r>
+              <a:rPr lang="ja-JP" dirty="0">
+                <a:latin typeface="Yu Gothic UI" panose="020B0500000000000000" pitchFamily="34" charset="-128"/>
+                <a:ea typeface="Yu Gothic UI" panose="020B0500000000000000" pitchFamily="34" charset="-128"/>
+              </a:rPr>
+              <a:t>増加</a:t>
+            </a:r>
+          </a:p>
+          <a:p>
+            <a:r>
+              <a:rPr lang="ja-JP" dirty="0">
+                <a:latin typeface="Yu Gothic UI" panose="020B0500000000000000" pitchFamily="34" charset="-128"/>
+                <a:ea typeface="Yu Gothic UI" panose="020B0500000000000000" pitchFamily="34" charset="-128"/>
+              </a:rPr>
+              <a:t>この地域におけるチャイ ティーの顧客満足度と維持率が </a:t>
+            </a:r>
+            <a:r>
+              <a:rPr lang="ja-JP" dirty="0"/>
+              <a:t>25% </a:t>
+            </a:r>
+            <a:r>
+              <a:rPr lang="ja-JP" dirty="0">
+                <a:latin typeface="Yu Gothic UI" panose="020B0500000000000000" pitchFamily="34" charset="-128"/>
+                <a:ea typeface="Yu Gothic UI" panose="020B0500000000000000" pitchFamily="34" charset="-128"/>
+              </a:rPr>
+              <a:t>向上</a:t>
             </a:r>
           </a:p>
         </p:txBody>
@@ -9665,14 +7759,12 @@
   <p:clrMapOvr>
     <a:masterClrMapping/>
   </p:clrMapOvr>
-  <p:transition/>
-  <p:timing/>
 </p:sld>
 </file>
 
 <file path=ppt/slides/slide13.xml><?xml version="1.0" encoding="utf-8"?>
-<p:sld xmlns:a="http://schemas.openxmlformats.org/drawingml/2006/main" xmlns:r="http://schemas.openxmlformats.org/officeDocument/2006/relationships" xmlns:m="http://schemas.openxmlformats.org/officeDocument/2006/math" xmlns:w="http://schemas.openxmlformats.org/wordprocessingml/2006/main" xmlns:wp="http://schemas.openxmlformats.org/drawingml/2006/wordprocessingDrawing" xmlns:a14="http://schemas.microsoft.com/office/drawing/2010/main" xmlns:mc="http://schemas.openxmlformats.org/markup-compatibility/2006" xmlns:p14="http://schemas.microsoft.com/office/powerpoint/2010/main" xmlns:p15="http://schemas.microsoft.com/office/powerpoint/2012/main" xmlns:p159="http://schemas.microsoft.com/office/powerpoint/2015/09/main" xmlns:p="http://schemas.openxmlformats.org/presentationml/2006/main">
-  <p:cSld name="">
+<p:sld xmlns:a="http://schemas.openxmlformats.org/drawingml/2006/main" xmlns:r="http://schemas.openxmlformats.org/officeDocument/2006/relationships" xmlns:p="http://schemas.openxmlformats.org/presentationml/2006/main">
+  <p:cSld>
     <p:bg>
       <p:bgPr>
         <a:solidFill>
@@ -9691,6 +7783,8 @@
         <a:xfrm>
           <a:off x="0" y="0"/>
           <a:ext cx="0" cy="0"/>
+          <a:chOff x="0" y="0"/>
+          <a:chExt cx="0" cy="0"/>
         </a:xfrm>
       </p:grpSpPr>
       <p:sp useBgFill="1">
@@ -9734,7 +7828,7 @@
               <a:shade val="50000"/>
             </a:schemeClr>
           </a:lnRef>
-          <a:fillRef idx="4294967295">
+          <a:fillRef idx="1001">
             <a:schemeClr val="lt1"/>
           </a:fillRef>
           <a:effectRef idx="0">
@@ -9844,14 +7938,12 @@
           <a:lstStyle/>
           <a:p>
             <a:r>
-              <a:rPr lang="ja-JP" sz="4400" b="0" i="0" strike="noStrike" cap="none" baseline="0">
+              <a:rPr lang="ja-JP" sz="4400" dirty="0">
                 <a:solidFill>
                   <a:srgbClr val="FFFFFF"/>
                 </a:solidFill>
-                <a:effectLst/>
-                <a:latin typeface="MS UI Gothic"/>
-                <a:ea typeface="MS UI Gothic"/>
-                <a:cs typeface="MS UI Gothic"/>
+                <a:latin typeface="Yu Gothic UI" panose="020B0500000000000000" pitchFamily="34" charset="-128"/>
+                <a:ea typeface="Yu Gothic UI" panose="020B0500000000000000" pitchFamily="34" charset="-128"/>
               </a:rPr>
               <a:t>期待される成果と課題: 潜在的な課題</a:t>
             </a:r>
@@ -9877,7 +7969,7 @@
         <p:spPr>
           <a:xfrm>
             <a:off x="5231958" y="605896"/>
-            <a:ext cx="5923721" cy="5646208"/>
+            <a:ext cx="6107987" cy="5646208"/>
           </a:xfrm>
         </p:spPr>
         <p:txBody>
@@ -9887,143 +7979,47 @@
           <a:lstStyle/>
           <a:p>
             <a:r>
-              <a:rPr lang="ja-JP" sz="2400" b="0" i="0" strike="noStrike" cap="none" baseline="0">
-                <a:solidFill>
-                  <a:srgbClr val="404040"/>
-                </a:solidFill>
-                <a:effectLst/>
-                <a:latin typeface="MS UI Gothic"/>
-                <a:ea typeface="MS UI Gothic"/>
-                <a:cs typeface="MS UI Gothic"/>
+              <a:rPr lang="ja-JP" sz="2400" dirty="0">
+                <a:latin typeface="Yu Gothic UI" panose="020B0500000000000000" pitchFamily="34" charset="-128"/>
+                <a:ea typeface="Yu Gothic UI" panose="020B0500000000000000" pitchFamily="34" charset="-128"/>
               </a:rPr>
               <a:t>チャイ ティー製品は他の飲料に比べて価格が高く、手頃な価格ではない</a:t>
             </a:r>
           </a:p>
           <a:p>
             <a:r>
-              <a:rPr lang="ja-JP" sz="2400" b="0" i="0" strike="noStrike" cap="none" baseline="0">
-                <a:solidFill>
-                  <a:srgbClr val="404040"/>
-                </a:solidFill>
-                <a:effectLst/>
-                <a:latin typeface="MS UI Gothic"/>
-                <a:ea typeface="MS UI Gothic"/>
-                <a:cs typeface="MS UI Gothic"/>
+              <a:rPr lang="ja-JP" sz="2400" dirty="0">
+                <a:latin typeface="Yu Gothic UI" panose="020B0500000000000000" pitchFamily="34" charset="-128"/>
+                <a:ea typeface="Yu Gothic UI" panose="020B0500000000000000" pitchFamily="34" charset="-128"/>
               </a:rPr>
               <a:t>人口の一部の層ではチャイ ティーに対する認知度と馴染みが不足している</a:t>
             </a:r>
           </a:p>
           <a:p>
             <a:r>
-              <a:rPr lang="ja-JP" sz="2400" b="0" i="0" strike="noStrike" cap="none" baseline="0">
-                <a:solidFill>
-                  <a:srgbClr val="404040"/>
-                </a:solidFill>
-                <a:effectLst/>
-                <a:latin typeface="MS UI Gothic"/>
-                <a:ea typeface="MS UI Gothic"/>
-                <a:cs typeface="MS UI Gothic"/>
+              <a:rPr lang="ja-JP" sz="2400" dirty="0">
+                <a:latin typeface="Yu Gothic UI" panose="020B0500000000000000" pitchFamily="34" charset="-128"/>
+                <a:ea typeface="Yu Gothic UI" panose="020B0500000000000000" pitchFamily="34" charset="-128"/>
               </a:rPr>
               <a:t>ハーブ ティー、緑茶、紅茶などの他のお茶製品との競合</a:t>
             </a:r>
           </a:p>
           <a:p>
             <a:r>
-              <a:rPr lang="ja-JP" sz="2400" b="0" i="0" strike="noStrike" cap="none" baseline="0">
-                <a:solidFill>
-                  <a:srgbClr val="404040"/>
-                </a:solidFill>
-                <a:effectLst/>
-                <a:latin typeface="MS UI Gothic"/>
-                <a:ea typeface="MS UI Gothic"/>
-                <a:cs typeface="MS UI Gothic"/>
+              <a:rPr lang="ja-JP" sz="2400" dirty="0">
+                <a:latin typeface="Yu Gothic UI" panose="020B0500000000000000" pitchFamily="34" charset="-128"/>
+                <a:ea typeface="Yu Gothic UI" panose="020B0500000000000000" pitchFamily="34" charset="-128"/>
               </a:rPr>
               <a:t>一部の国におけるチャイ ティー製品の参入と拡大を制限する可能性がある規制および文化的障壁</a:t>
             </a:r>
           </a:p>
           <a:p>
             <a:r>
-              <a:rPr lang="ja-JP" sz="2400" b="0" i="0" strike="noStrike" cap="none" baseline="0">
-                <a:solidFill>
-                  <a:srgbClr val="404040"/>
-                </a:solidFill>
-                <a:effectLst/>
-                <a:latin typeface="MS UI Gothic"/>
-                <a:ea typeface="MS UI Gothic"/>
-                <a:cs typeface="MS UI Gothic"/>
+              <a:rPr lang="ja-JP" sz="2400" dirty="0">
+                <a:latin typeface="Yu Gothic UI" panose="020B0500000000000000" pitchFamily="34" charset="-128"/>
+                <a:ea typeface="Yu Gothic UI" panose="020B0500000000000000" pitchFamily="34" charset="-128"/>
               </a:rPr>
               <a:t>チャイ ティー原料の供給と品質に影響を与える可能性がある環境問題と社会問題</a:t>
-            </a:r>
-          </a:p>
-        </p:txBody>
-      </p:sp>
-      <p:sp>
-        <p:nvSpPr>
-          <p:cNvPr id="11" name="TextBox"/>
-          <p:cNvSpPr txBox="1">
-            <a:spLocks noGrp="1" noSelect="1" noRot="1" noMove="1"/>
-          </p:cNvSpPr>
-          <p:nvPr/>
-        </p:nvSpPr>
-        <p:spPr>
-          <a:xfrm>
-            <a:off x="2890520" y="2644140"/>
-            <a:ext cx="6411372" cy="1569660"/>
-          </a:xfrm>
-          <a:prstGeom prst="rect">
-            <a:avLst/>
-          </a:prstGeom>
-          <a:noFill/>
-        </p:spPr>
-        <p:txBody>
-          <a:bodyPr wrap="none" rtlCol="0" anchor="ctr" anchorCtr="1">
-            <a:spAutoFit/>
-          </a:bodyPr>
-          <a:lstStyle>
-            <a:lvl1pPr algn="l">
-              <a:lnSpc>
-                <a:spcPct val="150000"/>
-              </a:lnSpc>
-              <a:spcBef>
-                <a:spcPct val="0"/>
-              </a:spcBef>
-              <a:spcAft>
-                <a:spcPct val="0"/>
-              </a:spcAft>
-              <a:defRPr lang="en-US" sz="3200" b="1" noProof="1" dirty="0">
-                <a:solidFill>
-                  <a:prstClr val="red">
-                    <a:lumOff val="30000"/>
-                    <a:alpha val="40000"/>
-                  </a:prstClr>
-                </a:solidFill>
-                <a:effectLst>
-                  <a:outerShdw blurRad="50800" dist="38100" algn="tr" rotWithShape="0">
-                    <a:prstClr val="black">
-                      <a:alpha val="80000"/>
-                    </a:prstClr>
-                  </a:outerShdw>
-                </a:effectLst>
-                <a:latin typeface="Calibri" pitchFamily="34" charset="0"/>
-              </a:defRPr>
-            </a:lvl1pPr>
-          </a:lstStyle>
-          <a:p>
-            <a:pPr algn="ctr"/>
-            <a:r>
-              <a:t>Evaluation only.</a:t>
-            </a:r>
-          </a:p>
-          <a:p>
-            <a:pPr algn="ctr"/>
-            <a:r>
-              <a:t>Created with Aspose.Slides for Java 23.6.</a:t>
-            </a:r>
-          </a:p>
-          <a:p>
-            <a:pPr algn="ctr"/>
-            <a:r>
-              <a:t>Copyright 2004-2023 Aspose Pty Ltd.</a:t>
             </a:r>
           </a:p>
         </p:txBody>
@@ -10038,14 +8034,12 @@
   <p:clrMapOvr>
     <a:masterClrMapping/>
   </p:clrMapOvr>
-  <p:transition/>
-  <p:timing/>
 </p:sld>
 </file>
 
 <file path=ppt/slides/slide14.xml><?xml version="1.0" encoding="utf-8"?>
-<p:sld xmlns:a="http://schemas.openxmlformats.org/drawingml/2006/main" xmlns:r="http://schemas.openxmlformats.org/officeDocument/2006/relationships" xmlns:m="http://schemas.openxmlformats.org/officeDocument/2006/math" xmlns:w="http://schemas.openxmlformats.org/wordprocessingml/2006/main" xmlns:wp="http://schemas.openxmlformats.org/drawingml/2006/wordprocessingDrawing" xmlns:a14="http://schemas.microsoft.com/office/drawing/2010/main" xmlns:mc="http://schemas.openxmlformats.org/markup-compatibility/2006" xmlns:p14="http://schemas.microsoft.com/office/powerpoint/2010/main" xmlns:p15="http://schemas.microsoft.com/office/powerpoint/2012/main" xmlns:p159="http://schemas.microsoft.com/office/powerpoint/2015/09/main" xmlns:p="http://schemas.openxmlformats.org/presentationml/2006/main">
-  <p:cSld name="">
+<p:sld xmlns:a="http://schemas.openxmlformats.org/drawingml/2006/main" xmlns:r="http://schemas.openxmlformats.org/officeDocument/2006/relationships" xmlns:p="http://schemas.openxmlformats.org/presentationml/2006/main">
+  <p:cSld>
     <p:bg>
       <p:bgPr>
         <a:solidFill>
@@ -10064,6 +8058,8 @@
         <a:xfrm>
           <a:off x="0" y="0"/>
           <a:ext cx="0" cy="0"/>
+          <a:chOff x="0" y="0"/>
+          <a:chExt cx="0" cy="0"/>
         </a:xfrm>
       </p:grpSpPr>
       <p:sp useBgFill="1">
@@ -10107,7 +8103,7 @@
               <a:shade val="50000"/>
             </a:schemeClr>
           </a:lnRef>
-          <a:fillRef idx="4294967295">
+          <a:fillRef idx="1001">
             <a:schemeClr val="lt1"/>
           </a:fillRef>
           <a:effectRef idx="0">
@@ -10217,14 +8213,12 @@
           <a:lstStyle/>
           <a:p>
             <a:r>
-              <a:rPr lang="ja-JP" sz="3700" b="0" i="0" strike="noStrike" cap="none" baseline="0">
+              <a:rPr lang="ja-JP" sz="3700" dirty="0">
                 <a:solidFill>
                   <a:srgbClr val="FFFFFF"/>
                 </a:solidFill>
-                <a:effectLst/>
-                <a:latin typeface="MS UI Gothic"/>
-                <a:ea typeface="MS UI Gothic"/>
-                <a:cs typeface="MS UI Gothic"/>
+                <a:latin typeface="Yu Gothic UI" panose="020B0500000000000000" pitchFamily="34" charset="-128"/>
+                <a:ea typeface="Yu Gothic UI" panose="020B0500000000000000" pitchFamily="34" charset="-128"/>
               </a:rPr>
               <a:t>推奨事項と結論</a:t>
             </a:r>
@@ -10249,8 +8243,8 @@
         </p:nvSpPr>
         <p:spPr>
           <a:xfrm>
-            <a:off x="5231958" y="605896"/>
-            <a:ext cx="5923721" cy="5646208"/>
+            <a:off x="5231959" y="605896"/>
+            <a:ext cx="5851678" cy="5646208"/>
           </a:xfrm>
         </p:spPr>
         <p:txBody>
@@ -10265,14 +8259,9 @@
               </a:lnSpc>
             </a:pPr>
             <a:r>
-              <a:rPr lang="ja-JP" sz="1900" b="0" i="0" strike="noStrike" cap="none" baseline="0">
-                <a:solidFill>
-                  <a:srgbClr val="404040"/>
-                </a:solidFill>
-                <a:effectLst/>
-                <a:latin typeface="MS UI Gothic"/>
-                <a:ea typeface="MS UI Gothic"/>
-                <a:cs typeface="MS UI Gothic"/>
+              <a:rPr lang="ja-JP" sz="1900" dirty="0">
+                <a:latin typeface="Yu Gothic UI" panose="020B0500000000000000" pitchFamily="34" charset="-128"/>
+                <a:ea typeface="Yu Gothic UI" panose="020B0500000000000000" pitchFamily="34" charset="-128"/>
               </a:rPr>
               <a:t>チャイ ティーはラテン アメリカ市場で成長の可能性を秘めた有望な製品である</a:t>
             </a:r>
@@ -10284,14 +8273,9 @@
               </a:lnSpc>
             </a:pPr>
             <a:r>
-              <a:rPr lang="ja-JP" sz="1900" b="0" i="0" strike="noStrike" cap="none" baseline="0">
-                <a:solidFill>
-                  <a:srgbClr val="404040"/>
-                </a:solidFill>
-                <a:effectLst/>
-                <a:latin typeface="MS UI Gothic"/>
-                <a:ea typeface="MS UI Gothic"/>
-                <a:cs typeface="MS UI Gothic"/>
+              <a:rPr lang="ja-JP" sz="1900" dirty="0">
+                <a:latin typeface="Yu Gothic UI" panose="020B0500000000000000" pitchFamily="34" charset="-128"/>
+                <a:ea typeface="Yu Gothic UI" panose="020B0500000000000000" pitchFamily="34" charset="-128"/>
               </a:rPr>
               <a:t>他の飲み物に代わる、健康的で自然でエキゾチックな飲み物を提供する</a:t>
             </a:r>
@@ -10303,14 +8287,9 @@
               </a:lnSpc>
             </a:pPr>
             <a:r>
-              <a:rPr lang="ja-JP" sz="1900" b="0" i="0" strike="noStrike" cap="none" baseline="0">
-                <a:solidFill>
-                  <a:srgbClr val="404040"/>
-                </a:solidFill>
-                <a:effectLst/>
-                <a:latin typeface="MS UI Gothic"/>
-                <a:ea typeface="MS UI Gothic"/>
-                <a:cs typeface="MS UI Gothic"/>
+              <a:rPr lang="ja-JP" sz="1900" dirty="0">
+                <a:latin typeface="Yu Gothic UI" panose="020B0500000000000000" pitchFamily="34" charset="-128"/>
+                <a:ea typeface="Yu Gothic UI" panose="020B0500000000000000" pitchFamily="34" charset="-128"/>
               </a:rPr>
               <a:t>チャイ ティーをプレミアムで本格的かつ多用途な製品として位置づけ、販売する</a:t>
             </a:r>
@@ -10322,14 +8301,9 @@
               </a:lnSpc>
             </a:pPr>
             <a:r>
-              <a:rPr lang="ja-JP" sz="1900" b="0" i="0" strike="noStrike" cap="none" baseline="0">
-                <a:solidFill>
-                  <a:srgbClr val="404040"/>
-                </a:solidFill>
-                <a:effectLst/>
-                <a:latin typeface="MS UI Gothic"/>
-                <a:ea typeface="MS UI Gothic"/>
-                <a:cs typeface="MS UI Gothic"/>
+              <a:rPr lang="ja-JP" sz="1900" dirty="0">
+                <a:latin typeface="Yu Gothic UI" panose="020B0500000000000000" pitchFamily="34" charset="-128"/>
+                <a:ea typeface="Yu Gothic UI" panose="020B0500000000000000" pitchFamily="34" charset="-128"/>
               </a:rPr>
               <a:t>さまざまなセグメントや機会にアピール</a:t>
             </a:r>
@@ -10341,14 +8315,9 @@
               </a:lnSpc>
             </a:pPr>
             <a:r>
-              <a:rPr lang="ja-JP" sz="1900" b="0" i="0" strike="noStrike" cap="none" baseline="0">
-                <a:solidFill>
-                  <a:srgbClr val="404040"/>
-                </a:solidFill>
-                <a:effectLst/>
-                <a:latin typeface="MS UI Gothic"/>
-                <a:ea typeface="MS UI Gothic"/>
-                <a:cs typeface="MS UI Gothic"/>
+              <a:rPr lang="ja-JP" sz="1900" dirty="0">
+                <a:latin typeface="Yu Gothic UI" panose="020B0500000000000000" pitchFamily="34" charset="-128"/>
+                <a:ea typeface="Yu Gothic UI" panose="020B0500000000000000" pitchFamily="34" charset="-128"/>
               </a:rPr>
               <a:t>豊かな香り、風味、健康上の利点などの独自の機能と利点を活用する</a:t>
             </a:r>
@@ -10360,14 +8329,9 @@
               </a:lnSpc>
             </a:pPr>
             <a:r>
-              <a:rPr lang="ja-JP" sz="1900" b="0" i="0" strike="noStrike" cap="none" baseline="0">
-                <a:solidFill>
-                  <a:srgbClr val="404040"/>
-                </a:solidFill>
-                <a:effectLst/>
-                <a:latin typeface="MS UI Gothic"/>
-                <a:ea typeface="MS UI Gothic"/>
-                <a:cs typeface="MS UI Gothic"/>
+              <a:rPr lang="ja-JP" sz="1900" dirty="0">
+                <a:latin typeface="Yu Gothic UI" panose="020B0500000000000000" pitchFamily="34" charset="-128"/>
+                <a:ea typeface="Yu Gothic UI" panose="020B0500000000000000" pitchFamily="34" charset="-128"/>
               </a:rPr>
               <a:t>他のお茶製品との差別化</a:t>
             </a:r>
@@ -10379,14 +8343,9 @@
               </a:lnSpc>
             </a:pPr>
             <a:r>
-              <a:rPr lang="ja-JP" sz="1900" b="0" i="0" strike="noStrike" cap="none" baseline="0">
-                <a:solidFill>
-                  <a:srgbClr val="404040"/>
-                </a:solidFill>
-                <a:effectLst/>
-                <a:latin typeface="MS UI Gothic"/>
-                <a:ea typeface="MS UI Gothic"/>
-                <a:cs typeface="MS UI Gothic"/>
+              <a:rPr lang="ja-JP" sz="1900" dirty="0">
+                <a:latin typeface="Yu Gothic UI" panose="020B0500000000000000" pitchFamily="34" charset="-128"/>
+                <a:ea typeface="Yu Gothic UI" panose="020B0500000000000000" pitchFamily="34" charset="-128"/>
               </a:rPr>
               <a:t>オンラインとオフラインの戦略を組み合わせてターゲット ユーザーにリーチし、エンゲージメントを図る</a:t>
             </a:r>
@@ -10398,14 +8357,9 @@
               </a:lnSpc>
             </a:pPr>
             <a:r>
-              <a:rPr lang="ja-JP" sz="1900" b="0" i="0" strike="noStrike" cap="none" baseline="0">
-                <a:solidFill>
-                  <a:srgbClr val="404040"/>
-                </a:solidFill>
-                <a:effectLst/>
-                <a:latin typeface="MS UI Gothic"/>
-                <a:ea typeface="MS UI Gothic"/>
-                <a:cs typeface="MS UI Gothic"/>
+              <a:rPr lang="ja-JP" sz="1900" dirty="0">
+                <a:latin typeface="Yu Gothic UI" panose="020B0500000000000000" pitchFamily="34" charset="-128"/>
+                <a:ea typeface="Yu Gothic UI" panose="020B0500000000000000" pitchFamily="34" charset="-128"/>
               </a:rPr>
               <a:t>忠実で満足度の高い顧客ベースを構築する</a:t>
             </a:r>
@@ -10417,14 +8371,9 @@
               </a:lnSpc>
             </a:pPr>
             <a:r>
-              <a:rPr lang="ja-JP" sz="1900" b="0" i="0" strike="noStrike" cap="none" baseline="0">
-                <a:solidFill>
-                  <a:srgbClr val="404040"/>
-                </a:solidFill>
-                <a:effectLst/>
-                <a:latin typeface="MS UI Gothic"/>
-                <a:ea typeface="MS UI Gothic"/>
-                <a:cs typeface="MS UI Gothic"/>
+              <a:rPr lang="ja-JP" sz="1900" dirty="0">
+                <a:latin typeface="Yu Gothic UI" panose="020B0500000000000000" pitchFamily="34" charset="-128"/>
+                <a:ea typeface="Yu Gothic UI" panose="020B0500000000000000" pitchFamily="34" charset="-128"/>
               </a:rPr>
               <a:t>価格、認知度、競争、規制、持続可能性などの課題と脅威を克服する</a:t>
             </a:r>
@@ -10436,87 +8385,11 @@
               </a:lnSpc>
             </a:pPr>
             <a:r>
-              <a:rPr lang="ja-JP" sz="1900" b="0" i="0" strike="noStrike" cap="none" baseline="0">
-                <a:solidFill>
-                  <a:srgbClr val="404040"/>
-                </a:solidFill>
-                <a:effectLst/>
-                <a:latin typeface="MS UI Gothic"/>
-                <a:ea typeface="MS UI Gothic"/>
-                <a:cs typeface="MS UI Gothic"/>
+              <a:rPr lang="ja-JP" sz="1900" dirty="0">
+                <a:latin typeface="Yu Gothic UI" panose="020B0500000000000000" pitchFamily="34" charset="-128"/>
+                <a:ea typeface="Yu Gothic UI" panose="020B0500000000000000" pitchFamily="34" charset="-128"/>
               </a:rPr>
               <a:t>プロモーション計画と戦略を常に監視、評価、調整する</a:t>
-            </a:r>
-          </a:p>
-        </p:txBody>
-      </p:sp>
-      <p:sp>
-        <p:nvSpPr>
-          <p:cNvPr id="11" name="TextBox"/>
-          <p:cNvSpPr txBox="1">
-            <a:spLocks noGrp="1" noSelect="1" noRot="1" noMove="1"/>
-          </p:cNvSpPr>
-          <p:nvPr/>
-        </p:nvSpPr>
-        <p:spPr>
-          <a:xfrm>
-            <a:off x="2890520" y="2644140"/>
-            <a:ext cx="6411372" cy="1569660"/>
-          </a:xfrm>
-          <a:prstGeom prst="rect">
-            <a:avLst/>
-          </a:prstGeom>
-          <a:noFill/>
-        </p:spPr>
-        <p:txBody>
-          <a:bodyPr wrap="none" rtlCol="0" anchor="ctr" anchorCtr="1">
-            <a:spAutoFit/>
-          </a:bodyPr>
-          <a:lstStyle>
-            <a:lvl1pPr algn="l">
-              <a:lnSpc>
-                <a:spcPct val="150000"/>
-              </a:lnSpc>
-              <a:spcBef>
-                <a:spcPct val="0"/>
-              </a:spcBef>
-              <a:spcAft>
-                <a:spcPct val="0"/>
-              </a:spcAft>
-              <a:defRPr lang="en-US" sz="3200" b="1" noProof="1" dirty="0">
-                <a:solidFill>
-                  <a:prstClr val="red">
-                    <a:lumOff val="30000"/>
-                    <a:alpha val="40000"/>
-                  </a:prstClr>
-                </a:solidFill>
-                <a:effectLst>
-                  <a:outerShdw blurRad="50800" dist="38100" algn="tr" rotWithShape="0">
-                    <a:prstClr val="black">
-                      <a:alpha val="80000"/>
-                    </a:prstClr>
-                  </a:outerShdw>
-                </a:effectLst>
-                <a:latin typeface="Calibri" pitchFamily="34" charset="0"/>
-              </a:defRPr>
-            </a:lvl1pPr>
-          </a:lstStyle>
-          <a:p>
-            <a:pPr algn="ctr"/>
-            <a:r>
-              <a:t>Evaluation only.</a:t>
-            </a:r>
-          </a:p>
-          <a:p>
-            <a:pPr algn="ctr"/>
-            <a:r>
-              <a:t>Created with Aspose.Slides for Java 23.6.</a:t>
-            </a:r>
-          </a:p>
-          <a:p>
-            <a:pPr algn="ctr"/>
-            <a:r>
-              <a:t>Copyright 2004-2023 Aspose Pty Ltd.</a:t>
             </a:r>
           </a:p>
         </p:txBody>
@@ -10531,14 +8404,12 @@
   <p:clrMapOvr>
     <a:masterClrMapping/>
   </p:clrMapOvr>
-  <p:transition/>
-  <p:timing/>
 </p:sld>
 </file>
 
 <file path=ppt/slides/slide2.xml><?xml version="1.0" encoding="utf-8"?>
-<p:sld xmlns:a="http://schemas.openxmlformats.org/drawingml/2006/main" xmlns:r="http://schemas.openxmlformats.org/officeDocument/2006/relationships" xmlns:m="http://schemas.openxmlformats.org/officeDocument/2006/math" xmlns:w="http://schemas.openxmlformats.org/wordprocessingml/2006/main" xmlns:wp="http://schemas.openxmlformats.org/drawingml/2006/wordprocessingDrawing" xmlns:a14="http://schemas.microsoft.com/office/drawing/2010/main" xmlns:mc="http://schemas.openxmlformats.org/markup-compatibility/2006" xmlns:p14="http://schemas.microsoft.com/office/powerpoint/2010/main" xmlns:p15="http://schemas.microsoft.com/office/powerpoint/2012/main" xmlns:p159="http://schemas.microsoft.com/office/powerpoint/2015/09/main" xmlns:p="http://schemas.openxmlformats.org/presentationml/2006/main">
-  <p:cSld name="">
+<p:sld xmlns:a="http://schemas.openxmlformats.org/drawingml/2006/main" xmlns:r="http://schemas.openxmlformats.org/officeDocument/2006/relationships" xmlns:p="http://schemas.openxmlformats.org/presentationml/2006/main">
+  <p:cSld>
     <p:bg>
       <p:bgPr>
         <a:solidFill>
@@ -10561,6 +8432,8 @@
         <a:xfrm>
           <a:off x="0" y="0"/>
           <a:ext cx="0" cy="0"/>
+          <a:chOff x="0" y="0"/>
+          <a:chExt cx="0" cy="0"/>
         </a:xfrm>
       </p:grpSpPr>
       <p:sp>
@@ -10716,16 +8589,11 @@
           <a:p>
             <a:pPr algn="r"/>
             <a:r>
-              <a:rPr lang="ja-JP" sz="4700" b="0" i="0" strike="noStrike" cap="none" baseline="0">
-                <a:solidFill>
-                  <a:srgbClr val="404040"/>
-                </a:solidFill>
-                <a:effectLst/>
-                <a:latin typeface="MS UI Gothic"/>
-                <a:ea typeface="MS UI Gothic"/>
-                <a:cs typeface="MS UI Gothic"/>
+              <a:rPr lang="ja-JP" dirty="0">
+                <a:latin typeface="Yu Gothic UI" panose="020B0500000000000000" pitchFamily="34" charset="-128"/>
+                <a:ea typeface="Yu Gothic UI" panose="020B0500000000000000" pitchFamily="34" charset="-128"/>
               </a:rPr>
-              <a:t>アジェンダ</a:t>
+              <a:t>予定一覧</a:t>
             </a:r>
           </a:p>
         </p:txBody>
@@ -10754,7 +8622,7 @@
           </p:nvPr>
         </p:nvCxnSpPr>
         <p:spPr>
-          <a:xfrm flipH="1">
+          <a:xfrm>
             <a:off x="4971974" y="2057399"/>
             <a:ext cx="0" cy="2743200"/>
           </a:xfrm>
@@ -10816,16 +8684,11 @@
               </a:lnSpc>
             </a:pPr>
             <a:r>
-              <a:rPr lang="ja-JP" sz="1800" b="0" i="0" strike="noStrike" cap="none" baseline="0">
-                <a:solidFill>
-                  <a:srgbClr val="404040"/>
-                </a:solidFill>
-                <a:effectLst/>
-                <a:latin typeface="MS UI Gothic"/>
-                <a:ea typeface="MS UI Gothic"/>
-                <a:cs typeface="MS UI Gothic"/>
+              <a:rPr lang="ja-JP" sz="1800" dirty="0">
+                <a:latin typeface="Yu Gothic UI" panose="020B0500000000000000" pitchFamily="34" charset="-128"/>
+                <a:ea typeface="Yu Gothic UI" panose="020B0500000000000000" pitchFamily="34" charset="-128"/>
               </a:rPr>
-              <a:t>はじめに</a:t>
+              <a:t>概要</a:t>
             </a:r>
           </a:p>
           <a:p>
@@ -10835,16 +8698,11 @@
               </a:lnSpc>
             </a:pPr>
             <a:r>
-              <a:rPr lang="ja-JP" sz="1800" b="0" i="0" strike="noStrike" cap="none" baseline="0">
-                <a:solidFill>
-                  <a:srgbClr val="404040"/>
-                </a:solidFill>
-                <a:effectLst/>
-                <a:latin typeface="MS UI Gothic"/>
-                <a:ea typeface="MS UI Gothic"/>
-                <a:cs typeface="MS UI Gothic"/>
+              <a:rPr lang="ja-JP" sz="1800" dirty="0">
+                <a:latin typeface="Yu Gothic UI" panose="020B0500000000000000" pitchFamily="34" charset="-128"/>
+                <a:ea typeface="Yu Gothic UI" panose="020B0500000000000000" pitchFamily="34" charset="-128"/>
               </a:rPr>
-              <a:t>製品の説明</a:t>
+              <a:t>製品説明</a:t>
             </a:r>
           </a:p>
           <a:p>
@@ -10854,16 +8712,15 @@
               </a:lnSpc>
             </a:pPr>
             <a:r>
-              <a:rPr lang="ja-JP" sz="1800" b="0" i="0" strike="noStrike" cap="none" baseline="0">
-                <a:solidFill>
-                  <a:srgbClr val="404040"/>
-                </a:solidFill>
-                <a:effectLst/>
-                <a:latin typeface="MS UI Gothic"/>
-                <a:ea typeface="MS UI Gothic"/>
-                <a:cs typeface="MS UI Gothic"/>
+              <a:rPr lang="ja-JP" sz="1800" dirty="0">
+                <a:latin typeface="Yu Gothic UI" panose="020B0500000000000000" pitchFamily="34" charset="-128"/>
+                <a:ea typeface="Yu Gothic UI" panose="020B0500000000000000" pitchFamily="34" charset="-128"/>
               </a:rPr>
-              <a:t>製品説明 (1/2)</a:t>
+              <a:t>製品説明 </a:t>
+            </a:r>
+            <a:r>
+              <a:rPr lang="ja-JP" sz="1800" dirty="0"/>
+              <a:t>(1/2)</a:t>
             </a:r>
           </a:p>
           <a:p>
@@ -10873,16 +8730,15 @@
               </a:lnSpc>
             </a:pPr>
             <a:r>
-              <a:rPr lang="ja-JP" sz="1800" b="0" i="0" strike="noStrike" cap="none" baseline="0">
-                <a:solidFill>
-                  <a:srgbClr val="404040"/>
-                </a:solidFill>
-                <a:effectLst/>
-                <a:latin typeface="MS UI Gothic"/>
-                <a:ea typeface="MS UI Gothic"/>
-                <a:cs typeface="MS UI Gothic"/>
+              <a:rPr lang="ja-JP" sz="1800" dirty="0">
+                <a:latin typeface="Yu Gothic UI" panose="020B0500000000000000" pitchFamily="34" charset="-128"/>
+                <a:ea typeface="Yu Gothic UI" panose="020B0500000000000000" pitchFamily="34" charset="-128"/>
               </a:rPr>
-              <a:t>製品説明 (2/2)</a:t>
+              <a:t>製品説明 </a:t>
+            </a:r>
+            <a:r>
+              <a:rPr lang="ja-JP" sz="1800" dirty="0"/>
+              <a:t>(2/2)</a:t>
             </a:r>
           </a:p>
           <a:p>
@@ -10892,14 +8748,9 @@
               </a:lnSpc>
             </a:pPr>
             <a:r>
-              <a:rPr lang="ja-JP" sz="1800" b="0" i="0" strike="noStrike" cap="none" baseline="0">
-                <a:solidFill>
-                  <a:srgbClr val="404040"/>
-                </a:solidFill>
-                <a:effectLst/>
-                <a:latin typeface="MS UI Gothic"/>
-                <a:ea typeface="MS UI Gothic"/>
-                <a:cs typeface="MS UI Gothic"/>
+              <a:rPr lang="ja-JP" sz="1800" dirty="0">
+                <a:latin typeface="Yu Gothic UI" panose="020B0500000000000000" pitchFamily="34" charset="-128"/>
+                <a:ea typeface="Yu Gothic UI" panose="020B0500000000000000" pitchFamily="34" charset="-128"/>
               </a:rPr>
               <a:t>市場の動向と需要</a:t>
             </a:r>
@@ -10911,14 +8762,9 @@
               </a:lnSpc>
             </a:pPr>
             <a:r>
-              <a:rPr lang="ja-JP" sz="1800" b="0" i="0" strike="noStrike" cap="none" baseline="0">
-                <a:solidFill>
-                  <a:srgbClr val="404040"/>
-                </a:solidFill>
-                <a:effectLst/>
-                <a:latin typeface="MS UI Gothic"/>
-                <a:ea typeface="MS UI Gothic"/>
-                <a:cs typeface="MS UI Gothic"/>
+              <a:rPr lang="ja-JP" sz="1800" dirty="0">
+                <a:latin typeface="Yu Gothic UI" panose="020B0500000000000000" pitchFamily="34" charset="-128"/>
+                <a:ea typeface="Yu Gothic UI" panose="020B0500000000000000" pitchFamily="34" charset="-128"/>
               </a:rPr>
               <a:t>ラテン アメリカにおけるチャイ ティーの市場シェア</a:t>
             </a:r>
@@ -10930,14 +8776,9 @@
               </a:lnSpc>
             </a:pPr>
             <a:r>
-              <a:rPr lang="ja-JP" sz="1800" b="0" i="0" strike="noStrike" cap="none" baseline="0">
-                <a:solidFill>
-                  <a:srgbClr val="404040"/>
-                </a:solidFill>
-                <a:effectLst/>
-                <a:latin typeface="MS UI Gothic"/>
-                <a:ea typeface="MS UI Gothic"/>
-                <a:cs typeface="MS UI Gothic"/>
+              <a:rPr lang="ja-JP" sz="1800" dirty="0">
+                <a:latin typeface="Yu Gothic UI" panose="020B0500000000000000" pitchFamily="34" charset="-128"/>
+                <a:ea typeface="Yu Gothic UI" panose="020B0500000000000000" pitchFamily="34" charset="-128"/>
               </a:rPr>
               <a:t>流通チャネル</a:t>
             </a:r>
@@ -10949,14 +8790,9 @@
               </a:lnSpc>
             </a:pPr>
             <a:r>
-              <a:rPr lang="ja-JP" sz="1800" b="0" i="0" strike="noStrike" cap="none" baseline="0">
-                <a:solidFill>
-                  <a:srgbClr val="404040"/>
-                </a:solidFill>
-                <a:effectLst/>
-                <a:latin typeface="MS UI Gothic"/>
-                <a:ea typeface="MS UI Gothic"/>
-                <a:cs typeface="MS UI Gothic"/>
+              <a:rPr lang="ja-JP" sz="1800" dirty="0">
+                <a:latin typeface="Yu Gothic UI" panose="020B0500000000000000" pitchFamily="34" charset="-128"/>
+                <a:ea typeface="Yu Gothic UI" panose="020B0500000000000000" pitchFamily="34" charset="-128"/>
               </a:rPr>
               <a:t>プロモーション計画と戦略</a:t>
             </a:r>
@@ -10968,14 +8804,9 @@
               </a:lnSpc>
             </a:pPr>
             <a:r>
-              <a:rPr lang="ja-JP" sz="1800" b="0" i="0" strike="noStrike" cap="none" baseline="0">
-                <a:solidFill>
-                  <a:srgbClr val="404040"/>
-                </a:solidFill>
-                <a:effectLst/>
-                <a:latin typeface="MS UI Gothic"/>
-                <a:ea typeface="MS UI Gothic"/>
-                <a:cs typeface="MS UI Gothic"/>
+              <a:rPr lang="ja-JP" sz="1800" dirty="0">
+                <a:latin typeface="Yu Gothic UI" panose="020B0500000000000000" pitchFamily="34" charset="-128"/>
+                <a:ea typeface="Yu Gothic UI" panose="020B0500000000000000" pitchFamily="34" charset="-128"/>
               </a:rPr>
               <a:t>期待される成果と課題</a:t>
             </a:r>
@@ -10987,87 +8818,11 @@
               </a:lnSpc>
             </a:pPr>
             <a:r>
-              <a:rPr lang="ja-JP" sz="1800" b="0" i="0" strike="noStrike" cap="none" baseline="0">
-                <a:solidFill>
-                  <a:srgbClr val="404040"/>
-                </a:solidFill>
-                <a:effectLst/>
-                <a:latin typeface="MS UI Gothic"/>
-                <a:ea typeface="MS UI Gothic"/>
-                <a:cs typeface="MS UI Gothic"/>
+              <a:rPr lang="ja-JP" sz="1800" dirty="0">
+                <a:latin typeface="Yu Gothic UI" panose="020B0500000000000000" pitchFamily="34" charset="-128"/>
+                <a:ea typeface="Yu Gothic UI" panose="020B0500000000000000" pitchFamily="34" charset="-128"/>
               </a:rPr>
               <a:t>推奨事項と結論</a:t>
-            </a:r>
-          </a:p>
-        </p:txBody>
-      </p:sp>
-      <p:sp>
-        <p:nvSpPr>
-          <p:cNvPr id="20" name="TextBox"/>
-          <p:cNvSpPr txBox="1">
-            <a:spLocks noGrp="1" noSelect="1" noRot="1" noMove="1"/>
-          </p:cNvSpPr>
-          <p:nvPr/>
-        </p:nvSpPr>
-        <p:spPr>
-          <a:xfrm>
-            <a:off x="2890520" y="2644140"/>
-            <a:ext cx="6411372" cy="1569660"/>
-          </a:xfrm>
-          <a:prstGeom prst="rect">
-            <a:avLst/>
-          </a:prstGeom>
-          <a:noFill/>
-        </p:spPr>
-        <p:txBody>
-          <a:bodyPr wrap="none" rtlCol="0" anchor="ctr" anchorCtr="1">
-            <a:spAutoFit/>
-          </a:bodyPr>
-          <a:lstStyle>
-            <a:lvl1pPr algn="l">
-              <a:lnSpc>
-                <a:spcPct val="150000"/>
-              </a:lnSpc>
-              <a:spcBef>
-                <a:spcPct val="0"/>
-              </a:spcBef>
-              <a:spcAft>
-                <a:spcPct val="0"/>
-              </a:spcAft>
-              <a:defRPr lang="en-US" sz="3200" b="1" noProof="1" dirty="0">
-                <a:solidFill>
-                  <a:prstClr val="red">
-                    <a:lumOff val="30000"/>
-                    <a:alpha val="40000"/>
-                  </a:prstClr>
-                </a:solidFill>
-                <a:effectLst>
-                  <a:outerShdw blurRad="50800" dist="38100" algn="tr" rotWithShape="0">
-                    <a:prstClr val="black">
-                      <a:alpha val="80000"/>
-                    </a:prstClr>
-                  </a:outerShdw>
-                </a:effectLst>
-                <a:latin typeface="Calibri" pitchFamily="34" charset="0"/>
-              </a:defRPr>
-            </a:lvl1pPr>
-          </a:lstStyle>
-          <a:p>
-            <a:pPr algn="ctr"/>
-            <a:r>
-              <a:t>Evaluation only.</a:t>
-            </a:r>
-          </a:p>
-          <a:p>
-            <a:pPr algn="ctr"/>
-            <a:r>
-              <a:t>Created with Aspose.Slides for Java 23.6.</a:t>
-            </a:r>
-          </a:p>
-          <a:p>
-            <a:pPr algn="ctr"/>
-            <a:r>
-              <a:t>Copyright 2004-2023 Aspose Pty Ltd.</a:t>
             </a:r>
           </a:p>
         </p:txBody>
@@ -11082,14 +8837,12 @@
   <p:clrMapOvr>
     <a:masterClrMapping/>
   </p:clrMapOvr>
-  <p:transition/>
-  <p:timing/>
 </p:sld>
 </file>
 
 <file path=ppt/slides/slide3.xml><?xml version="1.0" encoding="utf-8"?>
-<p:sld xmlns:a="http://schemas.openxmlformats.org/drawingml/2006/main" xmlns:r="http://schemas.openxmlformats.org/officeDocument/2006/relationships" xmlns:m="http://schemas.openxmlformats.org/officeDocument/2006/math" xmlns:w="http://schemas.openxmlformats.org/wordprocessingml/2006/main" xmlns:wp="http://schemas.openxmlformats.org/drawingml/2006/wordprocessingDrawing" xmlns:a14="http://schemas.microsoft.com/office/drawing/2010/main" xmlns:mc="http://schemas.openxmlformats.org/markup-compatibility/2006" xmlns:p14="http://schemas.microsoft.com/office/powerpoint/2010/main" xmlns:p15="http://schemas.microsoft.com/office/powerpoint/2012/main" xmlns:p159="http://schemas.microsoft.com/office/powerpoint/2015/09/main" xmlns:p="http://schemas.openxmlformats.org/presentationml/2006/main">
-  <p:cSld name="">
+<p:sld xmlns:a="http://schemas.openxmlformats.org/drawingml/2006/main" xmlns:r="http://schemas.openxmlformats.org/officeDocument/2006/relationships" xmlns:p="http://schemas.openxmlformats.org/presentationml/2006/main">
+  <p:cSld>
     <p:bg>
       <p:bgPr>
         <a:solidFill>
@@ -11108,6 +8861,8 @@
         <a:xfrm>
           <a:off x="0" y="0"/>
           <a:ext cx="0" cy="0"/>
+          <a:chOff x="0" y="0"/>
+          <a:chExt cx="0" cy="0"/>
         </a:xfrm>
       </p:grpSpPr>
       <p:sp>
@@ -11318,16 +9073,14 @@
           <a:lstStyle/>
           <a:p>
             <a:r>
-              <a:rPr lang="ja-JP" sz="4000" b="0" i="0" strike="noStrike" cap="none" baseline="0">
+              <a:rPr lang="ja-JP" sz="4000" dirty="0">
                 <a:solidFill>
                   <a:srgbClr val="FFFFFF"/>
                 </a:solidFill>
-                <a:effectLst/>
-                <a:latin typeface="MS UI Gothic"/>
-                <a:ea typeface="MS UI Gothic"/>
-                <a:cs typeface="MS UI Gothic"/>
+                <a:latin typeface="Yu Gothic UI" panose="020B0500000000000000" pitchFamily="34" charset="-128"/>
+                <a:ea typeface="Yu Gothic UI" panose="020B0500000000000000" pitchFamily="34" charset="-128"/>
               </a:rPr>
-              <a:t>はじめに</a:t>
+              <a:t>概要</a:t>
             </a:r>
           </a:p>
         </p:txBody>
@@ -11402,8 +9155,8 @@
         </p:nvSpPr>
         <p:spPr>
           <a:xfrm>
-            <a:off x="643467" y="2546224"/>
-            <a:ext cx="3448259" cy="3342747"/>
+            <a:off x="643466" y="2546224"/>
+            <a:ext cx="3893897" cy="3342747"/>
           </a:xfrm>
         </p:spPr>
         <p:txBody>
@@ -11418,14 +9171,12 @@
               </a:lnSpc>
             </a:pPr>
             <a:r>
-              <a:rPr lang="ja-JP" sz="1500" b="0" i="0" strike="noStrike" cap="none" baseline="0">
+              <a:rPr lang="ja-JP" sz="1500" dirty="0">
                 <a:solidFill>
                   <a:srgbClr val="FFFFFF"/>
                 </a:solidFill>
-                <a:effectLst/>
-                <a:latin typeface="MS UI Gothic"/>
-                <a:ea typeface="MS UI Gothic"/>
-                <a:cs typeface="MS UI Gothic"/>
+                <a:latin typeface="Yu Gothic UI" panose="020B0500000000000000" pitchFamily="34" charset="-128"/>
+                <a:ea typeface="Yu Gothic UI" panose="020B0500000000000000" pitchFamily="34" charset="-128"/>
               </a:rPr>
               <a:t>製品の説明、特徴、利点</a:t>
             </a:r>
@@ -11437,14 +9188,12 @@
               </a:lnSpc>
             </a:pPr>
             <a:r>
-              <a:rPr lang="ja-JP" sz="1500" b="0" i="0" strike="noStrike" cap="none" baseline="0">
+              <a:rPr lang="ja-JP" sz="1500" dirty="0">
                 <a:solidFill>
                   <a:srgbClr val="FFFFFF"/>
                 </a:solidFill>
-                <a:effectLst/>
-                <a:latin typeface="MS UI Gothic"/>
-                <a:ea typeface="MS UI Gothic"/>
-                <a:cs typeface="MS UI Gothic"/>
+                <a:latin typeface="Yu Gothic UI" panose="020B0500000000000000" pitchFamily="34" charset="-128"/>
+                <a:ea typeface="Yu Gothic UI" panose="020B0500000000000000" pitchFamily="34" charset="-128"/>
               </a:rPr>
               <a:t>ラテン アメリカの市場の動向と需要</a:t>
             </a:r>
@@ -11456,14 +9205,12 @@
               </a:lnSpc>
             </a:pPr>
             <a:r>
-              <a:rPr lang="ja-JP" sz="1500" b="0" i="0" strike="noStrike" cap="none" baseline="0">
+              <a:rPr lang="ja-JP" sz="1500" dirty="0">
                 <a:solidFill>
                   <a:srgbClr val="FFFFFF"/>
                 </a:solidFill>
-                <a:effectLst/>
-                <a:latin typeface="MS UI Gothic"/>
-                <a:ea typeface="MS UI Gothic"/>
-                <a:cs typeface="MS UI Gothic"/>
+                <a:latin typeface="Yu Gothic UI" panose="020B0500000000000000" pitchFamily="34" charset="-128"/>
+                <a:ea typeface="Yu Gothic UI" panose="020B0500000000000000" pitchFamily="34" charset="-128"/>
               </a:rPr>
               <a:t>ラテン アメリカにおける競合分析</a:t>
             </a:r>
@@ -11475,14 +9222,12 @@
               </a:lnSpc>
             </a:pPr>
             <a:r>
-              <a:rPr lang="ja-JP" sz="1500" b="0" i="0" strike="noStrike" cap="none" baseline="0">
+              <a:rPr lang="ja-JP" sz="1500" dirty="0">
                 <a:solidFill>
                   <a:srgbClr val="FFFFFF"/>
                 </a:solidFill>
-                <a:effectLst/>
-                <a:latin typeface="MS UI Gothic"/>
-                <a:ea typeface="MS UI Gothic"/>
-                <a:cs typeface="MS UI Gothic"/>
+                <a:latin typeface="Yu Gothic UI" panose="020B0500000000000000" pitchFamily="34" charset="-128"/>
+                <a:ea typeface="Yu Gothic UI" panose="020B0500000000000000" pitchFamily="34" charset="-128"/>
               </a:rPr>
               <a:t>ラテン アメリカにおける流通チャネル</a:t>
             </a:r>
@@ -11494,14 +9239,12 @@
               </a:lnSpc>
             </a:pPr>
             <a:r>
-              <a:rPr lang="ja-JP" sz="1500" b="0" i="0" strike="noStrike" cap="none" baseline="0">
+              <a:rPr lang="ja-JP" sz="1500" dirty="0">
                 <a:solidFill>
                   <a:srgbClr val="FFFFFF"/>
                 </a:solidFill>
-                <a:effectLst/>
-                <a:latin typeface="MS UI Gothic"/>
-                <a:ea typeface="MS UI Gothic"/>
-                <a:cs typeface="MS UI Gothic"/>
+                <a:latin typeface="Yu Gothic UI" panose="020B0500000000000000" pitchFamily="34" charset="-128"/>
+                <a:ea typeface="Yu Gothic UI" panose="020B0500000000000000" pitchFamily="34" charset="-128"/>
               </a:rPr>
               <a:t>ラテン アメリカにおけるプロモーション計画と戦略</a:t>
             </a:r>
@@ -11513,14 +9256,12 @@
               </a:lnSpc>
             </a:pPr>
             <a:r>
-              <a:rPr lang="ja-JP" sz="1500" b="0" i="0" strike="noStrike" cap="none" baseline="0">
+              <a:rPr lang="ja-JP" sz="1500" dirty="0">
                 <a:solidFill>
                   <a:srgbClr val="FFFFFF"/>
                 </a:solidFill>
-                <a:effectLst/>
-                <a:latin typeface="MS UI Gothic"/>
-                <a:ea typeface="MS UI Gothic"/>
-                <a:cs typeface="MS UI Gothic"/>
+                <a:latin typeface="Yu Gothic UI" panose="020B0500000000000000" pitchFamily="34" charset="-128"/>
+                <a:ea typeface="Yu Gothic UI" panose="020B0500000000000000" pitchFamily="34" charset="-128"/>
               </a:rPr>
               <a:t>期待される成果と課題</a:t>
             </a:r>
@@ -11532,14 +9273,12 @@
               </a:lnSpc>
             </a:pPr>
             <a:r>
-              <a:rPr lang="ja-JP" sz="1500" b="0" i="0" strike="noStrike" cap="none" baseline="0">
+              <a:rPr lang="ja-JP" sz="1500" dirty="0">
                 <a:solidFill>
                   <a:srgbClr val="FFFFFF"/>
                 </a:solidFill>
-                <a:effectLst/>
-                <a:latin typeface="MS UI Gothic"/>
-                <a:ea typeface="MS UI Gothic"/>
-                <a:cs typeface="MS UI Gothic"/>
+                <a:latin typeface="Yu Gothic UI" panose="020B0500000000000000" pitchFamily="34" charset="-128"/>
+                <a:ea typeface="Yu Gothic UI" panose="020B0500000000000000" pitchFamily="34" charset="-128"/>
               </a:rPr>
               <a:t>推奨事項と結論</a:t>
             </a:r>
@@ -11548,7 +9287,7 @@
       </p:sp>
       <p:pic>
         <p:nvPicPr>
-          <p:cNvPr id="5" name="Content Placeholder 4" descr="Indian masala chai tea. Spiced tea with milk on the rustic wooden table.">
+          <p:cNvPr id="5" name="Content Placeholder 4" descr="インドのマサラ チャイ ティー素朴な木製テーブルの上に置かれたスパイス入りティーとミルク。">
             <a:extLst>
               <a:ext uri="{FF2B5EF4-FFF2-40B4-BE49-F238E27FC236}">
                 <a16:creationId xmlns:a16="http://schemas.microsoft.com/office/drawing/2014/main" id="{9A3808EA-8867-40A0-A0EF-17D43ED8A5E3}"/>
@@ -11562,12 +9301,10 @@
             <p:ph sz="half" idx="1"/>
           </p:nvPr>
         </p:nvPicPr>
-        <p:blipFill>
+        <p:blipFill rotWithShape="1">
           <a:blip r:embed="rId3"/>
           <a:srcRect l="18097" r="8537" b="-1"/>
-          <a:stretch>
-            <a:fillRect/>
-          </a:stretch>
+          <a:stretch/>
         </p:blipFill>
         <p:spPr>
           <a:xfrm>
@@ -11579,77 +9316,6 @@
           </a:prstGeom>
         </p:spPr>
       </p:pic>
-      <p:sp>
-        <p:nvSpPr>
-          <p:cNvPr id="30" name="TextBox"/>
-          <p:cNvSpPr txBox="1">
-            <a:spLocks noGrp="1" noSelect="1" noRot="1" noMove="1"/>
-          </p:cNvSpPr>
-          <p:nvPr/>
-        </p:nvSpPr>
-        <p:spPr>
-          <a:xfrm>
-            <a:off x="2890520" y="2644140"/>
-            <a:ext cx="6411372" cy="1569660"/>
-          </a:xfrm>
-          <a:prstGeom prst="rect">
-            <a:avLst/>
-          </a:prstGeom>
-          <a:noFill/>
-        </p:spPr>
-        <p:txBody>
-          <a:bodyPr wrap="none" rtlCol="0" anchor="ctr" anchorCtr="1">
-            <a:spAutoFit/>
-          </a:bodyPr>
-          <a:lstStyle>
-            <a:lvl1pPr algn="l">
-              <a:lnSpc>
-                <a:spcPct val="150000"/>
-              </a:lnSpc>
-              <a:spcBef>
-                <a:spcPct val="0"/>
-              </a:spcBef>
-              <a:spcAft>
-                <a:spcPct val="0"/>
-              </a:spcAft>
-              <a:defRPr lang="en-US" sz="3200" b="1" noProof="1" dirty="0">
-                <a:solidFill>
-                  <a:prstClr val="red">
-                    <a:lumOff val="30000"/>
-                    <a:alpha val="40000"/>
-                  </a:prstClr>
-                </a:solidFill>
-                <a:effectLst>
-                  <a:outerShdw blurRad="50800" dist="38100" algn="tr" rotWithShape="0">
-                    <a:prstClr val="black">
-                      <a:alpha val="80000"/>
-                    </a:prstClr>
-                  </a:outerShdw>
-                </a:effectLst>
-                <a:latin typeface="Calibri" pitchFamily="34" charset="0"/>
-              </a:defRPr>
-            </a:lvl1pPr>
-          </a:lstStyle>
-          <a:p>
-            <a:pPr algn="ctr"/>
-            <a:r>
-              <a:t>Evaluation only.</a:t>
-            </a:r>
-          </a:p>
-          <a:p>
-            <a:pPr algn="ctr"/>
-            <a:r>
-              <a:t>Created with Aspose.Slides for Java 23.6.</a:t>
-            </a:r>
-          </a:p>
-          <a:p>
-            <a:pPr algn="ctr"/>
-            <a:r>
-              <a:t>Copyright 2004-2023 Aspose Pty Ltd.</a:t>
-            </a:r>
-          </a:p>
-        </p:txBody>
-      </p:sp>
     </p:spTree>
     <p:extLst>
       <p:ext uri="{BB962C8B-B14F-4D97-AF65-F5344CB8AC3E}">
@@ -11660,14 +9326,12 @@
   <p:clrMapOvr>
     <a:overrideClrMapping bg1="dk1" tx1="lt1" bg2="dk2" tx2="lt2" accent1="accent1" accent2="accent2" accent3="accent3" accent4="accent4" accent5="accent5" accent6="accent6" hlink="hlink" folHlink="folHlink"/>
   </p:clrMapOvr>
-  <p:transition/>
-  <p:timing/>
 </p:sld>
 </file>
 
 <file path=ppt/slides/slide4.xml><?xml version="1.0" encoding="utf-8"?>
-<p:sld xmlns:a="http://schemas.openxmlformats.org/drawingml/2006/main" xmlns:r="http://schemas.openxmlformats.org/officeDocument/2006/relationships" xmlns:m="http://schemas.openxmlformats.org/officeDocument/2006/math" xmlns:w="http://schemas.openxmlformats.org/wordprocessingml/2006/main" xmlns:wp="http://schemas.openxmlformats.org/drawingml/2006/wordprocessingDrawing" xmlns:a14="http://schemas.microsoft.com/office/drawing/2010/main" xmlns:mc="http://schemas.openxmlformats.org/markup-compatibility/2006" xmlns:p14="http://schemas.microsoft.com/office/powerpoint/2010/main" xmlns:p15="http://schemas.microsoft.com/office/powerpoint/2012/main" xmlns:p159="http://schemas.microsoft.com/office/powerpoint/2015/09/main" xmlns:p="http://schemas.openxmlformats.org/presentationml/2006/main">
-  <p:cSld name="">
+<p:sld xmlns:a="http://schemas.openxmlformats.org/drawingml/2006/main" xmlns:r="http://schemas.openxmlformats.org/officeDocument/2006/relationships" xmlns:p="http://schemas.openxmlformats.org/presentationml/2006/main">
+  <p:cSld>
     <p:bg>
       <p:bgPr>
         <a:solidFill>
@@ -11686,6 +9350,8 @@
         <a:xfrm>
           <a:off x="0" y="0"/>
           <a:ext cx="0" cy="0"/>
+          <a:chOff x="0" y="0"/>
+          <a:chExt cx="0" cy="0"/>
         </a:xfrm>
       </p:grpSpPr>
       <p:sp>
@@ -11957,16 +9623,14 @@
           <a:p>
             <a:pPr algn="r"/>
             <a:r>
-              <a:rPr lang="ja-JP" sz="4000" b="0" i="0" strike="noStrike" cap="none" baseline="0">
+              <a:rPr lang="ja-JP" sz="4000" dirty="0">
                 <a:solidFill>
                   <a:srgbClr val="FFFFFF"/>
                 </a:solidFill>
-                <a:effectLst/>
-                <a:latin typeface="MS UI Gothic"/>
-                <a:ea typeface="MS UI Gothic"/>
-                <a:cs typeface="MS UI Gothic"/>
+                <a:latin typeface="Yu Gothic UI" panose="020B0500000000000000" pitchFamily="34" charset="-128"/>
+                <a:ea typeface="Yu Gothic UI" panose="020B0500000000000000" pitchFamily="34" charset="-128"/>
               </a:rPr>
-              <a:t>製品の説明</a:t>
+              <a:t>製品説明</a:t>
             </a:r>
           </a:p>
         </p:txBody>
@@ -11995,7 +9659,7 @@
           </p:nvPr>
         </p:nvCxnSpPr>
         <p:spPr>
-          <a:xfrm flipH="1">
+          <a:xfrm>
             <a:off x="5820770" y="5247564"/>
             <a:ext cx="0" cy="873457"/>
           </a:xfrm>
@@ -12057,14 +9721,12 @@
               </a:lnSpc>
             </a:pPr>
             <a:r>
-              <a:rPr lang="ja-JP" sz="1500" b="0" i="0" strike="noStrike" cap="none" baseline="0">
+              <a:rPr lang="ja-JP" sz="1500">
                 <a:solidFill>
                   <a:srgbClr val="FFFFFF"/>
                 </a:solidFill>
-                <a:effectLst/>
-                <a:latin typeface="MS UI Gothic"/>
-                <a:ea typeface="MS UI Gothic"/>
-                <a:cs typeface="MS UI Gothic"/>
+                <a:latin typeface="Yu Gothic UI" panose="020B0500000000000000" pitchFamily="34" charset="-128"/>
+                <a:ea typeface="Yu Gothic UI" panose="020B0500000000000000" pitchFamily="34" charset="-128"/>
               </a:rPr>
               <a:t>丁寧に作られたブレンド</a:t>
             </a:r>
@@ -12076,14 +9738,12 @@
               </a:lnSpc>
             </a:pPr>
             <a:r>
-              <a:rPr lang="ja-JP" sz="1500" b="0" i="0" strike="noStrike" cap="none" baseline="0">
+              <a:rPr lang="ja-JP" sz="1500">
                 <a:solidFill>
                   <a:srgbClr val="FFFFFF"/>
                 </a:solidFill>
-                <a:effectLst/>
-                <a:latin typeface="MS UI Gothic"/>
-                <a:ea typeface="MS UI Gothic"/>
-                <a:cs typeface="MS UI Gothic"/>
+                <a:latin typeface="Yu Gothic UI" panose="020B0500000000000000" pitchFamily="34" charset="-128"/>
+                <a:ea typeface="Yu Gothic UI" panose="020B0500000000000000" pitchFamily="34" charset="-128"/>
               </a:rPr>
               <a:t>インドのチャイの時代を超えた伝統に敬意を表す</a:t>
             </a:r>
@@ -12095,14 +9755,12 @@
               </a:lnSpc>
             </a:pPr>
             <a:r>
-              <a:rPr lang="ja-JP" sz="1500" b="0" i="0" strike="noStrike" cap="none" baseline="0">
+              <a:rPr lang="ja-JP" sz="1500">
                 <a:solidFill>
                   <a:srgbClr val="FFFFFF"/>
                 </a:solidFill>
-                <a:effectLst/>
-                <a:latin typeface="MS UI Gothic"/>
-                <a:ea typeface="MS UI Gothic"/>
-                <a:cs typeface="MS UI Gothic"/>
+                <a:latin typeface="Yu Gothic UI" panose="020B0500000000000000" pitchFamily="34" charset="-128"/>
+                <a:ea typeface="Yu Gothic UI" panose="020B0500000000000000" pitchFamily="34" charset="-128"/>
               </a:rPr>
               <a:t>インドの活気に満ちた風景を巡る魅惑的な旅</a:t>
             </a:r>
@@ -12114,14 +9772,12 @@
               </a:lnSpc>
             </a:pPr>
             <a:r>
-              <a:rPr lang="ja-JP" sz="1500" b="0" i="0" strike="noStrike" cap="none" baseline="0">
+              <a:rPr lang="ja-JP" sz="1500">
                 <a:solidFill>
                   <a:srgbClr val="FFFFFF"/>
                 </a:solidFill>
-                <a:effectLst/>
-                <a:latin typeface="MS UI Gothic"/>
-                <a:ea typeface="MS UI Gothic"/>
-                <a:cs typeface="MS UI Gothic"/>
+                <a:latin typeface="Yu Gothic UI" panose="020B0500000000000000" pitchFamily="34" charset="-128"/>
+                <a:ea typeface="Yu Gothic UI" panose="020B0500000000000000" pitchFamily="34" charset="-128"/>
               </a:rPr>
               <a:t>本格的なチャイ体験をご自宅で</a:t>
             </a:r>
@@ -12144,7 +9800,7 @@
             <p:ph sz="half" idx="1"/>
             <p:extLst>
               <p:ext uri="{D42A27DB-BD31-4B8C-83A1-F6EECF244321}">
-                <p14:modId xmlns:p14="http://schemas.microsoft.com/office/powerpoint/2010/main" val="3445590745"/>
+                <p14:modId xmlns:p14="http://schemas.microsoft.com/office/powerpoint/2010/main" val="887797096"/>
               </p:ext>
             </p:extLst>
           </p:nvPr>
@@ -12185,20 +9841,15 @@
               <a:tr h="1240536">
                 <a:tc>
                   <a:txBody>
-                    <a:bodyPr vert="horz" wrap="square"/>
+                    <a:bodyPr/>
                     <a:lstStyle/>
                     <a:p>
                       <a:r>
-                        <a:rPr lang="ja-JP" sz="3300" b="1" i="0" strike="noStrike" cap="none" baseline="0">
-                          <a:solidFill>
-                            <a:srgbClr val="FFFFFF"/>
-                          </a:solidFill>
-                          <a:effectLst/>
-                          <a:latin typeface="MS UI Gothic"/>
-                          <a:ea typeface="MS UI Gothic"/>
-                          <a:cs typeface="MS UI Gothic"/>
+                        <a:rPr lang="ja-JP" sz="3300" dirty="0">
+                          <a:latin typeface="Yu Gothic UI" panose="020B0500000000000000" pitchFamily="34" charset="-128"/>
+                          <a:ea typeface="Yu Gothic UI" panose="020B0500000000000000" pitchFamily="34" charset="-128"/>
                         </a:rPr>
-                        <a:t>製品の説明</a:t>
+                        <a:t>製品説明</a:t>
                       </a:r>
                     </a:p>
                   </a:txBody>
@@ -12206,18 +9857,13 @@
                 </a:tc>
                 <a:tc>
                   <a:txBody>
-                    <a:bodyPr vert="horz" wrap="square"/>
+                    <a:bodyPr/>
                     <a:lstStyle/>
                     <a:p>
                       <a:r>
-                        <a:rPr lang="ja-JP" sz="3300" b="1" i="0" strike="noStrike" cap="none" baseline="0">
-                          <a:solidFill>
-                            <a:srgbClr val="FFFFFF"/>
-                          </a:solidFill>
-                          <a:effectLst/>
-                          <a:latin typeface="MS UI Gothic"/>
-                          <a:ea typeface="MS UI Gothic"/>
-                          <a:cs typeface="MS UI Gothic"/>
+                        <a:rPr lang="ja-JP" sz="3300" dirty="0">
+                          <a:latin typeface="Yu Gothic UI" panose="020B0500000000000000" pitchFamily="34" charset="-128"/>
+                          <a:ea typeface="Yu Gothic UI" panose="020B0500000000000000" pitchFamily="34" charset="-128"/>
                         </a:rPr>
                         <a:t>機能</a:t>
                       </a:r>
@@ -12227,20 +9873,15 @@
                 </a:tc>
                 <a:tc>
                   <a:txBody>
-                    <a:bodyPr vert="horz" wrap="square"/>
+                    <a:bodyPr/>
                     <a:lstStyle/>
                     <a:p>
                       <a:r>
-                        <a:rPr lang="ja-JP" sz="3300" b="1" i="0" strike="noStrike" cap="none" baseline="0">
-                          <a:solidFill>
-                            <a:srgbClr val="FFFFFF"/>
-                          </a:solidFill>
-                          <a:effectLst/>
-                          <a:latin typeface="MS UI Gothic"/>
-                          <a:ea typeface="MS UI Gothic"/>
-                          <a:cs typeface="MS UI Gothic"/>
+                        <a:rPr lang="ja-JP" sz="3300" dirty="0">
+                          <a:latin typeface="Yu Gothic UI" panose="020B0500000000000000" pitchFamily="34" charset="-128"/>
+                          <a:ea typeface="Yu Gothic UI" panose="020B0500000000000000" pitchFamily="34" charset="-128"/>
                         </a:rPr>
-                        <a:t>メリット</a:t>
+                        <a:t>利点</a:t>
                       </a:r>
                     </a:p>
                   </a:txBody>
@@ -12255,19 +9896,11 @@
               <a:tr h="1743456">
                 <a:tc>
                   <a:txBody>
-                    <a:bodyPr vert="horz" wrap="square"/>
+                    <a:bodyPr/>
                     <a:lstStyle/>
                     <a:p>
                       <a:r>
-                        <a:rPr lang="ja-JP" sz="3300" b="0" i="0" strike="noStrike" cap="none" baseline="0">
-                          <a:solidFill>
-                            <a:srgbClr val="000000"/>
-                          </a:solidFill>
-                          <a:effectLst/>
-                          <a:latin typeface="MS UI Gothic"/>
-                          <a:ea typeface="MS UI Gothic"/>
-                          <a:cs typeface="MS UI Gothic"/>
-                        </a:rPr>
+                        <a:rPr lang="ja-JP" sz="3300"/>
                         <a:t>Mystic Spice Premium Chai Tea</a:t>
                       </a:r>
                     </a:p>
@@ -12276,18 +9909,13 @@
                 </a:tc>
                 <a:tc>
                   <a:txBody>
-                    <a:bodyPr vert="horz" wrap="square"/>
+                    <a:bodyPr/>
                     <a:lstStyle/>
                     <a:p>
                       <a:r>
-                        <a:rPr lang="ja-JP" sz="3300" b="0" i="0" strike="noStrike" cap="none" baseline="0">
-                          <a:solidFill>
-                            <a:srgbClr val="000000"/>
-                          </a:solidFill>
-                          <a:effectLst/>
-                          <a:latin typeface="MS UI Gothic"/>
-                          <a:ea typeface="MS UI Gothic"/>
-                          <a:cs typeface="MS UI Gothic"/>
+                        <a:rPr lang="ja-JP" sz="3300" dirty="0">
+                          <a:latin typeface="Yu Gothic UI" panose="020B0500000000000000" pitchFamily="34" charset="-128"/>
+                          <a:ea typeface="Yu Gothic UI" panose="020B0500000000000000" pitchFamily="34" charset="-128"/>
                         </a:rPr>
                         <a:t>丁寧に作られたブレンド</a:t>
                       </a:r>
@@ -12297,18 +9925,13 @@
                 </a:tc>
                 <a:tc>
                   <a:txBody>
-                    <a:bodyPr vert="horz" wrap="square"/>
+                    <a:bodyPr/>
                     <a:lstStyle/>
                     <a:p>
                       <a:r>
-                        <a:rPr lang="ja-JP" sz="3300" b="0" i="0" strike="noStrike" cap="none" baseline="0">
-                          <a:solidFill>
-                            <a:srgbClr val="000000"/>
-                          </a:solidFill>
-                          <a:effectLst/>
-                          <a:latin typeface="MS UI Gothic"/>
-                          <a:ea typeface="MS UI Gothic"/>
-                          <a:cs typeface="MS UI Gothic"/>
+                        <a:rPr lang="ja-JP" sz="3300" dirty="0">
+                          <a:latin typeface="Yu Gothic UI" panose="020B0500000000000000" pitchFamily="34" charset="-128"/>
+                          <a:ea typeface="Yu Gothic UI" panose="020B0500000000000000" pitchFamily="34" charset="-128"/>
                         </a:rPr>
                         <a:t>本格的なチャイ体験</a:t>
                       </a:r>
@@ -12326,77 +9949,6 @@
           </a:graphicData>
         </a:graphic>
       </p:graphicFrame>
-      <p:sp>
-        <p:nvSpPr>
-          <p:cNvPr id="20" name="TextBox"/>
-          <p:cNvSpPr txBox="1">
-            <a:spLocks noGrp="1" noSelect="1" noRot="1" noMove="1"/>
-          </p:cNvSpPr>
-          <p:nvPr/>
-        </p:nvSpPr>
-        <p:spPr>
-          <a:xfrm>
-            <a:off x="2890520" y="2644140"/>
-            <a:ext cx="6411372" cy="1569660"/>
-          </a:xfrm>
-          <a:prstGeom prst="rect">
-            <a:avLst/>
-          </a:prstGeom>
-          <a:noFill/>
-        </p:spPr>
-        <p:txBody>
-          <a:bodyPr wrap="none" rtlCol="0" anchor="ctr" anchorCtr="1">
-            <a:spAutoFit/>
-          </a:bodyPr>
-          <a:lstStyle>
-            <a:lvl1pPr algn="l">
-              <a:lnSpc>
-                <a:spcPct val="150000"/>
-              </a:lnSpc>
-              <a:spcBef>
-                <a:spcPct val="0"/>
-              </a:spcBef>
-              <a:spcAft>
-                <a:spcPct val="0"/>
-              </a:spcAft>
-              <a:defRPr lang="en-US" sz="3200" b="1" noProof="1" dirty="0">
-                <a:solidFill>
-                  <a:prstClr val="red">
-                    <a:lumOff val="30000"/>
-                    <a:alpha val="40000"/>
-                  </a:prstClr>
-                </a:solidFill>
-                <a:effectLst>
-                  <a:outerShdw blurRad="50800" dist="38100" algn="tr" rotWithShape="0">
-                    <a:prstClr val="black">
-                      <a:alpha val="80000"/>
-                    </a:prstClr>
-                  </a:outerShdw>
-                </a:effectLst>
-                <a:latin typeface="Calibri" pitchFamily="34" charset="0"/>
-              </a:defRPr>
-            </a:lvl1pPr>
-          </a:lstStyle>
-          <a:p>
-            <a:pPr algn="ctr"/>
-            <a:r>
-              <a:t>Evaluation only.</a:t>
-            </a:r>
-          </a:p>
-          <a:p>
-            <a:pPr algn="ctr"/>
-            <a:r>
-              <a:t>Created with Aspose.Slides for Java 23.6.</a:t>
-            </a:r>
-          </a:p>
-          <a:p>
-            <a:pPr algn="ctr"/>
-            <a:r>
-              <a:t>Copyright 2004-2023 Aspose Pty Ltd.</a:t>
-            </a:r>
-          </a:p>
-        </p:txBody>
-      </p:sp>
     </p:spTree>
     <p:extLst>
       <p:ext uri="{BB962C8B-B14F-4D97-AF65-F5344CB8AC3E}">
@@ -12407,14 +9959,12 @@
   <p:clrMapOvr>
     <a:masterClrMapping/>
   </p:clrMapOvr>
-  <p:transition/>
-  <p:timing/>
 </p:sld>
 </file>
 
 <file path=ppt/slides/slide5.xml><?xml version="1.0" encoding="utf-8"?>
-<p:sld xmlns:a="http://schemas.openxmlformats.org/drawingml/2006/main" xmlns:r="http://schemas.openxmlformats.org/officeDocument/2006/relationships" xmlns:m="http://schemas.openxmlformats.org/officeDocument/2006/math" xmlns:w="http://schemas.openxmlformats.org/wordprocessingml/2006/main" xmlns:wp="http://schemas.openxmlformats.org/drawingml/2006/wordprocessingDrawing" xmlns:a14="http://schemas.microsoft.com/office/drawing/2010/main" xmlns:mc="http://schemas.openxmlformats.org/markup-compatibility/2006" xmlns:p14="http://schemas.microsoft.com/office/powerpoint/2010/main" xmlns:p15="http://schemas.microsoft.com/office/powerpoint/2012/main" xmlns:p159="http://schemas.microsoft.com/office/powerpoint/2015/09/main" xmlns:p="http://schemas.openxmlformats.org/presentationml/2006/main">
-  <p:cSld name="">
+<p:sld xmlns:a="http://schemas.openxmlformats.org/drawingml/2006/main" xmlns:r="http://schemas.openxmlformats.org/officeDocument/2006/relationships" xmlns:p="http://schemas.openxmlformats.org/presentationml/2006/main">
+  <p:cSld>
     <p:bg>
       <p:bgPr>
         <a:solidFill>
@@ -12433,6 +9983,8 @@
         <a:xfrm>
           <a:off x="0" y="0"/>
           <a:ext cx="0" cy="0"/>
+          <a:chOff x="0" y="0"/>
+          <a:chExt cx="0" cy="0"/>
         </a:xfrm>
       </p:grpSpPr>
       <p:sp useBgFill="1">
@@ -12524,16 +10076,15 @@
           <a:lstStyle/>
           <a:p>
             <a:r>
-              <a:rPr lang="ja-JP" sz="4700" b="0" i="0" strike="noStrike" cap="none" baseline="0">
-                <a:solidFill>
-                  <a:srgbClr val="404040"/>
-                </a:solidFill>
-                <a:effectLst/>
-                <a:latin typeface="MS UI Gothic"/>
-                <a:ea typeface="MS UI Gothic"/>
-                <a:cs typeface="MS UI Gothic"/>
+              <a:rPr lang="ja-JP" dirty="0">
+                <a:latin typeface="Yu Gothic UI" panose="020B0500000000000000" pitchFamily="34" charset="-128"/>
+                <a:ea typeface="Yu Gothic UI" panose="020B0500000000000000" pitchFamily="34" charset="-128"/>
               </a:rPr>
-              <a:t>製品説明 (1/2)</a:t>
+              <a:t>製品説明 </a:t>
+            </a:r>
+            <a:r>
+              <a:rPr lang="ja-JP" dirty="0"/>
+              <a:t>(1/2)</a:t>
             </a:r>
           </a:p>
         </p:txBody>
@@ -12671,7 +10222,7 @@
             <p:ph idx="1"/>
             <p:extLst>
               <p:ext uri="{D42A27DB-BD31-4B8C-83A1-F6EECF244321}">
-                <p14:modId xmlns:p14="http://schemas.microsoft.com/office/powerpoint/2010/main" val="2541948706"/>
+                <p14:modId xmlns:p14="http://schemas.microsoft.com/office/powerpoint/2010/main" val="1779813048"/>
               </p:ext>
             </p:extLst>
           </p:nvPr>
@@ -12705,58 +10256,44 @@
               <a:tr h="363233">
                 <a:tc>
                   <a:txBody>
-                    <a:bodyPr vert="horz" wrap="square"/>
+                    <a:bodyPr/>
                     <a:lstStyle/>
                     <a:p>
                       <a:pPr>
                         <a:spcAft>
-                          <a:spcPct val="0"/>
+                          <a:spcPts val="0"/>
                         </a:spcAft>
                       </a:pPr>
                       <a:r>
-                        <a:rPr lang="ja-JP" sz="1400" b="1" i="0" strike="noStrike" cap="none" baseline="0">
-                          <a:solidFill>
-                            <a:srgbClr val="FFFFFF"/>
-                          </a:solidFill>
+                        <a:rPr lang="ja-JP" sz="1400" dirty="0">
                           <a:effectLst/>
-                          <a:latin typeface="MS UI Gothic"/>
-                          <a:ea typeface="MS UI Gothic"/>
-                          <a:cs typeface="MS UI Gothic"/>
+                          <a:latin typeface="Yu Gothic UI" panose="020B0500000000000000" pitchFamily="34" charset="-128"/>
+                          <a:ea typeface="Yu Gothic UI" panose="020B0500000000000000" pitchFamily="34" charset="-128"/>
                         </a:rPr>
                         <a:t>製品名</a:t>
                       </a:r>
-                      <a:endParaRPr lang="en-US" sz="2300">
-                        <a:effectLst/>
-                      </a:endParaRPr>
                     </a:p>
                   </a:txBody>
                   <a:tcPr marL="49352" marR="49352" marT="49352" marB="49352"/>
                 </a:tc>
                 <a:tc>
                   <a:txBody>
-                    <a:bodyPr vert="horz" wrap="square"/>
+                    <a:bodyPr/>
                     <a:lstStyle/>
                     <a:p>
                       <a:pPr>
                         <a:spcAft>
-                          <a:spcPct val="0"/>
+                          <a:spcPts val="0"/>
                         </a:spcAft>
                       </a:pPr>
                       <a:r>
-                        <a:rPr lang="ja-JP" sz="1400" b="1" i="0" strike="noStrike" cap="none" baseline="0">
-                          <a:solidFill>
-                            <a:srgbClr val="FFFFFF"/>
-                          </a:solidFill>
+                        <a:rPr lang="ja-JP" sz="1400" dirty="0">
                           <a:effectLst/>
-                          <a:latin typeface="MS UI Gothic"/>
-                          <a:ea typeface="MS UI Gothic"/>
-                          <a:cs typeface="MS UI Gothic"/>
+                          <a:latin typeface="Yu Gothic UI" panose="020B0500000000000000" pitchFamily="34" charset="-128"/>
+                          <a:ea typeface="Yu Gothic UI" panose="020B0500000000000000" pitchFamily="34" charset="-128"/>
                         </a:rPr>
-                        <a:t>製品の説明</a:t>
+                        <a:t>製品説明</a:t>
                       </a:r>
-                      <a:endParaRPr lang="en-US" sz="2300">
-                        <a:effectLst/>
-                      </a:endParaRPr>
                     </a:p>
                   </a:txBody>
                   <a:tcPr marL="49352" marR="49352" marT="49352" marB="49352"/>
@@ -12770,70 +10307,77 @@
               <a:tr h="1448982">
                 <a:tc>
                   <a:txBody>
-                    <a:bodyPr vert="horz" wrap="square"/>
+                    <a:bodyPr/>
                     <a:lstStyle/>
                     <a:p>
                       <a:pPr>
                         <a:spcAft>
-                          <a:spcPct val="0"/>
+                          <a:spcPts val="0"/>
                         </a:spcAft>
                       </a:pPr>
                       <a:r>
-                        <a:rPr lang="ja-JP" sz="1400" b="0" i="0" strike="noStrike" cap="none" baseline="0">
-                          <a:solidFill>
-                            <a:srgbClr val="000000"/>
-                          </a:solidFill>
+                        <a:rPr lang="ja-JP" sz="1400" dirty="0">
                           <a:effectLst/>
-                          <a:latin typeface="MS UI Gothic"/>
-                          <a:ea typeface="MS UI Gothic"/>
-                          <a:cs typeface="MS UI Gothic"/>
                         </a:rPr>
                         <a:t>Mystic Spice Premium Chai Tea</a:t>
                       </a:r>
-                      <a:endParaRPr lang="en-US" sz="2300">
-                        <a:effectLst/>
-                      </a:endParaRPr>
                     </a:p>
                   </a:txBody>
                   <a:tcPr marL="49352" marR="49352" marT="49352" marB="49352"/>
                 </a:tc>
                 <a:tc>
                   <a:txBody>
-                    <a:bodyPr vert="horz" wrap="square"/>
+                    <a:bodyPr/>
                     <a:lstStyle/>
                     <a:p>
                       <a:pPr>
                         <a:spcAft>
-                          <a:spcPct val="0"/>
+                          <a:spcPts val="0"/>
                         </a:spcAft>
                       </a:pPr>
                       <a:r>
-                        <a:rPr lang="ja-JP" sz="1400" b="0" i="0" strike="noStrike" cap="none" baseline="0">
+                        <a:rPr lang="ja-JP" sz="1400" dirty="0">
+                          <a:effectLst/>
+                          <a:latin typeface="Yu Gothic UI" panose="020B0500000000000000" pitchFamily="34" charset="-128"/>
+                          <a:ea typeface="Yu Gothic UI" panose="020B0500000000000000" pitchFamily="34" charset="-128"/>
+                        </a:rPr>
+                        <a:t>インドのチャイの時代を超越した伝統に敬意を表し、細心の注意を払って作られたブレンドである </a:t>
+                      </a:r>
+                      <a:r>
+                        <a:rPr lang="en-US" altLang="ja-JP" sz="1400" kern="1200" dirty="0">
                           <a:solidFill>
-                            <a:srgbClr val="000000"/>
+                            <a:schemeClr val="dk1"/>
                           </a:solidFill>
                           <a:effectLst/>
-                          <a:latin typeface="MS UI Gothic"/>
-                          <a:ea typeface="MS UI Gothic"/>
-                          <a:cs typeface="MS UI Gothic"/>
+                          <a:latin typeface="+mn-lt"/>
+                          <a:ea typeface="+mn-ea"/>
+                          <a:cs typeface="+mn-cs"/>
                         </a:rPr>
-                        <a:t>インドのチャイの時代を超越した伝統に敬意を表し、細心の注意を払って作られたブレンドである Mystic Spice Premium Chai Tea の豊かで香り高い抱擁をお楽しみください。</a:t>
+                        <a:t>Mystic Spice Premium Chai Tea </a:t>
                       </a:r>
                       <a:r>
-                        <a:rPr lang="ja-JP" sz="1400" b="0" i="0" strike="noStrike" cap="none" baseline="0">
-                          <a:solidFill>
-                            <a:srgbClr val="000000"/>
-                          </a:solidFill>
+                        <a:rPr lang="ja-JP" sz="1400" dirty="0">
                           <a:effectLst/>
-                          <a:latin typeface="MS UI Gothic"/>
-                          <a:ea typeface="MS UI Gothic"/>
-                          <a:cs typeface="MS UI Gothic"/>
+                          <a:latin typeface="Yu Gothic UI" panose="020B0500000000000000" pitchFamily="34" charset="-128"/>
+                          <a:ea typeface="Yu Gothic UI" panose="020B0500000000000000" pitchFamily="34" charset="-128"/>
                         </a:rPr>
-                        <a:t>各カップはインドの活気に満ちた風景を巡る魅惑的な旅を提供し、自宅で本格的なチャイ体験をお届けします。</a:t>
+                        <a:t>の豊かで香り高い抱擁をお楽しみください。各カップはインドの活気に満ちた風景を巡る魅惑的な旅を提供し、自宅で本格的なチャイ体験をお届けし</a:t>
                       </a:r>
-                      <a:endParaRPr lang="en-US" sz="2300">
-                        <a:effectLst/>
-                      </a:endParaRPr>
+                      <a:br>
+                        <a:rPr lang="en-US" altLang="ja-JP" sz="1400" dirty="0">
+                          <a:effectLst/>
+                          <a:latin typeface="Yu Gothic UI" panose="020B0500000000000000" pitchFamily="34" charset="-128"/>
+                          <a:ea typeface="Yu Gothic UI" panose="020B0500000000000000" pitchFamily="34" charset="-128"/>
+                        </a:rPr>
+                      </a:br>
+                      <a:r>
+                        <a:rPr lang="ja-JP" sz="1400" dirty="0">
+                          <a:effectLst/>
+                          <a:latin typeface="Yu Gothic UI" panose="020B0500000000000000" pitchFamily="34" charset="-128"/>
+                          <a:ea typeface="Yu Gothic UI" panose="020B0500000000000000" pitchFamily="34" charset="-128"/>
+                        </a:rPr>
+                        <a:t>ます。</a:t>
+                      </a:r>
                     </a:p>
                   </a:txBody>
                   <a:tcPr marL="49352" marR="49352" marT="49352" marB="49352"/>
@@ -12847,58 +10391,44 @@
               <a:tr h="363233">
                 <a:tc>
                   <a:txBody>
-                    <a:bodyPr vert="horz" wrap="square"/>
+                    <a:bodyPr/>
                     <a:lstStyle/>
                     <a:p>
                       <a:pPr>
                         <a:spcAft>
-                          <a:spcPct val="0"/>
+                          <a:spcPts val="0"/>
                         </a:spcAft>
                       </a:pPr>
                       <a:r>
-                        <a:rPr lang="ja-JP" sz="1400" b="0" i="0" strike="noStrike" cap="none" baseline="0">
-                          <a:solidFill>
-                            <a:srgbClr val="000000"/>
-                          </a:solidFill>
+                        <a:rPr lang="ja-JP" sz="1400">
                           <a:effectLst/>
-                          <a:latin typeface="MS UI Gothic"/>
-                          <a:ea typeface="MS UI Gothic"/>
-                          <a:cs typeface="MS UI Gothic"/>
+                          <a:latin typeface="Yu Gothic UI" panose="020B0500000000000000" pitchFamily="34" charset="-128"/>
+                          <a:ea typeface="Yu Gothic UI" panose="020B0500000000000000" pitchFamily="34" charset="-128"/>
                         </a:rPr>
-                        <a:t>主な機能</a:t>
+                        <a:t>主な特徴</a:t>
                       </a:r>
-                      <a:endParaRPr lang="en-US" sz="2300">
-                        <a:effectLst/>
-                      </a:endParaRPr>
                     </a:p>
                   </a:txBody>
                   <a:tcPr marL="49352" marR="49352" marT="49352" marB="49352"/>
                 </a:tc>
                 <a:tc>
                   <a:txBody>
-                    <a:bodyPr vert="horz" wrap="square"/>
+                    <a:bodyPr/>
                     <a:lstStyle/>
                     <a:p>
                       <a:pPr>
                         <a:spcAft>
-                          <a:spcPct val="0"/>
+                          <a:spcPts val="0"/>
                         </a:spcAft>
                       </a:pPr>
                       <a:r>
-                        <a:rPr lang="ja-JP" sz="1400" b="0" i="0" strike="noStrike" cap="none" baseline="0">
-                          <a:solidFill>
-                            <a:srgbClr val="000000"/>
-                          </a:solidFill>
+                        <a:rPr lang="ja-JP" sz="1400" dirty="0">
                           <a:effectLst/>
-                          <a:latin typeface="MS UI Gothic"/>
-                          <a:ea typeface="MS UI Gothic"/>
-                          <a:cs typeface="MS UI Gothic"/>
+                          <a:latin typeface="Yu Gothic UI" panose="020B0500000000000000" pitchFamily="34" charset="-128"/>
+                          <a:ea typeface="Yu Gothic UI" panose="020B0500000000000000" pitchFamily="34" charset="-128"/>
                         </a:rPr>
                         <a:t>主な利点</a:t>
                       </a:r>
-                      <a:endParaRPr lang="en-US" sz="2300">
-                        <a:effectLst/>
-                      </a:endParaRPr>
                     </a:p>
                   </a:txBody>
                   <a:tcPr marL="49352" marR="49352" marT="49352" marB="49352"/>
@@ -12912,82 +10442,64 @@
               <a:tr h="1231833">
                 <a:tc>
                   <a:txBody>
-                    <a:bodyPr vert="horz" wrap="square"/>
+                    <a:bodyPr/>
                     <a:lstStyle/>
                     <a:p>
                       <a:pPr>
                         <a:spcAft>
-                          <a:spcPct val="0"/>
+                          <a:spcPts val="0"/>
                         </a:spcAft>
                       </a:pPr>
                       <a:r>
-                        <a:rPr lang="ja-JP" sz="1400" b="0" i="0" strike="noStrike" cap="none" baseline="0">
-                          <a:solidFill>
-                            <a:srgbClr val="000000"/>
-                          </a:solidFill>
+                        <a:rPr lang="ja-JP" sz="1400" dirty="0">
                           <a:effectLst/>
-                          <a:latin typeface="MS UI Gothic"/>
-                          <a:ea typeface="MS UI Gothic"/>
-                          <a:cs typeface="MS UI Gothic"/>
+                          <a:latin typeface="Yu Gothic UI" panose="020B0500000000000000" pitchFamily="34" charset="-128"/>
+                          <a:ea typeface="Yu Gothic UI" panose="020B0500000000000000" pitchFamily="34" charset="-128"/>
                         </a:rPr>
-                        <a:t>本格的なブレンド: プレミアムな紅茶の葉、シナモン、カルダモン、クローブ、ショウガ、黒コショウなどの厳選されたスパイスを粉砕し、絶妙にブレンドしたチャイです。</a:t>
+                        <a:t>本格ブレンド: 当社のチャイは、高級な紅茶葉と、シナモン、カルダモン、クローブ、ジンジャー、ブラック ペッパーなどの代表的な挽いたスパイスの調和のとれたミックスです。この古くから伝わるレシピは、一口飲むごとに本格的でしっかりとした味わいを約束します。</a:t>
                       </a:r>
-                      <a:r>
-                        <a:rPr lang="ja-JP" sz="1400" b="0" i="0" strike="noStrike" cap="none" baseline="0">
-                          <a:solidFill>
-                            <a:srgbClr val="000000"/>
-                          </a:solidFill>
-                          <a:effectLst/>
-                          <a:latin typeface="MS UI Gothic"/>
-                          <a:ea typeface="MS UI Gothic"/>
-                          <a:cs typeface="MS UI Gothic"/>
-                        </a:rPr>
-                        <a:t>この古くから伝わるレシピは、一口飲むごとに本格的でしっかりとした味わいを約束します。</a:t>
-                      </a:r>
-                      <a:endParaRPr lang="en-US" sz="2300">
-                        <a:effectLst/>
-                      </a:endParaRPr>
                     </a:p>
                   </a:txBody>
                   <a:tcPr marL="49352" marR="49352" marT="49352" marB="49352"/>
                 </a:tc>
                 <a:tc>
                   <a:txBody>
-                    <a:bodyPr vert="horz" wrap="square"/>
+                    <a:bodyPr/>
                     <a:lstStyle/>
                     <a:p>
                       <a:pPr>
                         <a:spcAft>
-                          <a:spcPct val="0"/>
+                          <a:spcPts val="0"/>
                         </a:spcAft>
                       </a:pPr>
                       <a:r>
-                        <a:rPr lang="ja-JP" sz="1400" b="0" i="0" strike="noStrike" cap="none" baseline="0">
+                        <a:rPr lang="ja-JP" sz="1400" dirty="0">
+                          <a:effectLst/>
+                          <a:latin typeface="Yu Gothic UI" panose="020B0500000000000000" pitchFamily="34" charset="-128"/>
+                          <a:ea typeface="Yu Gothic UI" panose="020B0500000000000000" pitchFamily="34" charset="-128"/>
+                        </a:rPr>
+                        <a:t>健康増進成分: </a:t>
+                      </a:r>
+                      <a:r>
+                        <a:rPr lang="en-US" altLang="ja-JP" sz="1400" kern="1200" dirty="0">
                           <a:solidFill>
-                            <a:srgbClr val="000000"/>
+                            <a:schemeClr val="dk1"/>
                           </a:solidFill>
                           <a:effectLst/>
-                          <a:latin typeface="MS UI Gothic"/>
-                          <a:ea typeface="MS UI Gothic"/>
-                          <a:cs typeface="MS UI Gothic"/>
+                          <a:latin typeface="+mn-lt"/>
+                          <a:ea typeface="+mn-ea"/>
+                          <a:cs typeface="+mn-cs"/>
                         </a:rPr>
-                        <a:t>健康に良い素材: Mystic Spice Chai Tea には、健康効果を考慮して選ばれた天然素材が使用されています。</a:t>
+                        <a:t>Mystic Spice Chai Tea </a:t>
                       </a:r>
                       <a:r>
-                        <a:rPr lang="ja-JP" sz="1400" b="0" i="0" strike="noStrike" cap="none" baseline="0">
-                          <a:solidFill>
-                            <a:srgbClr val="000000"/>
-                          </a:solidFill>
+                        <a:rPr lang="ja-JP" sz="1400" dirty="0">
                           <a:effectLst/>
-                          <a:latin typeface="MS UI Gothic"/>
-                          <a:ea typeface="MS UI Gothic"/>
-                          <a:cs typeface="MS UI Gothic"/>
+                          <a:latin typeface="Yu Gothic UI" panose="020B0500000000000000" pitchFamily="34" charset="-128"/>
+                          <a:ea typeface="Yu Gothic UI" panose="020B0500000000000000" pitchFamily="34" charset="-128"/>
                         </a:rPr>
-                        <a:t>ジンジャーとカルダモンは消化を助け、シナモンは血糖値の調節を助け、クローブは抗酸化物質を高めます。</a:t>
+                        <a:t>の各成分は、自然な健康上の利点を考慮して選択されています。ジンジャーとカルダモンは消化を助け、シナモンは血糖値の調節を助け、クローブは抗酸化物質を高めます。</a:t>
                       </a:r>
-                      <a:endParaRPr lang="en-US" sz="2300">
-                        <a:effectLst/>
-                      </a:endParaRPr>
                     </a:p>
                   </a:txBody>
                   <a:tcPr marL="49352" marR="49352" marT="49352" marB="49352"/>
@@ -13002,77 +10514,6 @@
           </a:graphicData>
         </a:graphic>
       </p:graphicFrame>
-      <p:sp>
-        <p:nvSpPr>
-          <p:cNvPr id="15" name="TextBox"/>
-          <p:cNvSpPr txBox="1">
-            <a:spLocks noGrp="1" noSelect="1" noRot="1" noMove="1"/>
-          </p:cNvSpPr>
-          <p:nvPr/>
-        </p:nvSpPr>
-        <p:spPr>
-          <a:xfrm>
-            <a:off x="2890520" y="2644140"/>
-            <a:ext cx="6411372" cy="1569660"/>
-          </a:xfrm>
-          <a:prstGeom prst="rect">
-            <a:avLst/>
-          </a:prstGeom>
-          <a:noFill/>
-        </p:spPr>
-        <p:txBody>
-          <a:bodyPr wrap="none" rtlCol="0" anchor="ctr" anchorCtr="1">
-            <a:spAutoFit/>
-          </a:bodyPr>
-          <a:lstStyle>
-            <a:lvl1pPr algn="l">
-              <a:lnSpc>
-                <a:spcPct val="150000"/>
-              </a:lnSpc>
-              <a:spcBef>
-                <a:spcPct val="0"/>
-              </a:spcBef>
-              <a:spcAft>
-                <a:spcPct val="0"/>
-              </a:spcAft>
-              <a:defRPr lang="en-US" sz="3200" b="1" noProof="1" dirty="0">
-                <a:solidFill>
-                  <a:prstClr val="red">
-                    <a:lumOff val="30000"/>
-                    <a:alpha val="40000"/>
-                  </a:prstClr>
-                </a:solidFill>
-                <a:effectLst>
-                  <a:outerShdw blurRad="50800" dist="38100" algn="tr" rotWithShape="0">
-                    <a:prstClr val="black">
-                      <a:alpha val="80000"/>
-                    </a:prstClr>
-                  </a:outerShdw>
-                </a:effectLst>
-                <a:latin typeface="Calibri" pitchFamily="34" charset="0"/>
-              </a:defRPr>
-            </a:lvl1pPr>
-          </a:lstStyle>
-          <a:p>
-            <a:pPr algn="ctr"/>
-            <a:r>
-              <a:t>Evaluation only.</a:t>
-            </a:r>
-          </a:p>
-          <a:p>
-            <a:pPr algn="ctr"/>
-            <a:r>
-              <a:t>Created with Aspose.Slides for Java 23.6.</a:t>
-            </a:r>
-          </a:p>
-          <a:p>
-            <a:pPr algn="ctr"/>
-            <a:r>
-              <a:t>Copyright 2004-2023 Aspose Pty Ltd.</a:t>
-            </a:r>
-          </a:p>
-        </p:txBody>
-      </p:sp>
     </p:spTree>
     <p:extLst>
       <p:ext uri="{BB962C8B-B14F-4D97-AF65-F5344CB8AC3E}">
@@ -13083,14 +10524,12 @@
   <p:clrMapOvr>
     <a:masterClrMapping/>
   </p:clrMapOvr>
-  <p:transition/>
-  <p:timing/>
 </p:sld>
 </file>
 
 <file path=ppt/slides/slide6.xml><?xml version="1.0" encoding="utf-8"?>
-<p:sld xmlns:a="http://schemas.openxmlformats.org/drawingml/2006/main" xmlns:r="http://schemas.openxmlformats.org/officeDocument/2006/relationships" xmlns:m="http://schemas.openxmlformats.org/officeDocument/2006/math" xmlns:w="http://schemas.openxmlformats.org/wordprocessingml/2006/main" xmlns:wp="http://schemas.openxmlformats.org/drawingml/2006/wordprocessingDrawing" xmlns:a14="http://schemas.microsoft.com/office/drawing/2010/main" xmlns:mc="http://schemas.openxmlformats.org/markup-compatibility/2006" xmlns:p14="http://schemas.microsoft.com/office/powerpoint/2010/main" xmlns:p15="http://schemas.microsoft.com/office/powerpoint/2012/main" xmlns:p159="http://schemas.microsoft.com/office/powerpoint/2015/09/main" xmlns:p="http://schemas.openxmlformats.org/presentationml/2006/main">
-  <p:cSld name="">
+<p:sld xmlns:a="http://schemas.openxmlformats.org/drawingml/2006/main" xmlns:r="http://schemas.openxmlformats.org/officeDocument/2006/relationships" xmlns:p="http://schemas.openxmlformats.org/presentationml/2006/main">
+  <p:cSld>
     <p:bg>
       <p:bgPr>
         <a:solidFill>
@@ -13109,6 +10548,8 @@
         <a:xfrm>
           <a:off x="0" y="0"/>
           <a:ext cx="0" cy="0"/>
+          <a:chOff x="0" y="0"/>
+          <a:chExt cx="0" cy="0"/>
         </a:xfrm>
       </p:grpSpPr>
       <p:sp>
@@ -13269,7 +10710,7 @@
               <a:shade val="50000"/>
             </a:schemeClr>
           </a:lnRef>
-          <a:fillRef idx="4294967295">
+          <a:fillRef idx="1001">
             <a:schemeClr val="lt1"/>
           </a:fillRef>
           <a:effectRef idx="0">
@@ -13379,16 +10820,22 @@
           <a:lstStyle/>
           <a:p>
             <a:r>
-              <a:rPr lang="ja-JP" sz="4400" b="0" i="0" strike="noStrike" cap="none" baseline="0">
+              <a:rPr lang="ja-JP" sz="4400" dirty="0">
                 <a:solidFill>
                   <a:srgbClr val="FFFFFF"/>
                 </a:solidFill>
-                <a:effectLst/>
-                <a:latin typeface="MS UI Gothic"/>
-                <a:ea typeface="MS UI Gothic"/>
-                <a:cs typeface="MS UI Gothic"/>
+                <a:latin typeface="Yu Gothic UI" panose="020B0500000000000000" pitchFamily="34" charset="-128"/>
+                <a:ea typeface="Yu Gothic UI" panose="020B0500000000000000" pitchFamily="34" charset="-128"/>
               </a:rPr>
-              <a:t>製品説明 (2/2)</a:t>
+              <a:t>製品説明</a:t>
+            </a:r>
+            <a:r>
+              <a:rPr lang="ja-JP" sz="4400" dirty="0">
+                <a:solidFill>
+                  <a:srgbClr val="FFFFFF"/>
+                </a:solidFill>
+              </a:rPr>
+              <a:t> (2/2)</a:t>
             </a:r>
           </a:p>
         </p:txBody>
@@ -13461,7 +10908,7 @@
             <p:ph idx="1"/>
             <p:extLst>
               <p:ext uri="{D42A27DB-BD31-4B8C-83A1-F6EECF244321}">
-                <p14:modId xmlns:p14="http://schemas.microsoft.com/office/powerpoint/2010/main" val="681746486"/>
+                <p14:modId xmlns:p14="http://schemas.microsoft.com/office/powerpoint/2010/main" val="1967774082"/>
               </p:ext>
             </p:extLst>
           </p:nvPr>
@@ -13495,58 +10942,44 @@
               <a:tr h="271208">
                 <a:tc>
                   <a:txBody>
-                    <a:bodyPr vert="horz" wrap="square"/>
+                    <a:bodyPr/>
                     <a:lstStyle/>
                     <a:p>
                       <a:pPr>
                         <a:spcAft>
-                          <a:spcPct val="0"/>
+                          <a:spcPts val="0"/>
                         </a:spcAft>
                       </a:pPr>
                       <a:r>
-                        <a:rPr lang="ja-JP" sz="1100" b="1" i="0" strike="noStrike" cap="none" baseline="0">
-                          <a:solidFill>
-                            <a:srgbClr val="FFFFFF"/>
-                          </a:solidFill>
+                        <a:rPr lang="ja-JP" sz="1100" dirty="0">
                           <a:effectLst/>
-                          <a:latin typeface="MS UI Gothic"/>
-                          <a:ea typeface="MS UI Gothic"/>
-                          <a:cs typeface="MS UI Gothic"/>
+                          <a:latin typeface="Yu Gothic UI" panose="020B0500000000000000" pitchFamily="34" charset="-128"/>
+                          <a:ea typeface="Yu Gothic UI" panose="020B0500000000000000" pitchFamily="34" charset="-128"/>
                         </a:rPr>
                         <a:t>製品名</a:t>
                       </a:r>
-                      <a:endParaRPr lang="en-US" sz="1700">
-                        <a:effectLst/>
-                      </a:endParaRPr>
                     </a:p>
                   </a:txBody>
                   <a:tcPr marL="36849" marR="36849" marT="36849" marB="36849"/>
                 </a:tc>
                 <a:tc>
                   <a:txBody>
-                    <a:bodyPr vert="horz" wrap="square"/>
+                    <a:bodyPr/>
                     <a:lstStyle/>
                     <a:p>
                       <a:pPr>
                         <a:spcAft>
-                          <a:spcPct val="0"/>
+                          <a:spcPts val="0"/>
                         </a:spcAft>
                       </a:pPr>
                       <a:r>
-                        <a:rPr lang="ja-JP" sz="1100" b="1" i="0" strike="noStrike" cap="none" baseline="0">
-                          <a:solidFill>
-                            <a:srgbClr val="FFFFFF"/>
-                          </a:solidFill>
+                        <a:rPr lang="ja-JP" sz="1100">
                           <a:effectLst/>
-                          <a:latin typeface="MS UI Gothic"/>
-                          <a:ea typeface="MS UI Gothic"/>
-                          <a:cs typeface="MS UI Gothic"/>
+                          <a:latin typeface="Yu Gothic UI" panose="020B0500000000000000" pitchFamily="34" charset="-128"/>
+                          <a:ea typeface="Yu Gothic UI" panose="020B0500000000000000" pitchFamily="34" charset="-128"/>
                         </a:rPr>
-                        <a:t>製品の説明</a:t>
+                        <a:t>製品説明</a:t>
                       </a:r>
-                      <a:endParaRPr lang="en-US" sz="1700">
-                        <a:effectLst/>
-                      </a:endParaRPr>
                     </a:p>
                   </a:txBody>
                   <a:tcPr marL="36849" marR="36849" marT="36849" marB="36849"/>
@@ -13560,82 +10993,44 @@
               <a:tr h="1081883">
                 <a:tc>
                   <a:txBody>
-                    <a:bodyPr vert="horz" wrap="square"/>
+                    <a:bodyPr/>
                     <a:lstStyle/>
                     <a:p>
                       <a:pPr>
                         <a:spcAft>
-                          <a:spcPct val="0"/>
+                          <a:spcPts val="0"/>
                         </a:spcAft>
                       </a:pPr>
                       <a:r>
-                        <a:rPr lang="ja-JP" sz="1100" b="0" i="0" strike="noStrike" cap="none" baseline="0">
-                          <a:solidFill>
-                            <a:srgbClr val="000000"/>
-                          </a:solidFill>
+                        <a:rPr lang="ja-JP" sz="1100" dirty="0">
                           <a:effectLst/>
-                          <a:latin typeface="MS UI Gothic"/>
-                          <a:ea typeface="MS UI Gothic"/>
-                          <a:cs typeface="MS UI Gothic"/>
+                          <a:latin typeface="Yu Gothic UI" panose="020B0500000000000000" pitchFamily="34" charset="-128"/>
+                          <a:ea typeface="Yu Gothic UI" panose="020B0500000000000000" pitchFamily="34" charset="-128"/>
                         </a:rPr>
-                        <a:t>豊かな香りと味: 私たちのチャイは暖かく、辛い香りと深く、活気のある味わいを持ち、一日を始めたり、夜にリラックスするのに最適な飲み物です。</a:t>
+                        <a:t>豊かな香りと風味: 温かくスパイシーな香りと深く爽快な味わいのチャイは、一日の始まりや夜のくつろぎに最適な飲み物です。風味は強烈でありながらバランスが取れており、快適で心地よい体験を生み出します。</a:t>
                       </a:r>
-                      <a:r>
-                        <a:rPr lang="ja-JP" sz="1100" b="0" i="0" strike="noStrike" cap="none" baseline="0">
-                          <a:solidFill>
-                            <a:srgbClr val="000000"/>
-                          </a:solidFill>
-                          <a:effectLst/>
-                          <a:latin typeface="MS UI Gothic"/>
-                          <a:ea typeface="MS UI Gothic"/>
-                          <a:cs typeface="MS UI Gothic"/>
-                        </a:rPr>
-                        <a:t>風味は強烈でありながらバランスが取れており、快適で心地よい体験を生み出します。</a:t>
-                      </a:r>
-                      <a:endParaRPr lang="en-US" sz="1700">
-                        <a:effectLst/>
-                      </a:endParaRPr>
                     </a:p>
                   </a:txBody>
                   <a:tcPr marL="36849" marR="36849" marT="36849" marB="36849"/>
                 </a:tc>
                 <a:tc>
                   <a:txBody>
-                    <a:bodyPr vert="horz" wrap="square"/>
+                    <a:bodyPr/>
                     <a:lstStyle/>
                     <a:p>
                       <a:pPr>
                         <a:spcAft>
-                          <a:spcPct val="0"/>
+                          <a:spcPts val="0"/>
                         </a:spcAft>
                       </a:pPr>
                       <a:r>
-                        <a:rPr lang="ja-JP" sz="1100" b="0" i="0" strike="noStrike" cap="none" baseline="0">
-                          <a:solidFill>
-                            <a:srgbClr val="000000"/>
-                          </a:solidFill>
+                        <a:rPr lang="ja-JP" sz="1100">
                           <a:effectLst/>
-                          <a:latin typeface="MS UI Gothic"/>
-                          <a:ea typeface="MS UI Gothic"/>
-                          <a:cs typeface="MS UI Gothic"/>
+                          <a:latin typeface="Yu Gothic UI" panose="020B0500000000000000" pitchFamily="34" charset="-128"/>
+                          <a:ea typeface="Yu Gothic UI" panose="020B0500000000000000" pitchFamily="34" charset="-128"/>
                         </a:rPr>
-                        <a:t>多様な楽しみ方: ホットだけでなく、爽やかなアイスティーやクリーミーなラテなど、好みに合わせて自由にお楽しみいただける万能なブレンドです。</a:t>
+                        <a:t>多彩な淹れ方: 熱々のチャイが好きでも、さわやかなアイス ティーとしても、クリーミーなラテとしても、当社のブレンドはどんな好みにも合う多用途な製品です。お好みの方法でチャイをお楽しみいただけるよう、簡単な淹れ方の説明書が付属しています。</a:t>
                       </a:r>
-                      <a:r>
-                        <a:rPr lang="ja-JP" sz="1100" b="0" i="0" strike="noStrike" cap="none" baseline="0">
-                          <a:solidFill>
-                            <a:srgbClr val="000000"/>
-                          </a:solidFill>
-                          <a:effectLst/>
-                          <a:latin typeface="MS UI Gothic"/>
-                          <a:ea typeface="MS UI Gothic"/>
-                          <a:cs typeface="MS UI Gothic"/>
-                        </a:rPr>
-                        <a:t>お好みの方法でチャイをお楽しみいただけるよう、簡単な淹れ方の説明書が付属しています。</a:t>
-                      </a:r>
-                      <a:endParaRPr lang="en-US" sz="1700">
-                        <a:effectLst/>
-                      </a:endParaRPr>
                     </a:p>
                   </a:txBody>
                   <a:tcPr marL="36849" marR="36849" marT="36849" marB="36849"/>
@@ -13649,58 +11044,64 @@
               <a:tr h="757613">
                 <a:tc>
                   <a:txBody>
-                    <a:bodyPr vert="horz" wrap="square"/>
+                    <a:bodyPr/>
                     <a:lstStyle/>
                     <a:p>
                       <a:pPr>
                         <a:spcAft>
-                          <a:spcPct val="0"/>
+                          <a:spcPts val="0"/>
                         </a:spcAft>
                       </a:pPr>
                       <a:r>
-                        <a:rPr lang="ja-JP" sz="1100" b="0" i="0" strike="noStrike" cap="none" baseline="0">
-                          <a:solidFill>
-                            <a:srgbClr val="000000"/>
-                          </a:solidFill>
+                        <a:rPr lang="ja-JP" sz="1100">
                           <a:effectLst/>
-                          <a:latin typeface="MS UI Gothic"/>
-                          <a:ea typeface="MS UI Gothic"/>
-                          <a:cs typeface="MS UI Gothic"/>
+                          <a:latin typeface="Yu Gothic UI" panose="020B0500000000000000" pitchFamily="34" charset="-128"/>
+                          <a:ea typeface="Yu Gothic UI" panose="020B0500000000000000" pitchFamily="34" charset="-128"/>
                         </a:rPr>
-                        <a:t>持続可能な調達: 持続可能性を重視し、有機農業を実践する小規模農場から原料を調達することで、最高品質を実現するだけでなく地球環境にも配慮しています。</a:t>
+                        <a:t>持続可能な調達: 持続可能性を重視し、有機農業を実践する小規模農場から原材料を調達し、最高の品質だけでなく地球の福祉も保証します。</a:t>
                       </a:r>
-                      <a:endParaRPr lang="en-US" sz="1700">
-                        <a:effectLst/>
-                      </a:endParaRPr>
                     </a:p>
                   </a:txBody>
                   <a:tcPr marL="36849" marR="36849" marT="36849" marB="36849"/>
                 </a:tc>
                 <a:tc>
                   <a:txBody>
-                    <a:bodyPr vert="horz" wrap="square"/>
+                    <a:bodyPr/>
                     <a:lstStyle/>
                     <a:p>
                       <a:pPr>
                         <a:spcAft>
-                          <a:spcPct val="0"/>
+                          <a:spcPts val="0"/>
                         </a:spcAft>
                       </a:pPr>
                       <a:r>
-                        <a:rPr lang="ja-JP" sz="1100" b="0" i="0" strike="noStrike" cap="none" baseline="0">
+                        <a:rPr lang="ja-JP" sz="1100" dirty="0">
+                          <a:effectLst/>
+                          <a:latin typeface="Yu Gothic UI" panose="020B0500000000000000" pitchFamily="34" charset="-128"/>
+                          <a:ea typeface="Yu Gothic UI" panose="020B0500000000000000" pitchFamily="34" charset="-128"/>
+                        </a:rPr>
+                        <a:t>エレガントなパッケージ: </a:t>
+                      </a:r>
+                      <a:r>
+                        <a:rPr lang="en-US" altLang="ja-JP" sz="1100" kern="1200" dirty="0">
                           <a:solidFill>
-                            <a:srgbClr val="000000"/>
+                            <a:schemeClr val="tx1"/>
                           </a:solidFill>
                           <a:effectLst/>
-                          <a:latin typeface="MS UI Gothic"/>
-                          <a:ea typeface="MS UI Gothic"/>
-                          <a:cs typeface="MS UI Gothic"/>
+                          <a:latin typeface="+mn-lt"/>
+                          <a:ea typeface="+mn-ea"/>
+                          <a:cs typeface="+mn-cs"/>
                         </a:rPr>
-                        <a:t>エレガントなパッケージ: Mystic Spice Chai Tea は、環境に配慮した美しいデザインのパッケージに梱包されているため、お茶が好きな方に贈るギフトや自分自身への贅沢なご褒美として最適です。</a:t>
+                        <a:t>Mystic Spice Chai Tea </a:t>
                       </a:r>
-                      <a:endParaRPr lang="en-US" sz="1700">
-                        <a:effectLst/>
-                      </a:endParaRPr>
+                      <a:r>
+                        <a:rPr lang="ja-JP" sz="1100" dirty="0">
+                          <a:effectLst/>
+                          <a:latin typeface="Yu Gothic UI" panose="020B0500000000000000" pitchFamily="34" charset="-128"/>
+                          <a:ea typeface="Yu Gothic UI" panose="020B0500000000000000" pitchFamily="34" charset="-128"/>
+                        </a:rPr>
+                        <a:t>は、美しくデザインされた環境に優しいパッケージに入っており、紅茶愛好家への贈り物や自分への贅沢なご褒美に最適です。</a:t>
+                      </a:r>
                     </a:p>
                   </a:txBody>
                   <a:tcPr marL="36849" marR="36849" marT="36849" marB="36849"/>
@@ -13714,70 +11115,64 @@
               <a:tr h="757613">
                 <a:tc>
                   <a:txBody>
-                    <a:bodyPr vert="horz" wrap="square"/>
+                    <a:bodyPr/>
                     <a:lstStyle/>
                     <a:p>
                       <a:pPr>
                         <a:spcAft>
-                          <a:spcPct val="0"/>
+                          <a:spcPts val="0"/>
                         </a:spcAft>
                       </a:pPr>
                       <a:r>
-                        <a:rPr lang="ja-JP" sz="1100" b="0" i="0" strike="noStrike" cap="none" baseline="0">
+                        <a:rPr lang="ja-JP" sz="1100" dirty="0">
+                          <a:effectLst/>
+                          <a:latin typeface="Yu Gothic UI" panose="020B0500000000000000" pitchFamily="34" charset="-128"/>
+                          <a:ea typeface="Yu Gothic UI" panose="020B0500000000000000" pitchFamily="34" charset="-128"/>
+                        </a:rPr>
+                        <a:t>顧客満足度保証: 当社は自社製品に責任を持ち、顧客満足度を保証します。</a:t>
+                      </a:r>
+                      <a:r>
+                        <a:rPr lang="en-US" altLang="ja-JP" sz="1100" kern="1200" dirty="0">
                           <a:solidFill>
-                            <a:srgbClr val="000000"/>
+                            <a:schemeClr val="tx1"/>
                           </a:solidFill>
                           <a:effectLst/>
-                          <a:latin typeface="MS UI Gothic"/>
-                          <a:ea typeface="MS UI Gothic"/>
-                          <a:cs typeface="MS UI Gothic"/>
+                          <a:latin typeface="+mn-lt"/>
+                          <a:ea typeface="+mn-ea"/>
+                          <a:cs typeface="+mn-cs"/>
                         </a:rPr>
-                        <a:t>顧客満足度保証: 当社は製品の品質に自信を持っており、満足度保証を提供しています。</a:t>
+                        <a:t>Mystic Spice Chai Tea </a:t>
                       </a:r>
                       <a:r>
-                        <a:rPr lang="ja-JP" sz="1100" b="0" i="0" strike="noStrike" cap="none" baseline="0">
-                          <a:solidFill>
-                            <a:srgbClr val="000000"/>
-                          </a:solidFill>
+                        <a:rPr lang="ja-JP" sz="1100" dirty="0">
                           <a:effectLst/>
-                          <a:latin typeface="MS UI Gothic"/>
-                          <a:ea typeface="MS UI Gothic"/>
-                          <a:cs typeface="MS UI Gothic"/>
+                          <a:latin typeface="Yu Gothic UI" panose="020B0500000000000000" pitchFamily="34" charset="-128"/>
+                          <a:ea typeface="Yu Gothic UI" panose="020B0500000000000000" pitchFamily="34" charset="-128"/>
                         </a:rPr>
-                        <a:t>Mystic Spice Chai Tea がお客様のご期待に添えない場合は、当社が改善するよう努めます。</a:t>
+                        <a:t>がお客様のご期待に添えない場合は、当社が改善するよう努めます。</a:t>
                       </a:r>
-                      <a:endParaRPr lang="en-US" sz="1700">
-                        <a:effectLst/>
-                      </a:endParaRPr>
                     </a:p>
                   </a:txBody>
                   <a:tcPr marL="36849" marR="36849" marT="36849" marB="36849"/>
                 </a:tc>
                 <a:tc>
                   <a:txBody>
-                    <a:bodyPr vert="horz" wrap="square"/>
+                    <a:bodyPr/>
                     <a:lstStyle/>
                     <a:p>
                       <a:pPr>
                         <a:spcAft>
-                          <a:spcPct val="0"/>
+                          <a:spcPts val="0"/>
                         </a:spcAft>
                       </a:pPr>
                       <a:r>
-                        <a:rPr lang="ja-JP" sz="1100" b="0" i="0" strike="noStrike" cap="none" baseline="0">
-                          <a:solidFill>
-                            <a:srgbClr val="000000"/>
-                          </a:solidFill>
+                        <a:rPr lang="ja-JP" sz="1100" dirty="0">
                           <a:effectLst/>
-                          <a:latin typeface="MS UI Gothic"/>
-                          <a:ea typeface="MS UI Gothic"/>
-                          <a:cs typeface="MS UI Gothic"/>
+                          <a:latin typeface="Yu Gothic UI" panose="020B0500000000000000" pitchFamily="34" charset="-128"/>
+                          <a:ea typeface="Yu Gothic UI" panose="020B0500000000000000" pitchFamily="34" charset="-128"/>
                         </a:rPr>
-                        <a:t>チャイがピッタリな方: 紅茶愛好家、健康志向の方、暖かい、スパイシーな飲み物の愛好家、伝統的なインドのチャイの豊かな味を探索したい方。</a:t>
+                        <a:t>次のお客様に最適です。紅茶愛好家、健康志向の人、温かくてスパイシーな飲み物の愛好家、そして伝統的なインドのチャイの豊かな風味を探求したいお客様など。</a:t>
                       </a:r>
-                      <a:endParaRPr lang="en-US" sz="1700">
-                        <a:effectLst/>
-                      </a:endParaRPr>
                     </a:p>
                   </a:txBody>
                   <a:tcPr marL="36849" marR="36849" marT="36849" marB="36849"/>
@@ -13792,77 +11187,6 @@
           </a:graphicData>
         </a:graphic>
       </p:graphicFrame>
-      <p:sp>
-        <p:nvSpPr>
-          <p:cNvPr id="19" name="TextBox"/>
-          <p:cNvSpPr txBox="1">
-            <a:spLocks noGrp="1" noSelect="1" noRot="1" noMove="1"/>
-          </p:cNvSpPr>
-          <p:nvPr/>
-        </p:nvSpPr>
-        <p:spPr>
-          <a:xfrm>
-            <a:off x="2890520" y="2644140"/>
-            <a:ext cx="6411372" cy="1569660"/>
-          </a:xfrm>
-          <a:prstGeom prst="rect">
-            <a:avLst/>
-          </a:prstGeom>
-          <a:noFill/>
-        </p:spPr>
-        <p:txBody>
-          <a:bodyPr wrap="none" rtlCol="0" anchor="ctr" anchorCtr="1">
-            <a:spAutoFit/>
-          </a:bodyPr>
-          <a:lstStyle>
-            <a:lvl1pPr algn="l">
-              <a:lnSpc>
-                <a:spcPct val="150000"/>
-              </a:lnSpc>
-              <a:spcBef>
-                <a:spcPct val="0"/>
-              </a:spcBef>
-              <a:spcAft>
-                <a:spcPct val="0"/>
-              </a:spcAft>
-              <a:defRPr lang="en-US" sz="3200" b="1" noProof="1" dirty="0">
-                <a:solidFill>
-                  <a:prstClr val="red">
-                    <a:lumOff val="30000"/>
-                    <a:alpha val="40000"/>
-                  </a:prstClr>
-                </a:solidFill>
-                <a:effectLst>
-                  <a:outerShdw blurRad="50800" dist="38100" algn="tr" rotWithShape="0">
-                    <a:prstClr val="black">
-                      <a:alpha val="80000"/>
-                    </a:prstClr>
-                  </a:outerShdw>
-                </a:effectLst>
-                <a:latin typeface="Calibri" pitchFamily="34" charset="0"/>
-              </a:defRPr>
-            </a:lvl1pPr>
-          </a:lstStyle>
-          <a:p>
-            <a:pPr algn="ctr"/>
-            <a:r>
-              <a:t>Evaluation only.</a:t>
-            </a:r>
-          </a:p>
-          <a:p>
-            <a:pPr algn="ctr"/>
-            <a:r>
-              <a:t>Created with Aspose.Slides for Java 23.6.</a:t>
-            </a:r>
-          </a:p>
-          <a:p>
-            <a:pPr algn="ctr"/>
-            <a:r>
-              <a:t>Copyright 2004-2023 Aspose Pty Ltd.</a:t>
-            </a:r>
-          </a:p>
-        </p:txBody>
-      </p:sp>
     </p:spTree>
     <p:extLst>
       <p:ext uri="{BB962C8B-B14F-4D97-AF65-F5344CB8AC3E}">
@@ -13873,14 +11197,12 @@
   <p:clrMapOvr>
     <a:masterClrMapping/>
   </p:clrMapOvr>
-  <p:transition/>
-  <p:timing/>
 </p:sld>
 </file>
 
 <file path=ppt/slides/slide7.xml><?xml version="1.0" encoding="utf-8"?>
-<p:sld xmlns:a="http://schemas.openxmlformats.org/drawingml/2006/main" xmlns:r="http://schemas.openxmlformats.org/officeDocument/2006/relationships" xmlns:m="http://schemas.openxmlformats.org/officeDocument/2006/math" xmlns:w="http://schemas.openxmlformats.org/wordprocessingml/2006/main" xmlns:wp="http://schemas.openxmlformats.org/drawingml/2006/wordprocessingDrawing" xmlns:a14="http://schemas.microsoft.com/office/drawing/2010/main" xmlns:mc="http://schemas.openxmlformats.org/markup-compatibility/2006" xmlns:p14="http://schemas.microsoft.com/office/powerpoint/2010/main" xmlns:p15="http://schemas.microsoft.com/office/powerpoint/2012/main" xmlns:p159="http://schemas.microsoft.com/office/powerpoint/2015/09/main" xmlns:p="http://schemas.openxmlformats.org/presentationml/2006/main">
-  <p:cSld name="">
+<p:sld xmlns:a="http://schemas.openxmlformats.org/drawingml/2006/main" xmlns:r="http://schemas.openxmlformats.org/officeDocument/2006/relationships" xmlns:p="http://schemas.openxmlformats.org/presentationml/2006/main">
+  <p:cSld>
     <p:bg>
       <p:bgPr>
         <a:solidFill>
@@ -13899,6 +11221,8 @@
         <a:xfrm>
           <a:off x="0" y="0"/>
           <a:ext cx="0" cy="0"/>
+          <a:chOff x="0" y="0"/>
+          <a:chExt cx="0" cy="0"/>
         </a:xfrm>
       </p:grpSpPr>
       <p:sp>
@@ -14107,14 +11431,9 @@
           <a:lstStyle/>
           <a:p>
             <a:r>
-              <a:rPr lang="ja-JP" sz="4700" b="0" i="0" strike="noStrike" cap="none" baseline="0">
-                <a:solidFill>
-                  <a:srgbClr val="404040"/>
-                </a:solidFill>
-                <a:effectLst/>
-                <a:latin typeface="MS UI Gothic"/>
-                <a:ea typeface="MS UI Gothic"/>
-                <a:cs typeface="MS UI Gothic"/>
+              <a:rPr lang="ja-JP" dirty="0">
+                <a:latin typeface="Yu Gothic UI" panose="020B0500000000000000" pitchFamily="34" charset="-128"/>
+                <a:ea typeface="Yu Gothic UI" panose="020B0500000000000000" pitchFamily="34" charset="-128"/>
               </a:rPr>
               <a:t>市場の動向と需要</a:t>
             </a:r>
@@ -14210,14 +11529,9 @@
               </a:lnSpc>
             </a:pPr>
             <a:r>
-              <a:rPr lang="ja-JP" sz="1400" b="0" i="0" strike="noStrike" cap="none" baseline="0">
-                <a:solidFill>
-                  <a:srgbClr val="404040"/>
-                </a:solidFill>
-                <a:effectLst/>
-                <a:latin typeface="MS UI Gothic"/>
-                <a:ea typeface="MS UI Gothic"/>
-                <a:cs typeface="MS UI Gothic"/>
+              <a:rPr lang="ja-JP" sz="1400" dirty="0">
+                <a:latin typeface="Yu Gothic UI" panose="020B0500000000000000" pitchFamily="34" charset="-128"/>
+                <a:ea typeface="Yu Gothic UI" panose="020B0500000000000000" pitchFamily="34" charset="-128"/>
               </a:rPr>
               <a:t>ラテン アメリカはチャイ ティーの素晴らしい機会を提供</a:t>
             </a:r>
@@ -14229,14 +11543,9 @@
               </a:lnSpc>
             </a:pPr>
             <a:r>
-              <a:rPr lang="ja-JP" sz="1400" b="0" i="0" strike="noStrike" cap="none" baseline="0">
-                <a:solidFill>
-                  <a:srgbClr val="404040"/>
-                </a:solidFill>
-                <a:effectLst/>
-                <a:latin typeface="MS UI Gothic"/>
-                <a:ea typeface="MS UI Gothic"/>
-                <a:cs typeface="MS UI Gothic"/>
+              <a:rPr lang="ja-JP" sz="1400" dirty="0">
+                <a:latin typeface="Yu Gothic UI" panose="020B0500000000000000" pitchFamily="34" charset="-128"/>
+                <a:ea typeface="Yu Gothic UI" panose="020B0500000000000000" pitchFamily="34" charset="-128"/>
               </a:rPr>
               <a:t>健康的、自然的、そしてエキゾチックな製品に対する需要の高まり</a:t>
             </a:r>
@@ -14248,14 +11557,9 @@
               </a:lnSpc>
             </a:pPr>
             <a:r>
-              <a:rPr lang="ja-JP" sz="1400" b="0" i="0" strike="noStrike" cap="none" baseline="0">
-                <a:solidFill>
-                  <a:srgbClr val="404040"/>
-                </a:solidFill>
-                <a:effectLst/>
-                <a:latin typeface="MS UI Gothic"/>
-                <a:ea typeface="MS UI Gothic"/>
-                <a:cs typeface="MS UI Gothic"/>
+              <a:rPr lang="ja-JP" sz="1400" dirty="0">
+                <a:latin typeface="Yu Gothic UI" panose="020B0500000000000000" pitchFamily="34" charset="-128"/>
+                <a:ea typeface="Yu Gothic UI" panose="020B0500000000000000" pitchFamily="34" charset="-128"/>
               </a:rPr>
               <a:t>アルゼンチン、チリ、ウルグアイなどの国々で根強いお茶文化</a:t>
             </a:r>
@@ -14267,14 +11571,9 @@
               </a:lnSpc>
             </a:pPr>
             <a:r>
-              <a:rPr lang="ja-JP" sz="1400" b="0" i="0" strike="noStrike" cap="none" baseline="0">
-                <a:solidFill>
-                  <a:srgbClr val="404040"/>
-                </a:solidFill>
-                <a:effectLst/>
-                <a:latin typeface="MS UI Gothic"/>
-                <a:ea typeface="MS UI Gothic"/>
-                <a:cs typeface="MS UI Gothic"/>
+              <a:rPr lang="ja-JP" sz="1400" dirty="0">
+                <a:latin typeface="Yu Gothic UI" panose="020B0500000000000000" pitchFamily="34" charset="-128"/>
+                <a:ea typeface="Yu Gothic UI" panose="020B0500000000000000" pitchFamily="34" charset="-128"/>
               </a:rPr>
               <a:t>チャイ ティーは紅茶とコーヒーの両方の愛好家を魅了</a:t>
             </a:r>
@@ -14286,14 +11585,9 @@
               </a:lnSpc>
             </a:pPr>
             <a:r>
-              <a:rPr lang="ja-JP" sz="1400" b="0" i="0" strike="noStrike" cap="none" baseline="0">
-                <a:solidFill>
-                  <a:srgbClr val="404040"/>
-                </a:solidFill>
-                <a:effectLst/>
-                <a:latin typeface="MS UI Gothic"/>
-                <a:ea typeface="MS UI Gothic"/>
-                <a:cs typeface="MS UI Gothic"/>
+              <a:rPr lang="ja-JP" sz="1400" dirty="0">
+                <a:latin typeface="Yu Gothic UI" panose="020B0500000000000000" pitchFamily="34" charset="-128"/>
+                <a:ea typeface="Yu Gothic UI" panose="020B0500000000000000" pitchFamily="34" charset="-128"/>
               </a:rPr>
               <a:t>チャイ ティーはラテン アメリカの消費者のライフスタイルと好みにフィット</a:t>
             </a:r>
@@ -14305,16 +11599,33 @@
               </a:lnSpc>
             </a:pPr>
             <a:r>
-              <a:rPr lang="ja-JP" sz="1400" b="0" i="0" strike="noStrike" cap="none" baseline="0">
-                <a:solidFill>
-                  <a:srgbClr val="404040"/>
-                </a:solidFill>
-                <a:effectLst/>
-                <a:latin typeface="MS UI Gothic"/>
-                <a:ea typeface="MS UI Gothic"/>
-                <a:cs typeface="MS UI Gothic"/>
+              <a:rPr lang="ja-JP" sz="1400" dirty="0">
+                <a:latin typeface="Yu Gothic UI" panose="020B0500000000000000" pitchFamily="34" charset="-128"/>
+                <a:ea typeface="Yu Gothic UI" panose="020B0500000000000000" pitchFamily="34" charset="-128"/>
               </a:rPr>
-              <a:t>世界のチャイ ティー市場規模は 2019 年に 19 億米ドルと評価された</a:t>
+              <a:t>世界のチャイ ティー市場規模は </a:t>
+            </a:r>
+            <a:r>
+              <a:rPr lang="en-US" altLang="ja-JP" sz="1400" dirty="0"/>
+              <a:t>2019 </a:t>
+            </a:r>
+            <a:r>
+              <a:rPr lang="ja-JP" sz="1400" dirty="0">
+                <a:latin typeface="Yu Gothic UI" panose="020B0500000000000000" pitchFamily="34" charset="-128"/>
+                <a:ea typeface="Yu Gothic UI" panose="020B0500000000000000" pitchFamily="34" charset="-128"/>
+              </a:rPr>
+              <a:t>年に </a:t>
+            </a:r>
+            <a:r>
+              <a:rPr lang="en-US" altLang="ja-JP" sz="1400" dirty="0"/>
+              <a:t>19 </a:t>
+            </a:r>
+            <a:r>
+              <a:rPr lang="ja-JP" sz="1400" dirty="0">
+                <a:latin typeface="Yu Gothic UI" panose="020B0500000000000000" pitchFamily="34" charset="-128"/>
+                <a:ea typeface="Yu Gothic UI" panose="020B0500000000000000" pitchFamily="34" charset="-128"/>
+              </a:rPr>
+              <a:t>億米ドルと評価された</a:t>
             </a:r>
           </a:p>
           <a:p>
@@ -14324,16 +11635,48 @@
               </a:lnSpc>
             </a:pPr>
             <a:r>
-              <a:rPr lang="ja-JP" sz="1400" b="0" i="0" strike="noStrike" cap="none" baseline="0">
-                <a:solidFill>
-                  <a:srgbClr val="404040"/>
-                </a:solidFill>
-                <a:effectLst/>
-                <a:latin typeface="MS UI Gothic"/>
-                <a:ea typeface="MS UI Gothic"/>
-                <a:cs typeface="MS UI Gothic"/>
+              <a:rPr lang="en-US" altLang="ja-JP" sz="1400" dirty="0"/>
+              <a:t>2020 </a:t>
+            </a:r>
+            <a:r>
+              <a:rPr lang="ja-JP" sz="1400" dirty="0">
+                <a:latin typeface="Yu Gothic UI" panose="020B0500000000000000" pitchFamily="34" charset="-128"/>
+                <a:ea typeface="Yu Gothic UI" panose="020B0500000000000000" pitchFamily="34" charset="-128"/>
               </a:rPr>
-              <a:t>2020 年から 2027 年にかけて 5.5% の CAGR で成長すると予想</a:t>
+              <a:t>年から </a:t>
+            </a:r>
+            <a:r>
+              <a:rPr lang="en-US" altLang="ja-JP" sz="1400" dirty="0"/>
+              <a:t>2027 </a:t>
+            </a:r>
+            <a:r>
+              <a:rPr lang="ja-JP" sz="1400" dirty="0">
+                <a:latin typeface="Yu Gothic UI" panose="020B0500000000000000" pitchFamily="34" charset="-128"/>
+                <a:ea typeface="Yu Gothic UI" panose="020B0500000000000000" pitchFamily="34" charset="-128"/>
+              </a:rPr>
+              <a:t>年にかけて </a:t>
+            </a:r>
+            <a:r>
+              <a:rPr lang="en-US" altLang="ja-JP" sz="1400" dirty="0"/>
+              <a:t>5.5%</a:t>
+            </a:r>
+            <a:r>
+              <a:rPr lang="ja-JP" sz="1400" dirty="0">
+                <a:latin typeface="Yu Gothic UI" panose="020B0500000000000000" pitchFamily="34" charset="-128"/>
+                <a:ea typeface="Yu Gothic UI" panose="020B0500000000000000" pitchFamily="34" charset="-128"/>
+              </a:rPr>
+              <a:t> の </a:t>
+            </a:r>
+            <a:r>
+              <a:rPr lang="en-US" altLang="ja-JP" sz="1400" dirty="0"/>
+              <a:t>CAGR</a:t>
+            </a:r>
+            <a:r>
+              <a:rPr lang="ja-JP" sz="1400" dirty="0">
+                <a:latin typeface="Yu Gothic UI" panose="020B0500000000000000" pitchFamily="34" charset="-128"/>
+                <a:ea typeface="Yu Gothic UI" panose="020B0500000000000000" pitchFamily="34" charset="-128"/>
+              </a:rPr>
+              <a:t> で成長すると予想</a:t>
             </a:r>
           </a:p>
           <a:p>
@@ -14343,14 +11686,9 @@
               </a:lnSpc>
             </a:pPr>
             <a:r>
-              <a:rPr lang="ja-JP" sz="1400" b="0" i="0" strike="noStrike" cap="none" baseline="0">
-                <a:solidFill>
-                  <a:srgbClr val="404040"/>
-                </a:solidFill>
-                <a:effectLst/>
-                <a:latin typeface="MS UI Gothic"/>
-                <a:ea typeface="MS UI Gothic"/>
-                <a:cs typeface="MS UI Gothic"/>
+              <a:rPr lang="ja-JP" sz="1400" dirty="0">
+                <a:latin typeface="Yu Gothic UI" panose="020B0500000000000000" pitchFamily="34" charset="-128"/>
+                <a:ea typeface="Yu Gothic UI" panose="020B0500000000000000" pitchFamily="34" charset="-128"/>
               </a:rPr>
               <a:t>ラテン アメリカはチャイ ティーの最も急成長している地域の一つ</a:t>
             </a:r>
@@ -14362,14 +11700,9 @@
               </a:lnSpc>
             </a:pPr>
             <a:r>
-              <a:rPr lang="ja-JP" sz="1400" b="0" i="0" strike="noStrike" cap="none" baseline="0">
-                <a:solidFill>
-                  <a:srgbClr val="404040"/>
-                </a:solidFill>
-                <a:effectLst/>
-                <a:latin typeface="MS UI Gothic"/>
-                <a:ea typeface="MS UI Gothic"/>
-                <a:cs typeface="MS UI Gothic"/>
+              <a:rPr lang="ja-JP" sz="1400" dirty="0">
+                <a:latin typeface="Yu Gothic UI" panose="020B0500000000000000" pitchFamily="34" charset="-128"/>
+                <a:ea typeface="Yu Gothic UI" panose="020B0500000000000000" pitchFamily="34" charset="-128"/>
               </a:rPr>
               <a:t>成長の主な原動力には、認知度の向上、可処分所得の増加、流通の拡大が含まれる</a:t>
             </a:r>
@@ -14454,14 +11787,14 @@
             <p:ph sz="half" idx="1"/>
             <p:extLst>
               <p:ext uri="{D42A27DB-BD31-4B8C-83A1-F6EECF244321}">
-                <p14:modId xmlns:p14="http://schemas.microsoft.com/office/powerpoint/2010/main" val="3887441503"/>
+                <p14:modId xmlns:p14="http://schemas.microsoft.com/office/powerpoint/2010/main" val="192416864"/>
               </p:ext>
             </p:extLst>
           </p:nvPr>
         </p:nvGraphicFramePr>
         <p:xfrm>
           <a:off x="643192" y="1541387"/>
-          <a:ext cx="5115348" cy="3455187"/>
+          <a:ext cx="5115348" cy="3728172"/>
         </p:xfrm>
         <a:graphic>
           <a:graphicData uri="http://schemas.openxmlformats.org/drawingml/2006/table">
@@ -14498,18 +11831,16 @@
               <a:tr h="1697807">
                 <a:tc>
                   <a:txBody>
-                    <a:bodyPr vert="horz" wrap="square"/>
+                    <a:bodyPr/>
                     <a:lstStyle/>
                     <a:p>
                       <a:r>
-                        <a:rPr lang="ja-JP" sz="2000" b="1" i="0" strike="noStrike" cap="all" baseline="0">
+                        <a:rPr lang="ja-JP" sz="2000" b="1" cap="all">
                           <a:solidFill>
-                            <a:srgbClr val="000000"/>
+                            <a:schemeClr val="tx1"/>
                           </a:solidFill>
-                          <a:effectLst/>
-                          <a:latin typeface="MS UI Gothic"/>
-                          <a:ea typeface="MS UI Gothic"/>
-                          <a:cs typeface="MS UI Gothic"/>
+                          <a:latin typeface="Yu Gothic UI" panose="020B0500000000000000" pitchFamily="34" charset="-128"/>
+                          <a:ea typeface="Yu Gothic UI" panose="020B0500000000000000" pitchFamily="34" charset="-128"/>
                         </a:rPr>
                         <a:t>リージョン</a:t>
                       </a:r>
@@ -14533,20 +11864,78 @@
                 </a:tc>
                 <a:tc>
                   <a:txBody>
-                    <a:bodyPr vert="horz" wrap="square"/>
+                    <a:bodyPr/>
                     <a:lstStyle/>
                     <a:p>
                       <a:r>
-                        <a:rPr lang="ja-JP" sz="2000" b="1" i="0" strike="noStrike" cap="all" baseline="0">
+                        <a:rPr lang="ja-JP" sz="2000" b="1" cap="all" dirty="0">
                           <a:solidFill>
-                            <a:srgbClr val="000000"/>
+                            <a:schemeClr val="tx1"/>
                           </a:solidFill>
-                          <a:effectLst/>
-                          <a:latin typeface="MS UI Gothic"/>
-                          <a:ea typeface="MS UI Gothic"/>
-                          <a:cs typeface="MS UI Gothic"/>
+                          <a:latin typeface="Yu Gothic UI" panose="020B0500000000000000" pitchFamily="34" charset="-128"/>
+                          <a:ea typeface="Yu Gothic UI" panose="020B0500000000000000" pitchFamily="34" charset="-128"/>
                         </a:rPr>
-                        <a:t>チャイ ティーの市場規模 (10億米ドル)</a:t>
+                        <a:t>チャイ ティー</a:t>
+                      </a:r>
+                      <a:br>
+                        <a:rPr lang="en-US" altLang="ja-JP" sz="2000" b="1" cap="all" dirty="0">
+                          <a:solidFill>
+                            <a:schemeClr val="tx1"/>
+                          </a:solidFill>
+                          <a:latin typeface="Yu Gothic UI" panose="020B0500000000000000" pitchFamily="34" charset="-128"/>
+                          <a:ea typeface="Yu Gothic UI" panose="020B0500000000000000" pitchFamily="34" charset="-128"/>
+                        </a:rPr>
+                      </a:br>
+                      <a:r>
+                        <a:rPr lang="ja-JP" sz="2000" b="1" cap="all" dirty="0">
+                          <a:solidFill>
+                            <a:schemeClr val="tx1"/>
+                          </a:solidFill>
+                          <a:latin typeface="Yu Gothic UI" panose="020B0500000000000000" pitchFamily="34" charset="-128"/>
+                          <a:ea typeface="Yu Gothic UI" panose="020B0500000000000000" pitchFamily="34" charset="-128"/>
+                        </a:rPr>
+                        <a:t>市場規模</a:t>
+                      </a:r>
+                      <a:r>
+                        <a:rPr lang="ja-JP" sz="2000" b="1" cap="all" dirty="0">
+                          <a:solidFill>
+                            <a:schemeClr val="tx1"/>
+                          </a:solidFill>
+                        </a:rPr>
+                        <a:t> </a:t>
+                      </a:r>
+                      <a:br>
+                        <a:rPr lang="en-US" altLang="ja-JP" sz="2000" b="1" cap="all" dirty="0">
+                          <a:solidFill>
+                            <a:schemeClr val="tx1"/>
+                          </a:solidFill>
+                        </a:rPr>
+                      </a:br>
+                      <a:r>
+                        <a:rPr lang="ja-JP" sz="2000" b="1" cap="all" dirty="0">
+                          <a:solidFill>
+                            <a:schemeClr val="tx1"/>
+                          </a:solidFill>
+                        </a:rPr>
+                        <a:t>(10 </a:t>
+                      </a:r>
+                      <a:r>
+                        <a:rPr lang="ja-JP" sz="2000" b="1" cap="all" dirty="0">
+                          <a:solidFill>
+                            <a:schemeClr val="tx1"/>
+                          </a:solidFill>
+                          <a:latin typeface="Yu Gothic UI" panose="020B0500000000000000" pitchFamily="34" charset="-128"/>
+                          <a:ea typeface="Yu Gothic UI" panose="020B0500000000000000" pitchFamily="34" charset="-128"/>
+                        </a:rPr>
+                        <a:t>億米ドル</a:t>
+                      </a:r>
+                      <a:r>
+                        <a:rPr lang="ja-JP" sz="2000" b="1" cap="all" dirty="0">
+                          <a:solidFill>
+                            <a:schemeClr val="tx1"/>
+                          </a:solidFill>
+                        </a:rPr>
+                        <a:t>)</a:t>
                       </a:r>
                     </a:p>
                   </a:txBody>
@@ -14568,20 +11957,59 @@
                 </a:tc>
                 <a:tc>
                   <a:txBody>
-                    <a:bodyPr vert="horz" wrap="square"/>
+                    <a:bodyPr/>
                     <a:lstStyle/>
                     <a:p>
                       <a:r>
-                        <a:rPr lang="ja-JP" sz="2000" b="1" i="0" strike="noStrike" cap="all" baseline="0">
+                        <a:rPr lang="ja-JP" sz="2000" b="1" cap="all" dirty="0">
                           <a:solidFill>
-                            <a:srgbClr val="000000"/>
+                            <a:schemeClr val="tx1"/>
                           </a:solidFill>
-                          <a:effectLst/>
-                          <a:latin typeface="MS UI Gothic"/>
-                          <a:ea typeface="MS UI Gothic"/>
-                          <a:cs typeface="MS UI Gothic"/>
                         </a:rPr>
-                        <a:t>CAGR (2020-2027)</a:t>
+                        <a:t>CAGR (2020 </a:t>
+                      </a:r>
+                      <a:br>
+                        <a:rPr lang="en-US" altLang="ja-JP" sz="2000" b="1" cap="all" dirty="0">
+                          <a:solidFill>
+                            <a:schemeClr val="tx1"/>
+                          </a:solidFill>
+                        </a:rPr>
+                      </a:br>
+                      <a:r>
+                        <a:rPr lang="ja-JP" sz="2000" b="1" cap="all" dirty="0">
+                          <a:solidFill>
+                            <a:schemeClr val="tx1"/>
+                          </a:solidFill>
+                          <a:latin typeface="Yu Gothic UI" panose="020B0500000000000000" pitchFamily="34" charset="-128"/>
+                          <a:ea typeface="Yu Gothic UI" panose="020B0500000000000000" pitchFamily="34" charset="-128"/>
+                        </a:rPr>
+                        <a:t>から</a:t>
+                      </a:r>
+                      <a:r>
+                        <a:rPr lang="ja-JP" sz="2000" b="1" cap="all" dirty="0">
+                          <a:solidFill>
+                            <a:schemeClr val="tx1"/>
+                          </a:solidFill>
+                        </a:rPr>
+                        <a:t> 2027 </a:t>
+                      </a:r>
+                      <a:r>
+                        <a:rPr lang="ja-JP" sz="2000" b="1" cap="all" dirty="0">
+                          <a:solidFill>
+                            <a:schemeClr val="tx1"/>
+                          </a:solidFill>
+                          <a:latin typeface="Yu Gothic UI" panose="020B0500000000000000" pitchFamily="34" charset="-128"/>
+                          <a:ea typeface="Yu Gothic UI" panose="020B0500000000000000" pitchFamily="34" charset="-128"/>
+                        </a:rPr>
+                        <a:t>年</a:t>
+                      </a:r>
+                      <a:r>
+                        <a:rPr lang="ja-JP" sz="2000" b="1" cap="all" dirty="0">
+                          <a:solidFill>
+                            <a:schemeClr val="tx1"/>
+                          </a:solidFill>
+                        </a:rPr>
+                        <a:t>)</a:t>
                       </a:r>
                     </a:p>
                   </a:txBody>
@@ -14610,18 +12038,16 @@
               <a:tr h="680116">
                 <a:tc>
                   <a:txBody>
-                    <a:bodyPr vert="horz" wrap="square"/>
+                    <a:bodyPr/>
                     <a:lstStyle/>
                     <a:p>
                       <a:r>
-                        <a:rPr lang="ja-JP" sz="2600" b="0" i="0" strike="noStrike" cap="none" baseline="0">
+                        <a:rPr lang="ja-JP" sz="2600" cap="none">
                           <a:solidFill>
-                            <a:srgbClr val="000000"/>
+                            <a:schemeClr val="tx1"/>
                           </a:solidFill>
-                          <a:effectLst/>
-                          <a:latin typeface="MS UI Gothic"/>
-                          <a:ea typeface="MS UI Gothic"/>
-                          <a:cs typeface="MS UI Gothic"/>
+                          <a:latin typeface="Yu Gothic UI" panose="020B0500000000000000" pitchFamily="34" charset="-128"/>
+                          <a:ea typeface="Yu Gothic UI" panose="020B0500000000000000" pitchFamily="34" charset="-128"/>
                         </a:rPr>
                         <a:t>グローバル</a:t>
                       </a:r>
@@ -14650,18 +12076,14 @@
                 </a:tc>
                 <a:tc>
                   <a:txBody>
-                    <a:bodyPr vert="horz" wrap="square"/>
+                    <a:bodyPr/>
                     <a:lstStyle/>
                     <a:p>
                       <a:r>
-                        <a:rPr lang="ja-JP" sz="2600" b="0" i="0" strike="noStrike" cap="none" baseline="0">
+                        <a:rPr lang="ja-JP" sz="2600" cap="none">
                           <a:solidFill>
-                            <a:srgbClr val="000000"/>
+                            <a:schemeClr val="tx1"/>
                           </a:solidFill>
-                          <a:effectLst/>
-                          <a:latin typeface="MS UI Gothic"/>
-                          <a:ea typeface="MS UI Gothic"/>
-                          <a:cs typeface="MS UI Gothic"/>
                         </a:rPr>
                         <a:t>1.9</a:t>
                       </a:r>
@@ -14690,18 +12112,14 @@
                 </a:tc>
                 <a:tc>
                   <a:txBody>
-                    <a:bodyPr vert="horz" wrap="square"/>
+                    <a:bodyPr/>
                     <a:lstStyle/>
                     <a:p>
                       <a:r>
-                        <a:rPr lang="ja-JP" sz="2600" b="0" i="0" strike="noStrike" cap="none" baseline="0">
+                        <a:rPr lang="ja-JP" sz="2600" cap="none">
                           <a:solidFill>
-                            <a:srgbClr val="000000"/>
+                            <a:schemeClr val="tx1"/>
                           </a:solidFill>
-                          <a:effectLst/>
-                          <a:latin typeface="MS UI Gothic"/>
-                          <a:ea typeface="MS UI Gothic"/>
-                          <a:cs typeface="MS UI Gothic"/>
                         </a:rPr>
                         <a:t>5.5%</a:t>
                       </a:r>
@@ -14737,18 +12155,16 @@
               <a:tr h="1077264">
                 <a:tc>
                   <a:txBody>
-                    <a:bodyPr vert="horz" wrap="square"/>
+                    <a:bodyPr/>
                     <a:lstStyle/>
                     <a:p>
                       <a:r>
-                        <a:rPr lang="ja-JP" sz="2600" b="0" i="0" strike="noStrike" cap="none" baseline="0">
+                        <a:rPr lang="ja-JP" sz="2600" cap="none" dirty="0">
                           <a:solidFill>
-                            <a:srgbClr val="000000"/>
+                            <a:schemeClr val="tx1"/>
                           </a:solidFill>
-                          <a:effectLst/>
-                          <a:latin typeface="MS UI Gothic"/>
-                          <a:ea typeface="MS UI Gothic"/>
-                          <a:cs typeface="MS UI Gothic"/>
+                          <a:latin typeface="Yu Gothic UI" panose="020B0500000000000000" pitchFamily="34" charset="-128"/>
+                          <a:ea typeface="Yu Gothic UI" panose="020B0500000000000000" pitchFamily="34" charset="-128"/>
                         </a:rPr>
                         <a:t>ラテン アメリカ</a:t>
                       </a:r>
@@ -14780,20 +12196,16 @@
                 </a:tc>
                 <a:tc>
                   <a:txBody>
-                    <a:bodyPr vert="horz" wrap="square"/>
+                    <a:bodyPr/>
                     <a:lstStyle/>
                     <a:p>
                       <a:r>
-                        <a:rPr lang="ja-JP" sz="2600" b="0" i="0" strike="noStrike" cap="none" baseline="0">
+                        <a:rPr lang="ja-JP" sz="2600" cap="none">
                           <a:solidFill>
-                            <a:srgbClr val="000000"/>
+                            <a:schemeClr val="tx1"/>
                           </a:solidFill>
-                          <a:effectLst/>
-                          <a:latin typeface="MS UI Gothic"/>
-                          <a:ea typeface="MS UI Gothic"/>
-                          <a:cs typeface="MS UI Gothic"/>
                         </a:rPr>
-                        <a:t>該当なし</a:t>
+                        <a:t>N/A</a:t>
                       </a:r>
                     </a:p>
                   </a:txBody>
@@ -14823,18 +12235,14 @@
                 </a:tc>
                 <a:tc>
                   <a:txBody>
-                    <a:bodyPr vert="horz" wrap="square"/>
+                    <a:bodyPr/>
                     <a:lstStyle/>
                     <a:p>
                       <a:r>
-                        <a:rPr lang="ja-JP" sz="2600" b="0" i="0" strike="noStrike" cap="none" baseline="0">
+                        <a:rPr lang="ja-JP" sz="2600" cap="none" dirty="0">
                           <a:solidFill>
-                            <a:srgbClr val="000000"/>
+                            <a:schemeClr val="tx1"/>
                           </a:solidFill>
-                          <a:effectLst/>
-                          <a:latin typeface="MS UI Gothic"/>
-                          <a:ea typeface="MS UI Gothic"/>
-                          <a:cs typeface="MS UI Gothic"/>
                         </a:rPr>
                         <a:t>6.2%</a:t>
                       </a:r>
@@ -14874,77 +12282,6 @@
           </a:graphicData>
         </a:graphic>
       </p:graphicFrame>
-      <p:sp>
-        <p:nvSpPr>
-          <p:cNvPr id="20" name="TextBox"/>
-          <p:cNvSpPr txBox="1">
-            <a:spLocks noGrp="1" noSelect="1" noRot="1" noMove="1"/>
-          </p:cNvSpPr>
-          <p:nvPr/>
-        </p:nvSpPr>
-        <p:spPr>
-          <a:xfrm>
-            <a:off x="2890520" y="2644140"/>
-            <a:ext cx="6411372" cy="1569660"/>
-          </a:xfrm>
-          <a:prstGeom prst="rect">
-            <a:avLst/>
-          </a:prstGeom>
-          <a:noFill/>
-        </p:spPr>
-        <p:txBody>
-          <a:bodyPr wrap="none" rtlCol="0" anchor="ctr" anchorCtr="1">
-            <a:spAutoFit/>
-          </a:bodyPr>
-          <a:lstStyle>
-            <a:lvl1pPr algn="l">
-              <a:lnSpc>
-                <a:spcPct val="150000"/>
-              </a:lnSpc>
-              <a:spcBef>
-                <a:spcPct val="0"/>
-              </a:spcBef>
-              <a:spcAft>
-                <a:spcPct val="0"/>
-              </a:spcAft>
-              <a:defRPr lang="en-US" sz="3200" b="1" noProof="1" dirty="0">
-                <a:solidFill>
-                  <a:prstClr val="red">
-                    <a:lumOff val="30000"/>
-                    <a:alpha val="40000"/>
-                  </a:prstClr>
-                </a:solidFill>
-                <a:effectLst>
-                  <a:outerShdw blurRad="50800" dist="38100" algn="tr" rotWithShape="0">
-                    <a:prstClr val="black">
-                      <a:alpha val="80000"/>
-                    </a:prstClr>
-                  </a:outerShdw>
-                </a:effectLst>
-                <a:latin typeface="Calibri" pitchFamily="34" charset="0"/>
-              </a:defRPr>
-            </a:lvl1pPr>
-          </a:lstStyle>
-          <a:p>
-            <a:pPr algn="ctr"/>
-            <a:r>
-              <a:t>Evaluation only.</a:t>
-            </a:r>
-          </a:p>
-          <a:p>
-            <a:pPr algn="ctr"/>
-            <a:r>
-              <a:t>Created with Aspose.Slides for Java 23.6.</a:t>
-            </a:r>
-          </a:p>
-          <a:p>
-            <a:pPr algn="ctr"/>
-            <a:r>
-              <a:t>Copyright 2004-2023 Aspose Pty Ltd.</a:t>
-            </a:r>
-          </a:p>
-        </p:txBody>
-      </p:sp>
     </p:spTree>
     <p:extLst>
       <p:ext uri="{BB962C8B-B14F-4D97-AF65-F5344CB8AC3E}">
@@ -14955,14 +12292,12 @@
   <p:clrMapOvr>
     <a:masterClrMapping/>
   </p:clrMapOvr>
-  <p:transition/>
-  <p:timing/>
 </p:sld>
 </file>
 
 <file path=ppt/slides/slide8.xml><?xml version="1.0" encoding="utf-8"?>
-<p:sld xmlns:a="http://schemas.openxmlformats.org/drawingml/2006/main" xmlns:r="http://schemas.openxmlformats.org/officeDocument/2006/relationships" xmlns:m="http://schemas.openxmlformats.org/officeDocument/2006/math" xmlns:w="http://schemas.openxmlformats.org/wordprocessingml/2006/main" xmlns:wp="http://schemas.openxmlformats.org/drawingml/2006/wordprocessingDrawing" xmlns:a14="http://schemas.microsoft.com/office/drawing/2010/main" xmlns:mc="http://schemas.openxmlformats.org/markup-compatibility/2006" xmlns:p14="http://schemas.microsoft.com/office/powerpoint/2010/main" xmlns:p15="http://schemas.microsoft.com/office/powerpoint/2012/main" xmlns:p159="http://schemas.microsoft.com/office/powerpoint/2015/09/main" xmlns:p="http://schemas.openxmlformats.org/presentationml/2006/main">
-  <p:cSld name="">
+<p:sld xmlns:a="http://schemas.openxmlformats.org/drawingml/2006/main" xmlns:r="http://schemas.openxmlformats.org/officeDocument/2006/relationships" xmlns:p="http://schemas.openxmlformats.org/presentationml/2006/main">
+  <p:cSld>
     <p:bg>
       <p:bgPr>
         <a:solidFill>
@@ -14981,6 +12316,8 @@
         <a:xfrm>
           <a:off x="0" y="0"/>
           <a:ext cx="0" cy="0"/>
+          <a:chOff x="0" y="0"/>
+          <a:chExt cx="0" cy="0"/>
         </a:xfrm>
       </p:grpSpPr>
       <p:sp useBgFill="1">
@@ -15024,7 +12361,7 @@
               <a:shade val="50000"/>
             </a:schemeClr>
           </a:lnRef>
-          <a:fillRef idx="4294967295">
+          <a:fillRef idx="1001">
             <a:schemeClr val="lt1"/>
           </a:fillRef>
           <a:effectRef idx="0">
@@ -15134,14 +12471,12 @@
           <a:lstStyle/>
           <a:p>
             <a:r>
-              <a:rPr lang="ja-JP" sz="4400" b="0" i="0" strike="noStrike" cap="none" baseline="0">
+              <a:rPr lang="ja-JP" sz="4400" dirty="0">
                 <a:solidFill>
                   <a:srgbClr val="FFFFFF"/>
                 </a:solidFill>
-                <a:effectLst/>
-                <a:latin typeface="MS UI Gothic"/>
-                <a:ea typeface="MS UI Gothic"/>
-                <a:cs typeface="MS UI Gothic"/>
+                <a:latin typeface="Yu Gothic UI" panose="020B0500000000000000" pitchFamily="34" charset="-128"/>
+                <a:ea typeface="Yu Gothic UI" panose="020B0500000000000000" pitchFamily="34" charset="-128"/>
               </a:rPr>
               <a:t>流通チャネル: 小売業者</a:t>
             </a:r>
@@ -15167,7 +12502,7 @@
         <p:spPr>
           <a:xfrm>
             <a:off x="5231958" y="605896"/>
-            <a:ext cx="5923721" cy="5646208"/>
+            <a:ext cx="6467673" cy="5646208"/>
           </a:xfrm>
         </p:spPr>
         <p:txBody>
@@ -15177,14 +12512,9 @@
           <a:lstStyle/>
           <a:p>
             <a:r>
-              <a:rPr lang="ja-JP" sz="2200" b="0" i="0" strike="noStrike" cap="none" baseline="0">
-                <a:solidFill>
-                  <a:srgbClr val="404040"/>
-                </a:solidFill>
-                <a:effectLst/>
-                <a:latin typeface="MS UI Gothic"/>
-                <a:ea typeface="MS UI Gothic"/>
-                <a:cs typeface="MS UI Gothic"/>
+              <a:rPr lang="ja-JP" sz="2200" dirty="0">
+                <a:latin typeface="Yu Gothic UI" panose="020B0500000000000000" pitchFamily="34" charset="-128"/>
+                <a:ea typeface="Yu Gothic UI" panose="020B0500000000000000" pitchFamily="34" charset="-128"/>
               </a:rPr>
               <a:t>小売業者: チャイ ティー製品を消費者に直接販売する</a:t>
             </a:r>
@@ -15192,14 +12522,9 @@
           <a:p>
             <a:pPr lvl="1"/>
             <a:r>
-              <a:rPr lang="ja-JP" sz="2200" b="0" i="0" strike="noStrike" cap="none" baseline="0">
-                <a:solidFill>
-                  <a:srgbClr val="404040"/>
-                </a:solidFill>
-                <a:effectLst/>
-                <a:latin typeface="MS UI Gothic"/>
-                <a:ea typeface="MS UI Gothic"/>
-                <a:cs typeface="MS UI Gothic"/>
+              <a:rPr lang="ja-JP" sz="2200" dirty="0">
+                <a:latin typeface="Yu Gothic UI" panose="020B0500000000000000" pitchFamily="34" charset="-128"/>
+                <a:ea typeface="Yu Gothic UI" panose="020B0500000000000000" pitchFamily="34" charset="-128"/>
               </a:rPr>
               <a:t>スーパーマーケット、コンビニエンス ストア、専門店、カフェ、オンライン プラットフォーム</a:t>
             </a:r>
@@ -15207,14 +12532,9 @@
           <a:p>
             <a:pPr lvl="1"/>
             <a:r>
-              <a:rPr lang="ja-JP" sz="2200" b="0" i="0" strike="noStrike" cap="none" baseline="0">
-                <a:solidFill>
-                  <a:srgbClr val="404040"/>
-                </a:solidFill>
-                <a:effectLst/>
-                <a:latin typeface="MS UI Gothic"/>
-                <a:ea typeface="MS UI Gothic"/>
-                <a:cs typeface="MS UI Gothic"/>
+              <a:rPr lang="ja-JP" sz="2200" dirty="0">
+                <a:latin typeface="Yu Gothic UI" panose="020B0500000000000000" pitchFamily="34" charset="-128"/>
+                <a:ea typeface="Yu Gothic UI" panose="020B0500000000000000" pitchFamily="34" charset="-128"/>
               </a:rPr>
               <a:t>消費者の認識、好み、購入に影響を与える</a:t>
             </a:r>
@@ -15222,14 +12542,9 @@
           <a:p>
             <a:pPr lvl="1"/>
             <a:r>
-              <a:rPr lang="ja-JP" sz="2200" b="0" i="0" strike="noStrike" cap="none" baseline="0">
-                <a:solidFill>
-                  <a:srgbClr val="404040"/>
-                </a:solidFill>
-                <a:effectLst/>
-                <a:latin typeface="MS UI Gothic"/>
-                <a:ea typeface="MS UI Gothic"/>
-                <a:cs typeface="MS UI Gothic"/>
+              <a:rPr lang="ja-JP" sz="2200" dirty="0">
+                <a:latin typeface="Yu Gothic UI" panose="020B0500000000000000" pitchFamily="34" charset="-128"/>
+                <a:ea typeface="Yu Gothic UI" panose="020B0500000000000000" pitchFamily="34" charset="-128"/>
               </a:rPr>
               <a:t>プロモーションや商品化のサポートを提供する</a:t>
             </a:r>
@@ -15237,115 +12552,29 @@
           <a:p>
             <a:pPr lvl="1"/>
             <a:r>
-              <a:rPr lang="ja-JP" sz="2200" b="0" i="0" strike="noStrike" cap="none" baseline="0">
-                <a:solidFill>
-                  <a:srgbClr val="404040"/>
-                </a:solidFill>
-                <a:effectLst/>
-                <a:latin typeface="MS UI Gothic"/>
-                <a:ea typeface="MS UI Gothic"/>
-                <a:cs typeface="MS UI Gothic"/>
+              <a:rPr lang="ja-JP" sz="2200" dirty="0">
+                <a:latin typeface="Yu Gothic UI" panose="020B0500000000000000" pitchFamily="34" charset="-128"/>
+                <a:ea typeface="Yu Gothic UI" panose="020B0500000000000000" pitchFamily="34" charset="-128"/>
               </a:rPr>
               <a:t>大手小売業者</a:t>
             </a:r>
           </a:p>
           <a:p>
             <a:r>
-              <a:rPr lang="ja-JP" sz="2200" b="0" i="0" strike="noStrike" cap="none" baseline="0">
-                <a:solidFill>
-                  <a:srgbClr val="404040"/>
-                </a:solidFill>
-                <a:effectLst/>
-                <a:latin typeface="MS UI Gothic"/>
-                <a:ea typeface="MS UI Gothic"/>
-                <a:cs typeface="MS UI Gothic"/>
+              <a:rPr lang="ja-JP" sz="2200" dirty="0">
+                <a:latin typeface="Yu Gothic UI" panose="020B0500000000000000" pitchFamily="34" charset="-128"/>
+                <a:ea typeface="Yu Gothic UI" panose="020B0500000000000000" pitchFamily="34" charset="-128"/>
               </a:rPr>
-              <a:t>卸売業者: チャイ ティー製品を小売業者に一括で販売する</a:t>
-            </a:r>
-          </a:p>
-          <a:p>
-            <a:r>
-              <a:rPr lang="ja-JP" sz="2200" b="0" i="0" strike="noStrike" cap="none" baseline="0">
-                <a:solidFill>
-                  <a:srgbClr val="404040"/>
-                </a:solidFill>
-                <a:effectLst/>
-                <a:latin typeface="MS UI Gothic"/>
-                <a:ea typeface="MS UI Gothic"/>
-                <a:cs typeface="MS UI Gothic"/>
+              <a:t>卸売業者: チャイ ティー製品を小売業者に大量に販売する</a:t>
+            </a:r>
+          </a:p>
+          <a:p>
+            <a:r>
+              <a:rPr lang="ja-JP" sz="2200" dirty="0">
+                <a:latin typeface="Yu Gothic UI" panose="020B0500000000000000" pitchFamily="34" charset="-128"/>
+                <a:ea typeface="Yu Gothic UI" panose="020B0500000000000000" pitchFamily="34" charset="-128"/>
               </a:rPr>
-              <a:t>代理店: メーカーから小売業者にチャイ ティー製品を輸送する</a:t>
-            </a:r>
-          </a:p>
-        </p:txBody>
-      </p:sp>
-      <p:sp>
-        <p:nvSpPr>
-          <p:cNvPr id="11" name="TextBox"/>
-          <p:cNvSpPr txBox="1">
-            <a:spLocks noGrp="1" noSelect="1" noRot="1" noMove="1"/>
-          </p:cNvSpPr>
-          <p:nvPr/>
-        </p:nvSpPr>
-        <p:spPr>
-          <a:xfrm>
-            <a:off x="2890520" y="2644140"/>
-            <a:ext cx="6411372" cy="1569660"/>
-          </a:xfrm>
-          <a:prstGeom prst="rect">
-            <a:avLst/>
-          </a:prstGeom>
-          <a:noFill/>
-        </p:spPr>
-        <p:txBody>
-          <a:bodyPr wrap="none" rtlCol="0" anchor="ctr" anchorCtr="1">
-            <a:spAutoFit/>
-          </a:bodyPr>
-          <a:lstStyle>
-            <a:lvl1pPr algn="l">
-              <a:lnSpc>
-                <a:spcPct val="150000"/>
-              </a:lnSpc>
-              <a:spcBef>
-                <a:spcPct val="0"/>
-              </a:spcBef>
-              <a:spcAft>
-                <a:spcPct val="0"/>
-              </a:spcAft>
-              <a:defRPr lang="en-US" sz="3200" b="1" noProof="1" dirty="0">
-                <a:solidFill>
-                  <a:prstClr val="red">
-                    <a:lumOff val="30000"/>
-                    <a:alpha val="40000"/>
-                  </a:prstClr>
-                </a:solidFill>
-                <a:effectLst>
-                  <a:outerShdw blurRad="50800" dist="38100" algn="tr" rotWithShape="0">
-                    <a:prstClr val="black">
-                      <a:alpha val="80000"/>
-                    </a:prstClr>
-                  </a:outerShdw>
-                </a:effectLst>
-                <a:latin typeface="Calibri" pitchFamily="34" charset="0"/>
-              </a:defRPr>
-            </a:lvl1pPr>
-          </a:lstStyle>
-          <a:p>
-            <a:pPr algn="ctr"/>
-            <a:r>
-              <a:t>Evaluation only.</a:t>
-            </a:r>
-          </a:p>
-          <a:p>
-            <a:pPr algn="ctr"/>
-            <a:r>
-              <a:t>Created with Aspose.Slides for Java 23.6.</a:t>
-            </a:r>
-          </a:p>
-          <a:p>
-            <a:pPr algn="ctr"/>
-            <a:r>
-              <a:t>Copyright 2004-2023 Aspose Pty Ltd.</a:t>
+              <a:t>流通業者: チャイ ティー製品を製造元から小売業者に輸送する</a:t>
             </a:r>
           </a:p>
         </p:txBody>
@@ -15360,14 +12589,12 @@
   <p:clrMapOvr>
     <a:masterClrMapping/>
   </p:clrMapOvr>
-  <p:transition/>
-  <p:timing/>
 </p:sld>
 </file>
 
 <file path=ppt/slides/slide9.xml><?xml version="1.0" encoding="utf-8"?>
-<p:sld xmlns:a="http://schemas.openxmlformats.org/drawingml/2006/main" xmlns:r="http://schemas.openxmlformats.org/officeDocument/2006/relationships" xmlns:m="http://schemas.openxmlformats.org/officeDocument/2006/math" xmlns:w="http://schemas.openxmlformats.org/wordprocessingml/2006/main" xmlns:wp="http://schemas.openxmlformats.org/drawingml/2006/wordprocessingDrawing" xmlns:a14="http://schemas.microsoft.com/office/drawing/2010/main" xmlns:mc="http://schemas.openxmlformats.org/markup-compatibility/2006" xmlns:p14="http://schemas.microsoft.com/office/powerpoint/2010/main" xmlns:p15="http://schemas.microsoft.com/office/powerpoint/2012/main" xmlns:p159="http://schemas.microsoft.com/office/powerpoint/2015/09/main" xmlns:p="http://schemas.openxmlformats.org/presentationml/2006/main">
-  <p:cSld name="">
+<p:sld xmlns:a="http://schemas.openxmlformats.org/drawingml/2006/main" xmlns:r="http://schemas.openxmlformats.org/officeDocument/2006/relationships" xmlns:p="http://schemas.openxmlformats.org/presentationml/2006/main">
+  <p:cSld>
     <p:bg>
       <p:bgPr>
         <a:solidFill>
@@ -15386,6 +12613,8 @@
         <a:xfrm>
           <a:off x="0" y="0"/>
           <a:ext cx="0" cy="0"/>
+          <a:chOff x="0" y="0"/>
+          <a:chExt cx="0" cy="0"/>
         </a:xfrm>
       </p:grpSpPr>
       <p:sp useBgFill="1">
@@ -15429,7 +12658,7 @@
               <a:shade val="50000"/>
             </a:schemeClr>
           </a:lnRef>
-          <a:fillRef idx="4294967295">
+          <a:fillRef idx="1001">
             <a:schemeClr val="lt1"/>
           </a:fillRef>
           <a:effectRef idx="0">
@@ -15539,14 +12768,12 @@
           <a:lstStyle/>
           <a:p>
             <a:r>
-              <a:rPr lang="ja-JP" sz="4400" b="0" i="0" strike="noStrike" cap="none" baseline="0">
+              <a:rPr lang="ja-JP" sz="4400" dirty="0">
                 <a:solidFill>
                   <a:srgbClr val="FFFFFF"/>
                 </a:solidFill>
-                <a:effectLst/>
-                <a:latin typeface="MS UI Gothic"/>
-                <a:ea typeface="MS UI Gothic"/>
-                <a:cs typeface="MS UI Gothic"/>
+                <a:latin typeface="Yu Gothic UI" panose="020B0500000000000000" pitchFamily="34" charset="-128"/>
+                <a:ea typeface="Yu Gothic UI" panose="020B0500000000000000" pitchFamily="34" charset="-128"/>
               </a:rPr>
               <a:t>流通チャネル: 卸売業者</a:t>
             </a:r>
@@ -15582,14 +12809,9 @@
           <a:lstStyle/>
           <a:p>
             <a:r>
-              <a:rPr lang="ja-JP" sz="2400" b="0" i="0" strike="noStrike" cap="none" baseline="0">
-                <a:solidFill>
-                  <a:srgbClr val="404040"/>
-                </a:solidFill>
-                <a:effectLst/>
-                <a:latin typeface="MS UI Gothic"/>
-                <a:ea typeface="MS UI Gothic"/>
-                <a:cs typeface="MS UI Gothic"/>
+              <a:rPr lang="ja-JP" sz="2400" dirty="0">
+                <a:latin typeface="Yu Gothic UI" panose="020B0500000000000000" pitchFamily="34" charset="-128"/>
+                <a:ea typeface="Yu Gothic UI" panose="020B0500000000000000" pitchFamily="34" charset="-128"/>
               </a:rPr>
               <a:t>卸売業者は製造元や流通業者からチャイ ティー製品を大量に購入します</a:t>
             </a:r>
@@ -15597,28 +12819,18 @@
           <a:p>
             <a:pPr lvl="1"/>
             <a:r>
-              <a:rPr lang="ja-JP" sz="2400" b="0" i="0" strike="noStrike" cap="none" baseline="0">
-                <a:solidFill>
-                  <a:srgbClr val="404040"/>
-                </a:solidFill>
-                <a:effectLst/>
-                <a:latin typeface="MS UI Gothic"/>
-                <a:ea typeface="MS UI Gothic"/>
-                <a:cs typeface="MS UI Gothic"/>
+              <a:rPr lang="ja-JP" sz="2400" dirty="0">
+                <a:latin typeface="Yu Gothic UI" panose="020B0500000000000000" pitchFamily="34" charset="-128"/>
+                <a:ea typeface="Yu Gothic UI" panose="020B0500000000000000" pitchFamily="34" charset="-128"/>
               </a:rPr>
               <a:t>小売業者や他の仲介業者に販売します</a:t>
             </a:r>
           </a:p>
           <a:p>
             <a:r>
-              <a:rPr lang="ja-JP" sz="2400" b="0" i="0" strike="noStrike" cap="none" baseline="0">
-                <a:solidFill>
-                  <a:srgbClr val="404040"/>
-                </a:solidFill>
-                <a:effectLst/>
-                <a:latin typeface="MS UI Gothic"/>
-                <a:ea typeface="MS UI Gothic"/>
-                <a:cs typeface="MS UI Gothic"/>
+              <a:rPr lang="ja-JP" sz="2400" dirty="0">
+                <a:latin typeface="Yu Gothic UI" panose="020B0500000000000000" pitchFamily="34" charset="-128"/>
+                <a:ea typeface="Yu Gothic UI" panose="020B0500000000000000" pitchFamily="34" charset="-128"/>
               </a:rPr>
               <a:t>卸売業者はチャイ ティー製品の需要と供給を結びつけます</a:t>
             </a:r>
@@ -15626,101 +12838,20 @@
           <a:p>
             <a:pPr lvl="1"/>
             <a:r>
-              <a:rPr lang="ja-JP" sz="2400" b="0" i="0" strike="noStrike" cap="none" baseline="0">
-                <a:solidFill>
-                  <a:srgbClr val="404040"/>
-                </a:solidFill>
-                <a:effectLst/>
-                <a:latin typeface="MS UI Gothic"/>
-                <a:ea typeface="MS UI Gothic"/>
-                <a:cs typeface="MS UI Gothic"/>
+              <a:rPr lang="ja-JP" sz="2400" dirty="0">
+                <a:latin typeface="Yu Gothic UI" panose="020B0500000000000000" pitchFamily="34" charset="-128"/>
+                <a:ea typeface="Yu Gothic UI" panose="020B0500000000000000" pitchFamily="34" charset="-128"/>
               </a:rPr>
               <a:t>規模の経済、保管、輸送サービスを提供します</a:t>
             </a:r>
           </a:p>
           <a:p>
             <a:r>
-              <a:rPr lang="ja-JP" sz="2400" b="0" i="0" strike="noStrike" cap="none" baseline="0">
-                <a:solidFill>
-                  <a:srgbClr val="404040"/>
-                </a:solidFill>
-                <a:effectLst/>
-                <a:latin typeface="MS UI Gothic"/>
-                <a:ea typeface="MS UI Gothic"/>
-                <a:cs typeface="MS UI Gothic"/>
+              <a:rPr lang="ja-JP" sz="2400" dirty="0">
+                <a:latin typeface="Yu Gothic UI" panose="020B0500000000000000" pitchFamily="34" charset="-128"/>
+                <a:ea typeface="Yu Gothic UI" panose="020B0500000000000000" pitchFamily="34" charset="-128"/>
               </a:rPr>
               <a:t>卸売業者は市場情報、フィードバック、信用制度を提供します</a:t>
-            </a:r>
-          </a:p>
-        </p:txBody>
-      </p:sp>
-      <p:sp>
-        <p:nvSpPr>
-          <p:cNvPr id="11" name="TextBox"/>
-          <p:cNvSpPr txBox="1">
-            <a:spLocks noGrp="1" noSelect="1" noRot="1" noMove="1"/>
-          </p:cNvSpPr>
-          <p:nvPr/>
-        </p:nvSpPr>
-        <p:spPr>
-          <a:xfrm>
-            <a:off x="2890520" y="2644140"/>
-            <a:ext cx="6411372" cy="1569660"/>
-          </a:xfrm>
-          <a:prstGeom prst="rect">
-            <a:avLst/>
-          </a:prstGeom>
-          <a:noFill/>
-        </p:spPr>
-        <p:txBody>
-          <a:bodyPr wrap="none" rtlCol="0" anchor="ctr" anchorCtr="1">
-            <a:spAutoFit/>
-          </a:bodyPr>
-          <a:lstStyle>
-            <a:lvl1pPr algn="l">
-              <a:lnSpc>
-                <a:spcPct val="150000"/>
-              </a:lnSpc>
-              <a:spcBef>
-                <a:spcPct val="0"/>
-              </a:spcBef>
-              <a:spcAft>
-                <a:spcPct val="0"/>
-              </a:spcAft>
-              <a:defRPr lang="en-US" sz="3200" b="1" noProof="1" dirty="0">
-                <a:solidFill>
-                  <a:prstClr val="red">
-                    <a:lumOff val="30000"/>
-                    <a:alpha val="40000"/>
-                  </a:prstClr>
-                </a:solidFill>
-                <a:effectLst>
-                  <a:outerShdw blurRad="50800" dist="38100" algn="tr" rotWithShape="0">
-                    <a:prstClr val="black">
-                      <a:alpha val="80000"/>
-                    </a:prstClr>
-                  </a:outerShdw>
-                </a:effectLst>
-                <a:latin typeface="Calibri" pitchFamily="34" charset="0"/>
-              </a:defRPr>
-            </a:lvl1pPr>
-          </a:lstStyle>
-          <a:p>
-            <a:pPr algn="ctr"/>
-            <a:r>
-              <a:t>Evaluation only.</a:t>
-            </a:r>
-          </a:p>
-          <a:p>
-            <a:pPr algn="ctr"/>
-            <a:r>
-              <a:t>Created with Aspose.Slides for Java 23.6.</a:t>
-            </a:r>
-          </a:p>
-          <a:p>
-            <a:pPr algn="ctr"/>
-            <a:r>
-              <a:t>Copyright 2004-2023 Aspose Pty Ltd.</a:t>
             </a:r>
           </a:p>
         </p:txBody>
@@ -15735,22 +12866,11 @@
   <p:clrMapOvr>
     <a:masterClrMapping/>
   </p:clrMapOvr>
-  <p:transition/>
-  <p:timing/>
 </p:sld>
 </file>
 
-<file path=ppt/tags/tag1.xml><?xml version="1.0" encoding="utf-8"?>
-<p:tagLst xmlns:p="http://schemas.openxmlformats.org/presentationml/2006/main">
-  <p:tag name="AS_OS" val="Microsoft Windows NT 10.0"/>
-  <p:tag name="AS_RELEASE_DATE" val="2023.06.30"/>
-  <p:tag name="AS_TITLE" val="Aspose.Slides for Java"/>
-  <p:tag name="AS_VERSION" val="23.6"/>
-</p:tagLst>
-</file>
-
 <file path=ppt/theme/theme1.xml><?xml version="1.0" encoding="utf-8"?>
-<a:theme xmlns:r="http://schemas.openxmlformats.org/officeDocument/2006/relationships" xmlns:a="http://schemas.openxmlformats.org/drawingml/2006/main" name="RetrospectVTI">
+<a:theme xmlns:a="http://schemas.openxmlformats.org/drawingml/2006/main" name="RetrospectVTI">
   <a:themeElements>
     <a:clrScheme name="Office">
       <a:dk1>
@@ -15792,9 +12912,9 @@
     </a:clrScheme>
     <a:fontScheme name="Retrospect">
       <a:majorFont>
-        <a:latin typeface="Bookman Old Style" panose="020f0302020204030204"/>
-        <a:ea typeface="Bookman Old Style" panose="020f0302020204030204"/>
-        <a:cs typeface="Arial"/>
+        <a:latin typeface="Bookman Old Style" panose="020F0302020204030204"/>
+        <a:ea typeface=""/>
+        <a:cs typeface=""/>
         <a:font script="Jpan" typeface="ＭＳ Ｐゴシック"/>
         <a:font script="Hang" typeface="맑은 고딕"/>
         <a:font script="Hans" typeface="宋体"/>
@@ -15827,9 +12947,9 @@
         <a:font script="Geor" typeface="Sylfaen"/>
       </a:majorFont>
       <a:minorFont>
-        <a:latin typeface="Franklin Gothic Book" panose="020f0502020204030204"/>
-        <a:ea typeface="Franklin Gothic Book" panose="020f0502020204030204"/>
-        <a:cs typeface="Arial"/>
+        <a:latin typeface="Franklin Gothic Book" panose="020F0502020204030204"/>
+        <a:ea typeface=""/>
+        <a:cs typeface=""/>
         <a:font script="Jpan" typeface="ＭＳ Ｐゴシック"/>
         <a:font script="Hang" typeface="맑은 고딕"/>
         <a:font script="Hans" typeface="宋体"/>
@@ -16023,6 +13143,7 @@
     </a:fmtScheme>
   </a:themeElements>
   <a:objectDefaults/>
+  <a:extraClrSchemeLst/>
   <a:extLst>
     <a:ext uri="{05A4C25C-085E-4340-85A3-A5531E510DB2}">
       <thm15:themeFamily xmlns:thm15="http://schemas.microsoft.com/office/thememl/2012/main" name="RetrospectVTI" id="{ABE3C30C-0FC0-4450-828E-52DE70F1BCCB}" vid="{A6E2497D-935A-4CFD-B9FD-6DCB15FA68BF}"/>
@@ -16032,7 +13153,7 @@
 </file>
 
 <file path=ppt/theme/theme2.xml><?xml version="1.0" encoding="utf-8"?>
-<a:theme xmlns:r="http://schemas.openxmlformats.org/officeDocument/2006/relationships" xmlns:a="http://schemas.openxmlformats.org/drawingml/2006/main" name="Office Theme">
+<a:theme xmlns:a="http://schemas.openxmlformats.org/drawingml/2006/main" name="Office Theme">
   <a:themeElements>
     <a:clrScheme name="Office">
       <a:dk1>
@@ -16075,8 +13196,8 @@
     <a:fontScheme name="Office">
       <a:majorFont>
         <a:latin typeface="Aptos Display" panose="02110004020202020204"/>
-        <a:ea typeface="Aptos Display" panose="02110004020202020204"/>
-        <a:cs typeface="Arial"/>
+        <a:ea typeface=""/>
+        <a:cs typeface=""/>
         <a:font script="Jpan" typeface="游ゴシック Light"/>
         <a:font script="Hang" typeface="맑은 고딕"/>
         <a:font script="Hans" typeface="等线 Light"/>
@@ -16127,8 +13248,8 @@
       </a:majorFont>
       <a:minorFont>
         <a:latin typeface="Aptos" panose="02110004020202020204"/>
-        <a:ea typeface="Aptos" panose="02110004020202020204"/>
-        <a:cs typeface="Arial"/>
+        <a:ea typeface=""/>
+        <a:cs typeface=""/>
         <a:font script="Jpan" typeface="游ゴシック"/>
         <a:font script="Hang" typeface="맑은 고딕"/>
         <a:font script="Hans" typeface="等线"/>
@@ -16337,6 +13458,7 @@
       </a:style>
     </a:lnDef>
   </a:objectDefaults>
+  <a:extraClrSchemeLst/>
   <a:extLst>
     <a:ext uri="{05A4C25C-085E-4340-85A3-A5531E510DB2}">
       <thm15:themeFamily xmlns:thm15="http://schemas.microsoft.com/office/thememl/2012/main" name="Office Theme" id="{2E142A2C-CD16-42D6-873A-C26D2A0506FA}" vid="{1BDDFF52-6CD6-40A5-AB3C-68EB2F1E4D0A}"/>
